--- a/slides/presentation_JC.pptx
+++ b/slides/presentation_JC.pptx
@@ -125,6 +125,14 @@
 </p:presentation>
 </file>
 
+<file path=ppt/revisionInfo.xml><?xml version="1.0" encoding="utf-8"?>
+<p1510:revInfo xmlns:a="http://schemas.openxmlformats.org/drawingml/2006/main" xmlns:r="http://schemas.openxmlformats.org/officeDocument/2006/relationships" xmlns:p1510="http://schemas.microsoft.com/office/powerpoint/2015/10/main">
+  <p1510:revLst>
+    <p1510:client id="{C3B87CA1-5551-214B-9C8F-1ECF618CD810}" v="1" dt="2023-05-19T23:12:34.835"/>
+  </p1510:revLst>
+</p1510:revInfo>
+</file>
+
 <file path=ppt/changesInfos/changesInfo1.xml><?xml version="1.0" encoding="utf-8"?>
 <pc:chgInfo xmlns:a="http://schemas.openxmlformats.org/drawingml/2006/main" xmlns:r="http://schemas.openxmlformats.org/officeDocument/2006/relationships" xmlns:ac="http://schemas.microsoft.com/office/drawing/2013/main/command" xmlns:pc="http://schemas.microsoft.com/office/powerpoint/2013/main/command">
   <pc:docChgLst>
@@ -328,6 +336,62 @@
             <pc:docMk/>
             <pc:sldMk cId="748295858" sldId="267"/>
             <ac:spMk id="3" creationId="{D85B36A1-4D70-7459-9C6F-E04DEBEB7AFE}"/>
+          </ac:spMkLst>
+        </pc:spChg>
+      </pc:sldChg>
+    </pc:docChg>
+  </pc:docChgLst>
+  <pc:docChgLst>
+    <pc:chgData name="Chomarat  Joris" userId="d6732a7a-77f8-4a92-b24d-a2f823eb0849" providerId="ADAL" clId="{C3B87CA1-5551-214B-9C8F-1ECF618CD810}"/>
+    <pc:docChg chg="custSel modSld">
+      <pc:chgData name="Chomarat  Joris" userId="d6732a7a-77f8-4a92-b24d-a2f823eb0849" providerId="ADAL" clId="{C3B87CA1-5551-214B-9C8F-1ECF618CD810}" dt="2023-05-19T23:12:37.288" v="533" actId="20577"/>
+      <pc:docMkLst>
+        <pc:docMk/>
+      </pc:docMkLst>
+      <pc:sldChg chg="modSp mod">
+        <pc:chgData name="Chomarat  Joris" userId="d6732a7a-77f8-4a92-b24d-a2f823eb0849" providerId="ADAL" clId="{C3B87CA1-5551-214B-9C8F-1ECF618CD810}" dt="2023-05-19T23:12:37.288" v="533" actId="20577"/>
+        <pc:sldMkLst>
+          <pc:docMk/>
+          <pc:sldMk cId="1648967949" sldId="274"/>
+        </pc:sldMkLst>
+        <pc:spChg chg="mod">
+          <ac:chgData name="Chomarat  Joris" userId="d6732a7a-77f8-4a92-b24d-a2f823eb0849" providerId="ADAL" clId="{C3B87CA1-5551-214B-9C8F-1ECF618CD810}" dt="2023-05-19T23:09:30.850" v="25" actId="20577"/>
+          <ac:spMkLst>
+            <pc:docMk/>
+            <pc:sldMk cId="1648967949" sldId="274"/>
+            <ac:spMk id="2" creationId="{091E8B47-0D09-0339-F424-E0A1FF796872}"/>
+          </ac:spMkLst>
+        </pc:spChg>
+        <pc:spChg chg="mod">
+          <ac:chgData name="Chomarat  Joris" userId="d6732a7a-77f8-4a92-b24d-a2f823eb0849" providerId="ADAL" clId="{C3B87CA1-5551-214B-9C8F-1ECF618CD810}" dt="2023-05-19T23:09:43.607" v="41" actId="20577"/>
+          <ac:spMkLst>
+            <pc:docMk/>
+            <pc:sldMk cId="1648967949" sldId="274"/>
+            <ac:spMk id="3" creationId="{55F724D6-F7A8-9115-54DD-B6A19CF05855}"/>
+          </ac:spMkLst>
+        </pc:spChg>
+        <pc:spChg chg="mod">
+          <ac:chgData name="Chomarat  Joris" userId="d6732a7a-77f8-4a92-b24d-a2f823eb0849" providerId="ADAL" clId="{C3B87CA1-5551-214B-9C8F-1ECF618CD810}" dt="2023-05-19T23:12:29.779" v="527" actId="20577"/>
+          <ac:spMkLst>
+            <pc:docMk/>
+            <pc:sldMk cId="1648967949" sldId="274"/>
+            <ac:spMk id="4" creationId="{7522627C-8AA0-A62E-02D4-CA1C49297B5E}"/>
+          </ac:spMkLst>
+        </pc:spChg>
+        <pc:spChg chg="mod">
+          <ac:chgData name="Chomarat  Joris" userId="d6732a7a-77f8-4a92-b24d-a2f823eb0849" providerId="ADAL" clId="{C3B87CA1-5551-214B-9C8F-1ECF618CD810}" dt="2023-05-19T23:12:37.288" v="533" actId="20577"/>
+          <ac:spMkLst>
+            <pc:docMk/>
+            <pc:sldMk cId="1648967949" sldId="274"/>
+            <ac:spMk id="5" creationId="{0DB4F1D7-4E26-068D-0310-794A25733B6E}"/>
+          </ac:spMkLst>
+        </pc:spChg>
+        <pc:spChg chg="mod">
+          <ac:chgData name="Chomarat  Joris" userId="d6732a7a-77f8-4a92-b24d-a2f823eb0849" providerId="ADAL" clId="{C3B87CA1-5551-214B-9C8F-1ECF618CD810}" dt="2023-05-19T23:12:35.001" v="530" actId="20577"/>
+          <ac:spMkLst>
+            <pc:docMk/>
+            <pc:sldMk cId="1648967949" sldId="274"/>
+            <ac:spMk id="6" creationId="{353C11FF-B35B-262B-C868-FE784305F32F}"/>
           </ac:spMkLst>
         </pc:spChg>
       </pc:sldChg>
@@ -7341,13 +7405,13 @@
           <a:lstStyle/>
           <a:p>
             <a:r>
-              <a:rPr lang="en-US">
+              <a:rPr lang="en-US" dirty="0">
                 <a:ea typeface="Calibri Light"/>
                 <a:cs typeface="Calibri Light"/>
               </a:rPr>
-              <a:t>Tradeoffs: Time vs. Score</a:t>
+              <a:t>Grid Search Algorithms</a:t>
             </a:r>
-            <a:endParaRPr lang="en-US"/>
+            <a:endParaRPr lang="en-US" dirty="0"/>
           </a:p>
         </p:txBody>
       </p:sp>
@@ -7373,13 +7437,12 @@
           <a:lstStyle/>
           <a:p>
             <a:r>
-              <a:rPr lang="en-US">
-                <a:ea typeface="Calibri"/>
+              <a:rPr lang="en-US" dirty="0" err="1">
                 <a:cs typeface="Calibri"/>
               </a:rPr>
-              <a:t>SVM</a:t>
+              <a:t>Sklearn-deap</a:t>
             </a:r>
-            <a:endParaRPr lang="en-US"/>
+            <a:endParaRPr lang="en-US" dirty="0"/>
           </a:p>
         </p:txBody>
       </p:sp>
@@ -7411,70 +7474,125 @@
                 <a:ea typeface="Calibri"/>
                 <a:cs typeface="Calibri"/>
               </a:rPr>
-              <a:t>SVM takes long enough to predict by itself (multiple minutes per iteration)</a:t>
-            </a:r>
-            <a:endParaRPr lang="en-US" dirty="0"/>
-          </a:p>
-          <a:p>
-            <a:r>
-              <a:rPr lang="en-US" dirty="0">
-                <a:ea typeface="Calibri"/>
-                <a:cs typeface="Calibri"/>
-              </a:rPr>
-              <a:t>To perform grid search with SVM would take days if not weeks</a:t>
-            </a:r>
-          </a:p>
-          <a:p>
-            <a:r>
-              <a:rPr lang="en-US" dirty="0">
-                <a:ea typeface="Calibri"/>
-                <a:cs typeface="Calibri"/>
-              </a:rPr>
-              <a:t>If unlimited computational time was allowed, we would try </a:t>
+              <a:t>To reduce time spent on </a:t>
             </a:r>
             <a:r>
               <a:rPr lang="en-US" dirty="0" err="1">
                 <a:ea typeface="Calibri"/>
                 <a:cs typeface="Calibri"/>
               </a:rPr>
-              <a:t>Adaboost</a:t>
+              <a:t>GridSearch</a:t>
             </a:r>
             <a:r>
               <a:rPr lang="en-US" dirty="0">
                 <a:ea typeface="Calibri"/>
                 <a:cs typeface="Calibri"/>
               </a:rPr>
-              <a:t> with SVM</a:t>
+              <a:t>, package </a:t>
             </a:r>
-          </a:p>
-          <a:p>
-            <a:pPr lvl="1"/>
+            <a:r>
+              <a:rPr lang="en-US" dirty="0" err="1">
+                <a:ea typeface="Calibri"/>
+                <a:cs typeface="Calibri"/>
+              </a:rPr>
+              <a:t>sklearn-deap</a:t>
+            </a:r>
             <a:r>
               <a:rPr lang="en-US" dirty="0">
                 <a:ea typeface="Calibri"/>
                 <a:cs typeface="Calibri"/>
               </a:rPr>
-              <a:t>This would likely increase F1 score</a:t>
+              <a:t> was installed and implemented in code</a:t>
             </a:r>
           </a:p>
           <a:p>
-            <a:pPr lvl="1"/>
+            <a:pPr>
+              <a:buFont typeface="Wingdings" pitchFamily="2" charset="2"/>
+              <a:buChar char="à"/>
+            </a:pPr>
             <a:r>
               <a:rPr lang="en-US" dirty="0">
                 <a:ea typeface="Calibri"/>
                 <a:cs typeface="Calibri"/>
+                <a:sym typeface="Wingdings" pitchFamily="2" charset="2"/>
               </a:rPr>
-              <a:t>For this project, this does not make sense</a:t>
+              <a:t>Evolutionary algorithm instead of scikit </a:t>
             </a:r>
-          </a:p>
-          <a:p>
-            <a:pPr marL="457200" lvl="1" indent="0">
-              <a:buNone/>
-            </a:pPr>
+            <a:r>
+              <a:rPr lang="en-US" dirty="0" err="1">
+                <a:ea typeface="Calibri"/>
+                <a:cs typeface="Calibri"/>
+                <a:sym typeface="Wingdings" pitchFamily="2" charset="2"/>
+              </a:rPr>
+              <a:t>gridsearch</a:t>
+            </a:r>
             <a:endParaRPr lang="en-US" dirty="0">
+              <a:ea typeface="Calibri"/>
               <a:cs typeface="Calibri"/>
               <a:sym typeface="Wingdings" pitchFamily="2" charset="2"/>
             </a:endParaRPr>
+          </a:p>
+          <a:p>
+            <a:pPr>
+              <a:buFont typeface="Wingdings" pitchFamily="2" charset="2"/>
+              <a:buChar char="à"/>
+            </a:pPr>
+            <a:r>
+              <a:rPr lang="en-US" dirty="0">
+                <a:ea typeface="Calibri"/>
+                <a:cs typeface="Calibri"/>
+                <a:sym typeface="Wingdings" pitchFamily="2" charset="2"/>
+              </a:rPr>
+              <a:t>Problem: worker attribution problem: algorithm could only run on one </a:t>
+            </a:r>
+            <a:r>
+              <a:rPr lang="en-US" dirty="0" err="1">
+                <a:ea typeface="Calibri"/>
+                <a:cs typeface="Calibri"/>
+                <a:sym typeface="Wingdings" pitchFamily="2" charset="2"/>
+              </a:rPr>
+              <a:t>cpu</a:t>
+            </a:r>
+            <a:r>
+              <a:rPr lang="en-US" dirty="0">
+                <a:ea typeface="Calibri"/>
+                <a:cs typeface="Calibri"/>
+                <a:sym typeface="Wingdings" pitchFamily="2" charset="2"/>
+              </a:rPr>
+              <a:t> core and was thus slower than scikit </a:t>
+            </a:r>
+            <a:r>
+              <a:rPr lang="en-US" dirty="0" err="1">
+                <a:ea typeface="Calibri"/>
+                <a:cs typeface="Calibri"/>
+                <a:sym typeface="Wingdings" pitchFamily="2" charset="2"/>
+              </a:rPr>
+              <a:t>GridSearch</a:t>
+            </a:r>
+            <a:r>
+              <a:rPr lang="en-US" dirty="0">
+                <a:ea typeface="Calibri"/>
+                <a:cs typeface="Calibri"/>
+                <a:sym typeface="Wingdings" pitchFamily="2" charset="2"/>
+              </a:rPr>
+              <a:t> on </a:t>
+            </a:r>
+            <a:r>
+              <a:rPr lang="en-US" dirty="0" err="1">
+                <a:ea typeface="Calibri"/>
+                <a:cs typeface="Calibri"/>
+                <a:sym typeface="Wingdings" pitchFamily="2" charset="2"/>
+              </a:rPr>
+              <a:t>n_jobs</a:t>
+            </a:r>
+            <a:r>
+              <a:rPr lang="en-US" dirty="0">
+                <a:ea typeface="Calibri"/>
+                <a:cs typeface="Calibri"/>
+                <a:sym typeface="Wingdings" pitchFamily="2" charset="2"/>
+              </a:rPr>
+              <a:t>=-1</a:t>
+            </a:r>
           </a:p>
           <a:p>
             <a:pPr lvl="1">
@@ -7483,25 +7601,28 @@
             </a:pPr>
             <a:r>
               <a:rPr lang="en-US" dirty="0">
+                <a:ea typeface="Calibri"/>
                 <a:cs typeface="Calibri"/>
                 <a:sym typeface="Wingdings" pitchFamily="2" charset="2"/>
               </a:rPr>
-              <a:t>being allowed to submit an already trained model was communicated very late</a:t>
+              <a:t>Problem is known in community and not </a:t>
             </a:r>
-          </a:p>
-          <a:p>
-            <a:pPr lvl="1">
-              <a:buFont typeface="Wingdings" pitchFamily="2" charset="2"/>
-              <a:buChar char="à"/>
-            </a:pPr>
             <a:r>
-              <a:rPr lang="en-US" dirty="0">
+              <a:rPr lang="en-US" dirty="0" err="1">
+                <a:ea typeface="Calibri"/>
                 <a:cs typeface="Calibri"/>
                 <a:sym typeface="Wingdings" pitchFamily="2" charset="2"/>
               </a:rPr>
-              <a:t>Earlier communication may have influenced training approaches chosen</a:t>
+              <a:t>becaue</a:t>
             </a:r>
-            <a:endParaRPr lang="en-US" dirty="0"/>
+            <a:r>
+              <a:rPr lang="en-US" dirty="0">
+                <a:ea typeface="Calibri"/>
+                <a:cs typeface="Calibri"/>
+                <a:sym typeface="Wingdings" pitchFamily="2" charset="2"/>
+              </a:rPr>
+              <a:t> of my machine</a:t>
+            </a:r>
           </a:p>
         </p:txBody>
       </p:sp>
@@ -7527,120 +7648,48 @@
           <a:lstStyle/>
           <a:p>
             <a:r>
-              <a:rPr lang="en-US">
+              <a:rPr lang="en-US" dirty="0" err="1">
                 <a:cs typeface="Calibri"/>
               </a:rPr>
-              <a:t>Late Fusion with Boosted Model</a:t>
+              <a:t>bla</a:t>
             </a:r>
             <a:endParaRPr lang="en-US" dirty="0"/>
           </a:p>
         </p:txBody>
       </p:sp>
-      <mc:AlternateContent xmlns:mc="http://schemas.openxmlformats.org/markup-compatibility/2006" xmlns:a14="http://schemas.microsoft.com/office/drawing/2010/main">
-        <mc:Choice Requires="a14">
-          <p:sp>
-            <p:nvSpPr>
-              <p:cNvPr id="6" name="Content Placeholder 5">
-                <a:extLst>
-                  <a:ext uri="{FF2B5EF4-FFF2-40B4-BE49-F238E27FC236}">
-                    <a16:creationId xmlns:a16="http://schemas.microsoft.com/office/drawing/2014/main" id="{353C11FF-B35B-262B-C868-FE784305F32F}"/>
-                  </a:ext>
-                </a:extLst>
-              </p:cNvPr>
-              <p:cNvSpPr>
-                <a:spLocks noGrp="1"/>
-              </p:cNvSpPr>
-              <p:nvPr>
-                <p:ph sz="quarter" idx="4"/>
-              </p:nvPr>
-            </p:nvSpPr>
-            <p:spPr/>
-            <p:txBody>
-              <a:bodyPr vert="horz" lIns="91440" tIns="45720" rIns="91440" bIns="45720" rtlCol="0" anchor="t">
-                <a:normAutofit/>
-              </a:bodyPr>
-              <a:lstStyle/>
-              <a:p>
-                <a:r>
-                  <a:rPr lang="en-US" dirty="0">
-                    <a:cs typeface="Calibri"/>
-                  </a:rPr>
-                  <a:t>Running grid search to find the optimal weights returned a weight of </a:t>
-                </a:r>
-                <a14:m>
-                  <m:oMath xmlns:m="http://schemas.openxmlformats.org/officeDocument/2006/math">
-                    <m:r>
-                      <a:rPr lang="en-US" i="1" dirty="0" smtClean="0">
-                        <a:latin typeface="Cambria Math" panose="02040503050406030204" pitchFamily="18" charset="0"/>
-                        <a:cs typeface="Calibri"/>
-                      </a:rPr>
-                      <m:t>100 %</m:t>
-                    </m:r>
-                  </m:oMath>
-                </a14:m>
-                <a:r>
-                  <a:rPr lang="en-US" dirty="0">
-                    <a:cs typeface="Calibri"/>
-                  </a:rPr>
-                  <a:t> for AdaBoost since it had significantly better performance.</a:t>
-                </a:r>
-              </a:p>
-              <a:p>
-                <a:pPr marL="0" indent="0">
-                  <a:buNone/>
-                </a:pPr>
-                <a:r>
-                  <a:rPr lang="en-US" dirty="0">
-                    <a:cs typeface="Calibri"/>
-                    <a:sym typeface="Wingdings" pitchFamily="2" charset="2"/>
-                  </a:rPr>
-                  <a:t> Late fusion was thus not used in the final predictions</a:t>
-                </a:r>
-                <a:endParaRPr lang="en-US" dirty="0"/>
-              </a:p>
-            </p:txBody>
-          </p:sp>
-        </mc:Choice>
-        <mc:Fallback xmlns="">
-          <p:sp>
-            <p:nvSpPr>
-              <p:cNvPr id="6" name="Content Placeholder 5">
-                <a:extLst>
-                  <a:ext uri="{FF2B5EF4-FFF2-40B4-BE49-F238E27FC236}">
-                    <a16:creationId xmlns:a16="http://schemas.microsoft.com/office/drawing/2014/main" id="{353C11FF-B35B-262B-C868-FE784305F32F}"/>
-                  </a:ext>
-                </a:extLst>
-              </p:cNvPr>
-              <p:cNvSpPr>
-                <a:spLocks noGrp="1" noRot="1" noChangeAspect="1" noMove="1" noResize="1" noEditPoints="1" noAdjustHandles="1" noChangeArrowheads="1" noChangeShapeType="1" noTextEdit="1"/>
-              </p:cNvSpPr>
-              <p:nvPr>
-                <p:ph sz="quarter" idx="4"/>
-              </p:nvPr>
-            </p:nvSpPr>
-            <p:spPr>
-              <a:blipFill>
-                <a:blip r:embed="rId2"/>
-                <a:stretch>
-                  <a:fillRect l="-1059" t="-1656"/>
-                </a:stretch>
-              </a:blipFill>
-            </p:spPr>
-            <p:txBody>
-              <a:bodyPr/>
-              <a:lstStyle/>
-              <a:p>
-                <a:r>
-                  <a:rPr lang="en-US">
-                    <a:noFill/>
-                  </a:rPr>
-                  <a:t> </a:t>
-                </a:r>
-              </a:p>
-            </p:txBody>
-          </p:sp>
-        </mc:Fallback>
-      </mc:AlternateContent>
+      <p:sp>
+        <p:nvSpPr>
+          <p:cNvPr id="6" name="Content Placeholder 5">
+            <a:extLst>
+              <a:ext uri="{FF2B5EF4-FFF2-40B4-BE49-F238E27FC236}">
+                <a16:creationId xmlns:a16="http://schemas.microsoft.com/office/drawing/2014/main" id="{353C11FF-B35B-262B-C868-FE784305F32F}"/>
+              </a:ext>
+            </a:extLst>
+          </p:cNvPr>
+          <p:cNvSpPr>
+            <a:spLocks noGrp="1"/>
+          </p:cNvSpPr>
+          <p:nvPr>
+            <p:ph sz="quarter" idx="4"/>
+          </p:nvPr>
+        </p:nvSpPr>
+        <p:spPr/>
+        <p:txBody>
+          <a:bodyPr vert="horz" lIns="91440" tIns="45720" rIns="91440" bIns="45720" rtlCol="0" anchor="t">
+            <a:normAutofit/>
+          </a:bodyPr>
+          <a:lstStyle/>
+          <a:p>
+            <a:r>
+              <a:rPr lang="en-US" dirty="0" err="1">
+                <a:cs typeface="Calibri"/>
+              </a:rPr>
+              <a:t>bla</a:t>
+            </a:r>
+            <a:endParaRPr lang="en-US" dirty="0"/>
+          </a:p>
+        </p:txBody>
+      </p:sp>
       <p:sp>
         <p:nvSpPr>
           <p:cNvPr id="7" name="Slide Number Placeholder 6">

--- a/slides/presentation_JC.pptx
+++ b/slides/presentation_JC.pptx
@@ -5,20 +5,22 @@
     <p:sldMasterId id="2147483648" r:id="rId1"/>
   </p:sldMasterIdLst>
   <p:notesMasterIdLst>
-    <p:notesMasterId r:id="rId13"/>
+    <p:notesMasterId r:id="rId15"/>
   </p:notesMasterIdLst>
   <p:sldIdLst>
     <p:sldId id="256" r:id="rId2"/>
-    <p:sldId id="277" r:id="rId3"/>
-    <p:sldId id="278" r:id="rId4"/>
-    <p:sldId id="279" r:id="rId5"/>
-    <p:sldId id="262" r:id="rId6"/>
-    <p:sldId id="271" r:id="rId7"/>
-    <p:sldId id="282" r:id="rId8"/>
-    <p:sldId id="272" r:id="rId9"/>
-    <p:sldId id="267" r:id="rId10"/>
-    <p:sldId id="273" r:id="rId11"/>
-    <p:sldId id="274" r:id="rId12"/>
+    <p:sldId id="283" r:id="rId3"/>
+    <p:sldId id="284" r:id="rId4"/>
+    <p:sldId id="277" r:id="rId5"/>
+    <p:sldId id="278" r:id="rId6"/>
+    <p:sldId id="279" r:id="rId7"/>
+    <p:sldId id="262" r:id="rId8"/>
+    <p:sldId id="271" r:id="rId9"/>
+    <p:sldId id="282" r:id="rId10"/>
+    <p:sldId id="272" r:id="rId11"/>
+    <p:sldId id="267" r:id="rId12"/>
+    <p:sldId id="273" r:id="rId13"/>
+    <p:sldId id="274" r:id="rId14"/>
   </p:sldIdLst>
   <p:sldSz cx="12192000" cy="6858000"/>
   <p:notesSz cx="6858000" cy="9144000"/>
@@ -125,6 +127,14 @@
 </p:presentation>
 </file>
 
+<file path=ppt/revisionInfo.xml><?xml version="1.0" encoding="utf-8"?>
+<p1510:revInfo xmlns:a="http://schemas.openxmlformats.org/drawingml/2006/main" xmlns:r="http://schemas.openxmlformats.org/officeDocument/2006/relationships" xmlns:p1510="http://schemas.microsoft.com/office/powerpoint/2015/10/main">
+  <p1510:revLst>
+    <p1510:client id="{C3B87CA1-5551-214B-9C8F-1ECF618CD810}" v="25" dt="2023-05-22T19:44:58.929"/>
+  </p1510:revLst>
+</p1510:revInfo>
+</file>
+
 <file path=ppt/changesInfos/changesInfo1.xml><?xml version="1.0" encoding="utf-8"?>
 <pc:chgInfo xmlns:a="http://schemas.openxmlformats.org/drawingml/2006/main" xmlns:r="http://schemas.openxmlformats.org/officeDocument/2006/relationships" xmlns:ac="http://schemas.microsoft.com/office/drawing/2013/main/command" xmlns:pc="http://schemas.microsoft.com/office/powerpoint/2013/main/command">
   <pc:docChgLst>
@@ -330,6 +340,108 @@
             <ac:spMk id="3" creationId="{D85B36A1-4D70-7459-9C6F-E04DEBEB7AFE}"/>
           </ac:spMkLst>
         </pc:spChg>
+      </pc:sldChg>
+    </pc:docChg>
+  </pc:docChgLst>
+  <pc:docChgLst>
+    <pc:chgData name="Chomarat  Joris" userId="d6732a7a-77f8-4a92-b24d-a2f823eb0849" providerId="ADAL" clId="{C3B87CA1-5551-214B-9C8F-1ECF618CD810}"/>
+    <pc:docChg chg="undo custSel addSld delSld modSld">
+      <pc:chgData name="Chomarat  Joris" userId="d6732a7a-77f8-4a92-b24d-a2f823eb0849" providerId="ADAL" clId="{C3B87CA1-5551-214B-9C8F-1ECF618CD810}" dt="2023-05-22T19:44:58.929" v="1028" actId="20577"/>
+      <pc:docMkLst>
+        <pc:docMk/>
+      </pc:docMkLst>
+      <pc:sldChg chg="modSp new mod">
+        <pc:chgData name="Chomarat  Joris" userId="d6732a7a-77f8-4a92-b24d-a2f823eb0849" providerId="ADAL" clId="{C3B87CA1-5551-214B-9C8F-1ECF618CD810}" dt="2023-05-22T19:21:58.224" v="501" actId="20577"/>
+        <pc:sldMkLst>
+          <pc:docMk/>
+          <pc:sldMk cId="1534149943" sldId="283"/>
+        </pc:sldMkLst>
+        <pc:spChg chg="mod">
+          <ac:chgData name="Chomarat  Joris" userId="d6732a7a-77f8-4a92-b24d-a2f823eb0849" providerId="ADAL" clId="{C3B87CA1-5551-214B-9C8F-1ECF618CD810}" dt="2023-05-22T19:17:13.692" v="6" actId="20577"/>
+          <ac:spMkLst>
+            <pc:docMk/>
+            <pc:sldMk cId="1534149943" sldId="283"/>
+            <ac:spMk id="2" creationId="{9C849EAB-941B-A3B5-C701-741C1030DDBE}"/>
+          </ac:spMkLst>
+        </pc:spChg>
+        <pc:spChg chg="mod">
+          <ac:chgData name="Chomarat  Joris" userId="d6732a7a-77f8-4a92-b24d-a2f823eb0849" providerId="ADAL" clId="{C3B87CA1-5551-214B-9C8F-1ECF618CD810}" dt="2023-05-22T19:21:58.224" v="501" actId="20577"/>
+          <ac:spMkLst>
+            <pc:docMk/>
+            <pc:sldMk cId="1534149943" sldId="283"/>
+            <ac:spMk id="3" creationId="{96CDA5DF-D2FB-19B3-4632-D02864FCD412}"/>
+          </ac:spMkLst>
+        </pc:spChg>
+      </pc:sldChg>
+      <pc:sldChg chg="new del">
+        <pc:chgData name="Chomarat  Joris" userId="d6732a7a-77f8-4a92-b24d-a2f823eb0849" providerId="ADAL" clId="{C3B87CA1-5551-214B-9C8F-1ECF618CD810}" dt="2023-05-22T19:28:08.253" v="503" actId="680"/>
+        <pc:sldMkLst>
+          <pc:docMk/>
+          <pc:sldMk cId="3247795761" sldId="284"/>
+        </pc:sldMkLst>
+      </pc:sldChg>
+      <pc:sldChg chg="addSp delSp modSp new mod">
+        <pc:chgData name="Chomarat  Joris" userId="d6732a7a-77f8-4a92-b24d-a2f823eb0849" providerId="ADAL" clId="{C3B87CA1-5551-214B-9C8F-1ECF618CD810}" dt="2023-05-22T19:44:58.929" v="1028" actId="20577"/>
+        <pc:sldMkLst>
+          <pc:docMk/>
+          <pc:sldMk cId="3986431820" sldId="284"/>
+        </pc:sldMkLst>
+        <pc:spChg chg="mod">
+          <ac:chgData name="Chomarat  Joris" userId="d6732a7a-77f8-4a92-b24d-a2f823eb0849" providerId="ADAL" clId="{C3B87CA1-5551-214B-9C8F-1ECF618CD810}" dt="2023-05-22T19:28:17.003" v="521" actId="20577"/>
+          <ac:spMkLst>
+            <pc:docMk/>
+            <pc:sldMk cId="3986431820" sldId="284"/>
+            <ac:spMk id="2" creationId="{9C90B900-701A-2B0C-A8A2-A803AA67D408}"/>
+          </ac:spMkLst>
+        </pc:spChg>
+        <pc:spChg chg="add del mod">
+          <ac:chgData name="Chomarat  Joris" userId="d6732a7a-77f8-4a92-b24d-a2f823eb0849" providerId="ADAL" clId="{C3B87CA1-5551-214B-9C8F-1ECF618CD810}" dt="2023-05-22T19:44:58.929" v="1028" actId="20577"/>
+          <ac:spMkLst>
+            <pc:docMk/>
+            <pc:sldMk cId="3986431820" sldId="284"/>
+            <ac:spMk id="3" creationId="{5A65787E-884D-E6FD-A21A-4A60EC122E5C}"/>
+          </ac:spMkLst>
+        </pc:spChg>
+        <pc:spChg chg="del">
+          <ac:chgData name="Chomarat  Joris" userId="d6732a7a-77f8-4a92-b24d-a2f823eb0849" providerId="ADAL" clId="{C3B87CA1-5551-214B-9C8F-1ECF618CD810}" dt="2023-05-22T19:30:03.288" v="530"/>
+          <ac:spMkLst>
+            <pc:docMk/>
+            <pc:sldMk cId="3986431820" sldId="284"/>
+            <ac:spMk id="4" creationId="{CBB481AE-8880-70C5-9BBB-9B3C62E8E719}"/>
+          </ac:spMkLst>
+        </pc:spChg>
+        <pc:spChg chg="add del mod">
+          <ac:chgData name="Chomarat  Joris" userId="d6732a7a-77f8-4a92-b24d-a2f823eb0849" providerId="ADAL" clId="{C3B87CA1-5551-214B-9C8F-1ECF618CD810}" dt="2023-05-22T19:35:35.917" v="1006"/>
+          <ac:spMkLst>
+            <pc:docMk/>
+            <pc:sldMk cId="3986431820" sldId="284"/>
+            <ac:spMk id="11" creationId="{38A59295-8BD2-183C-3FB9-7A27E123B252}"/>
+          </ac:spMkLst>
+        </pc:spChg>
+        <pc:picChg chg="add del mod">
+          <ac:chgData name="Chomarat  Joris" userId="d6732a7a-77f8-4a92-b24d-a2f823eb0849" providerId="ADAL" clId="{C3B87CA1-5551-214B-9C8F-1ECF618CD810}" dt="2023-05-22T19:29:55.791" v="523"/>
+          <ac:picMkLst>
+            <pc:docMk/>
+            <pc:sldMk cId="3986431820" sldId="284"/>
+            <ac:picMk id="7" creationId="{B1164633-FF4D-CB39-6DDF-FD5A69B3CF03}"/>
+          </ac:picMkLst>
+        </pc:picChg>
+        <pc:picChg chg="add del mod modCrop">
+          <ac:chgData name="Chomarat  Joris" userId="d6732a7a-77f8-4a92-b24d-a2f823eb0849" providerId="ADAL" clId="{C3B87CA1-5551-214B-9C8F-1ECF618CD810}" dt="2023-05-22T19:35:32.086" v="1005" actId="478"/>
+          <ac:picMkLst>
+            <pc:docMk/>
+            <pc:sldMk cId="3986431820" sldId="284"/>
+            <ac:picMk id="9" creationId="{36A1AA94-C4BA-0870-CD18-AD3070CFE29F}"/>
+          </ac:picMkLst>
+        </pc:picChg>
+        <pc:picChg chg="add mod modCrop">
+          <ac:chgData name="Chomarat  Joris" userId="d6732a7a-77f8-4a92-b24d-a2f823eb0849" providerId="ADAL" clId="{C3B87CA1-5551-214B-9C8F-1ECF618CD810}" dt="2023-05-22T19:35:58.071" v="1012" actId="14100"/>
+          <ac:picMkLst>
+            <pc:docMk/>
+            <pc:sldMk cId="3986431820" sldId="284"/>
+            <ac:picMk id="13" creationId="{607908B9-A0F5-11DE-7206-3E5A08C03A96}"/>
+          </ac:picMkLst>
+        </pc:picChg>
       </pc:sldChg>
     </pc:docChg>
   </pc:docChgLst>
@@ -2660,7 +2772,7 @@
           <a:p>
             <a:fld id="{B484AB6C-365D-3F47-8884-FF5BC1D3703E}" type="datetimeFigureOut">
               <a:rPr lang="en-CH" smtClean="0"/>
-              <a:t>19.05.23</a:t>
+              <a:t>22.05.23</a:t>
             </a:fld>
             <a:endParaRPr lang="en-CH"/>
           </a:p>
@@ -3077,7 +3189,7 @@
           <a:p>
             <a:fld id="{ECA1023D-D226-2B4B-B752-4B4EFA7E61A1}" type="datetime1">
               <a:rPr lang="de-CH" smtClean="0"/>
-              <a:t>19.05.23</a:t>
+              <a:t>22.05.23</a:t>
             </a:fld>
             <a:endParaRPr lang="en-CH"/>
           </a:p>
@@ -3277,7 +3389,7 @@
           <a:p>
             <a:fld id="{B71F4D68-AE2C-A747-9AD4-EC12AAE779C0}" type="datetime1">
               <a:rPr lang="de-CH" smtClean="0"/>
-              <a:t>19.05.23</a:t>
+              <a:t>22.05.23</a:t>
             </a:fld>
             <a:endParaRPr lang="en-CH"/>
           </a:p>
@@ -3487,7 +3599,7 @@
           <a:p>
             <a:fld id="{30BC1881-DA6F-E24D-A230-299D72E77E7A}" type="datetime1">
               <a:rPr lang="de-CH" smtClean="0"/>
-              <a:t>19.05.23</a:t>
+              <a:t>22.05.23</a:t>
             </a:fld>
             <a:endParaRPr lang="en-CH"/>
           </a:p>
@@ -3687,7 +3799,7 @@
           <a:p>
             <a:fld id="{EFBD72C2-BEFA-C946-8A24-CD88DC92D1CD}" type="datetime1">
               <a:rPr lang="de-CH" smtClean="0"/>
-              <a:t>19.05.23</a:t>
+              <a:t>22.05.23</a:t>
             </a:fld>
             <a:endParaRPr lang="en-CH"/>
           </a:p>
@@ -3963,7 +4075,7 @@
           <a:p>
             <a:fld id="{B3DDA61D-715C-BD48-BD5C-8E1AAA9EBCFD}" type="datetime1">
               <a:rPr lang="de-CH" smtClean="0"/>
-              <a:t>19.05.23</a:t>
+              <a:t>22.05.23</a:t>
             </a:fld>
             <a:endParaRPr lang="en-CH"/>
           </a:p>
@@ -4231,7 +4343,7 @@
           <a:p>
             <a:fld id="{4F6814D6-E8F5-4D4F-8819-FC46DBA65542}" type="datetime1">
               <a:rPr lang="de-CH" smtClean="0"/>
-              <a:t>19.05.23</a:t>
+              <a:t>22.05.23</a:t>
             </a:fld>
             <a:endParaRPr lang="en-CH"/>
           </a:p>
@@ -4646,7 +4758,7 @@
           <a:p>
             <a:fld id="{9B9E2381-2612-FC48-9697-FE0406C74748}" type="datetime1">
               <a:rPr lang="de-CH" smtClean="0"/>
-              <a:t>19.05.23</a:t>
+              <a:t>22.05.23</a:t>
             </a:fld>
             <a:endParaRPr lang="en-CH"/>
           </a:p>
@@ -4788,7 +4900,7 @@
           <a:p>
             <a:fld id="{FF5ADF62-4D88-C043-8A45-8294C9BA602C}" type="datetime1">
               <a:rPr lang="de-CH" smtClean="0"/>
-              <a:t>19.05.23</a:t>
+              <a:t>22.05.23</a:t>
             </a:fld>
             <a:endParaRPr lang="en-CH"/>
           </a:p>
@@ -4901,7 +5013,7 @@
           <a:p>
             <a:fld id="{AB56A37F-2267-5541-BB6E-7DA3FBD380C4}" type="datetime1">
               <a:rPr lang="de-CH" smtClean="0"/>
-              <a:t>19.05.23</a:t>
+              <a:t>22.05.23</a:t>
             </a:fld>
             <a:endParaRPr lang="en-CH"/>
           </a:p>
@@ -5214,7 +5326,7 @@
           <a:p>
             <a:fld id="{C5CA3E29-396B-3C43-8288-FA1504B62521}" type="datetime1">
               <a:rPr lang="de-CH" smtClean="0"/>
-              <a:t>19.05.23</a:t>
+              <a:t>22.05.23</a:t>
             </a:fld>
             <a:endParaRPr lang="en-CH"/>
           </a:p>
@@ -5503,7 +5615,7 @@
           <a:p>
             <a:fld id="{7789CE94-C882-9746-9F27-F702576888CA}" type="datetime1">
               <a:rPr lang="de-CH" smtClean="0"/>
-              <a:t>19.05.23</a:t>
+              <a:t>22.05.23</a:t>
             </a:fld>
             <a:endParaRPr lang="en-CH"/>
           </a:p>
@@ -5739,7 +5851,7 @@
           <a:p>
             <a:fld id="{3BA454E6-A734-B242-B624-75A814036F57}" type="datetime1">
               <a:rPr lang="de-CH" smtClean="0"/>
-              <a:t>19.05.23</a:t>
+              <a:t>22.05.23</a:t>
             </a:fld>
             <a:endParaRPr lang="en-CH"/>
           </a:p>
@@ -6351,6 +6463,4087 @@
           <a:chExt cx="0" cy="0"/>
         </a:xfrm>
       </p:grpSpPr>
+      <p:sp>
+        <p:nvSpPr>
+          <p:cNvPr id="2" name="Title 1">
+            <a:extLst>
+              <a:ext uri="{FF2B5EF4-FFF2-40B4-BE49-F238E27FC236}">
+                <a16:creationId xmlns:a16="http://schemas.microsoft.com/office/drawing/2014/main" id="{B9DEFAE4-C4A7-8327-8D87-B214E7866B43}"/>
+              </a:ext>
+            </a:extLst>
+          </p:cNvPr>
+          <p:cNvSpPr>
+            <a:spLocks noGrp="1"/>
+          </p:cNvSpPr>
+          <p:nvPr>
+            <p:ph type="title"/>
+          </p:nvPr>
+        </p:nvSpPr>
+        <p:spPr>
+          <a:xfrm>
+            <a:off x="742284" y="178621"/>
+            <a:ext cx="10515600" cy="1325563"/>
+          </a:xfrm>
+        </p:spPr>
+        <p:txBody>
+          <a:bodyPr/>
+          <a:lstStyle/>
+          <a:p>
+            <a:r>
+              <a:rPr lang="en-US" dirty="0">
+                <a:cs typeface="Calibri Light"/>
+              </a:rPr>
+              <a:t>Results </a:t>
+            </a:r>
+            <a:r>
+              <a:rPr lang="en-US" sz="2000" dirty="0">
+                <a:cs typeface="Calibri Light"/>
+              </a:rPr>
+              <a:t>(single classifiers)</a:t>
+            </a:r>
+            <a:endParaRPr lang="en-US" dirty="0"/>
+          </a:p>
+        </p:txBody>
+      </p:sp>
+      <p:sp>
+        <p:nvSpPr>
+          <p:cNvPr id="5" name="Slide Number Placeholder 4">
+            <a:extLst>
+              <a:ext uri="{FF2B5EF4-FFF2-40B4-BE49-F238E27FC236}">
+                <a16:creationId xmlns:a16="http://schemas.microsoft.com/office/drawing/2014/main" id="{37940D1F-E4FD-9B3B-9574-8EB0DC302369}"/>
+              </a:ext>
+            </a:extLst>
+          </p:cNvPr>
+          <p:cNvSpPr>
+            <a:spLocks noGrp="1"/>
+          </p:cNvSpPr>
+          <p:nvPr>
+            <p:ph type="sldNum" sz="quarter" idx="12"/>
+          </p:nvPr>
+        </p:nvSpPr>
+        <p:spPr/>
+        <p:txBody>
+          <a:bodyPr/>
+          <a:lstStyle/>
+          <a:p>
+            <a:fld id="{C64F7615-2022-6F4D-BD3B-2012A5267077}" type="slidenum">
+              <a:rPr lang="en-CH" smtClean="0"/>
+              <a:t>10</a:t>
+            </a:fld>
+            <a:endParaRPr lang="en-CH"/>
+          </a:p>
+        </p:txBody>
+      </p:sp>
+      <mc:AlternateContent xmlns:mc="http://schemas.openxmlformats.org/markup-compatibility/2006" xmlns:a14="http://schemas.microsoft.com/office/drawing/2010/main">
+        <mc:Choice Requires="a14">
+          <p:graphicFrame>
+            <p:nvGraphicFramePr>
+              <p:cNvPr id="3" name="Table 6">
+                <a:extLst>
+                  <a:ext uri="{FF2B5EF4-FFF2-40B4-BE49-F238E27FC236}">
+                    <a16:creationId xmlns:a16="http://schemas.microsoft.com/office/drawing/2014/main" id="{1EBD2D59-BD48-71B3-8FE7-6AD37E45DAC5}"/>
+                  </a:ext>
+                </a:extLst>
+              </p:cNvPr>
+              <p:cNvGraphicFramePr>
+                <a:graphicFrameLocks noGrp="1"/>
+              </p:cNvGraphicFramePr>
+              <p:nvPr>
+                <p:extLst>
+                  <p:ext uri="{D42A27DB-BD31-4B8C-83A1-F6EECF244321}">
+                    <p14:modId xmlns:p14="http://schemas.microsoft.com/office/powerpoint/2010/main" val="376577478"/>
+                  </p:ext>
+                </p:extLst>
+              </p:nvPr>
+            </p:nvGraphicFramePr>
+            <p:xfrm>
+              <a:off x="742284" y="2680587"/>
+              <a:ext cx="4919030" cy="2499360"/>
+            </p:xfrm>
+            <a:graphic>
+              <a:graphicData uri="http://schemas.openxmlformats.org/drawingml/2006/table">
+                <a:tbl>
+                  <a:tblPr firstRow="1" bandRow="1">
+                    <a:tableStyleId>{5940675A-B579-460E-94D1-54222C63F5DA}</a:tableStyleId>
+                  </a:tblPr>
+                  <a:tblGrid>
+                    <a:gridCol w="1055225">
+                      <a:extLst>
+                        <a:ext uri="{9D8B030D-6E8A-4147-A177-3AD203B41FA5}">
+                          <a16:colId xmlns:a16="http://schemas.microsoft.com/office/drawing/2014/main" val="85563763"/>
+                        </a:ext>
+                      </a:extLst>
+                    </a:gridCol>
+                    <a:gridCol w="1287935">
+                      <a:extLst>
+                        <a:ext uri="{9D8B030D-6E8A-4147-A177-3AD203B41FA5}">
+                          <a16:colId xmlns:a16="http://schemas.microsoft.com/office/drawing/2014/main" val="3628537185"/>
+                        </a:ext>
+                      </a:extLst>
+                    </a:gridCol>
+                    <a:gridCol w="1287935">
+                      <a:extLst>
+                        <a:ext uri="{9D8B030D-6E8A-4147-A177-3AD203B41FA5}">
+                          <a16:colId xmlns:a16="http://schemas.microsoft.com/office/drawing/2014/main" val="1465106393"/>
+                        </a:ext>
+                      </a:extLst>
+                    </a:gridCol>
+                    <a:gridCol w="1287935">
+                      <a:extLst>
+                        <a:ext uri="{9D8B030D-6E8A-4147-A177-3AD203B41FA5}">
+                          <a16:colId xmlns:a16="http://schemas.microsoft.com/office/drawing/2014/main" val="468673117"/>
+                        </a:ext>
+                      </a:extLst>
+                    </a:gridCol>
+                  </a:tblGrid>
+                  <a:tr h="212580">
+                    <a:tc>
+                      <a:txBody>
+                        <a:bodyPr/>
+                        <a:lstStyle/>
+                        <a:p>
+                          <a:endParaRPr lang="en-CH" sz="1400"/>
+                        </a:p>
+                      </a:txBody>
+                      <a:tcPr/>
+                    </a:tc>
+                    <a:tc>
+                      <a:txBody>
+                        <a:bodyPr/>
+                        <a:lstStyle/>
+                        <a:p>
+                          <a:pPr lvl="0" algn="ctr">
+                            <a:buNone/>
+                          </a:pPr>
+                          <a:r>
+                            <a:rPr lang="en-US" sz="1400" dirty="0"/>
+                            <a:t>Recall</a:t>
+                          </a:r>
+                        </a:p>
+                      </a:txBody>
+                      <a:tcPr>
+                        <a:noFill/>
+                      </a:tcPr>
+                    </a:tc>
+                    <a:tc>
+                      <a:txBody>
+                        <a:bodyPr/>
+                        <a:lstStyle/>
+                        <a:p>
+                          <a:pPr lvl="0" algn="ctr">
+                            <a:buNone/>
+                          </a:pPr>
+                          <a:r>
+                            <a:rPr lang="en-US" sz="1400"/>
+                            <a:t>Precision</a:t>
+                          </a:r>
+                        </a:p>
+                      </a:txBody>
+                      <a:tcPr>
+                        <a:noFill/>
+                      </a:tcPr>
+                    </a:tc>
+                    <a:tc>
+                      <a:txBody>
+                        <a:bodyPr/>
+                        <a:lstStyle/>
+                        <a:p>
+                          <a:pPr lvl="0" algn="ctr">
+                            <a:buNone/>
+                          </a:pPr>
+                          <a:r>
+                            <a:rPr lang="en-US" sz="1400"/>
+                            <a:t>F1</a:t>
+                          </a:r>
+                        </a:p>
+                      </a:txBody>
+                      <a:tcPr>
+                        <a:noFill/>
+                      </a:tcPr>
+                    </a:tc>
+                    <a:extLst>
+                      <a:ext uri="{0D108BD9-81ED-4DB2-BD59-A6C34878D82A}">
+                        <a16:rowId xmlns:a16="http://schemas.microsoft.com/office/drawing/2014/main" val="3691073050"/>
+                      </a:ext>
+                    </a:extLst>
+                  </a:tr>
+                  <a:tr h="212580">
+                    <a:tc>
+                      <a:txBody>
+                        <a:bodyPr/>
+                        <a:lstStyle/>
+                        <a:p>
+                          <a:r>
+                            <a:rPr lang="en-GB" sz="1400" i="1" dirty="0"/>
+                            <a:t>m</a:t>
+                          </a:r>
+                          <a:r>
+                            <a:rPr lang="en-CH" sz="1400" i="1" dirty="0"/>
+                            <a:t>odel_dt</a:t>
+                          </a:r>
+                        </a:p>
+                      </a:txBody>
+                      <a:tcPr>
+                        <a:solidFill>
+                          <a:schemeClr val="bg1">
+                            <a:lumMod val="85000"/>
+                          </a:schemeClr>
+                        </a:solidFill>
+                      </a:tcPr>
+                    </a:tc>
+                    <a:tc>
+                      <a:txBody>
+                        <a:bodyPr/>
+                        <a:lstStyle/>
+                        <a:p>
+                          <a:pPr lvl="0">
+                            <a:buNone/>
+                          </a:pPr>
+                          <a14:m>
+                            <m:oMathPara xmlns:m="http://schemas.openxmlformats.org/officeDocument/2006/math">
+                              <m:oMathParaPr>
+                                <m:jc m:val="centerGroup"/>
+                              </m:oMathParaPr>
+                              <m:oMath xmlns:m="http://schemas.openxmlformats.org/officeDocument/2006/math">
+                                <m:r>
+                                  <a:rPr lang="en-US" sz="1800" b="0" i="1" u="none" strike="noStrike" baseline="0" noProof="0" dirty="0" smtClean="0">
+                                    <a:solidFill>
+                                      <a:srgbClr val="000000"/>
+                                    </a:solidFill>
+                                    <a:latin typeface="Cambria Math" panose="02040503050406030204" pitchFamily="18" charset="0"/>
+                                  </a:rPr>
+                                  <m:t>0.66</m:t>
+                                </m:r>
+                                <m:r>
+                                  <a:rPr lang="de-CH" sz="1800" b="0" i="1" u="none" strike="noStrike" baseline="0" noProof="0" dirty="0" smtClean="0">
+                                    <a:solidFill>
+                                      <a:srgbClr val="000000"/>
+                                    </a:solidFill>
+                                    <a:latin typeface="Cambria Math" panose="02040503050406030204" pitchFamily="18" charset="0"/>
+                                  </a:rPr>
+                                  <m:t>13</m:t>
+                                </m:r>
+                              </m:oMath>
+                            </m:oMathPara>
+                          </a14:m>
+                          <a:endParaRPr lang="en-US" dirty="0"/>
+                        </a:p>
+                      </a:txBody>
+                      <a:tcPr>
+                        <a:solidFill>
+                          <a:schemeClr val="bg1">
+                            <a:lumMod val="85000"/>
+                          </a:schemeClr>
+                        </a:solidFill>
+                      </a:tcPr>
+                    </a:tc>
+                    <a:tc>
+                      <a:txBody>
+                        <a:bodyPr/>
+                        <a:lstStyle/>
+                        <a:p>
+                          <a:pPr lvl="0">
+                            <a:buNone/>
+                          </a:pPr>
+                          <a14:m>
+                            <m:oMathPara xmlns:m="http://schemas.openxmlformats.org/officeDocument/2006/math">
+                              <m:oMathParaPr>
+                                <m:jc m:val="centerGroup"/>
+                              </m:oMathParaPr>
+                              <m:oMath xmlns:m="http://schemas.openxmlformats.org/officeDocument/2006/math">
+                                <m:r>
+                                  <a:rPr lang="en-US" sz="1800" b="0" i="1" u="none" strike="noStrike" baseline="0" noProof="0" smtClean="0">
+                                    <a:solidFill>
+                                      <a:srgbClr val="000000"/>
+                                    </a:solidFill>
+                                    <a:latin typeface="Cambria Math" panose="02040503050406030204" pitchFamily="18" charset="0"/>
+                                  </a:rPr>
+                                  <m:t>0.66</m:t>
+                                </m:r>
+                                <m:r>
+                                  <a:rPr lang="de-CH" sz="1800" b="0" i="1" u="none" strike="noStrike" baseline="0" noProof="0" smtClean="0">
+                                    <a:solidFill>
+                                      <a:srgbClr val="000000"/>
+                                    </a:solidFill>
+                                    <a:latin typeface="Cambria Math" panose="02040503050406030204" pitchFamily="18" charset="0"/>
+                                  </a:rPr>
+                                  <m:t>1</m:t>
+                                </m:r>
+                              </m:oMath>
+                            </m:oMathPara>
+                          </a14:m>
+                          <a:endParaRPr lang="en-US" dirty="0"/>
+                        </a:p>
+                      </a:txBody>
+                      <a:tcPr>
+                        <a:solidFill>
+                          <a:schemeClr val="bg1">
+                            <a:lumMod val="85000"/>
+                          </a:schemeClr>
+                        </a:solidFill>
+                      </a:tcPr>
+                    </a:tc>
+                    <a:tc>
+                      <a:txBody>
+                        <a:bodyPr/>
+                        <a:lstStyle/>
+                        <a:p>
+                          <a:pPr lvl="0">
+                            <a:buNone/>
+                          </a:pPr>
+                          <a14:m>
+                            <m:oMathPara xmlns:m="http://schemas.openxmlformats.org/officeDocument/2006/math">
+                              <m:oMathParaPr>
+                                <m:jc m:val="centerGroup"/>
+                              </m:oMathParaPr>
+                              <m:oMath xmlns:m="http://schemas.openxmlformats.org/officeDocument/2006/math">
+                                <m:r>
+                                  <a:rPr lang="en-US" sz="1800" b="0" i="1" u="none" strike="noStrike" baseline="0" noProof="0" smtClean="0">
+                                    <a:solidFill>
+                                      <a:srgbClr val="000000"/>
+                                    </a:solidFill>
+                                    <a:latin typeface="Cambria Math" panose="02040503050406030204" pitchFamily="18" charset="0"/>
+                                  </a:rPr>
+                                  <m:t>0.66</m:t>
+                                </m:r>
+                                <m:r>
+                                  <a:rPr lang="de-CH" sz="1800" b="0" i="1" u="none" strike="noStrike" baseline="0" noProof="0" smtClean="0">
+                                    <a:solidFill>
+                                      <a:srgbClr val="000000"/>
+                                    </a:solidFill>
+                                    <a:latin typeface="Cambria Math" panose="02040503050406030204" pitchFamily="18" charset="0"/>
+                                  </a:rPr>
+                                  <m:t>12</m:t>
+                                </m:r>
+                              </m:oMath>
+                            </m:oMathPara>
+                          </a14:m>
+                          <a:endParaRPr lang="en-US" dirty="0"/>
+                        </a:p>
+                      </a:txBody>
+                      <a:tcPr>
+                        <a:solidFill>
+                          <a:schemeClr val="bg1">
+                            <a:lumMod val="85000"/>
+                          </a:schemeClr>
+                        </a:solidFill>
+                      </a:tcPr>
+                    </a:tc>
+                    <a:extLst>
+                      <a:ext uri="{0D108BD9-81ED-4DB2-BD59-A6C34878D82A}">
+                        <a16:rowId xmlns:a16="http://schemas.microsoft.com/office/drawing/2014/main" val="659232350"/>
+                      </a:ext>
+                    </a:extLst>
+                  </a:tr>
+                  <a:tr h="212580">
+                    <a:tc>
+                      <a:txBody>
+                        <a:bodyPr/>
+                        <a:lstStyle/>
+                        <a:p>
+                          <a:r>
+                            <a:rPr lang="en-CH" sz="1400" i="1" dirty="0"/>
+                            <a:t>model_nb</a:t>
+                          </a:r>
+                          <a:endParaRPr lang="en-US" sz="1400" i="1" dirty="0"/>
+                        </a:p>
+                      </a:txBody>
+                      <a:tcPr>
+                        <a:solidFill>
+                          <a:schemeClr val="bg1">
+                            <a:lumMod val="85000"/>
+                          </a:schemeClr>
+                        </a:solidFill>
+                      </a:tcPr>
+                    </a:tc>
+                    <a:tc>
+                      <a:txBody>
+                        <a:bodyPr/>
+                        <a:lstStyle/>
+                        <a:p>
+                          <a:pPr lvl="0">
+                            <a:buNone/>
+                          </a:pPr>
+                          <a14:m>
+                            <m:oMathPara xmlns:m="http://schemas.openxmlformats.org/officeDocument/2006/math">
+                              <m:oMathParaPr>
+                                <m:jc m:val="centerGroup"/>
+                              </m:oMathParaPr>
+                              <m:oMath xmlns:m="http://schemas.openxmlformats.org/officeDocument/2006/math">
+                                <m:r>
+                                  <a:rPr lang="en-US" sz="1800" b="0" i="1" u="none" strike="noStrike" baseline="0" noProof="0" dirty="0" smtClean="0">
+                                    <a:solidFill>
+                                      <a:srgbClr val="000000"/>
+                                    </a:solidFill>
+                                    <a:latin typeface="Cambria Math" panose="02040503050406030204" pitchFamily="18" charset="0"/>
+                                  </a:rPr>
+                                  <m:t>0.7575</m:t>
+                                </m:r>
+                              </m:oMath>
+                            </m:oMathPara>
+                          </a14:m>
+                          <a:endParaRPr lang="en-US" dirty="0"/>
+                        </a:p>
+                      </a:txBody>
+                      <a:tcPr>
+                        <a:solidFill>
+                          <a:schemeClr val="bg1">
+                            <a:lumMod val="85000"/>
+                          </a:schemeClr>
+                        </a:solidFill>
+                      </a:tcPr>
+                    </a:tc>
+                    <a:tc>
+                      <a:txBody>
+                        <a:bodyPr/>
+                        <a:lstStyle/>
+                        <a:p>
+                          <a:pPr lvl="0">
+                            <a:buNone/>
+                          </a:pPr>
+                          <a14:m>
+                            <m:oMathPara xmlns:m="http://schemas.openxmlformats.org/officeDocument/2006/math">
+                              <m:oMathParaPr>
+                                <m:jc m:val="centerGroup"/>
+                              </m:oMathParaPr>
+                              <m:oMath xmlns:m="http://schemas.openxmlformats.org/officeDocument/2006/math">
+                                <m:r>
+                                  <a:rPr lang="en-US" sz="1800" b="0" i="1" u="none" strike="noStrike" baseline="0" noProof="0" smtClean="0">
+                                    <a:solidFill>
+                                      <a:srgbClr val="000000"/>
+                                    </a:solidFill>
+                                    <a:latin typeface="Cambria Math" panose="02040503050406030204" pitchFamily="18" charset="0"/>
+                                  </a:rPr>
+                                  <m:t>0.6795</m:t>
+                                </m:r>
+                              </m:oMath>
+                            </m:oMathPara>
+                          </a14:m>
+                          <a:endParaRPr lang="en-US" dirty="0"/>
+                        </a:p>
+                      </a:txBody>
+                      <a:tcPr>
+                        <a:solidFill>
+                          <a:schemeClr val="bg1">
+                            <a:lumMod val="85000"/>
+                          </a:schemeClr>
+                        </a:solidFill>
+                      </a:tcPr>
+                    </a:tc>
+                    <a:tc>
+                      <a:txBody>
+                        <a:bodyPr/>
+                        <a:lstStyle/>
+                        <a:p>
+                          <a:pPr lvl="0">
+                            <a:buNone/>
+                          </a:pPr>
+                          <a14:m>
+                            <m:oMathPara xmlns:m="http://schemas.openxmlformats.org/officeDocument/2006/math">
+                              <m:oMathParaPr>
+                                <m:jc m:val="centerGroup"/>
+                              </m:oMathParaPr>
+                              <m:oMath xmlns:m="http://schemas.openxmlformats.org/officeDocument/2006/math">
+                                <m:r>
+                                  <a:rPr lang="en-US" sz="1800" b="0" i="1" u="none" strike="noStrike" baseline="0" noProof="0" smtClean="0">
+                                    <a:solidFill>
+                                      <a:srgbClr val="000000"/>
+                                    </a:solidFill>
+                                    <a:latin typeface="Cambria Math" panose="02040503050406030204" pitchFamily="18" charset="0"/>
+                                  </a:rPr>
+                                  <m:t>0.7162</m:t>
+                                </m:r>
+                              </m:oMath>
+                            </m:oMathPara>
+                          </a14:m>
+                          <a:endParaRPr lang="en-US" dirty="0"/>
+                        </a:p>
+                      </a:txBody>
+                      <a:tcPr>
+                        <a:solidFill>
+                          <a:schemeClr val="bg1">
+                            <a:lumMod val="85000"/>
+                          </a:schemeClr>
+                        </a:solidFill>
+                      </a:tcPr>
+                    </a:tc>
+                    <a:extLst>
+                      <a:ext uri="{0D108BD9-81ED-4DB2-BD59-A6C34878D82A}">
+                        <a16:rowId xmlns:a16="http://schemas.microsoft.com/office/drawing/2014/main" val="4215547789"/>
+                      </a:ext>
+                    </a:extLst>
+                  </a:tr>
+                  <a:tr h="212580">
+                    <a:tc>
+                      <a:txBody>
+                        <a:bodyPr/>
+                        <a:lstStyle/>
+                        <a:p>
+                          <a:pPr lvl="0">
+                            <a:buNone/>
+                          </a:pPr>
+                          <a:r>
+                            <a:rPr lang="en-US" sz="1400" i="1"/>
+                            <a:t>model_lr</a:t>
+                          </a:r>
+                          <a:endParaRPr lang="en-US" sz="1400" i="1" err="1"/>
+                        </a:p>
+                      </a:txBody>
+                      <a:tcPr>
+                        <a:solidFill>
+                          <a:schemeClr val="bg1">
+                            <a:lumMod val="85000"/>
+                          </a:schemeClr>
+                        </a:solidFill>
+                      </a:tcPr>
+                    </a:tc>
+                    <a:tc>
+                      <a:txBody>
+                        <a:bodyPr/>
+                        <a:lstStyle/>
+                        <a:p>
+                          <a:pPr lvl="0">
+                            <a:buNone/>
+                          </a:pPr>
+                          <a14:m>
+                            <m:oMathPara xmlns:m="http://schemas.openxmlformats.org/officeDocument/2006/math">
+                              <m:oMathParaPr>
+                                <m:jc m:val="centerGroup"/>
+                              </m:oMathParaPr>
+                              <m:oMath xmlns:m="http://schemas.openxmlformats.org/officeDocument/2006/math">
+                                <m:r>
+                                  <a:rPr lang="en-US" sz="1800" b="0" i="1" u="none" strike="noStrike" baseline="0" noProof="0" dirty="0" smtClean="0">
+                                    <a:solidFill>
+                                      <a:srgbClr val="000000"/>
+                                    </a:solidFill>
+                                    <a:latin typeface="Cambria Math" panose="02040503050406030204" pitchFamily="18" charset="0"/>
+                                  </a:rPr>
+                                  <m:t>0.7966</m:t>
+                                </m:r>
+                              </m:oMath>
+                            </m:oMathPara>
+                          </a14:m>
+                          <a:endParaRPr lang="en-US" dirty="0"/>
+                        </a:p>
+                      </a:txBody>
+                      <a:tcPr>
+                        <a:solidFill>
+                          <a:schemeClr val="bg1">
+                            <a:lumMod val="85000"/>
+                          </a:schemeClr>
+                        </a:solidFill>
+                      </a:tcPr>
+                    </a:tc>
+                    <a:tc>
+                      <a:txBody>
+                        <a:bodyPr/>
+                        <a:lstStyle/>
+                        <a:p>
+                          <a:pPr lvl="0">
+                            <a:buNone/>
+                          </a:pPr>
+                          <a14:m>
+                            <m:oMathPara xmlns:m="http://schemas.openxmlformats.org/officeDocument/2006/math">
+                              <m:oMathParaPr>
+                                <m:jc m:val="centerGroup"/>
+                              </m:oMathParaPr>
+                              <m:oMath xmlns:m="http://schemas.openxmlformats.org/officeDocument/2006/math">
+                                <m:r>
+                                  <a:rPr lang="en-US" sz="1800" b="0" i="1" u="none" strike="noStrike" baseline="0" noProof="0" dirty="0" smtClean="0">
+                                    <a:solidFill>
+                                      <a:srgbClr val="000000"/>
+                                    </a:solidFill>
+                                    <a:latin typeface="Cambria Math" panose="02040503050406030204" pitchFamily="18" charset="0"/>
+                                  </a:rPr>
+                                  <m:t>0.6866</m:t>
+                                </m:r>
+                              </m:oMath>
+                            </m:oMathPara>
+                          </a14:m>
+                          <a:endParaRPr lang="en-US" dirty="0"/>
+                        </a:p>
+                      </a:txBody>
+                      <a:tcPr>
+                        <a:solidFill>
+                          <a:schemeClr val="bg1">
+                            <a:lumMod val="85000"/>
+                          </a:schemeClr>
+                        </a:solidFill>
+                      </a:tcPr>
+                    </a:tc>
+                    <a:tc>
+                      <a:txBody>
+                        <a:bodyPr/>
+                        <a:lstStyle/>
+                        <a:p>
+                          <a:pPr lvl="0">
+                            <a:buNone/>
+                          </a:pPr>
+                          <a14:m>
+                            <m:oMathPara xmlns:m="http://schemas.openxmlformats.org/officeDocument/2006/math">
+                              <m:oMathParaPr>
+                                <m:jc m:val="centerGroup"/>
+                              </m:oMathParaPr>
+                              <m:oMath xmlns:m="http://schemas.openxmlformats.org/officeDocument/2006/math">
+                                <m:r>
+                                  <a:rPr lang="en-US" sz="1800" b="0" i="1" u="none" strike="noStrike" baseline="0" noProof="0" smtClean="0">
+                                    <a:solidFill>
+                                      <a:srgbClr val="000000"/>
+                                    </a:solidFill>
+                                    <a:latin typeface="Cambria Math" panose="02040503050406030204" pitchFamily="18" charset="0"/>
+                                  </a:rPr>
+                                  <m:t>0.7375</m:t>
+                                </m:r>
+                              </m:oMath>
+                            </m:oMathPara>
+                          </a14:m>
+                          <a:endParaRPr lang="en-US" dirty="0"/>
+                        </a:p>
+                      </a:txBody>
+                      <a:tcPr>
+                        <a:solidFill>
+                          <a:schemeClr val="bg1">
+                            <a:lumMod val="85000"/>
+                          </a:schemeClr>
+                        </a:solidFill>
+                      </a:tcPr>
+                    </a:tc>
+                    <a:extLst>
+                      <a:ext uri="{0D108BD9-81ED-4DB2-BD59-A6C34878D82A}">
+                        <a16:rowId xmlns:a16="http://schemas.microsoft.com/office/drawing/2014/main" val="2756195554"/>
+                      </a:ext>
+                    </a:extLst>
+                  </a:tr>
+                  <a:tr h="212580">
+                    <a:tc>
+                      <a:txBody>
+                        <a:bodyPr/>
+                        <a:lstStyle/>
+                        <a:p>
+                          <a:pPr lvl="0">
+                            <a:buNone/>
+                          </a:pPr>
+                          <a:r>
+                            <a:rPr lang="en-US" sz="1400"/>
+                            <a:t>model_rf</a:t>
+                          </a:r>
+                          <a:endParaRPr lang="en-US" sz="1400" err="1"/>
+                        </a:p>
+                      </a:txBody>
+                      <a:tcPr>
+                        <a:solidFill>
+                          <a:schemeClr val="bg1">
+                            <a:lumMod val="85000"/>
+                          </a:schemeClr>
+                        </a:solidFill>
+                      </a:tcPr>
+                    </a:tc>
+                    <a:tc>
+                      <a:txBody>
+                        <a:bodyPr/>
+                        <a:lstStyle/>
+                        <a:p>
+                          <a:pPr lvl="0">
+                            <a:buNone/>
+                          </a:pPr>
+                          <a14:m>
+                            <m:oMathPara xmlns:m="http://schemas.openxmlformats.org/officeDocument/2006/math">
+                              <m:oMathParaPr>
+                                <m:jc m:val="centerGroup"/>
+                              </m:oMathParaPr>
+                              <m:oMath xmlns:m="http://schemas.openxmlformats.org/officeDocument/2006/math">
+                                <m:r>
+                                  <a:rPr lang="en-US" sz="1800" b="0" i="1" u="none" strike="noStrike" baseline="0" noProof="0" smtClean="0">
+                                    <a:solidFill>
+                                      <a:srgbClr val="000000"/>
+                                    </a:solidFill>
+                                    <a:latin typeface="Cambria Math" panose="02040503050406030204" pitchFamily="18" charset="0"/>
+                                  </a:rPr>
+                                  <m:t>0.8081</m:t>
+                                </m:r>
+                              </m:oMath>
+                            </m:oMathPara>
+                          </a14:m>
+                          <a:endParaRPr lang="en-US" dirty="0"/>
+                        </a:p>
+                      </a:txBody>
+                      <a:tcPr>
+                        <a:solidFill>
+                          <a:schemeClr val="bg1">
+                            <a:lumMod val="85000"/>
+                          </a:schemeClr>
+                        </a:solidFill>
+                      </a:tcPr>
+                    </a:tc>
+                    <a:tc>
+                      <a:txBody>
+                        <a:bodyPr/>
+                        <a:lstStyle/>
+                        <a:p>
+                          <a:pPr lvl="0">
+                            <a:buNone/>
+                          </a:pPr>
+                          <a14:m>
+                            <m:oMathPara xmlns:m="http://schemas.openxmlformats.org/officeDocument/2006/math">
+                              <m:oMathParaPr>
+                                <m:jc m:val="centerGroup"/>
+                              </m:oMathParaPr>
+                              <m:oMath xmlns:m="http://schemas.openxmlformats.org/officeDocument/2006/math">
+                                <m:r>
+                                  <a:rPr lang="en-US" sz="1800" b="0" i="1" u="none" strike="noStrike" baseline="0" noProof="0" dirty="0" smtClean="0">
+                                    <a:solidFill>
+                                      <a:srgbClr val="000000"/>
+                                    </a:solidFill>
+                                    <a:latin typeface="Cambria Math" panose="02040503050406030204" pitchFamily="18" charset="0"/>
+                                  </a:rPr>
+                                  <m:t>0.7093</m:t>
+                                </m:r>
+                              </m:oMath>
+                            </m:oMathPara>
+                          </a14:m>
+                          <a:endParaRPr lang="en-US" dirty="0"/>
+                        </a:p>
+                      </a:txBody>
+                      <a:tcPr>
+                        <a:solidFill>
+                          <a:schemeClr val="bg1">
+                            <a:lumMod val="85000"/>
+                          </a:schemeClr>
+                        </a:solidFill>
+                      </a:tcPr>
+                    </a:tc>
+                    <a:tc>
+                      <a:txBody>
+                        <a:bodyPr/>
+                        <a:lstStyle/>
+                        <a:p>
+                          <a:pPr lvl="0">
+                            <a:buNone/>
+                          </a:pPr>
+                          <a14:m>
+                            <m:oMathPara xmlns:m="http://schemas.openxmlformats.org/officeDocument/2006/math">
+                              <m:oMathParaPr>
+                                <m:jc m:val="centerGroup"/>
+                              </m:oMathParaPr>
+                              <m:oMath xmlns:m="http://schemas.openxmlformats.org/officeDocument/2006/math">
+                                <m:r>
+                                  <a:rPr lang="en-US" sz="1800" b="0" i="1" u="none" strike="noStrike" baseline="0" noProof="0" smtClean="0">
+                                    <a:solidFill>
+                                      <a:srgbClr val="000000"/>
+                                    </a:solidFill>
+                                    <a:latin typeface="Cambria Math" panose="02040503050406030204" pitchFamily="18" charset="0"/>
+                                  </a:rPr>
+                                  <m:t>0.7555</m:t>
+                                </m:r>
+                              </m:oMath>
+                            </m:oMathPara>
+                          </a14:m>
+                          <a:endParaRPr lang="en-US" dirty="0"/>
+                        </a:p>
+                      </a:txBody>
+                      <a:tcPr>
+                        <a:solidFill>
+                          <a:schemeClr val="bg1">
+                            <a:lumMod val="85000"/>
+                          </a:schemeClr>
+                        </a:solidFill>
+                      </a:tcPr>
+                    </a:tc>
+                    <a:extLst>
+                      <a:ext uri="{0D108BD9-81ED-4DB2-BD59-A6C34878D82A}">
+                        <a16:rowId xmlns:a16="http://schemas.microsoft.com/office/drawing/2014/main" val="3601199785"/>
+                      </a:ext>
+                    </a:extLst>
+                  </a:tr>
+                  <a:tr h="212580">
+                    <a:tc>
+                      <a:txBody>
+                        <a:bodyPr/>
+                        <a:lstStyle/>
+                        <a:p>
+                          <a:pPr lvl="0">
+                            <a:buNone/>
+                          </a:pPr>
+                          <a:r>
+                            <a:rPr lang="en-US" sz="1400"/>
+                            <a:t>model_svm</a:t>
+                          </a:r>
+                          <a:endParaRPr lang="en-US" sz="1400" err="1"/>
+                        </a:p>
+                      </a:txBody>
+                      <a:tcPr/>
+                    </a:tc>
+                    <a:tc>
+                      <a:txBody>
+                        <a:bodyPr/>
+                        <a:lstStyle/>
+                        <a:p>
+                          <a:pPr lvl="0">
+                            <a:buNone/>
+                          </a:pPr>
+                          <a14:m>
+                            <m:oMathPara xmlns:m="http://schemas.openxmlformats.org/officeDocument/2006/math">
+                              <m:oMathParaPr>
+                                <m:jc m:val="centerGroup"/>
+                              </m:oMathParaPr>
+                              <m:oMath xmlns:m="http://schemas.openxmlformats.org/officeDocument/2006/math">
+                                <m:r>
+                                  <a:rPr lang="de-CH" b="0" i="1" smtClean="0">
+                                    <a:latin typeface="Cambria Math" panose="02040503050406030204" pitchFamily="18" charset="0"/>
+                                  </a:rPr>
+                                  <m:t>0.8081</m:t>
+                                </m:r>
+                              </m:oMath>
+                            </m:oMathPara>
+                          </a14:m>
+                          <a:endParaRPr lang="en-US" dirty="0"/>
+                        </a:p>
+                      </a:txBody>
+                      <a:tcPr>
+                        <a:noFill/>
+                      </a:tcPr>
+                    </a:tc>
+                    <a:tc>
+                      <a:txBody>
+                        <a:bodyPr/>
+                        <a:lstStyle/>
+                        <a:p>
+                          <a:pPr lvl="0">
+                            <a:buNone/>
+                          </a:pPr>
+                          <a14:m>
+                            <m:oMathPara xmlns:m="http://schemas.openxmlformats.org/officeDocument/2006/math">
+                              <m:oMathParaPr>
+                                <m:jc m:val="centerGroup"/>
+                              </m:oMathParaPr>
+                              <m:oMath xmlns:m="http://schemas.openxmlformats.org/officeDocument/2006/math">
+                                <m:r>
+                                  <a:rPr lang="de-CH" b="0" i="1" smtClean="0">
+                                    <a:latin typeface="Cambria Math" panose="02040503050406030204" pitchFamily="18" charset="0"/>
+                                  </a:rPr>
+                                  <m:t>0.6978</m:t>
+                                </m:r>
+                              </m:oMath>
+                            </m:oMathPara>
+                          </a14:m>
+                          <a:endParaRPr lang="en-US" dirty="0"/>
+                        </a:p>
+                      </a:txBody>
+                      <a:tcPr>
+                        <a:noFill/>
+                      </a:tcPr>
+                    </a:tc>
+                    <a:tc>
+                      <a:txBody>
+                        <a:bodyPr/>
+                        <a:lstStyle/>
+                        <a:p>
+                          <a:pPr lvl="0">
+                            <a:buNone/>
+                          </a:pPr>
+                          <a14:m>
+                            <m:oMathPara xmlns:m="http://schemas.openxmlformats.org/officeDocument/2006/math">
+                              <m:oMathParaPr>
+                                <m:jc m:val="centerGroup"/>
+                              </m:oMathParaPr>
+                              <m:oMath xmlns:m="http://schemas.openxmlformats.org/officeDocument/2006/math">
+                                <m:r>
+                                  <a:rPr lang="de-CH" b="0" i="1" smtClean="0">
+                                    <a:latin typeface="Cambria Math" panose="02040503050406030204" pitchFamily="18" charset="0"/>
+                                  </a:rPr>
+                                  <m:t>0.7616</m:t>
+                                </m:r>
+                              </m:oMath>
+                            </m:oMathPara>
+                          </a14:m>
+                          <a:endParaRPr lang="en-US" dirty="0"/>
+                        </a:p>
+                      </a:txBody>
+                      <a:tcPr>
+                        <a:solidFill>
+                          <a:schemeClr val="accent6">
+                            <a:lumMod val="40000"/>
+                            <a:lumOff val="60000"/>
+                          </a:schemeClr>
+                        </a:solidFill>
+                      </a:tcPr>
+                    </a:tc>
+                    <a:extLst>
+                      <a:ext uri="{0D108BD9-81ED-4DB2-BD59-A6C34878D82A}">
+                        <a16:rowId xmlns:a16="http://schemas.microsoft.com/office/drawing/2014/main" val="88219275"/>
+                      </a:ext>
+                    </a:extLst>
+                  </a:tr>
+                  <a:tr h="212580">
+                    <a:tc>
+                      <a:txBody>
+                        <a:bodyPr/>
+                        <a:lstStyle/>
+                        <a:p>
+                          <a:pPr lvl="0">
+                            <a:buNone/>
+                          </a:pPr>
+                          <a:r>
+                            <a:rPr lang="en-US" sz="1400"/>
+                            <a:t>model_knn</a:t>
+                          </a:r>
+                          <a:endParaRPr lang="en-US" sz="1400" err="1"/>
+                        </a:p>
+                      </a:txBody>
+                      <a:tcPr/>
+                    </a:tc>
+                    <a:tc>
+                      <a:txBody>
+                        <a:bodyPr/>
+                        <a:lstStyle/>
+                        <a:p>
+                          <a:pPr lvl="0">
+                            <a:buNone/>
+                          </a:pPr>
+                          <a14:m>
+                            <m:oMathPara xmlns:m="http://schemas.openxmlformats.org/officeDocument/2006/math">
+                              <m:oMathParaPr>
+                                <m:jc m:val="centerGroup"/>
+                              </m:oMathParaPr>
+                              <m:oMath xmlns:m="http://schemas.openxmlformats.org/officeDocument/2006/math">
+                                <m:r>
+                                  <a:rPr lang="en-US" sz="1800" b="0" i="1" u="none" strike="noStrike" baseline="0" noProof="0" smtClean="0">
+                                    <a:solidFill>
+                                      <a:srgbClr val="000000"/>
+                                    </a:solidFill>
+                                    <a:latin typeface="Cambria Math" panose="02040503050406030204" pitchFamily="18" charset="0"/>
+                                  </a:rPr>
+                                  <m:t>0.7857</m:t>
+                                </m:r>
+                              </m:oMath>
+                            </m:oMathPara>
+                          </a14:m>
+                          <a:endParaRPr lang="en-US"/>
+                        </a:p>
+                      </a:txBody>
+                      <a:tcPr>
+                        <a:noFill/>
+                      </a:tcPr>
+                    </a:tc>
+                    <a:tc>
+                      <a:txBody>
+                        <a:bodyPr/>
+                        <a:lstStyle/>
+                        <a:p>
+                          <a:pPr lvl="0">
+                            <a:buNone/>
+                          </a:pPr>
+                          <a14:m>
+                            <m:oMathPara xmlns:m="http://schemas.openxmlformats.org/officeDocument/2006/math">
+                              <m:oMathParaPr>
+                                <m:jc m:val="centerGroup"/>
+                              </m:oMathParaPr>
+                              <m:oMath xmlns:m="http://schemas.openxmlformats.org/officeDocument/2006/math">
+                                <m:r>
+                                  <a:rPr lang="en-US" sz="1800" b="0" i="1" u="none" strike="noStrike" baseline="0" noProof="0" smtClean="0">
+                                    <a:solidFill>
+                                      <a:srgbClr val="000000"/>
+                                    </a:solidFill>
+                                    <a:latin typeface="Cambria Math" panose="02040503050406030204" pitchFamily="18" charset="0"/>
+                                  </a:rPr>
+                                  <m:t>0.7033</m:t>
+                                </m:r>
+                              </m:oMath>
+                            </m:oMathPara>
+                          </a14:m>
+                          <a:endParaRPr lang="en-US"/>
+                        </a:p>
+                      </a:txBody>
+                      <a:tcPr>
+                        <a:noFill/>
+                      </a:tcPr>
+                    </a:tc>
+                    <a:tc>
+                      <a:txBody>
+                        <a:bodyPr/>
+                        <a:lstStyle/>
+                        <a:p>
+                          <a:pPr lvl="0">
+                            <a:buNone/>
+                          </a:pPr>
+                          <a14:m>
+                            <m:oMathPara xmlns:m="http://schemas.openxmlformats.org/officeDocument/2006/math">
+                              <m:oMathParaPr>
+                                <m:jc m:val="centerGroup"/>
+                              </m:oMathParaPr>
+                              <m:oMath xmlns:m="http://schemas.openxmlformats.org/officeDocument/2006/math">
+                                <m:r>
+                                  <a:rPr lang="en-US" sz="1800" b="0" i="1" u="none" strike="noStrike" baseline="0" noProof="0" dirty="0" smtClean="0">
+                                    <a:solidFill>
+                                      <a:srgbClr val="000000"/>
+                                    </a:solidFill>
+                                    <a:latin typeface="Cambria Math" panose="02040503050406030204" pitchFamily="18" charset="0"/>
+                                  </a:rPr>
+                                  <m:t>0.7422</m:t>
+                                </m:r>
+                              </m:oMath>
+                            </m:oMathPara>
+                          </a14:m>
+                          <a:endParaRPr lang="en-US" dirty="0"/>
+                        </a:p>
+                      </a:txBody>
+                      <a:tcPr>
+                        <a:noFill/>
+                      </a:tcPr>
+                    </a:tc>
+                    <a:extLst>
+                      <a:ext uri="{0D108BD9-81ED-4DB2-BD59-A6C34878D82A}">
+                        <a16:rowId xmlns:a16="http://schemas.microsoft.com/office/drawing/2014/main" val="1737140274"/>
+                      </a:ext>
+                    </a:extLst>
+                  </a:tr>
+                </a:tbl>
+              </a:graphicData>
+            </a:graphic>
+          </p:graphicFrame>
+        </mc:Choice>
+        <mc:Fallback xmlns="">
+          <p:graphicFrame>
+            <p:nvGraphicFramePr>
+              <p:cNvPr id="3" name="Table 6">
+                <a:extLst>
+                  <a:ext uri="{FF2B5EF4-FFF2-40B4-BE49-F238E27FC236}">
+                    <a16:creationId xmlns:a16="http://schemas.microsoft.com/office/drawing/2014/main" id="{1EBD2D59-BD48-71B3-8FE7-6AD37E45DAC5}"/>
+                  </a:ext>
+                </a:extLst>
+              </p:cNvPr>
+              <p:cNvGraphicFramePr>
+                <a:graphicFrameLocks noGrp="1"/>
+              </p:cNvGraphicFramePr>
+              <p:nvPr>
+                <p:extLst>
+                  <p:ext uri="{D42A27DB-BD31-4B8C-83A1-F6EECF244321}">
+                    <p14:modId xmlns:p14="http://schemas.microsoft.com/office/powerpoint/2010/main" val="376577478"/>
+                  </p:ext>
+                </p:extLst>
+              </p:nvPr>
+            </p:nvGraphicFramePr>
+            <p:xfrm>
+              <a:off x="742284" y="2680587"/>
+              <a:ext cx="4919030" cy="2499360"/>
+            </p:xfrm>
+            <a:graphic>
+              <a:graphicData uri="http://schemas.openxmlformats.org/drawingml/2006/table">
+                <a:tbl>
+                  <a:tblPr firstRow="1" bandRow="1">
+                    <a:tableStyleId>{5940675A-B579-460E-94D1-54222C63F5DA}</a:tableStyleId>
+                  </a:tblPr>
+                  <a:tblGrid>
+                    <a:gridCol w="1055225">
+                      <a:extLst>
+                        <a:ext uri="{9D8B030D-6E8A-4147-A177-3AD203B41FA5}">
+                          <a16:colId xmlns:a16="http://schemas.microsoft.com/office/drawing/2014/main" val="85563763"/>
+                        </a:ext>
+                      </a:extLst>
+                    </a:gridCol>
+                    <a:gridCol w="1287935">
+                      <a:extLst>
+                        <a:ext uri="{9D8B030D-6E8A-4147-A177-3AD203B41FA5}">
+                          <a16:colId xmlns:a16="http://schemas.microsoft.com/office/drawing/2014/main" val="3628537185"/>
+                        </a:ext>
+                      </a:extLst>
+                    </a:gridCol>
+                    <a:gridCol w="1287935">
+                      <a:extLst>
+                        <a:ext uri="{9D8B030D-6E8A-4147-A177-3AD203B41FA5}">
+                          <a16:colId xmlns:a16="http://schemas.microsoft.com/office/drawing/2014/main" val="1465106393"/>
+                        </a:ext>
+                      </a:extLst>
+                    </a:gridCol>
+                    <a:gridCol w="1287935">
+                      <a:extLst>
+                        <a:ext uri="{9D8B030D-6E8A-4147-A177-3AD203B41FA5}">
+                          <a16:colId xmlns:a16="http://schemas.microsoft.com/office/drawing/2014/main" val="468673117"/>
+                        </a:ext>
+                      </a:extLst>
+                    </a:gridCol>
+                  </a:tblGrid>
+                  <a:tr h="304800">
+                    <a:tc>
+                      <a:txBody>
+                        <a:bodyPr/>
+                        <a:lstStyle/>
+                        <a:p>
+                          <a:endParaRPr lang="en-CH" sz="1400"/>
+                        </a:p>
+                      </a:txBody>
+                      <a:tcPr/>
+                    </a:tc>
+                    <a:tc>
+                      <a:txBody>
+                        <a:bodyPr/>
+                        <a:lstStyle/>
+                        <a:p>
+                          <a:pPr lvl="0" algn="ctr">
+                            <a:buNone/>
+                          </a:pPr>
+                          <a:r>
+                            <a:rPr lang="en-US" sz="1400" dirty="0"/>
+                            <a:t>Recall</a:t>
+                          </a:r>
+                        </a:p>
+                      </a:txBody>
+                      <a:tcPr>
+                        <a:noFill/>
+                      </a:tcPr>
+                    </a:tc>
+                    <a:tc>
+                      <a:txBody>
+                        <a:bodyPr/>
+                        <a:lstStyle/>
+                        <a:p>
+                          <a:pPr lvl="0" algn="ctr">
+                            <a:buNone/>
+                          </a:pPr>
+                          <a:r>
+                            <a:rPr lang="en-US" sz="1400"/>
+                            <a:t>Precision</a:t>
+                          </a:r>
+                        </a:p>
+                      </a:txBody>
+                      <a:tcPr>
+                        <a:noFill/>
+                      </a:tcPr>
+                    </a:tc>
+                    <a:tc>
+                      <a:txBody>
+                        <a:bodyPr/>
+                        <a:lstStyle/>
+                        <a:p>
+                          <a:pPr lvl="0" algn="ctr">
+                            <a:buNone/>
+                          </a:pPr>
+                          <a:r>
+                            <a:rPr lang="en-US" sz="1400"/>
+                            <a:t>F1</a:t>
+                          </a:r>
+                        </a:p>
+                      </a:txBody>
+                      <a:tcPr>
+                        <a:noFill/>
+                      </a:tcPr>
+                    </a:tc>
+                    <a:extLst>
+                      <a:ext uri="{0D108BD9-81ED-4DB2-BD59-A6C34878D82A}">
+                        <a16:rowId xmlns:a16="http://schemas.microsoft.com/office/drawing/2014/main" val="3691073050"/>
+                      </a:ext>
+                    </a:extLst>
+                  </a:tr>
+                  <a:tr h="365760">
+                    <a:tc>
+                      <a:txBody>
+                        <a:bodyPr/>
+                        <a:lstStyle/>
+                        <a:p>
+                          <a:r>
+                            <a:rPr lang="en-GB" sz="1400" i="1" dirty="0"/>
+                            <a:t>m</a:t>
+                          </a:r>
+                          <a:r>
+                            <a:rPr lang="en-CH" sz="1400" i="1" dirty="0"/>
+                            <a:t>odel_dt</a:t>
+                          </a:r>
+                        </a:p>
+                      </a:txBody>
+                      <a:tcPr>
+                        <a:solidFill>
+                          <a:schemeClr val="bg1">
+                            <a:lumMod val="85000"/>
+                          </a:schemeClr>
+                        </a:solidFill>
+                      </a:tcPr>
+                    </a:tc>
+                    <a:tc>
+                      <a:txBody>
+                        <a:bodyPr/>
+                        <a:lstStyle/>
+                        <a:p>
+                          <a:endParaRPr lang="en-CH"/>
+                        </a:p>
+                      </a:txBody>
+                      <a:tcPr>
+                        <a:blipFill>
+                          <a:blip r:embed="rId2"/>
+                          <a:stretch>
+                            <a:fillRect l="-82353" t="-86207" r="-200000" b="-500000"/>
+                          </a:stretch>
+                        </a:blipFill>
+                      </a:tcPr>
+                    </a:tc>
+                    <a:tc>
+                      <a:txBody>
+                        <a:bodyPr/>
+                        <a:lstStyle/>
+                        <a:p>
+                          <a:endParaRPr lang="en-CH"/>
+                        </a:p>
+                      </a:txBody>
+                      <a:tcPr>
+                        <a:blipFill>
+                          <a:blip r:embed="rId2"/>
+                          <a:stretch>
+                            <a:fillRect l="-184158" t="-86207" r="-101980" b="-500000"/>
+                          </a:stretch>
+                        </a:blipFill>
+                      </a:tcPr>
+                    </a:tc>
+                    <a:tc>
+                      <a:txBody>
+                        <a:bodyPr/>
+                        <a:lstStyle/>
+                        <a:p>
+                          <a:endParaRPr lang="en-CH"/>
+                        </a:p>
+                      </a:txBody>
+                      <a:tcPr>
+                        <a:blipFill>
+                          <a:blip r:embed="rId2"/>
+                          <a:stretch>
+                            <a:fillRect l="-281373" t="-86207" r="-980" b="-500000"/>
+                          </a:stretch>
+                        </a:blipFill>
+                      </a:tcPr>
+                    </a:tc>
+                    <a:extLst>
+                      <a:ext uri="{0D108BD9-81ED-4DB2-BD59-A6C34878D82A}">
+                        <a16:rowId xmlns:a16="http://schemas.microsoft.com/office/drawing/2014/main" val="659232350"/>
+                      </a:ext>
+                    </a:extLst>
+                  </a:tr>
+                  <a:tr h="365760">
+                    <a:tc>
+                      <a:txBody>
+                        <a:bodyPr/>
+                        <a:lstStyle/>
+                        <a:p>
+                          <a:r>
+                            <a:rPr lang="en-CH" sz="1400" i="1" dirty="0"/>
+                            <a:t>model_nb</a:t>
+                          </a:r>
+                          <a:endParaRPr lang="en-US" sz="1400" i="1" dirty="0"/>
+                        </a:p>
+                      </a:txBody>
+                      <a:tcPr>
+                        <a:solidFill>
+                          <a:schemeClr val="bg1">
+                            <a:lumMod val="85000"/>
+                          </a:schemeClr>
+                        </a:solidFill>
+                      </a:tcPr>
+                    </a:tc>
+                    <a:tc>
+                      <a:txBody>
+                        <a:bodyPr/>
+                        <a:lstStyle/>
+                        <a:p>
+                          <a:endParaRPr lang="en-CH"/>
+                        </a:p>
+                      </a:txBody>
+                      <a:tcPr>
+                        <a:blipFill>
+                          <a:blip r:embed="rId2"/>
+                          <a:stretch>
+                            <a:fillRect l="-82353" t="-186207" r="-200000" b="-400000"/>
+                          </a:stretch>
+                        </a:blipFill>
+                      </a:tcPr>
+                    </a:tc>
+                    <a:tc>
+                      <a:txBody>
+                        <a:bodyPr/>
+                        <a:lstStyle/>
+                        <a:p>
+                          <a:endParaRPr lang="en-CH"/>
+                        </a:p>
+                      </a:txBody>
+                      <a:tcPr>
+                        <a:blipFill>
+                          <a:blip r:embed="rId2"/>
+                          <a:stretch>
+                            <a:fillRect l="-184158" t="-186207" r="-101980" b="-400000"/>
+                          </a:stretch>
+                        </a:blipFill>
+                      </a:tcPr>
+                    </a:tc>
+                    <a:tc>
+                      <a:txBody>
+                        <a:bodyPr/>
+                        <a:lstStyle/>
+                        <a:p>
+                          <a:endParaRPr lang="en-CH"/>
+                        </a:p>
+                      </a:txBody>
+                      <a:tcPr>
+                        <a:blipFill>
+                          <a:blip r:embed="rId2"/>
+                          <a:stretch>
+                            <a:fillRect l="-281373" t="-186207" r="-980" b="-400000"/>
+                          </a:stretch>
+                        </a:blipFill>
+                      </a:tcPr>
+                    </a:tc>
+                    <a:extLst>
+                      <a:ext uri="{0D108BD9-81ED-4DB2-BD59-A6C34878D82A}">
+                        <a16:rowId xmlns:a16="http://schemas.microsoft.com/office/drawing/2014/main" val="4215547789"/>
+                      </a:ext>
+                    </a:extLst>
+                  </a:tr>
+                  <a:tr h="365760">
+                    <a:tc>
+                      <a:txBody>
+                        <a:bodyPr/>
+                        <a:lstStyle/>
+                        <a:p>
+                          <a:pPr lvl="0">
+                            <a:buNone/>
+                          </a:pPr>
+                          <a:r>
+                            <a:rPr lang="en-US" sz="1400" i="1"/>
+                            <a:t>model_lr</a:t>
+                          </a:r>
+                          <a:endParaRPr lang="en-US" sz="1400" i="1" err="1"/>
+                        </a:p>
+                      </a:txBody>
+                      <a:tcPr>
+                        <a:solidFill>
+                          <a:schemeClr val="bg1">
+                            <a:lumMod val="85000"/>
+                          </a:schemeClr>
+                        </a:solidFill>
+                      </a:tcPr>
+                    </a:tc>
+                    <a:tc>
+                      <a:txBody>
+                        <a:bodyPr/>
+                        <a:lstStyle/>
+                        <a:p>
+                          <a:endParaRPr lang="en-CH"/>
+                        </a:p>
+                      </a:txBody>
+                      <a:tcPr>
+                        <a:blipFill>
+                          <a:blip r:embed="rId2"/>
+                          <a:stretch>
+                            <a:fillRect l="-82353" t="-286207" r="-200000" b="-300000"/>
+                          </a:stretch>
+                        </a:blipFill>
+                      </a:tcPr>
+                    </a:tc>
+                    <a:tc>
+                      <a:txBody>
+                        <a:bodyPr/>
+                        <a:lstStyle/>
+                        <a:p>
+                          <a:endParaRPr lang="en-CH"/>
+                        </a:p>
+                      </a:txBody>
+                      <a:tcPr>
+                        <a:blipFill>
+                          <a:blip r:embed="rId2"/>
+                          <a:stretch>
+                            <a:fillRect l="-184158" t="-286207" r="-101980" b="-300000"/>
+                          </a:stretch>
+                        </a:blipFill>
+                      </a:tcPr>
+                    </a:tc>
+                    <a:tc>
+                      <a:txBody>
+                        <a:bodyPr/>
+                        <a:lstStyle/>
+                        <a:p>
+                          <a:endParaRPr lang="en-CH"/>
+                        </a:p>
+                      </a:txBody>
+                      <a:tcPr>
+                        <a:blipFill>
+                          <a:blip r:embed="rId2"/>
+                          <a:stretch>
+                            <a:fillRect l="-281373" t="-286207" r="-980" b="-300000"/>
+                          </a:stretch>
+                        </a:blipFill>
+                      </a:tcPr>
+                    </a:tc>
+                    <a:extLst>
+                      <a:ext uri="{0D108BD9-81ED-4DB2-BD59-A6C34878D82A}">
+                        <a16:rowId xmlns:a16="http://schemas.microsoft.com/office/drawing/2014/main" val="2756195554"/>
+                      </a:ext>
+                    </a:extLst>
+                  </a:tr>
+                  <a:tr h="365760">
+                    <a:tc>
+                      <a:txBody>
+                        <a:bodyPr/>
+                        <a:lstStyle/>
+                        <a:p>
+                          <a:pPr lvl="0">
+                            <a:buNone/>
+                          </a:pPr>
+                          <a:r>
+                            <a:rPr lang="en-US" sz="1400"/>
+                            <a:t>model_rf</a:t>
+                          </a:r>
+                          <a:endParaRPr lang="en-US" sz="1400" err="1"/>
+                        </a:p>
+                      </a:txBody>
+                      <a:tcPr>
+                        <a:solidFill>
+                          <a:schemeClr val="bg1">
+                            <a:lumMod val="85000"/>
+                          </a:schemeClr>
+                        </a:solidFill>
+                      </a:tcPr>
+                    </a:tc>
+                    <a:tc>
+                      <a:txBody>
+                        <a:bodyPr/>
+                        <a:lstStyle/>
+                        <a:p>
+                          <a:endParaRPr lang="en-CH"/>
+                        </a:p>
+                      </a:txBody>
+                      <a:tcPr>
+                        <a:blipFill>
+                          <a:blip r:embed="rId2"/>
+                          <a:stretch>
+                            <a:fillRect l="-82353" t="-400000" r="-200000" b="-210714"/>
+                          </a:stretch>
+                        </a:blipFill>
+                      </a:tcPr>
+                    </a:tc>
+                    <a:tc>
+                      <a:txBody>
+                        <a:bodyPr/>
+                        <a:lstStyle/>
+                        <a:p>
+                          <a:endParaRPr lang="en-CH"/>
+                        </a:p>
+                      </a:txBody>
+                      <a:tcPr>
+                        <a:blipFill>
+                          <a:blip r:embed="rId2"/>
+                          <a:stretch>
+                            <a:fillRect l="-184158" t="-400000" r="-101980" b="-210714"/>
+                          </a:stretch>
+                        </a:blipFill>
+                      </a:tcPr>
+                    </a:tc>
+                    <a:tc>
+                      <a:txBody>
+                        <a:bodyPr/>
+                        <a:lstStyle/>
+                        <a:p>
+                          <a:endParaRPr lang="en-CH"/>
+                        </a:p>
+                      </a:txBody>
+                      <a:tcPr>
+                        <a:blipFill>
+                          <a:blip r:embed="rId2"/>
+                          <a:stretch>
+                            <a:fillRect l="-281373" t="-400000" r="-980" b="-210714"/>
+                          </a:stretch>
+                        </a:blipFill>
+                      </a:tcPr>
+                    </a:tc>
+                    <a:extLst>
+                      <a:ext uri="{0D108BD9-81ED-4DB2-BD59-A6C34878D82A}">
+                        <a16:rowId xmlns:a16="http://schemas.microsoft.com/office/drawing/2014/main" val="3601199785"/>
+                      </a:ext>
+                    </a:extLst>
+                  </a:tr>
+                  <a:tr h="365760">
+                    <a:tc>
+                      <a:txBody>
+                        <a:bodyPr/>
+                        <a:lstStyle/>
+                        <a:p>
+                          <a:pPr lvl="0">
+                            <a:buNone/>
+                          </a:pPr>
+                          <a:r>
+                            <a:rPr lang="en-US" sz="1400"/>
+                            <a:t>model_svm</a:t>
+                          </a:r>
+                          <a:endParaRPr lang="en-US" sz="1400" err="1"/>
+                        </a:p>
+                      </a:txBody>
+                      <a:tcPr/>
+                    </a:tc>
+                    <a:tc>
+                      <a:txBody>
+                        <a:bodyPr/>
+                        <a:lstStyle/>
+                        <a:p>
+                          <a:endParaRPr lang="en-CH"/>
+                        </a:p>
+                      </a:txBody>
+                      <a:tcPr>
+                        <a:blipFill>
+                          <a:blip r:embed="rId2"/>
+                          <a:stretch>
+                            <a:fillRect l="-82353" t="-482759" r="-200000" b="-103448"/>
+                          </a:stretch>
+                        </a:blipFill>
+                      </a:tcPr>
+                    </a:tc>
+                    <a:tc>
+                      <a:txBody>
+                        <a:bodyPr/>
+                        <a:lstStyle/>
+                        <a:p>
+                          <a:endParaRPr lang="en-CH"/>
+                        </a:p>
+                      </a:txBody>
+                      <a:tcPr>
+                        <a:blipFill>
+                          <a:blip r:embed="rId2"/>
+                          <a:stretch>
+                            <a:fillRect l="-184158" t="-482759" r="-101980" b="-103448"/>
+                          </a:stretch>
+                        </a:blipFill>
+                      </a:tcPr>
+                    </a:tc>
+                    <a:tc>
+                      <a:txBody>
+                        <a:bodyPr/>
+                        <a:lstStyle/>
+                        <a:p>
+                          <a:endParaRPr lang="en-CH"/>
+                        </a:p>
+                      </a:txBody>
+                      <a:tcPr>
+                        <a:blipFill>
+                          <a:blip r:embed="rId2"/>
+                          <a:stretch>
+                            <a:fillRect l="-281373" t="-482759" r="-980" b="-103448"/>
+                          </a:stretch>
+                        </a:blipFill>
+                      </a:tcPr>
+                    </a:tc>
+                    <a:extLst>
+                      <a:ext uri="{0D108BD9-81ED-4DB2-BD59-A6C34878D82A}">
+                        <a16:rowId xmlns:a16="http://schemas.microsoft.com/office/drawing/2014/main" val="88219275"/>
+                      </a:ext>
+                    </a:extLst>
+                  </a:tr>
+                  <a:tr h="365760">
+                    <a:tc>
+                      <a:txBody>
+                        <a:bodyPr/>
+                        <a:lstStyle/>
+                        <a:p>
+                          <a:pPr lvl="0">
+                            <a:buNone/>
+                          </a:pPr>
+                          <a:r>
+                            <a:rPr lang="en-US" sz="1400"/>
+                            <a:t>model_knn</a:t>
+                          </a:r>
+                          <a:endParaRPr lang="en-US" sz="1400" err="1"/>
+                        </a:p>
+                      </a:txBody>
+                      <a:tcPr/>
+                    </a:tc>
+                    <a:tc>
+                      <a:txBody>
+                        <a:bodyPr/>
+                        <a:lstStyle/>
+                        <a:p>
+                          <a:endParaRPr lang="en-CH"/>
+                        </a:p>
+                      </a:txBody>
+                      <a:tcPr>
+                        <a:blipFill>
+                          <a:blip r:embed="rId2"/>
+                          <a:stretch>
+                            <a:fillRect l="-82353" t="-582759" r="-200000" b="-3448"/>
+                          </a:stretch>
+                        </a:blipFill>
+                      </a:tcPr>
+                    </a:tc>
+                    <a:tc>
+                      <a:txBody>
+                        <a:bodyPr/>
+                        <a:lstStyle/>
+                        <a:p>
+                          <a:endParaRPr lang="en-CH"/>
+                        </a:p>
+                      </a:txBody>
+                      <a:tcPr>
+                        <a:blipFill>
+                          <a:blip r:embed="rId2"/>
+                          <a:stretch>
+                            <a:fillRect l="-184158" t="-582759" r="-101980" b="-3448"/>
+                          </a:stretch>
+                        </a:blipFill>
+                      </a:tcPr>
+                    </a:tc>
+                    <a:tc>
+                      <a:txBody>
+                        <a:bodyPr/>
+                        <a:lstStyle/>
+                        <a:p>
+                          <a:endParaRPr lang="en-CH"/>
+                        </a:p>
+                      </a:txBody>
+                      <a:tcPr>
+                        <a:blipFill>
+                          <a:blip r:embed="rId2"/>
+                          <a:stretch>
+                            <a:fillRect l="-281373" t="-582759" r="-980" b="-3448"/>
+                          </a:stretch>
+                        </a:blipFill>
+                      </a:tcPr>
+                    </a:tc>
+                    <a:extLst>
+                      <a:ext uri="{0D108BD9-81ED-4DB2-BD59-A6C34878D82A}">
+                        <a16:rowId xmlns:a16="http://schemas.microsoft.com/office/drawing/2014/main" val="1737140274"/>
+                      </a:ext>
+                    </a:extLst>
+                  </a:tr>
+                </a:tbl>
+              </a:graphicData>
+            </a:graphic>
+          </p:graphicFrame>
+        </mc:Fallback>
+      </mc:AlternateContent>
+      <p:pic>
+        <p:nvPicPr>
+          <p:cNvPr id="7" name="Picture 6">
+            <a:extLst>
+              <a:ext uri="{FF2B5EF4-FFF2-40B4-BE49-F238E27FC236}">
+                <a16:creationId xmlns:a16="http://schemas.microsoft.com/office/drawing/2014/main" id="{F080CD2C-6BB7-6C7D-DBAE-96625C7B7409}"/>
+              </a:ext>
+            </a:extLst>
+          </p:cNvPr>
+          <p:cNvPicPr>
+            <a:picLocks noChangeAspect="1"/>
+          </p:cNvPicPr>
+          <p:nvPr/>
+        </p:nvPicPr>
+        <p:blipFill>
+          <a:blip r:embed="rId3"/>
+          <a:stretch>
+            <a:fillRect/>
+          </a:stretch>
+        </p:blipFill>
+        <p:spPr>
+          <a:xfrm>
+            <a:off x="5941228" y="1814512"/>
+            <a:ext cx="5646756" cy="4235067"/>
+          </a:xfrm>
+          <a:prstGeom prst="rect">
+            <a:avLst/>
+          </a:prstGeom>
+        </p:spPr>
+      </p:pic>
+    </p:spTree>
+    <p:extLst>
+      <p:ext uri="{BB962C8B-B14F-4D97-AF65-F5344CB8AC3E}">
+        <p14:creationId xmlns:p14="http://schemas.microsoft.com/office/powerpoint/2010/main" val="275887155"/>
+      </p:ext>
+    </p:extLst>
+  </p:cSld>
+  <p:clrMapOvr>
+    <a:masterClrMapping/>
+  </p:clrMapOvr>
+</p:sld>
+</file>
+
+<file path=ppt/slides/slide11.xml><?xml version="1.0" encoding="utf-8"?>
+<p:sld xmlns:a="http://schemas.openxmlformats.org/drawingml/2006/main" xmlns:r="http://schemas.openxmlformats.org/officeDocument/2006/relationships" xmlns:p="http://schemas.openxmlformats.org/presentationml/2006/main">
+  <p:cSld>
+    <p:spTree>
+      <p:nvGrpSpPr>
+        <p:cNvPr id="1" name=""/>
+        <p:cNvGrpSpPr/>
+        <p:nvPr/>
+      </p:nvGrpSpPr>
+      <p:grpSpPr>
+        <a:xfrm>
+          <a:off x="0" y="0"/>
+          <a:ext cx="0" cy="0"/>
+          <a:chOff x="0" y="0"/>
+          <a:chExt cx="0" cy="0"/>
+        </a:xfrm>
+      </p:grpSpPr>
+      <p:sp>
+        <p:nvSpPr>
+          <p:cNvPr id="2" name="Title 1">
+            <a:extLst>
+              <a:ext uri="{FF2B5EF4-FFF2-40B4-BE49-F238E27FC236}">
+                <a16:creationId xmlns:a16="http://schemas.microsoft.com/office/drawing/2014/main" id="{5BCC4A03-7CC7-2064-34F8-4A1544CBDF8B}"/>
+              </a:ext>
+            </a:extLst>
+          </p:cNvPr>
+          <p:cNvSpPr>
+            <a:spLocks noGrp="1"/>
+          </p:cNvSpPr>
+          <p:nvPr>
+            <p:ph type="title"/>
+          </p:nvPr>
+        </p:nvSpPr>
+        <p:spPr/>
+        <p:txBody>
+          <a:bodyPr/>
+          <a:lstStyle/>
+          <a:p>
+            <a:r>
+              <a:rPr lang="en-US" dirty="0">
+                <a:cs typeface="Calibri Light"/>
+              </a:rPr>
+              <a:t>Fusion &amp; Boosting</a:t>
+            </a:r>
+            <a:endParaRPr lang="en-US" dirty="0"/>
+          </a:p>
+        </p:txBody>
+      </p:sp>
+      <p:sp>
+        <p:nvSpPr>
+          <p:cNvPr id="4" name="Text Placeholder 3">
+            <a:extLst>
+              <a:ext uri="{FF2B5EF4-FFF2-40B4-BE49-F238E27FC236}">
+                <a16:creationId xmlns:a16="http://schemas.microsoft.com/office/drawing/2014/main" id="{38733905-FF2B-5DC5-CA00-490BFEC85729}"/>
+              </a:ext>
+            </a:extLst>
+          </p:cNvPr>
+          <p:cNvSpPr>
+            <a:spLocks noGrp="1"/>
+          </p:cNvSpPr>
+          <p:nvPr>
+            <p:ph type="body" idx="1"/>
+          </p:nvPr>
+        </p:nvSpPr>
+        <p:spPr>
+          <a:xfrm>
+            <a:off x="829056" y="826260"/>
+            <a:ext cx="5157787" cy="823912"/>
+          </a:xfrm>
+        </p:spPr>
+        <p:txBody>
+          <a:bodyPr/>
+          <a:lstStyle/>
+          <a:p>
+            <a:r>
+              <a:rPr lang="en-CH" dirty="0"/>
+              <a:t>Late Fusion </a:t>
+            </a:r>
+            <a:r>
+              <a:rPr lang="en-CH" sz="1600" b="0" i="1" dirty="0"/>
+              <a:t>(model_vc)</a:t>
+            </a:r>
+            <a:endParaRPr lang="en-CH" b="0" i="1" dirty="0"/>
+          </a:p>
+        </p:txBody>
+      </p:sp>
+      <p:sp>
+        <p:nvSpPr>
+          <p:cNvPr id="3" name="Content Placeholder 2">
+            <a:extLst>
+              <a:ext uri="{FF2B5EF4-FFF2-40B4-BE49-F238E27FC236}">
+                <a16:creationId xmlns:a16="http://schemas.microsoft.com/office/drawing/2014/main" id="{D85B36A1-4D70-7459-9C6F-E04DEBEB7AFE}"/>
+              </a:ext>
+            </a:extLst>
+          </p:cNvPr>
+          <p:cNvSpPr>
+            <a:spLocks noGrp="1"/>
+          </p:cNvSpPr>
+          <p:nvPr>
+            <p:ph sz="half" idx="2"/>
+          </p:nvPr>
+        </p:nvSpPr>
+        <p:spPr>
+          <a:xfrm>
+            <a:off x="829056" y="1650173"/>
+            <a:ext cx="5157787" cy="3684588"/>
+          </a:xfrm>
+        </p:spPr>
+        <p:txBody>
+          <a:bodyPr vert="horz" lIns="91440" tIns="45720" rIns="91440" bIns="45720" rtlCol="0" anchor="t">
+            <a:normAutofit/>
+          </a:bodyPr>
+          <a:lstStyle/>
+          <a:p>
+            <a:r>
+              <a:rPr lang="en-US" dirty="0">
+                <a:cs typeface="Calibri" panose="020F0502020204030204"/>
+              </a:rPr>
+              <a:t>models used: </a:t>
+            </a:r>
+            <a:r>
+              <a:rPr lang="en-US" i="1" dirty="0" err="1">
+                <a:cs typeface="Calibri" panose="020F0502020204030204"/>
+              </a:rPr>
+              <a:t>model_lr</a:t>
+            </a:r>
+            <a:r>
+              <a:rPr lang="en-US" dirty="0">
+                <a:cs typeface="Calibri" panose="020F0502020204030204"/>
+              </a:rPr>
+              <a:t>, </a:t>
+            </a:r>
+            <a:r>
+              <a:rPr lang="en-US" i="1" dirty="0" err="1">
+                <a:cs typeface="Calibri" panose="020F0502020204030204"/>
+              </a:rPr>
+              <a:t>model_rf</a:t>
+            </a:r>
+            <a:r>
+              <a:rPr lang="en-US" i="1" dirty="0">
+                <a:cs typeface="Calibri" panose="020F0502020204030204"/>
+              </a:rPr>
+              <a:t>, </a:t>
+            </a:r>
+            <a:r>
+              <a:rPr lang="en-US" i="1" dirty="0" err="1">
+                <a:cs typeface="Calibri" panose="020F0502020204030204"/>
+              </a:rPr>
+              <a:t>model_knn</a:t>
+            </a:r>
+            <a:endParaRPr lang="en-US" dirty="0">
+              <a:cs typeface="Calibri" panose="020F0502020204030204"/>
+            </a:endParaRPr>
+          </a:p>
+          <a:p>
+            <a:r>
+              <a:rPr lang="en-US" dirty="0" err="1">
+                <a:cs typeface="Calibri" panose="020F0502020204030204"/>
+              </a:rPr>
+              <a:t>svm</a:t>
+            </a:r>
+            <a:r>
+              <a:rPr lang="en-US" dirty="0">
+                <a:cs typeface="Calibri" panose="020F0502020204030204"/>
+              </a:rPr>
+              <a:t> could not be used, as probabilities are not computed and forcing the model to do so increased computational time too much</a:t>
+            </a:r>
+          </a:p>
+          <a:p>
+            <a:endParaRPr lang="en-US" dirty="0">
+              <a:cs typeface="Calibri" panose="020F0502020204030204"/>
+            </a:endParaRPr>
+          </a:p>
+          <a:p>
+            <a:r>
+              <a:rPr lang="en-US" dirty="0">
+                <a:cs typeface="Calibri" panose="020F0502020204030204"/>
+              </a:rPr>
+              <a:t>Grid search over model combination:</a:t>
+            </a:r>
+          </a:p>
+          <a:p>
+            <a:pPr lvl="1"/>
+            <a:r>
+              <a:rPr lang="en-US" dirty="0">
+                <a:cs typeface="Calibri" panose="020F0502020204030204"/>
+              </a:rPr>
+              <a:t>Coarse (steps of 5% weight) first</a:t>
+            </a:r>
+          </a:p>
+          <a:p>
+            <a:pPr lvl="1"/>
+            <a:r>
+              <a:rPr lang="en-US" dirty="0">
+                <a:cs typeface="Calibri" panose="020F0502020204030204"/>
+              </a:rPr>
+              <a:t>Fine (steps of 1% weight) in vicinity of coarse result</a:t>
+            </a:r>
+          </a:p>
+          <a:p>
+            <a:pPr lvl="1"/>
+            <a:r>
+              <a:rPr lang="en-US" dirty="0">
+                <a:cs typeface="Calibri" panose="020F0502020204030204"/>
+              </a:rPr>
+              <a:t>Optimal weights found: </a:t>
+            </a:r>
+            <a:endParaRPr lang="en-US" dirty="0">
+              <a:highlight>
+                <a:srgbClr val="FF0000"/>
+              </a:highlight>
+              <a:cs typeface="Calibri" panose="020F0502020204030204"/>
+            </a:endParaRPr>
+          </a:p>
+        </p:txBody>
+      </p:sp>
+      <p:sp>
+        <p:nvSpPr>
+          <p:cNvPr id="6" name="Text Placeholder 5">
+            <a:extLst>
+              <a:ext uri="{FF2B5EF4-FFF2-40B4-BE49-F238E27FC236}">
+                <a16:creationId xmlns:a16="http://schemas.microsoft.com/office/drawing/2014/main" id="{D95EF046-3CF9-04F6-DFCD-64A3EA19B78D}"/>
+              </a:ext>
+            </a:extLst>
+          </p:cNvPr>
+          <p:cNvSpPr>
+            <a:spLocks noGrp="1"/>
+          </p:cNvSpPr>
+          <p:nvPr>
+            <p:ph type="body" sz="quarter" idx="3"/>
+          </p:nvPr>
+        </p:nvSpPr>
+        <p:spPr>
+          <a:xfrm>
+            <a:off x="6091284" y="826260"/>
+            <a:ext cx="5183188" cy="823912"/>
+          </a:xfrm>
+        </p:spPr>
+        <p:txBody>
+          <a:bodyPr/>
+          <a:lstStyle/>
+          <a:p>
+            <a:r>
+              <a:rPr lang="en-CH" dirty="0"/>
+              <a:t>AdaBoost </a:t>
+            </a:r>
+            <a:r>
+              <a:rPr lang="en-CH" sz="1600" b="0" i="1" dirty="0"/>
+              <a:t>(model_ab)</a:t>
+            </a:r>
+            <a:endParaRPr lang="en-CH" b="0" i="1" dirty="0"/>
+          </a:p>
+        </p:txBody>
+      </p:sp>
+      <p:sp>
+        <p:nvSpPr>
+          <p:cNvPr id="7" name="Content Placeholder 6">
+            <a:extLst>
+              <a:ext uri="{FF2B5EF4-FFF2-40B4-BE49-F238E27FC236}">
+                <a16:creationId xmlns:a16="http://schemas.microsoft.com/office/drawing/2014/main" id="{369DDDD8-8653-DBF1-97C9-25EF3CB99747}"/>
+              </a:ext>
+            </a:extLst>
+          </p:cNvPr>
+          <p:cNvSpPr>
+            <a:spLocks noGrp="1"/>
+          </p:cNvSpPr>
+          <p:nvPr>
+            <p:ph sz="quarter" idx="4"/>
+          </p:nvPr>
+        </p:nvSpPr>
+        <p:spPr>
+          <a:xfrm>
+            <a:off x="6161468" y="1650173"/>
+            <a:ext cx="5183188" cy="3684588"/>
+          </a:xfrm>
+        </p:spPr>
+        <p:txBody>
+          <a:bodyPr vert="horz" lIns="91440" tIns="45720" rIns="91440" bIns="45720" rtlCol="0" anchor="t">
+            <a:normAutofit/>
+          </a:bodyPr>
+          <a:lstStyle/>
+          <a:p>
+            <a:r>
+              <a:rPr lang="en-US" dirty="0">
+                <a:cs typeface="Calibri"/>
+              </a:rPr>
+              <a:t>AdaBoost yielded better results than gradient boost </a:t>
+            </a:r>
+            <a:r>
+              <a:rPr lang="en-US" dirty="0">
+                <a:cs typeface="Calibri"/>
+                <a:sym typeface="Wingdings" pitchFamily="2" charset="2"/>
+              </a:rPr>
+              <a:t></a:t>
+            </a:r>
+            <a:r>
+              <a:rPr lang="en-US" dirty="0">
+                <a:cs typeface="Calibri"/>
+              </a:rPr>
+              <a:t>AdaBoost was used</a:t>
+            </a:r>
+          </a:p>
+          <a:p>
+            <a:r>
+              <a:rPr lang="en-US" dirty="0">
+                <a:cs typeface="Calibri"/>
+              </a:rPr>
+              <a:t>Scaling of feature vectors did not have any impact on performance</a:t>
+            </a:r>
+          </a:p>
+          <a:p>
+            <a:r>
+              <a:rPr lang="en-US" dirty="0">
+                <a:cs typeface="Calibri"/>
+              </a:rPr>
+              <a:t>Logistic Regression and KNN did not work with AdaBoost </a:t>
+            </a:r>
+            <a:r>
+              <a:rPr lang="en-US" dirty="0">
+                <a:cs typeface="Calibri"/>
+                <a:sym typeface="Wingdings" pitchFamily="2" charset="2"/>
+              </a:rPr>
+              <a:t></a:t>
+            </a:r>
+            <a:r>
+              <a:rPr lang="en-US" dirty="0">
+                <a:cs typeface="Calibri"/>
+              </a:rPr>
+              <a:t> Random Forest used</a:t>
+            </a:r>
+          </a:p>
+          <a:p>
+            <a:r>
+              <a:rPr lang="en-US" dirty="0">
+                <a:cs typeface="Calibri"/>
+              </a:rPr>
+              <a:t>Grid searches over ranges getting finer:</a:t>
+            </a:r>
+          </a:p>
+          <a:p>
+            <a:endParaRPr lang="en-US" dirty="0">
+              <a:cs typeface="Calibri"/>
+            </a:endParaRPr>
+          </a:p>
+          <a:p>
+            <a:pPr marL="0" indent="0">
+              <a:buNone/>
+            </a:pPr>
+            <a:endParaRPr lang="en-US" dirty="0">
+              <a:cs typeface="Calibri"/>
+            </a:endParaRPr>
+          </a:p>
+          <a:p>
+            <a:endParaRPr lang="en-US" dirty="0">
+              <a:cs typeface="Calibri"/>
+            </a:endParaRPr>
+          </a:p>
+          <a:p>
+            <a:endParaRPr lang="en-US" dirty="0"/>
+          </a:p>
+          <a:p>
+            <a:endParaRPr lang="en-US" dirty="0">
+              <a:cs typeface="Calibri"/>
+            </a:endParaRPr>
+          </a:p>
+          <a:p>
+            <a:endParaRPr lang="en-US" dirty="0">
+              <a:cs typeface="Calibri"/>
+            </a:endParaRPr>
+          </a:p>
+          <a:p>
+            <a:endParaRPr lang="en-CH" dirty="0">
+              <a:cs typeface="Calibri"/>
+            </a:endParaRPr>
+          </a:p>
+        </p:txBody>
+      </p:sp>
+      <p:sp>
+        <p:nvSpPr>
+          <p:cNvPr id="5" name="Slide Number Placeholder 4">
+            <a:extLst>
+              <a:ext uri="{FF2B5EF4-FFF2-40B4-BE49-F238E27FC236}">
+                <a16:creationId xmlns:a16="http://schemas.microsoft.com/office/drawing/2014/main" id="{002355F4-7141-B5B8-3069-DF5724F3106A}"/>
+              </a:ext>
+            </a:extLst>
+          </p:cNvPr>
+          <p:cNvSpPr>
+            <a:spLocks noGrp="1"/>
+          </p:cNvSpPr>
+          <p:nvPr>
+            <p:ph type="sldNum" sz="quarter" idx="12"/>
+          </p:nvPr>
+        </p:nvSpPr>
+        <p:spPr/>
+        <p:txBody>
+          <a:bodyPr/>
+          <a:lstStyle/>
+          <a:p>
+            <a:fld id="{C64F7615-2022-6F4D-BD3B-2012A5267077}" type="slidenum">
+              <a:rPr lang="en-CH" smtClean="0"/>
+              <a:t>11</a:t>
+            </a:fld>
+            <a:endParaRPr lang="en-CH"/>
+          </a:p>
+        </p:txBody>
+      </p:sp>
+      <mc:AlternateContent xmlns:mc="http://schemas.openxmlformats.org/markup-compatibility/2006" xmlns:a14="http://schemas.microsoft.com/office/drawing/2010/main">
+        <mc:Choice Requires="a14">
+          <p:graphicFrame>
+            <p:nvGraphicFramePr>
+              <p:cNvPr id="8" name="Table 7">
+                <a:extLst>
+                  <a:ext uri="{FF2B5EF4-FFF2-40B4-BE49-F238E27FC236}">
+                    <a16:creationId xmlns:a16="http://schemas.microsoft.com/office/drawing/2014/main" id="{BD00B787-AE9D-A003-9046-FF92B2BDA7A3}"/>
+                  </a:ext>
+                </a:extLst>
+              </p:cNvPr>
+              <p:cNvGraphicFramePr>
+                <a:graphicFrameLocks noGrp="1"/>
+              </p:cNvGraphicFramePr>
+              <p:nvPr>
+                <p:extLst>
+                  <p:ext uri="{D42A27DB-BD31-4B8C-83A1-F6EECF244321}">
+                    <p14:modId xmlns:p14="http://schemas.microsoft.com/office/powerpoint/2010/main" val="1066045043"/>
+                  </p:ext>
+                </p:extLst>
+              </p:nvPr>
+            </p:nvGraphicFramePr>
+            <p:xfrm>
+              <a:off x="6415501" y="4857619"/>
+              <a:ext cx="4929156" cy="822960"/>
+            </p:xfrm>
+            <a:graphic>
+              <a:graphicData uri="http://schemas.openxmlformats.org/drawingml/2006/table">
+                <a:tbl>
+                  <a:tblPr firstRow="1" bandRow="1">
+                    <a:tableStyleId>{5940675A-B579-460E-94D1-54222C63F5DA}</a:tableStyleId>
+                  </a:tblPr>
+                  <a:tblGrid>
+                    <a:gridCol w="1968492">
+                      <a:extLst>
+                        <a:ext uri="{9D8B030D-6E8A-4147-A177-3AD203B41FA5}">
+                          <a16:colId xmlns:a16="http://schemas.microsoft.com/office/drawing/2014/main" val="85563763"/>
+                        </a:ext>
+                      </a:extLst>
+                    </a:gridCol>
+                    <a:gridCol w="2111401">
+                      <a:extLst>
+                        <a:ext uri="{9D8B030D-6E8A-4147-A177-3AD203B41FA5}">
+                          <a16:colId xmlns:a16="http://schemas.microsoft.com/office/drawing/2014/main" val="3628537185"/>
+                        </a:ext>
+                      </a:extLst>
+                    </a:gridCol>
+                    <a:gridCol w="849263">
+                      <a:extLst>
+                        <a:ext uri="{9D8B030D-6E8A-4147-A177-3AD203B41FA5}">
+                          <a16:colId xmlns:a16="http://schemas.microsoft.com/office/drawing/2014/main" val="1561760650"/>
+                        </a:ext>
+                      </a:extLst>
+                    </a:gridCol>
+                  </a:tblGrid>
+                  <a:tr h="246647">
+                    <a:tc>
+                      <a:txBody>
+                        <a:bodyPr/>
+                        <a:lstStyle/>
+                        <a:p>
+                          <a:pPr lvl="0">
+                            <a:buNone/>
+                          </a:pPr>
+                          <a:r>
+                            <a:rPr lang="en-GB" sz="1200" b="0" i="0" u="none" strike="noStrike" noProof="0">
+                              <a:solidFill>
+                                <a:srgbClr val="000000"/>
+                              </a:solidFill>
+                              <a:latin typeface="Calibri"/>
+                            </a:rPr>
+                            <a:t>estimator__max_depth</a:t>
+                          </a:r>
+                          <a:endParaRPr lang="en-US" sz="1600" err="1"/>
+                        </a:p>
+                      </a:txBody>
+                      <a:tcPr/>
+                    </a:tc>
+                    <a:tc>
+                      <a:txBody>
+                        <a:bodyPr/>
+                        <a:lstStyle/>
+                        <a:p>
+                          <a:pPr algn="l"/>
+                          <a14:m>
+                            <m:oMathPara xmlns:m="http://schemas.openxmlformats.org/officeDocument/2006/math">
+                              <m:oMathParaPr>
+                                <m:jc m:val="left"/>
+                              </m:oMathParaPr>
+                              <m:oMath xmlns:m="http://schemas.openxmlformats.org/officeDocument/2006/math">
+                                <m:r>
+                                  <a:rPr lang="de-CH" sz="1200" b="0" i="1" dirty="0" smtClean="0">
+                                    <a:latin typeface="Cambria Math" panose="02040503050406030204" pitchFamily="18" charset="0"/>
+                                  </a:rPr>
+                                  <m:t>[4, </m:t>
+                                </m:r>
+                                <m:r>
+                                  <a:rPr lang="en-GB" sz="1200" i="1" dirty="0" smtClean="0">
+                                    <a:solidFill>
+                                      <a:schemeClr val="accent4">
+                                        <a:lumMod val="60000"/>
+                                        <a:lumOff val="40000"/>
+                                      </a:schemeClr>
+                                    </a:solidFill>
+                                    <a:latin typeface="Cambria Math" panose="02040503050406030204" pitchFamily="18" charset="0"/>
+                                  </a:rPr>
+                                  <m:t>5</m:t>
+                                </m:r>
+                                <m:r>
+                                  <a:rPr lang="en-GB" sz="1200" i="1" dirty="0" smtClean="0">
+                                    <a:latin typeface="Cambria Math" panose="02040503050406030204" pitchFamily="18" charset="0"/>
+                                  </a:rPr>
+                                  <m:t>, 6, 7, 8</m:t>
+                                </m:r>
+                                <m:r>
+                                  <a:rPr lang="de-CH" sz="1200" b="0" i="1" dirty="0" smtClean="0">
+                                    <a:latin typeface="Cambria Math" panose="02040503050406030204" pitchFamily="18" charset="0"/>
+                                  </a:rPr>
+                                  <m:t>]</m:t>
+                                </m:r>
+                              </m:oMath>
+                            </m:oMathPara>
+                          </a14:m>
+                          <a:endParaRPr lang="en-GB" sz="1200" dirty="0"/>
+                        </a:p>
+                      </a:txBody>
+                      <a:tcPr>
+                        <a:noFill/>
+                      </a:tcPr>
+                    </a:tc>
+                    <a:tc>
+                      <a:txBody>
+                        <a:bodyPr/>
+                        <a:lstStyle/>
+                        <a:p>
+                          <a:pPr algn="ctr"/>
+                          <a14:m>
+                            <m:oMathPara xmlns:m="http://schemas.openxmlformats.org/officeDocument/2006/math">
+                              <m:oMathParaPr>
+                                <m:jc m:val="centerGroup"/>
+                              </m:oMathParaPr>
+                              <m:oMath xmlns:m="http://schemas.openxmlformats.org/officeDocument/2006/math">
+                                <m:r>
+                                  <a:rPr lang="en-US" sz="1200" i="1" dirty="0" smtClean="0">
+                                    <a:latin typeface="Cambria Math" panose="02040503050406030204" pitchFamily="18" charset="0"/>
+                                  </a:rPr>
+                                  <m:t>5</m:t>
+                                </m:r>
+                              </m:oMath>
+                            </m:oMathPara>
+                          </a14:m>
+                          <a:endParaRPr lang="en-US" sz="1200" dirty="0"/>
+                        </a:p>
+                      </a:txBody>
+                      <a:tcPr>
+                        <a:solidFill>
+                          <a:schemeClr val="accent6">
+                            <a:lumMod val="40000"/>
+                            <a:lumOff val="60000"/>
+                          </a:schemeClr>
+                        </a:solidFill>
+                      </a:tcPr>
+                    </a:tc>
+                    <a:extLst>
+                      <a:ext uri="{0D108BD9-81ED-4DB2-BD59-A6C34878D82A}">
+                        <a16:rowId xmlns:a16="http://schemas.microsoft.com/office/drawing/2014/main" val="3691073050"/>
+                      </a:ext>
+                    </a:extLst>
+                  </a:tr>
+                  <a:tr h="246647">
+                    <a:tc>
+                      <a:txBody>
+                        <a:bodyPr/>
+                        <a:lstStyle/>
+                        <a:p>
+                          <a:pPr lvl="0">
+                            <a:buNone/>
+                          </a:pPr>
+                          <a:r>
+                            <a:rPr lang="en-CH" sz="1200"/>
+                            <a:t>n_estimators</a:t>
+                          </a:r>
+                          <a:endParaRPr lang="en-CH" sz="1200" err="1"/>
+                        </a:p>
+                      </a:txBody>
+                      <a:tcPr/>
+                    </a:tc>
+                    <a:tc>
+                      <a:txBody>
+                        <a:bodyPr/>
+                        <a:lstStyle/>
+                        <a:p>
+                          <a:pPr algn="l"/>
+                          <a14:m>
+                            <m:oMathPara xmlns:m="http://schemas.openxmlformats.org/officeDocument/2006/math">
+                              <m:oMathParaPr>
+                                <m:jc m:val="left"/>
+                              </m:oMathParaPr>
+                              <m:oMath xmlns:m="http://schemas.openxmlformats.org/officeDocument/2006/math">
+                                <m:r>
+                                  <a:rPr lang="de-CH" sz="1200" b="0" i="1" dirty="0" smtClean="0">
+                                    <a:latin typeface="Cambria Math" panose="02040503050406030204" pitchFamily="18" charset="0"/>
+                                  </a:rPr>
+                                  <m:t>[12, </m:t>
+                                </m:r>
+                                <m:r>
+                                  <a:rPr lang="en-GB" sz="1200" i="1" dirty="0" smtClean="0">
+                                    <a:solidFill>
+                                      <a:schemeClr val="accent4">
+                                        <a:lumMod val="60000"/>
+                                        <a:lumOff val="40000"/>
+                                      </a:schemeClr>
+                                    </a:solidFill>
+                                    <a:latin typeface="Cambria Math" panose="02040503050406030204" pitchFamily="18" charset="0"/>
+                                  </a:rPr>
+                                  <m:t>13</m:t>
+                                </m:r>
+                                <m:r>
+                                  <a:rPr lang="en-GB" sz="1200" i="1" dirty="0" smtClean="0">
+                                    <a:latin typeface="Cambria Math" panose="02040503050406030204" pitchFamily="18" charset="0"/>
+                                  </a:rPr>
+                                  <m:t>, 14, 15</m:t>
+                                </m:r>
+                                <m:r>
+                                  <a:rPr lang="de-CH" sz="1200" b="0" i="1" dirty="0" smtClean="0">
+                                    <a:latin typeface="Cambria Math" panose="02040503050406030204" pitchFamily="18" charset="0"/>
+                                  </a:rPr>
+                                  <m:t>]</m:t>
+                                </m:r>
+                              </m:oMath>
+                            </m:oMathPara>
+                          </a14:m>
+                          <a:endParaRPr lang="en-GB" sz="1200" dirty="0"/>
+                        </a:p>
+                      </a:txBody>
+                      <a:tcPr>
+                        <a:noFill/>
+                      </a:tcPr>
+                    </a:tc>
+                    <a:tc>
+                      <a:txBody>
+                        <a:bodyPr/>
+                        <a:lstStyle/>
+                        <a:p>
+                          <a:pPr algn="ctr"/>
+                          <a14:m>
+                            <m:oMathPara xmlns:m="http://schemas.openxmlformats.org/officeDocument/2006/math">
+                              <m:oMathParaPr>
+                                <m:jc m:val="centerGroup"/>
+                              </m:oMathParaPr>
+                              <m:oMath xmlns:m="http://schemas.openxmlformats.org/officeDocument/2006/math">
+                                <m:r>
+                                  <a:rPr lang="en-CH" sz="1200" i="1" dirty="0" smtClean="0">
+                                    <a:latin typeface="Cambria Math" panose="02040503050406030204" pitchFamily="18" charset="0"/>
+                                  </a:rPr>
+                                  <m:t>13</m:t>
+                                </m:r>
+                              </m:oMath>
+                            </m:oMathPara>
+                          </a14:m>
+                          <a:endParaRPr lang="en-CH" sz="1200" dirty="0"/>
+                        </a:p>
+                      </a:txBody>
+                      <a:tcPr>
+                        <a:solidFill>
+                          <a:schemeClr val="accent6">
+                            <a:lumMod val="40000"/>
+                            <a:lumOff val="60000"/>
+                          </a:schemeClr>
+                        </a:solidFill>
+                      </a:tcPr>
+                    </a:tc>
+                    <a:extLst>
+                      <a:ext uri="{0D108BD9-81ED-4DB2-BD59-A6C34878D82A}">
+                        <a16:rowId xmlns:a16="http://schemas.microsoft.com/office/drawing/2014/main" val="3924907009"/>
+                      </a:ext>
+                    </a:extLst>
+                  </a:tr>
+                  <a:tr h="246647">
+                    <a:tc>
+                      <a:txBody>
+                        <a:bodyPr/>
+                        <a:lstStyle/>
+                        <a:p>
+                          <a:r>
+                            <a:rPr lang="en-US" sz="1200"/>
+                            <a:t>learning_rate</a:t>
+                          </a:r>
+                          <a:endParaRPr lang="en-US" sz="1200" err="1"/>
+                        </a:p>
+                      </a:txBody>
+                      <a:tcPr/>
+                    </a:tc>
+                    <a:tc>
+                      <a:txBody>
+                        <a:bodyPr/>
+                        <a:lstStyle/>
+                        <a:p>
+                          <a:pPr algn="l"/>
+                          <a14:m>
+                            <m:oMathPara xmlns:m="http://schemas.openxmlformats.org/officeDocument/2006/math">
+                              <m:oMathParaPr>
+                                <m:jc m:val="left"/>
+                              </m:oMathParaPr>
+                              <m:oMath xmlns:m="http://schemas.openxmlformats.org/officeDocument/2006/math">
+                                <m:r>
+                                  <a:rPr lang="de-CH" sz="1200" b="0" i="1" dirty="0" smtClean="0">
+                                    <a:latin typeface="Cambria Math" panose="02040503050406030204" pitchFamily="18" charset="0"/>
+                                  </a:rPr>
+                                  <m:t>[1.9, </m:t>
+                                </m:r>
+                                <m:r>
+                                  <a:rPr lang="de-CH" sz="1200" b="0" i="1" dirty="0" smtClean="0">
+                                    <a:solidFill>
+                                      <a:schemeClr val="accent4">
+                                        <a:lumMod val="60000"/>
+                                        <a:lumOff val="40000"/>
+                                      </a:schemeClr>
+                                    </a:solidFill>
+                                    <a:latin typeface="Cambria Math" panose="02040503050406030204" pitchFamily="18" charset="0"/>
+                                  </a:rPr>
+                                  <m:t>2</m:t>
+                                </m:r>
+                                <m:r>
+                                  <a:rPr lang="de-CH" sz="1200" b="0" i="1" dirty="0" smtClean="0">
+                                    <a:latin typeface="Cambria Math" panose="02040503050406030204" pitchFamily="18" charset="0"/>
+                                  </a:rPr>
+                                  <m:t>, 2.1, 2.2]</m:t>
+                                </m:r>
+                              </m:oMath>
+                            </m:oMathPara>
+                          </a14:m>
+                          <a:endParaRPr lang="en-CH" sz="1200" dirty="0"/>
+                        </a:p>
+                      </a:txBody>
+                      <a:tcPr>
+                        <a:noFill/>
+                      </a:tcPr>
+                    </a:tc>
+                    <a:tc>
+                      <a:txBody>
+                        <a:bodyPr/>
+                        <a:lstStyle/>
+                        <a:p>
+                          <a:pPr algn="ctr"/>
+                          <a14:m>
+                            <m:oMathPara xmlns:m="http://schemas.openxmlformats.org/officeDocument/2006/math">
+                              <m:oMathParaPr>
+                                <m:jc m:val="centerGroup"/>
+                              </m:oMathParaPr>
+                              <m:oMath xmlns:m="http://schemas.openxmlformats.org/officeDocument/2006/math">
+                                <m:r>
+                                  <a:rPr lang="en-US" sz="1200" i="1" dirty="0" smtClean="0">
+                                    <a:latin typeface="Cambria Math" panose="02040503050406030204" pitchFamily="18" charset="0"/>
+                                  </a:rPr>
+                                  <m:t>2.</m:t>
+                                </m:r>
+                                <m:r>
+                                  <a:rPr lang="de-CH" sz="1200" b="0" i="1" dirty="0" smtClean="0">
+                                    <a:latin typeface="Cambria Math" panose="02040503050406030204" pitchFamily="18" charset="0"/>
+                                  </a:rPr>
+                                  <m:t>1</m:t>
+                                </m:r>
+                              </m:oMath>
+                            </m:oMathPara>
+                          </a14:m>
+                          <a:endParaRPr lang="en-US" sz="1200" dirty="0"/>
+                        </a:p>
+                      </a:txBody>
+                      <a:tcPr>
+                        <a:solidFill>
+                          <a:schemeClr val="accent4">
+                            <a:lumMod val="60000"/>
+                            <a:lumOff val="40000"/>
+                          </a:schemeClr>
+                        </a:solidFill>
+                      </a:tcPr>
+                    </a:tc>
+                    <a:extLst>
+                      <a:ext uri="{0D108BD9-81ED-4DB2-BD59-A6C34878D82A}">
+                        <a16:rowId xmlns:a16="http://schemas.microsoft.com/office/drawing/2014/main" val="2253989474"/>
+                      </a:ext>
+                    </a:extLst>
+                  </a:tr>
+                </a:tbl>
+              </a:graphicData>
+            </a:graphic>
+          </p:graphicFrame>
+        </mc:Choice>
+        <mc:Fallback xmlns="">
+          <p:graphicFrame>
+            <p:nvGraphicFramePr>
+              <p:cNvPr id="8" name="Table 7">
+                <a:extLst>
+                  <a:ext uri="{FF2B5EF4-FFF2-40B4-BE49-F238E27FC236}">
+                    <a16:creationId xmlns:a16="http://schemas.microsoft.com/office/drawing/2014/main" id="{BD00B787-AE9D-A003-9046-FF92B2BDA7A3}"/>
+                  </a:ext>
+                </a:extLst>
+              </p:cNvPr>
+              <p:cNvGraphicFramePr>
+                <a:graphicFrameLocks noGrp="1"/>
+              </p:cNvGraphicFramePr>
+              <p:nvPr>
+                <p:extLst>
+                  <p:ext uri="{D42A27DB-BD31-4B8C-83A1-F6EECF244321}">
+                    <p14:modId xmlns:p14="http://schemas.microsoft.com/office/powerpoint/2010/main" val="1066045043"/>
+                  </p:ext>
+                </p:extLst>
+              </p:nvPr>
+            </p:nvGraphicFramePr>
+            <p:xfrm>
+              <a:off x="6415501" y="4857619"/>
+              <a:ext cx="4929156" cy="822960"/>
+            </p:xfrm>
+            <a:graphic>
+              <a:graphicData uri="http://schemas.openxmlformats.org/drawingml/2006/table">
+                <a:tbl>
+                  <a:tblPr firstRow="1" bandRow="1">
+                    <a:tableStyleId>{5940675A-B579-460E-94D1-54222C63F5DA}</a:tableStyleId>
+                  </a:tblPr>
+                  <a:tblGrid>
+                    <a:gridCol w="1968492">
+                      <a:extLst>
+                        <a:ext uri="{9D8B030D-6E8A-4147-A177-3AD203B41FA5}">
+                          <a16:colId xmlns:a16="http://schemas.microsoft.com/office/drawing/2014/main" val="85563763"/>
+                        </a:ext>
+                      </a:extLst>
+                    </a:gridCol>
+                    <a:gridCol w="2111401">
+                      <a:extLst>
+                        <a:ext uri="{9D8B030D-6E8A-4147-A177-3AD203B41FA5}">
+                          <a16:colId xmlns:a16="http://schemas.microsoft.com/office/drawing/2014/main" val="3628537185"/>
+                        </a:ext>
+                      </a:extLst>
+                    </a:gridCol>
+                    <a:gridCol w="849263">
+                      <a:extLst>
+                        <a:ext uri="{9D8B030D-6E8A-4147-A177-3AD203B41FA5}">
+                          <a16:colId xmlns:a16="http://schemas.microsoft.com/office/drawing/2014/main" val="1561760650"/>
+                        </a:ext>
+                      </a:extLst>
+                    </a:gridCol>
+                  </a:tblGrid>
+                  <a:tr h="274320">
+                    <a:tc>
+                      <a:txBody>
+                        <a:bodyPr/>
+                        <a:lstStyle/>
+                        <a:p>
+                          <a:pPr lvl="0">
+                            <a:buNone/>
+                          </a:pPr>
+                          <a:r>
+                            <a:rPr lang="en-GB" sz="1200" b="0" i="0" u="none" strike="noStrike" noProof="0">
+                              <a:solidFill>
+                                <a:srgbClr val="000000"/>
+                              </a:solidFill>
+                              <a:latin typeface="Calibri"/>
+                            </a:rPr>
+                            <a:t>estimator__max_depth</a:t>
+                          </a:r>
+                          <a:endParaRPr lang="en-US" sz="1600" err="1"/>
+                        </a:p>
+                      </a:txBody>
+                      <a:tcPr/>
+                    </a:tc>
+                    <a:tc>
+                      <a:txBody>
+                        <a:bodyPr/>
+                        <a:lstStyle/>
+                        <a:p>
+                          <a:endParaRPr lang="en-CH"/>
+                        </a:p>
+                      </a:txBody>
+                      <a:tcPr>
+                        <a:blipFill>
+                          <a:blip r:embed="rId2"/>
+                          <a:stretch>
+                            <a:fillRect l="-93413" t="-4545" r="-40719" b="-213636"/>
+                          </a:stretch>
+                        </a:blipFill>
+                      </a:tcPr>
+                    </a:tc>
+                    <a:tc>
+                      <a:txBody>
+                        <a:bodyPr/>
+                        <a:lstStyle/>
+                        <a:p>
+                          <a:endParaRPr lang="en-CH"/>
+                        </a:p>
+                      </a:txBody>
+                      <a:tcPr>
+                        <a:blipFill>
+                          <a:blip r:embed="rId2"/>
+                          <a:stretch>
+                            <a:fillRect l="-482090" t="-4545" r="-1493" b="-213636"/>
+                          </a:stretch>
+                        </a:blipFill>
+                      </a:tcPr>
+                    </a:tc>
+                    <a:extLst>
+                      <a:ext uri="{0D108BD9-81ED-4DB2-BD59-A6C34878D82A}">
+                        <a16:rowId xmlns:a16="http://schemas.microsoft.com/office/drawing/2014/main" val="3691073050"/>
+                      </a:ext>
+                    </a:extLst>
+                  </a:tr>
+                  <a:tr h="274320">
+                    <a:tc>
+                      <a:txBody>
+                        <a:bodyPr/>
+                        <a:lstStyle/>
+                        <a:p>
+                          <a:pPr lvl="0">
+                            <a:buNone/>
+                          </a:pPr>
+                          <a:r>
+                            <a:rPr lang="en-CH" sz="1200"/>
+                            <a:t>n_estimators</a:t>
+                          </a:r>
+                          <a:endParaRPr lang="en-CH" sz="1200" err="1"/>
+                        </a:p>
+                      </a:txBody>
+                      <a:tcPr/>
+                    </a:tc>
+                    <a:tc>
+                      <a:txBody>
+                        <a:bodyPr/>
+                        <a:lstStyle/>
+                        <a:p>
+                          <a:endParaRPr lang="en-CH"/>
+                        </a:p>
+                      </a:txBody>
+                      <a:tcPr>
+                        <a:blipFill>
+                          <a:blip r:embed="rId2"/>
+                          <a:stretch>
+                            <a:fillRect l="-93413" t="-104545" r="-40719" b="-113636"/>
+                          </a:stretch>
+                        </a:blipFill>
+                      </a:tcPr>
+                    </a:tc>
+                    <a:tc>
+                      <a:txBody>
+                        <a:bodyPr/>
+                        <a:lstStyle/>
+                        <a:p>
+                          <a:endParaRPr lang="en-CH"/>
+                        </a:p>
+                      </a:txBody>
+                      <a:tcPr>
+                        <a:blipFill>
+                          <a:blip r:embed="rId2"/>
+                          <a:stretch>
+                            <a:fillRect l="-482090" t="-104545" r="-1493" b="-113636"/>
+                          </a:stretch>
+                        </a:blipFill>
+                      </a:tcPr>
+                    </a:tc>
+                    <a:extLst>
+                      <a:ext uri="{0D108BD9-81ED-4DB2-BD59-A6C34878D82A}">
+                        <a16:rowId xmlns:a16="http://schemas.microsoft.com/office/drawing/2014/main" val="3924907009"/>
+                      </a:ext>
+                    </a:extLst>
+                  </a:tr>
+                  <a:tr h="274320">
+                    <a:tc>
+                      <a:txBody>
+                        <a:bodyPr/>
+                        <a:lstStyle/>
+                        <a:p>
+                          <a:r>
+                            <a:rPr lang="en-US" sz="1200"/>
+                            <a:t>learning_rate</a:t>
+                          </a:r>
+                          <a:endParaRPr lang="en-US" sz="1200" err="1"/>
+                        </a:p>
+                      </a:txBody>
+                      <a:tcPr/>
+                    </a:tc>
+                    <a:tc>
+                      <a:txBody>
+                        <a:bodyPr/>
+                        <a:lstStyle/>
+                        <a:p>
+                          <a:endParaRPr lang="en-CH"/>
+                        </a:p>
+                      </a:txBody>
+                      <a:tcPr>
+                        <a:blipFill>
+                          <a:blip r:embed="rId2"/>
+                          <a:stretch>
+                            <a:fillRect l="-93413" t="-204545" r="-40719" b="-13636"/>
+                          </a:stretch>
+                        </a:blipFill>
+                      </a:tcPr>
+                    </a:tc>
+                    <a:tc>
+                      <a:txBody>
+                        <a:bodyPr/>
+                        <a:lstStyle/>
+                        <a:p>
+                          <a:endParaRPr lang="en-CH"/>
+                        </a:p>
+                      </a:txBody>
+                      <a:tcPr>
+                        <a:blipFill>
+                          <a:blip r:embed="rId2"/>
+                          <a:stretch>
+                            <a:fillRect l="-482090" t="-204545" r="-1493" b="-13636"/>
+                          </a:stretch>
+                        </a:blipFill>
+                      </a:tcPr>
+                    </a:tc>
+                    <a:extLst>
+                      <a:ext uri="{0D108BD9-81ED-4DB2-BD59-A6C34878D82A}">
+                        <a16:rowId xmlns:a16="http://schemas.microsoft.com/office/drawing/2014/main" val="2253989474"/>
+                      </a:ext>
+                    </a:extLst>
+                  </a:tr>
+                </a:tbl>
+              </a:graphicData>
+            </a:graphic>
+          </p:graphicFrame>
+        </mc:Fallback>
+      </mc:AlternateContent>
+      <p:graphicFrame>
+        <p:nvGraphicFramePr>
+          <p:cNvPr id="10" name="Table 9">
+            <a:extLst>
+              <a:ext uri="{FF2B5EF4-FFF2-40B4-BE49-F238E27FC236}">
+                <a16:creationId xmlns:a16="http://schemas.microsoft.com/office/drawing/2014/main" id="{E8229F7C-6A2C-0643-3510-92471638B29A}"/>
+              </a:ext>
+            </a:extLst>
+          </p:cNvPr>
+          <p:cNvGraphicFramePr>
+            <a:graphicFrameLocks noGrp="1"/>
+          </p:cNvGraphicFramePr>
+          <p:nvPr>
+            <p:extLst>
+              <p:ext uri="{D42A27DB-BD31-4B8C-83A1-F6EECF244321}">
+                <p14:modId xmlns:p14="http://schemas.microsoft.com/office/powerpoint/2010/main" val="1510628080"/>
+              </p:ext>
+            </p:extLst>
+          </p:nvPr>
+        </p:nvGraphicFramePr>
+        <p:xfrm>
+          <a:off x="2037160" y="4426694"/>
+          <a:ext cx="2741578" cy="609600"/>
+        </p:xfrm>
+        <a:graphic>
+          <a:graphicData uri="http://schemas.openxmlformats.org/drawingml/2006/table">
+            <a:tbl>
+              <a:tblPr firstRow="1" bandRow="1">
+                <a:tableStyleId>{5940675A-B579-460E-94D1-54222C63F5DA}</a:tableStyleId>
+              </a:tblPr>
+              <a:tblGrid>
+                <a:gridCol w="689882">
+                  <a:extLst>
+                    <a:ext uri="{9D8B030D-6E8A-4147-A177-3AD203B41FA5}">
+                      <a16:colId xmlns:a16="http://schemas.microsoft.com/office/drawing/2014/main" val="85563763"/>
+                    </a:ext>
+                  </a:extLst>
+                </a:gridCol>
+                <a:gridCol w="1025848">
+                  <a:extLst>
+                    <a:ext uri="{9D8B030D-6E8A-4147-A177-3AD203B41FA5}">
+                      <a16:colId xmlns:a16="http://schemas.microsoft.com/office/drawing/2014/main" val="3628537185"/>
+                    </a:ext>
+                  </a:extLst>
+                </a:gridCol>
+                <a:gridCol w="1025848">
+                  <a:extLst>
+                    <a:ext uri="{9D8B030D-6E8A-4147-A177-3AD203B41FA5}">
+                      <a16:colId xmlns:a16="http://schemas.microsoft.com/office/drawing/2014/main" val="1251336066"/>
+                    </a:ext>
+                  </a:extLst>
+                </a:gridCol>
+              </a:tblGrid>
+              <a:tr h="212580">
+                <a:tc>
+                  <a:txBody>
+                    <a:bodyPr/>
+                    <a:lstStyle/>
+                    <a:p>
+                      <a:pPr lvl="0" algn="ctr">
+                        <a:buNone/>
+                      </a:pPr>
+                      <a:r>
+                        <a:rPr lang="en-US" sz="1400" dirty="0"/>
+                        <a:t>LR</a:t>
+                      </a:r>
+                    </a:p>
+                  </a:txBody>
+                  <a:tcPr/>
+                </a:tc>
+                <a:tc>
+                  <a:txBody>
+                    <a:bodyPr/>
+                    <a:lstStyle/>
+                    <a:p>
+                      <a:pPr algn="ctr"/>
+                      <a:r>
+                        <a:rPr lang="en-GB" sz="1400" dirty="0"/>
+                        <a:t>RF</a:t>
+                      </a:r>
+                    </a:p>
+                  </a:txBody>
+                  <a:tcPr>
+                    <a:noFill/>
+                  </a:tcPr>
+                </a:tc>
+                <a:tc>
+                  <a:txBody>
+                    <a:bodyPr/>
+                    <a:lstStyle/>
+                    <a:p>
+                      <a:pPr algn="ctr"/>
+                      <a:r>
+                        <a:rPr lang="en-GB" sz="1400" dirty="0"/>
+                        <a:t>KNN</a:t>
+                      </a:r>
+                    </a:p>
+                  </a:txBody>
+                  <a:tcPr>
+                    <a:noFill/>
+                  </a:tcPr>
+                </a:tc>
+                <a:extLst>
+                  <a:ext uri="{0D108BD9-81ED-4DB2-BD59-A6C34878D82A}">
+                    <a16:rowId xmlns:a16="http://schemas.microsoft.com/office/drawing/2014/main" val="3691073050"/>
+                  </a:ext>
+                </a:extLst>
+              </a:tr>
+              <a:tr h="212580">
+                <a:tc>
+                  <a:txBody>
+                    <a:bodyPr/>
+                    <a:lstStyle/>
+                    <a:p>
+                      <a:pPr lvl="0" algn="ctr">
+                        <a:buNone/>
+                      </a:pPr>
+                      <a:r>
+                        <a:rPr lang="en-CH" sz="1400" dirty="0"/>
+                        <a:t>0.12</a:t>
+                      </a:r>
+                    </a:p>
+                  </a:txBody>
+                  <a:tcPr>
+                    <a:solidFill>
+                      <a:schemeClr val="accent6">
+                        <a:lumMod val="40000"/>
+                        <a:lumOff val="60000"/>
+                      </a:schemeClr>
+                    </a:solidFill>
+                  </a:tcPr>
+                </a:tc>
+                <a:tc>
+                  <a:txBody>
+                    <a:bodyPr/>
+                    <a:lstStyle/>
+                    <a:p>
+                      <a:pPr algn="ctr"/>
+                      <a:r>
+                        <a:rPr lang="en-GB" sz="1400" dirty="0"/>
+                        <a:t>0.72</a:t>
+                      </a:r>
+                    </a:p>
+                  </a:txBody>
+                  <a:tcPr>
+                    <a:solidFill>
+                      <a:schemeClr val="accent6">
+                        <a:lumMod val="40000"/>
+                        <a:lumOff val="60000"/>
+                      </a:schemeClr>
+                    </a:solidFill>
+                  </a:tcPr>
+                </a:tc>
+                <a:tc>
+                  <a:txBody>
+                    <a:bodyPr/>
+                    <a:lstStyle/>
+                    <a:p>
+                      <a:pPr algn="ctr"/>
+                      <a:r>
+                        <a:rPr lang="en-GB" sz="1400" dirty="0"/>
+                        <a:t>0.16</a:t>
+                      </a:r>
+                    </a:p>
+                  </a:txBody>
+                  <a:tcPr>
+                    <a:solidFill>
+                      <a:schemeClr val="accent6">
+                        <a:lumMod val="40000"/>
+                        <a:lumOff val="60000"/>
+                      </a:schemeClr>
+                    </a:solidFill>
+                  </a:tcPr>
+                </a:tc>
+                <a:extLst>
+                  <a:ext uri="{0D108BD9-81ED-4DB2-BD59-A6C34878D82A}">
+                    <a16:rowId xmlns:a16="http://schemas.microsoft.com/office/drawing/2014/main" val="3924907009"/>
+                  </a:ext>
+                </a:extLst>
+              </a:tr>
+            </a:tbl>
+          </a:graphicData>
+        </a:graphic>
+      </p:graphicFrame>
+      <mc:AlternateContent xmlns:mc="http://schemas.openxmlformats.org/markup-compatibility/2006" xmlns:a14="http://schemas.microsoft.com/office/drawing/2010/main">
+        <mc:Choice Requires="a14">
+          <p:graphicFrame>
+            <p:nvGraphicFramePr>
+              <p:cNvPr id="9" name="Table 8">
+                <a:extLst>
+                  <a:ext uri="{FF2B5EF4-FFF2-40B4-BE49-F238E27FC236}">
+                    <a16:creationId xmlns:a16="http://schemas.microsoft.com/office/drawing/2014/main" id="{EC3EA0B8-4DCF-6FC8-CA75-ED3C3645A5BF}"/>
+                  </a:ext>
+                </a:extLst>
+              </p:cNvPr>
+              <p:cNvGraphicFramePr>
+                <a:graphicFrameLocks noGrp="1"/>
+              </p:cNvGraphicFramePr>
+              <p:nvPr>
+                <p:extLst>
+                  <p:ext uri="{D42A27DB-BD31-4B8C-83A1-F6EECF244321}">
+                    <p14:modId xmlns:p14="http://schemas.microsoft.com/office/powerpoint/2010/main" val="255570161"/>
+                  </p:ext>
+                </p:extLst>
+              </p:nvPr>
+            </p:nvGraphicFramePr>
+            <p:xfrm>
+              <a:off x="6428422" y="3855967"/>
+              <a:ext cx="4934522" cy="915441"/>
+            </p:xfrm>
+            <a:graphic>
+              <a:graphicData uri="http://schemas.openxmlformats.org/drawingml/2006/table">
+                <a:tbl>
+                  <a:tblPr firstRow="1" bandRow="1">
+                    <a:tableStyleId>{5940675A-B579-460E-94D1-54222C63F5DA}</a:tableStyleId>
+                  </a:tblPr>
+                  <a:tblGrid>
+                    <a:gridCol w="1967433">
+                      <a:extLst>
+                        <a:ext uri="{9D8B030D-6E8A-4147-A177-3AD203B41FA5}">
+                          <a16:colId xmlns:a16="http://schemas.microsoft.com/office/drawing/2014/main" val="85563763"/>
+                        </a:ext>
+                      </a:extLst>
+                    </a:gridCol>
+                    <a:gridCol w="2090057">
+                      <a:extLst>
+                        <a:ext uri="{9D8B030D-6E8A-4147-A177-3AD203B41FA5}">
+                          <a16:colId xmlns:a16="http://schemas.microsoft.com/office/drawing/2014/main" val="3628537185"/>
+                        </a:ext>
+                      </a:extLst>
+                    </a:gridCol>
+                    <a:gridCol w="877032">
+                      <a:extLst>
+                        <a:ext uri="{9D8B030D-6E8A-4147-A177-3AD203B41FA5}">
+                          <a16:colId xmlns:a16="http://schemas.microsoft.com/office/drawing/2014/main" val="1561760650"/>
+                        </a:ext>
+                      </a:extLst>
+                    </a:gridCol>
+                  </a:tblGrid>
+                  <a:tr h="366801">
+                    <a:tc>
+                      <a:txBody>
+                        <a:bodyPr/>
+                        <a:lstStyle/>
+                        <a:p>
+                          <a:pPr lvl="0">
+                            <a:buNone/>
+                          </a:pPr>
+                          <a:r>
+                            <a:rPr lang="en-GB" sz="1200" b="0" i="0" u="none" strike="noStrike" noProof="0">
+                              <a:solidFill>
+                                <a:srgbClr val="000000"/>
+                              </a:solidFill>
+                              <a:latin typeface="Calibri"/>
+                            </a:rPr>
+                            <a:t>estimator__max_depth</a:t>
+                          </a:r>
+                          <a:endParaRPr lang="en-US" sz="1600" err="1"/>
+                        </a:p>
+                      </a:txBody>
+                      <a:tcPr/>
+                    </a:tc>
+                    <a:tc>
+                      <a:txBody>
+                        <a:bodyPr/>
+                        <a:lstStyle/>
+                        <a:p>
+                          <a:pPr lvl="0" algn="l">
+                            <a:buNone/>
+                          </a:pPr>
+                          <a14:m>
+                            <m:oMathPara xmlns:m="http://schemas.openxmlformats.org/officeDocument/2006/math">
+                              <m:oMathParaPr>
+                                <m:jc m:val="left"/>
+                              </m:oMathParaPr>
+                              <m:oMath xmlns:m="http://schemas.openxmlformats.org/officeDocument/2006/math">
+                                <m:r>
+                                  <a:rPr lang="en-GB" sz="1200" i="1" dirty="0" smtClean="0">
+                                    <a:latin typeface="Cambria Math" panose="02040503050406030204" pitchFamily="18" charset="0"/>
+                                  </a:rPr>
+                                  <m:t>[5, 7, 8, 10]</m:t>
+                                </m:r>
+                              </m:oMath>
+                            </m:oMathPara>
+                          </a14:m>
+                          <a:endParaRPr lang="en-GB" sz="1200" dirty="0"/>
+                        </a:p>
+                      </a:txBody>
+                      <a:tcPr>
+                        <a:noFill/>
+                      </a:tcPr>
+                    </a:tc>
+                    <a:tc>
+                      <a:txBody>
+                        <a:bodyPr/>
+                        <a:lstStyle/>
+                        <a:p>
+                          <a:pPr lvl="0" algn="ctr">
+                            <a:buNone/>
+                          </a:pPr>
+                          <a:r>
+                            <a:rPr lang="en-US" sz="1200" dirty="0"/>
+                            <a:t>5</a:t>
+                          </a:r>
+                        </a:p>
+                      </a:txBody>
+                      <a:tcPr>
+                        <a:solidFill>
+                          <a:schemeClr val="accent4">
+                            <a:lumMod val="60000"/>
+                            <a:lumOff val="40000"/>
+                          </a:schemeClr>
+                        </a:solidFill>
+                      </a:tcPr>
+                    </a:tc>
+                    <a:extLst>
+                      <a:ext uri="{0D108BD9-81ED-4DB2-BD59-A6C34878D82A}">
+                        <a16:rowId xmlns:a16="http://schemas.microsoft.com/office/drawing/2014/main" val="3691073050"/>
+                      </a:ext>
+                    </a:extLst>
+                  </a:tr>
+                  <a:tr h="217576">
+                    <a:tc>
+                      <a:txBody>
+                        <a:bodyPr/>
+                        <a:lstStyle/>
+                        <a:p>
+                          <a:pPr lvl="0">
+                            <a:buNone/>
+                          </a:pPr>
+                          <a:r>
+                            <a:rPr lang="en-CH" sz="1200"/>
+                            <a:t>n_estimators</a:t>
+                          </a:r>
+                          <a:endParaRPr lang="en-CH" sz="1200" err="1"/>
+                        </a:p>
+                      </a:txBody>
+                      <a:tcPr/>
+                    </a:tc>
+                    <a:tc>
+                      <a:txBody>
+                        <a:bodyPr/>
+                        <a:lstStyle/>
+                        <a:p>
+                          <a:pPr lvl="0" algn="l">
+                            <a:buNone/>
+                          </a:pPr>
+                          <a14:m>
+                            <m:oMathPara xmlns:m="http://schemas.openxmlformats.org/officeDocument/2006/math">
+                              <m:oMathParaPr>
+                                <m:jc m:val="left"/>
+                              </m:oMathParaPr>
+                              <m:oMath xmlns:m="http://schemas.openxmlformats.org/officeDocument/2006/math">
+                                <m:r>
+                                  <a:rPr lang="en-GB" sz="1200" i="1" dirty="0" smtClean="0">
+                                    <a:latin typeface="Cambria Math" panose="02040503050406030204" pitchFamily="18" charset="0"/>
+                                  </a:rPr>
+                                  <m:t>[5, 10, 13, 15, 17, 20]</m:t>
+                                </m:r>
+                              </m:oMath>
+                            </m:oMathPara>
+                          </a14:m>
+                          <a:endParaRPr lang="en-GB" sz="1200" dirty="0"/>
+                        </a:p>
+                      </a:txBody>
+                      <a:tcPr>
+                        <a:noFill/>
+                      </a:tcPr>
+                    </a:tc>
+                    <a:tc>
+                      <a:txBody>
+                        <a:bodyPr/>
+                        <a:lstStyle/>
+                        <a:p>
+                          <a:pPr lvl="0" algn="ctr">
+                            <a:buNone/>
+                          </a:pPr>
+                          <a:r>
+                            <a:rPr lang="en-US" sz="1200" dirty="0"/>
+                            <a:t>13</a:t>
+                          </a:r>
+                        </a:p>
+                      </a:txBody>
+                      <a:tcPr>
+                        <a:solidFill>
+                          <a:schemeClr val="accent4">
+                            <a:lumMod val="60000"/>
+                            <a:lumOff val="40000"/>
+                          </a:schemeClr>
+                        </a:solidFill>
+                      </a:tcPr>
+                    </a:tc>
+                    <a:extLst>
+                      <a:ext uri="{0D108BD9-81ED-4DB2-BD59-A6C34878D82A}">
+                        <a16:rowId xmlns:a16="http://schemas.microsoft.com/office/drawing/2014/main" val="3924907009"/>
+                      </a:ext>
+                    </a:extLst>
+                  </a:tr>
+                  <a:tr h="217576">
+                    <a:tc>
+                      <a:txBody>
+                        <a:bodyPr/>
+                        <a:lstStyle/>
+                        <a:p>
+                          <a:r>
+                            <a:rPr lang="en-US" sz="1200" dirty="0" err="1"/>
+                            <a:t>learning_rate</a:t>
+                          </a:r>
+                          <a:endParaRPr lang="en-US" sz="1200" dirty="0"/>
+                        </a:p>
+                      </a:txBody>
+                      <a:tcPr/>
+                    </a:tc>
+                    <a:tc>
+                      <a:txBody>
+                        <a:bodyPr/>
+                        <a:lstStyle/>
+                        <a:p>
+                          <a:pPr lvl="0" algn="l">
+                            <a:buNone/>
+                          </a:pPr>
+                          <a14:m>
+                            <m:oMathPara xmlns:m="http://schemas.openxmlformats.org/officeDocument/2006/math">
+                              <m:oMathParaPr>
+                                <m:jc m:val="left"/>
+                              </m:oMathParaPr>
+                              <m:oMath xmlns:m="http://schemas.openxmlformats.org/officeDocument/2006/math">
+                                <m:r>
+                                  <a:rPr lang="en-US" sz="1200" i="1" dirty="0" smtClean="0">
+                                    <a:latin typeface="Cambria Math" panose="02040503050406030204" pitchFamily="18" charset="0"/>
+                                  </a:rPr>
+                                  <m:t>[0.</m:t>
+                                </m:r>
+                                <m:r>
+                                  <a:rPr lang="de-CH" sz="1200" b="0" i="1" dirty="0" smtClean="0">
+                                    <a:latin typeface="Cambria Math" panose="02040503050406030204" pitchFamily="18" charset="0"/>
+                                  </a:rPr>
+                                  <m:t>6</m:t>
+                                </m:r>
+                                <m:r>
+                                  <a:rPr lang="en-US" sz="1200" i="1" dirty="0" smtClean="0">
+                                    <a:latin typeface="Cambria Math" panose="02040503050406030204" pitchFamily="18" charset="0"/>
+                                  </a:rPr>
+                                  <m:t>, </m:t>
+                                </m:r>
+                                <m:r>
+                                  <a:rPr lang="de-CH" sz="1200" b="0" i="1" dirty="0" smtClean="0">
+                                    <a:latin typeface="Cambria Math" panose="02040503050406030204" pitchFamily="18" charset="0"/>
+                                  </a:rPr>
+                                  <m:t>0.8, </m:t>
+                                </m:r>
+                                <m:r>
+                                  <a:rPr lang="en-US" sz="1200" i="1" dirty="0" smtClean="0">
+                                    <a:latin typeface="Cambria Math" panose="02040503050406030204" pitchFamily="18" charset="0"/>
+                                  </a:rPr>
+                                  <m:t>1, 1.</m:t>
+                                </m:r>
+                                <m:r>
+                                  <a:rPr lang="de-CH" sz="1200" b="0" i="1" dirty="0" smtClean="0">
+                                    <a:latin typeface="Cambria Math" panose="02040503050406030204" pitchFamily="18" charset="0"/>
+                                  </a:rPr>
+                                  <m:t>6</m:t>
+                                </m:r>
+                                <m:r>
+                                  <a:rPr lang="en-US" sz="1200" i="1" dirty="0" smtClean="0">
+                                    <a:latin typeface="Cambria Math" panose="02040503050406030204" pitchFamily="18" charset="0"/>
+                                  </a:rPr>
+                                  <m:t>, 2, 2.5]</m:t>
+                                </m:r>
+                              </m:oMath>
+                            </m:oMathPara>
+                          </a14:m>
+                          <a:endParaRPr lang="en-US" sz="1200" dirty="0"/>
+                        </a:p>
+                      </a:txBody>
+                      <a:tcPr>
+                        <a:noFill/>
+                      </a:tcPr>
+                    </a:tc>
+                    <a:tc>
+                      <a:txBody>
+                        <a:bodyPr/>
+                        <a:lstStyle/>
+                        <a:p>
+                          <a:pPr lvl="0" algn="ctr">
+                            <a:buNone/>
+                          </a:pPr>
+                          <a:r>
+                            <a:rPr lang="en-US" sz="1200" dirty="0"/>
+                            <a:t>2</a:t>
+                          </a:r>
+                        </a:p>
+                      </a:txBody>
+                      <a:tcPr>
+                        <a:solidFill>
+                          <a:schemeClr val="accent4">
+                            <a:lumMod val="60000"/>
+                            <a:lumOff val="40000"/>
+                          </a:schemeClr>
+                        </a:solidFill>
+                      </a:tcPr>
+                    </a:tc>
+                    <a:extLst>
+                      <a:ext uri="{0D108BD9-81ED-4DB2-BD59-A6C34878D82A}">
+                        <a16:rowId xmlns:a16="http://schemas.microsoft.com/office/drawing/2014/main" val="2253989474"/>
+                      </a:ext>
+                    </a:extLst>
+                  </a:tr>
+                </a:tbl>
+              </a:graphicData>
+            </a:graphic>
+          </p:graphicFrame>
+        </mc:Choice>
+        <mc:Fallback xmlns="">
+          <p:graphicFrame>
+            <p:nvGraphicFramePr>
+              <p:cNvPr id="9" name="Table 8">
+                <a:extLst>
+                  <a:ext uri="{FF2B5EF4-FFF2-40B4-BE49-F238E27FC236}">
+                    <a16:creationId xmlns:a16="http://schemas.microsoft.com/office/drawing/2014/main" id="{EC3EA0B8-4DCF-6FC8-CA75-ED3C3645A5BF}"/>
+                  </a:ext>
+                </a:extLst>
+              </p:cNvPr>
+              <p:cNvGraphicFramePr>
+                <a:graphicFrameLocks noGrp="1"/>
+              </p:cNvGraphicFramePr>
+              <p:nvPr>
+                <p:extLst>
+                  <p:ext uri="{D42A27DB-BD31-4B8C-83A1-F6EECF244321}">
+                    <p14:modId xmlns:p14="http://schemas.microsoft.com/office/powerpoint/2010/main" val="255570161"/>
+                  </p:ext>
+                </p:extLst>
+              </p:nvPr>
+            </p:nvGraphicFramePr>
+            <p:xfrm>
+              <a:off x="6428422" y="3855967"/>
+              <a:ext cx="4934522" cy="915441"/>
+            </p:xfrm>
+            <a:graphic>
+              <a:graphicData uri="http://schemas.openxmlformats.org/drawingml/2006/table">
+                <a:tbl>
+                  <a:tblPr firstRow="1" bandRow="1">
+                    <a:tableStyleId>{5940675A-B579-460E-94D1-54222C63F5DA}</a:tableStyleId>
+                  </a:tblPr>
+                  <a:tblGrid>
+                    <a:gridCol w="1967433">
+                      <a:extLst>
+                        <a:ext uri="{9D8B030D-6E8A-4147-A177-3AD203B41FA5}">
+                          <a16:colId xmlns:a16="http://schemas.microsoft.com/office/drawing/2014/main" val="85563763"/>
+                        </a:ext>
+                      </a:extLst>
+                    </a:gridCol>
+                    <a:gridCol w="2090057">
+                      <a:extLst>
+                        <a:ext uri="{9D8B030D-6E8A-4147-A177-3AD203B41FA5}">
+                          <a16:colId xmlns:a16="http://schemas.microsoft.com/office/drawing/2014/main" val="3628537185"/>
+                        </a:ext>
+                      </a:extLst>
+                    </a:gridCol>
+                    <a:gridCol w="877032">
+                      <a:extLst>
+                        <a:ext uri="{9D8B030D-6E8A-4147-A177-3AD203B41FA5}">
+                          <a16:colId xmlns:a16="http://schemas.microsoft.com/office/drawing/2014/main" val="1561760650"/>
+                        </a:ext>
+                      </a:extLst>
+                    </a:gridCol>
+                  </a:tblGrid>
+                  <a:tr h="366801">
+                    <a:tc>
+                      <a:txBody>
+                        <a:bodyPr/>
+                        <a:lstStyle/>
+                        <a:p>
+                          <a:pPr lvl="0">
+                            <a:buNone/>
+                          </a:pPr>
+                          <a:r>
+                            <a:rPr lang="en-GB" sz="1200" b="0" i="0" u="none" strike="noStrike" noProof="0">
+                              <a:solidFill>
+                                <a:srgbClr val="000000"/>
+                              </a:solidFill>
+                              <a:latin typeface="Calibri"/>
+                            </a:rPr>
+                            <a:t>estimator__max_depth</a:t>
+                          </a:r>
+                          <a:endParaRPr lang="en-US" sz="1600" err="1"/>
+                        </a:p>
+                      </a:txBody>
+                      <a:tcPr/>
+                    </a:tc>
+                    <a:tc>
+                      <a:txBody>
+                        <a:bodyPr/>
+                        <a:lstStyle/>
+                        <a:p>
+                          <a:endParaRPr lang="en-CH"/>
+                        </a:p>
+                      </a:txBody>
+                      <a:tcPr>
+                        <a:blipFill>
+                          <a:blip r:embed="rId3"/>
+                          <a:stretch>
+                            <a:fillRect l="-94545" t="-3448" r="-43030" b="-162069"/>
+                          </a:stretch>
+                        </a:blipFill>
+                      </a:tcPr>
+                    </a:tc>
+                    <a:tc>
+                      <a:txBody>
+                        <a:bodyPr/>
+                        <a:lstStyle/>
+                        <a:p>
+                          <a:pPr lvl="0" algn="ctr">
+                            <a:buNone/>
+                          </a:pPr>
+                          <a:r>
+                            <a:rPr lang="en-US" sz="1200" dirty="0"/>
+                            <a:t>5</a:t>
+                          </a:r>
+                        </a:p>
+                      </a:txBody>
+                      <a:tcPr>
+                        <a:solidFill>
+                          <a:schemeClr val="accent4">
+                            <a:lumMod val="60000"/>
+                            <a:lumOff val="40000"/>
+                          </a:schemeClr>
+                        </a:solidFill>
+                      </a:tcPr>
+                    </a:tc>
+                    <a:extLst>
+                      <a:ext uri="{0D108BD9-81ED-4DB2-BD59-A6C34878D82A}">
+                        <a16:rowId xmlns:a16="http://schemas.microsoft.com/office/drawing/2014/main" val="3691073050"/>
+                      </a:ext>
+                    </a:extLst>
+                  </a:tr>
+                  <a:tr h="274320">
+                    <a:tc>
+                      <a:txBody>
+                        <a:bodyPr/>
+                        <a:lstStyle/>
+                        <a:p>
+                          <a:pPr lvl="0">
+                            <a:buNone/>
+                          </a:pPr>
+                          <a:r>
+                            <a:rPr lang="en-CH" sz="1200"/>
+                            <a:t>n_estimators</a:t>
+                          </a:r>
+                          <a:endParaRPr lang="en-CH" sz="1200" err="1"/>
+                        </a:p>
+                      </a:txBody>
+                      <a:tcPr/>
+                    </a:tc>
+                    <a:tc>
+                      <a:txBody>
+                        <a:bodyPr/>
+                        <a:lstStyle/>
+                        <a:p>
+                          <a:endParaRPr lang="en-CH"/>
+                        </a:p>
+                      </a:txBody>
+                      <a:tcPr>
+                        <a:blipFill>
+                          <a:blip r:embed="rId3"/>
+                          <a:stretch>
+                            <a:fillRect l="-94545" t="-136364" r="-43030" b="-113636"/>
+                          </a:stretch>
+                        </a:blipFill>
+                      </a:tcPr>
+                    </a:tc>
+                    <a:tc>
+                      <a:txBody>
+                        <a:bodyPr/>
+                        <a:lstStyle/>
+                        <a:p>
+                          <a:pPr lvl="0" algn="ctr">
+                            <a:buNone/>
+                          </a:pPr>
+                          <a:r>
+                            <a:rPr lang="en-US" sz="1200" dirty="0"/>
+                            <a:t>13</a:t>
+                          </a:r>
+                        </a:p>
+                      </a:txBody>
+                      <a:tcPr>
+                        <a:solidFill>
+                          <a:schemeClr val="accent4">
+                            <a:lumMod val="60000"/>
+                            <a:lumOff val="40000"/>
+                          </a:schemeClr>
+                        </a:solidFill>
+                      </a:tcPr>
+                    </a:tc>
+                    <a:extLst>
+                      <a:ext uri="{0D108BD9-81ED-4DB2-BD59-A6C34878D82A}">
+                        <a16:rowId xmlns:a16="http://schemas.microsoft.com/office/drawing/2014/main" val="3924907009"/>
+                      </a:ext>
+                    </a:extLst>
+                  </a:tr>
+                  <a:tr h="274320">
+                    <a:tc>
+                      <a:txBody>
+                        <a:bodyPr/>
+                        <a:lstStyle/>
+                        <a:p>
+                          <a:r>
+                            <a:rPr lang="en-US" sz="1200" dirty="0" err="1"/>
+                            <a:t>learning_rate</a:t>
+                          </a:r>
+                          <a:endParaRPr lang="en-US" sz="1200" dirty="0"/>
+                        </a:p>
+                      </a:txBody>
+                      <a:tcPr/>
+                    </a:tc>
+                    <a:tc>
+                      <a:txBody>
+                        <a:bodyPr/>
+                        <a:lstStyle/>
+                        <a:p>
+                          <a:endParaRPr lang="en-CH"/>
+                        </a:p>
+                      </a:txBody>
+                      <a:tcPr>
+                        <a:blipFill>
+                          <a:blip r:embed="rId3"/>
+                          <a:stretch>
+                            <a:fillRect l="-94545" t="-236364" r="-43030" b="-13636"/>
+                          </a:stretch>
+                        </a:blipFill>
+                      </a:tcPr>
+                    </a:tc>
+                    <a:tc>
+                      <a:txBody>
+                        <a:bodyPr/>
+                        <a:lstStyle/>
+                        <a:p>
+                          <a:pPr lvl="0" algn="ctr">
+                            <a:buNone/>
+                          </a:pPr>
+                          <a:r>
+                            <a:rPr lang="en-US" sz="1200" dirty="0"/>
+                            <a:t>2</a:t>
+                          </a:r>
+                        </a:p>
+                      </a:txBody>
+                      <a:tcPr>
+                        <a:solidFill>
+                          <a:schemeClr val="accent4">
+                            <a:lumMod val="60000"/>
+                            <a:lumOff val="40000"/>
+                          </a:schemeClr>
+                        </a:solidFill>
+                      </a:tcPr>
+                    </a:tc>
+                    <a:extLst>
+                      <a:ext uri="{0D108BD9-81ED-4DB2-BD59-A6C34878D82A}">
+                        <a16:rowId xmlns:a16="http://schemas.microsoft.com/office/drawing/2014/main" val="2253989474"/>
+                      </a:ext>
+                    </a:extLst>
+                  </a:tr>
+                </a:tbl>
+              </a:graphicData>
+            </a:graphic>
+          </p:graphicFrame>
+        </mc:Fallback>
+      </mc:AlternateContent>
+      <mc:AlternateContent xmlns:mc="http://schemas.openxmlformats.org/markup-compatibility/2006" xmlns:a14="http://schemas.microsoft.com/office/drawing/2010/main">
+        <mc:Choice Requires="a14">
+          <p:graphicFrame>
+            <p:nvGraphicFramePr>
+              <p:cNvPr id="11" name="Table 10">
+                <a:extLst>
+                  <a:ext uri="{FF2B5EF4-FFF2-40B4-BE49-F238E27FC236}">
+                    <a16:creationId xmlns:a16="http://schemas.microsoft.com/office/drawing/2014/main" id="{6737BB4C-FBDC-6D05-9857-387309937CDD}"/>
+                  </a:ext>
+                </a:extLst>
+              </p:cNvPr>
+              <p:cNvGraphicFramePr>
+                <a:graphicFrameLocks noGrp="1"/>
+              </p:cNvGraphicFramePr>
+              <p:nvPr>
+                <p:extLst>
+                  <p:ext uri="{D42A27DB-BD31-4B8C-83A1-F6EECF244321}">
+                    <p14:modId xmlns:p14="http://schemas.microsoft.com/office/powerpoint/2010/main" val="2513872723"/>
+                  </p:ext>
+                </p:extLst>
+              </p:nvPr>
+            </p:nvGraphicFramePr>
+            <p:xfrm>
+              <a:off x="6415500" y="5779951"/>
+              <a:ext cx="4929156" cy="274320"/>
+            </p:xfrm>
+            <a:graphic>
+              <a:graphicData uri="http://schemas.openxmlformats.org/drawingml/2006/table">
+                <a:tbl>
+                  <a:tblPr firstRow="1" bandRow="1">
+                    <a:tableStyleId>{5940675A-B579-460E-94D1-54222C63F5DA}</a:tableStyleId>
+                  </a:tblPr>
+                  <a:tblGrid>
+                    <a:gridCol w="1968492">
+                      <a:extLst>
+                        <a:ext uri="{9D8B030D-6E8A-4147-A177-3AD203B41FA5}">
+                          <a16:colId xmlns:a16="http://schemas.microsoft.com/office/drawing/2014/main" val="85563763"/>
+                        </a:ext>
+                      </a:extLst>
+                    </a:gridCol>
+                    <a:gridCol w="2092546">
+                      <a:extLst>
+                        <a:ext uri="{9D8B030D-6E8A-4147-A177-3AD203B41FA5}">
+                          <a16:colId xmlns:a16="http://schemas.microsoft.com/office/drawing/2014/main" val="3628537185"/>
+                        </a:ext>
+                      </a:extLst>
+                    </a:gridCol>
+                    <a:gridCol w="868118">
+                      <a:extLst>
+                        <a:ext uri="{9D8B030D-6E8A-4147-A177-3AD203B41FA5}">
+                          <a16:colId xmlns:a16="http://schemas.microsoft.com/office/drawing/2014/main" val="1561760650"/>
+                        </a:ext>
+                      </a:extLst>
+                    </a:gridCol>
+                  </a:tblGrid>
+                  <a:tr h="246647">
+                    <a:tc>
+                      <a:txBody>
+                        <a:bodyPr/>
+                        <a:lstStyle/>
+                        <a:p>
+                          <a:r>
+                            <a:rPr lang="en-US" sz="1200" dirty="0" err="1"/>
+                            <a:t>learning_rate</a:t>
+                          </a:r>
+                          <a:endParaRPr lang="en-US" sz="1200" dirty="0"/>
+                        </a:p>
+                      </a:txBody>
+                      <a:tcPr/>
+                    </a:tc>
+                    <a:tc>
+                      <a:txBody>
+                        <a:bodyPr/>
+                        <a:lstStyle/>
+                        <a:p>
+                          <a:pPr algn="l"/>
+                          <a14:m>
+                            <m:oMathPara xmlns:m="http://schemas.openxmlformats.org/officeDocument/2006/math">
+                              <m:oMathParaPr>
+                                <m:jc m:val="left"/>
+                              </m:oMathParaPr>
+                              <m:oMath xmlns:m="http://schemas.openxmlformats.org/officeDocument/2006/math">
+                                <m:r>
+                                  <a:rPr lang="de-CH" sz="1200" b="0" i="1" dirty="0" smtClean="0">
+                                    <a:latin typeface="Cambria Math" panose="02040503050406030204" pitchFamily="18" charset="0"/>
+                                  </a:rPr>
+                                  <m:t>[2.05, 2.075, </m:t>
+                                </m:r>
+                                <m:r>
+                                  <a:rPr lang="de-CH" sz="1200" b="0" i="1" dirty="0" smtClean="0">
+                                    <a:solidFill>
+                                      <a:schemeClr val="accent4">
+                                        <a:lumMod val="60000"/>
+                                        <a:lumOff val="40000"/>
+                                      </a:schemeClr>
+                                    </a:solidFill>
+                                    <a:latin typeface="Cambria Math" panose="02040503050406030204" pitchFamily="18" charset="0"/>
+                                  </a:rPr>
+                                  <m:t>2.1,</m:t>
+                                </m:r>
+                                <m:r>
+                                  <a:rPr lang="de-CH" sz="1200" b="0" i="1" dirty="0" smtClean="0">
+                                    <a:latin typeface="Cambria Math" panose="02040503050406030204" pitchFamily="18" charset="0"/>
+                                  </a:rPr>
+                                  <m:t> 2.125, 2.15]</m:t>
+                                </m:r>
+                              </m:oMath>
+                            </m:oMathPara>
+                          </a14:m>
+                          <a:endParaRPr lang="en-CH" sz="1200" dirty="0"/>
+                        </a:p>
+                      </a:txBody>
+                      <a:tcPr>
+                        <a:noFill/>
+                      </a:tcPr>
+                    </a:tc>
+                    <a:tc>
+                      <a:txBody>
+                        <a:bodyPr/>
+                        <a:lstStyle/>
+                        <a:p>
+                          <a:pPr algn="ctr"/>
+                          <a14:m>
+                            <m:oMathPara xmlns:m="http://schemas.openxmlformats.org/officeDocument/2006/math">
+                              <m:oMathParaPr>
+                                <m:jc m:val="centerGroup"/>
+                              </m:oMathParaPr>
+                              <m:oMath xmlns:m="http://schemas.openxmlformats.org/officeDocument/2006/math">
+                                <m:r>
+                                  <a:rPr lang="en-US" sz="1200" i="1" dirty="0" smtClean="0">
+                                    <a:latin typeface="Cambria Math" panose="02040503050406030204" pitchFamily="18" charset="0"/>
+                                  </a:rPr>
+                                  <m:t>2.</m:t>
+                                </m:r>
+                                <m:r>
+                                  <a:rPr lang="de-CH" sz="1200" b="0" i="1" dirty="0" smtClean="0">
+                                    <a:latin typeface="Cambria Math" panose="02040503050406030204" pitchFamily="18" charset="0"/>
+                                  </a:rPr>
+                                  <m:t>075</m:t>
+                                </m:r>
+                              </m:oMath>
+                            </m:oMathPara>
+                          </a14:m>
+                          <a:endParaRPr lang="en-US" sz="1200" dirty="0"/>
+                        </a:p>
+                      </a:txBody>
+                      <a:tcPr>
+                        <a:solidFill>
+                          <a:schemeClr val="accent4">
+                            <a:lumMod val="60000"/>
+                            <a:lumOff val="40000"/>
+                          </a:schemeClr>
+                        </a:solidFill>
+                      </a:tcPr>
+                    </a:tc>
+                    <a:extLst>
+                      <a:ext uri="{0D108BD9-81ED-4DB2-BD59-A6C34878D82A}">
+                        <a16:rowId xmlns:a16="http://schemas.microsoft.com/office/drawing/2014/main" val="2253989474"/>
+                      </a:ext>
+                    </a:extLst>
+                  </a:tr>
+                </a:tbl>
+              </a:graphicData>
+            </a:graphic>
+          </p:graphicFrame>
+        </mc:Choice>
+        <mc:Fallback xmlns="">
+          <p:graphicFrame>
+            <p:nvGraphicFramePr>
+              <p:cNvPr id="11" name="Table 10">
+                <a:extLst>
+                  <a:ext uri="{FF2B5EF4-FFF2-40B4-BE49-F238E27FC236}">
+                    <a16:creationId xmlns:a16="http://schemas.microsoft.com/office/drawing/2014/main" id="{6737BB4C-FBDC-6D05-9857-387309937CDD}"/>
+                  </a:ext>
+                </a:extLst>
+              </p:cNvPr>
+              <p:cNvGraphicFramePr>
+                <a:graphicFrameLocks noGrp="1"/>
+              </p:cNvGraphicFramePr>
+              <p:nvPr>
+                <p:extLst>
+                  <p:ext uri="{D42A27DB-BD31-4B8C-83A1-F6EECF244321}">
+                    <p14:modId xmlns:p14="http://schemas.microsoft.com/office/powerpoint/2010/main" val="2513872723"/>
+                  </p:ext>
+                </p:extLst>
+              </p:nvPr>
+            </p:nvGraphicFramePr>
+            <p:xfrm>
+              <a:off x="6415500" y="5779951"/>
+              <a:ext cx="4929156" cy="274320"/>
+            </p:xfrm>
+            <a:graphic>
+              <a:graphicData uri="http://schemas.openxmlformats.org/drawingml/2006/table">
+                <a:tbl>
+                  <a:tblPr firstRow="1" bandRow="1">
+                    <a:tableStyleId>{5940675A-B579-460E-94D1-54222C63F5DA}</a:tableStyleId>
+                  </a:tblPr>
+                  <a:tblGrid>
+                    <a:gridCol w="1968492">
+                      <a:extLst>
+                        <a:ext uri="{9D8B030D-6E8A-4147-A177-3AD203B41FA5}">
+                          <a16:colId xmlns:a16="http://schemas.microsoft.com/office/drawing/2014/main" val="85563763"/>
+                        </a:ext>
+                      </a:extLst>
+                    </a:gridCol>
+                    <a:gridCol w="2092546">
+                      <a:extLst>
+                        <a:ext uri="{9D8B030D-6E8A-4147-A177-3AD203B41FA5}">
+                          <a16:colId xmlns:a16="http://schemas.microsoft.com/office/drawing/2014/main" val="3628537185"/>
+                        </a:ext>
+                      </a:extLst>
+                    </a:gridCol>
+                    <a:gridCol w="868118">
+                      <a:extLst>
+                        <a:ext uri="{9D8B030D-6E8A-4147-A177-3AD203B41FA5}">
+                          <a16:colId xmlns:a16="http://schemas.microsoft.com/office/drawing/2014/main" val="1561760650"/>
+                        </a:ext>
+                      </a:extLst>
+                    </a:gridCol>
+                  </a:tblGrid>
+                  <a:tr h="274320">
+                    <a:tc>
+                      <a:txBody>
+                        <a:bodyPr/>
+                        <a:lstStyle/>
+                        <a:p>
+                          <a:r>
+                            <a:rPr lang="en-US" sz="1200" dirty="0" err="1"/>
+                            <a:t>learning_rate</a:t>
+                          </a:r>
+                          <a:endParaRPr lang="en-US" sz="1200" dirty="0"/>
+                        </a:p>
+                      </a:txBody>
+                      <a:tcPr/>
+                    </a:tc>
+                    <a:tc>
+                      <a:txBody>
+                        <a:bodyPr/>
+                        <a:lstStyle/>
+                        <a:p>
+                          <a:endParaRPr lang="en-CH"/>
+                        </a:p>
+                      </a:txBody>
+                      <a:tcPr>
+                        <a:blipFill>
+                          <a:blip r:embed="rId4"/>
+                          <a:stretch>
+                            <a:fillRect l="-94545" t="-4545" r="-42424" b="-18182"/>
+                          </a:stretch>
+                        </a:blipFill>
+                      </a:tcPr>
+                    </a:tc>
+                    <a:tc>
+                      <a:txBody>
+                        <a:bodyPr/>
+                        <a:lstStyle/>
+                        <a:p>
+                          <a:endParaRPr lang="en-CH"/>
+                        </a:p>
+                      </a:txBody>
+                      <a:tcPr>
+                        <a:blipFill>
+                          <a:blip r:embed="rId4"/>
+                          <a:stretch>
+                            <a:fillRect l="-465217" t="-4545" r="-1449" b="-18182"/>
+                          </a:stretch>
+                        </a:blipFill>
+                      </a:tcPr>
+                    </a:tc>
+                    <a:extLst>
+                      <a:ext uri="{0D108BD9-81ED-4DB2-BD59-A6C34878D82A}">
+                        <a16:rowId xmlns:a16="http://schemas.microsoft.com/office/drawing/2014/main" val="2253989474"/>
+                      </a:ext>
+                    </a:extLst>
+                  </a:tr>
+                </a:tbl>
+              </a:graphicData>
+            </a:graphic>
+          </p:graphicFrame>
+        </mc:Fallback>
+      </mc:AlternateContent>
+      <mc:AlternateContent xmlns:mc="http://schemas.openxmlformats.org/markup-compatibility/2006" xmlns:a14="http://schemas.microsoft.com/office/drawing/2010/main">
+        <mc:Choice Requires="a14">
+          <p:graphicFrame>
+            <p:nvGraphicFramePr>
+              <p:cNvPr id="12" name="Table 11">
+                <a:extLst>
+                  <a:ext uri="{FF2B5EF4-FFF2-40B4-BE49-F238E27FC236}">
+                    <a16:creationId xmlns:a16="http://schemas.microsoft.com/office/drawing/2014/main" id="{DC1233E5-A1F0-6A1C-D40A-511270A9B5D1}"/>
+                  </a:ext>
+                </a:extLst>
+              </p:cNvPr>
+              <p:cNvGraphicFramePr>
+                <a:graphicFrameLocks noGrp="1"/>
+              </p:cNvGraphicFramePr>
+              <p:nvPr>
+                <p:extLst>
+                  <p:ext uri="{D42A27DB-BD31-4B8C-83A1-F6EECF244321}">
+                    <p14:modId xmlns:p14="http://schemas.microsoft.com/office/powerpoint/2010/main" val="2652243932"/>
+                  </p:ext>
+                </p:extLst>
+              </p:nvPr>
+            </p:nvGraphicFramePr>
+            <p:xfrm>
+              <a:off x="6410245" y="6163577"/>
+              <a:ext cx="4929156" cy="274320"/>
+            </p:xfrm>
+            <a:graphic>
+              <a:graphicData uri="http://schemas.openxmlformats.org/drawingml/2006/table">
+                <a:tbl>
+                  <a:tblPr firstRow="1" bandRow="1">
+                    <a:tableStyleId>{5940675A-B579-460E-94D1-54222C63F5DA}</a:tableStyleId>
+                  </a:tblPr>
+                  <a:tblGrid>
+                    <a:gridCol w="1968492">
+                      <a:extLst>
+                        <a:ext uri="{9D8B030D-6E8A-4147-A177-3AD203B41FA5}">
+                          <a16:colId xmlns:a16="http://schemas.microsoft.com/office/drawing/2014/main" val="85563763"/>
+                        </a:ext>
+                      </a:extLst>
+                    </a:gridCol>
+                    <a:gridCol w="2092546">
+                      <a:extLst>
+                        <a:ext uri="{9D8B030D-6E8A-4147-A177-3AD203B41FA5}">
+                          <a16:colId xmlns:a16="http://schemas.microsoft.com/office/drawing/2014/main" val="3628537185"/>
+                        </a:ext>
+                      </a:extLst>
+                    </a:gridCol>
+                    <a:gridCol w="868118">
+                      <a:extLst>
+                        <a:ext uri="{9D8B030D-6E8A-4147-A177-3AD203B41FA5}">
+                          <a16:colId xmlns:a16="http://schemas.microsoft.com/office/drawing/2014/main" val="1561760650"/>
+                        </a:ext>
+                      </a:extLst>
+                    </a:gridCol>
+                  </a:tblGrid>
+                  <a:tr h="246647">
+                    <a:tc>
+                      <a:txBody>
+                        <a:bodyPr/>
+                        <a:lstStyle/>
+                        <a:p>
+                          <a:r>
+                            <a:rPr lang="en-US" sz="1200" dirty="0" err="1"/>
+                            <a:t>learning_rate</a:t>
+                          </a:r>
+                          <a:endParaRPr lang="en-US" sz="1200" dirty="0"/>
+                        </a:p>
+                      </a:txBody>
+                      <a:tcPr/>
+                    </a:tc>
+                    <a:tc>
+                      <a:txBody>
+                        <a:bodyPr/>
+                        <a:lstStyle/>
+                        <a:p>
+                          <a:pPr algn="l"/>
+                          <a14:m>
+                            <m:oMathPara xmlns:m="http://schemas.openxmlformats.org/officeDocument/2006/math">
+                              <m:oMathParaPr>
+                                <m:jc m:val="left"/>
+                              </m:oMathParaPr>
+                              <m:oMath xmlns:m="http://schemas.openxmlformats.org/officeDocument/2006/math">
+                                <m:r>
+                                  <a:rPr lang="de-CH" sz="1200" b="0" i="1" dirty="0" smtClean="0">
+                                    <a:latin typeface="Cambria Math" panose="02040503050406030204" pitchFamily="18" charset="0"/>
+                                  </a:rPr>
+                                  <m:t>[2.0725, </m:t>
+                                </m:r>
+                                <m:r>
+                                  <a:rPr lang="de-CH" sz="1200" b="0" i="1" dirty="0" smtClean="0">
+                                    <a:solidFill>
+                                      <a:schemeClr val="accent4">
+                                        <a:lumMod val="60000"/>
+                                        <a:lumOff val="40000"/>
+                                      </a:schemeClr>
+                                    </a:solidFill>
+                                    <a:latin typeface="Cambria Math" panose="02040503050406030204" pitchFamily="18" charset="0"/>
+                                  </a:rPr>
+                                  <m:t>2.075</m:t>
+                                </m:r>
+                                <m:r>
+                                  <a:rPr lang="de-CH" sz="1200" b="0" i="1" dirty="0" smtClean="0">
+                                    <a:latin typeface="Cambria Math" panose="02040503050406030204" pitchFamily="18" charset="0"/>
+                                  </a:rPr>
+                                  <m:t>, 2.0775]</m:t>
+                                </m:r>
+                              </m:oMath>
+                            </m:oMathPara>
+                          </a14:m>
+                          <a:endParaRPr lang="en-CH" sz="1200" dirty="0"/>
+                        </a:p>
+                      </a:txBody>
+                      <a:tcPr>
+                        <a:noFill/>
+                      </a:tcPr>
+                    </a:tc>
+                    <a:tc>
+                      <a:txBody>
+                        <a:bodyPr/>
+                        <a:lstStyle/>
+                        <a:p>
+                          <a:pPr algn="ctr"/>
+                          <a14:m>
+                            <m:oMathPara xmlns:m="http://schemas.openxmlformats.org/officeDocument/2006/math">
+                              <m:oMathParaPr>
+                                <m:jc m:val="centerGroup"/>
+                              </m:oMathParaPr>
+                              <m:oMath xmlns:m="http://schemas.openxmlformats.org/officeDocument/2006/math">
+                                <m:r>
+                                  <a:rPr lang="en-US" sz="1200" i="1" dirty="0" smtClean="0">
+                                    <a:latin typeface="Cambria Math" panose="02040503050406030204" pitchFamily="18" charset="0"/>
+                                  </a:rPr>
+                                  <m:t>2.</m:t>
+                                </m:r>
+                                <m:r>
+                                  <a:rPr lang="de-CH" sz="1200" b="0" i="1" dirty="0" smtClean="0">
+                                    <a:latin typeface="Cambria Math" panose="02040503050406030204" pitchFamily="18" charset="0"/>
+                                  </a:rPr>
+                                  <m:t>075</m:t>
+                                </m:r>
+                              </m:oMath>
+                            </m:oMathPara>
+                          </a14:m>
+                          <a:endParaRPr lang="en-US" sz="1200" dirty="0"/>
+                        </a:p>
+                      </a:txBody>
+                      <a:tcPr>
+                        <a:solidFill>
+                          <a:schemeClr val="accent6">
+                            <a:lumMod val="40000"/>
+                            <a:lumOff val="60000"/>
+                          </a:schemeClr>
+                        </a:solidFill>
+                      </a:tcPr>
+                    </a:tc>
+                    <a:extLst>
+                      <a:ext uri="{0D108BD9-81ED-4DB2-BD59-A6C34878D82A}">
+                        <a16:rowId xmlns:a16="http://schemas.microsoft.com/office/drawing/2014/main" val="2253989474"/>
+                      </a:ext>
+                    </a:extLst>
+                  </a:tr>
+                </a:tbl>
+              </a:graphicData>
+            </a:graphic>
+          </p:graphicFrame>
+        </mc:Choice>
+        <mc:Fallback xmlns="">
+          <p:graphicFrame>
+            <p:nvGraphicFramePr>
+              <p:cNvPr id="12" name="Table 11">
+                <a:extLst>
+                  <a:ext uri="{FF2B5EF4-FFF2-40B4-BE49-F238E27FC236}">
+                    <a16:creationId xmlns:a16="http://schemas.microsoft.com/office/drawing/2014/main" id="{DC1233E5-A1F0-6A1C-D40A-511270A9B5D1}"/>
+                  </a:ext>
+                </a:extLst>
+              </p:cNvPr>
+              <p:cNvGraphicFramePr>
+                <a:graphicFrameLocks noGrp="1"/>
+              </p:cNvGraphicFramePr>
+              <p:nvPr>
+                <p:extLst>
+                  <p:ext uri="{D42A27DB-BD31-4B8C-83A1-F6EECF244321}">
+                    <p14:modId xmlns:p14="http://schemas.microsoft.com/office/powerpoint/2010/main" val="2652243932"/>
+                  </p:ext>
+                </p:extLst>
+              </p:nvPr>
+            </p:nvGraphicFramePr>
+            <p:xfrm>
+              <a:off x="6410245" y="6163577"/>
+              <a:ext cx="4929156" cy="274320"/>
+            </p:xfrm>
+            <a:graphic>
+              <a:graphicData uri="http://schemas.openxmlformats.org/drawingml/2006/table">
+                <a:tbl>
+                  <a:tblPr firstRow="1" bandRow="1">
+                    <a:tableStyleId>{5940675A-B579-460E-94D1-54222C63F5DA}</a:tableStyleId>
+                  </a:tblPr>
+                  <a:tblGrid>
+                    <a:gridCol w="1968492">
+                      <a:extLst>
+                        <a:ext uri="{9D8B030D-6E8A-4147-A177-3AD203B41FA5}">
+                          <a16:colId xmlns:a16="http://schemas.microsoft.com/office/drawing/2014/main" val="85563763"/>
+                        </a:ext>
+                      </a:extLst>
+                    </a:gridCol>
+                    <a:gridCol w="2092546">
+                      <a:extLst>
+                        <a:ext uri="{9D8B030D-6E8A-4147-A177-3AD203B41FA5}">
+                          <a16:colId xmlns:a16="http://schemas.microsoft.com/office/drawing/2014/main" val="3628537185"/>
+                        </a:ext>
+                      </a:extLst>
+                    </a:gridCol>
+                    <a:gridCol w="868118">
+                      <a:extLst>
+                        <a:ext uri="{9D8B030D-6E8A-4147-A177-3AD203B41FA5}">
+                          <a16:colId xmlns:a16="http://schemas.microsoft.com/office/drawing/2014/main" val="1561760650"/>
+                        </a:ext>
+                      </a:extLst>
+                    </a:gridCol>
+                  </a:tblGrid>
+                  <a:tr h="274320">
+                    <a:tc>
+                      <a:txBody>
+                        <a:bodyPr/>
+                        <a:lstStyle/>
+                        <a:p>
+                          <a:r>
+                            <a:rPr lang="en-US" sz="1200" dirty="0" err="1"/>
+                            <a:t>learning_rate</a:t>
+                          </a:r>
+                          <a:endParaRPr lang="en-US" sz="1200" dirty="0"/>
+                        </a:p>
+                      </a:txBody>
+                      <a:tcPr/>
+                    </a:tc>
+                    <a:tc>
+                      <a:txBody>
+                        <a:bodyPr/>
+                        <a:lstStyle/>
+                        <a:p>
+                          <a:endParaRPr lang="en-CH"/>
+                        </a:p>
+                      </a:txBody>
+                      <a:tcPr>
+                        <a:blipFill>
+                          <a:blip r:embed="rId5"/>
+                          <a:stretch>
+                            <a:fillRect l="-93939" t="-4545" r="-43030" b="-18182"/>
+                          </a:stretch>
+                        </a:blipFill>
+                      </a:tcPr>
+                    </a:tc>
+                    <a:tc>
+                      <a:txBody>
+                        <a:bodyPr/>
+                        <a:lstStyle/>
+                        <a:p>
+                          <a:endParaRPr lang="en-CH"/>
+                        </a:p>
+                      </a:txBody>
+                      <a:tcPr>
+                        <a:blipFill>
+                          <a:blip r:embed="rId5"/>
+                          <a:stretch>
+                            <a:fillRect l="-463768" t="-4545" r="-2899" b="-18182"/>
+                          </a:stretch>
+                        </a:blipFill>
+                      </a:tcPr>
+                    </a:tc>
+                    <a:extLst>
+                      <a:ext uri="{0D108BD9-81ED-4DB2-BD59-A6C34878D82A}">
+                        <a16:rowId xmlns:a16="http://schemas.microsoft.com/office/drawing/2014/main" val="2253989474"/>
+                      </a:ext>
+                    </a:extLst>
+                  </a:tr>
+                </a:tbl>
+              </a:graphicData>
+            </a:graphic>
+          </p:graphicFrame>
+        </mc:Fallback>
+      </mc:AlternateContent>
+    </p:spTree>
+    <p:extLst>
+      <p:ext uri="{BB962C8B-B14F-4D97-AF65-F5344CB8AC3E}">
+        <p14:creationId xmlns:p14="http://schemas.microsoft.com/office/powerpoint/2010/main" val="748295858"/>
+      </p:ext>
+    </p:extLst>
+  </p:cSld>
+  <p:clrMapOvr>
+    <a:masterClrMapping/>
+  </p:clrMapOvr>
+</p:sld>
+</file>
+
+<file path=ppt/slides/slide12.xml><?xml version="1.0" encoding="utf-8"?>
+<p:sld xmlns:a="http://schemas.openxmlformats.org/drawingml/2006/main" xmlns:r="http://schemas.openxmlformats.org/officeDocument/2006/relationships" xmlns:p="http://schemas.openxmlformats.org/presentationml/2006/main">
+  <p:cSld>
+    <p:spTree>
+      <p:nvGrpSpPr>
+        <p:cNvPr id="1" name=""/>
+        <p:cNvGrpSpPr/>
+        <p:nvPr/>
+      </p:nvGrpSpPr>
+      <p:grpSpPr>
+        <a:xfrm>
+          <a:off x="0" y="0"/>
+          <a:ext cx="0" cy="0"/>
+          <a:chOff x="0" y="0"/>
+          <a:chExt cx="0" cy="0"/>
+        </a:xfrm>
+      </p:grpSpPr>
       <mc:AlternateContent xmlns:mc="http://schemas.openxmlformats.org/markup-compatibility/2006" xmlns:a14="http://schemas.microsoft.com/office/drawing/2010/main">
         <mc:Choice Requires="a14">
           <p:sp>
@@ -6558,7 +10751,7 @@
           <a:p>
             <a:fld id="{C64F7615-2022-6F4D-BD3B-2012A5267077}" type="slidenum">
               <a:rPr lang="en-CH" smtClean="0"/>
-              <a:t>10</a:t>
+              <a:t>12</a:t>
             </a:fld>
             <a:endParaRPr lang="en-CH"/>
           </a:p>
@@ -7302,7 +11495,7 @@
 </p:sld>
 </file>
 
-<file path=ppt/slides/slide11.xml><?xml version="1.0" encoding="utf-8"?>
+<file path=ppt/slides/slide13.xml><?xml version="1.0" encoding="utf-8"?>
 <p:sld xmlns:a="http://schemas.openxmlformats.org/drawingml/2006/main" xmlns:r="http://schemas.openxmlformats.org/officeDocument/2006/relationships" xmlns:p="http://schemas.openxmlformats.org/presentationml/2006/main">
   <p:cSld>
     <p:spTree>
@@ -7664,7 +11857,7 @@
           <a:p>
             <a:fld id="{C64F7615-2022-6F4D-BD3B-2012A5267077}" type="slidenum">
               <a:rPr lang="en-CH" smtClean="0"/>
-              <a:t>11</a:t>
+              <a:t>13</a:t>
             </a:fld>
             <a:endParaRPr lang="en-CH"/>
           </a:p>
@@ -7684,6 +11877,476 @@
 </file>
 
 <file path=ppt/slides/slide2.xml><?xml version="1.0" encoding="utf-8"?>
+<p:sld xmlns:a="http://schemas.openxmlformats.org/drawingml/2006/main" xmlns:r="http://schemas.openxmlformats.org/officeDocument/2006/relationships" xmlns:p="http://schemas.openxmlformats.org/presentationml/2006/main">
+  <p:cSld>
+    <p:spTree>
+      <p:nvGrpSpPr>
+        <p:cNvPr id="1" name=""/>
+        <p:cNvGrpSpPr/>
+        <p:nvPr/>
+      </p:nvGrpSpPr>
+      <p:grpSpPr>
+        <a:xfrm>
+          <a:off x="0" y="0"/>
+          <a:ext cx="0" cy="0"/>
+          <a:chOff x="0" y="0"/>
+          <a:chExt cx="0" cy="0"/>
+        </a:xfrm>
+      </p:grpSpPr>
+      <p:sp>
+        <p:nvSpPr>
+          <p:cNvPr id="2" name="Title 1">
+            <a:extLst>
+              <a:ext uri="{FF2B5EF4-FFF2-40B4-BE49-F238E27FC236}">
+                <a16:creationId xmlns:a16="http://schemas.microsoft.com/office/drawing/2014/main" id="{9C849EAB-941B-A3B5-C701-741C1030DDBE}"/>
+              </a:ext>
+            </a:extLst>
+          </p:cNvPr>
+          <p:cNvSpPr>
+            <a:spLocks noGrp="1"/>
+          </p:cNvSpPr>
+          <p:nvPr>
+            <p:ph type="title"/>
+          </p:nvPr>
+        </p:nvSpPr>
+        <p:spPr/>
+        <p:txBody>
+          <a:bodyPr/>
+          <a:lstStyle/>
+          <a:p>
+            <a:r>
+              <a:rPr lang="en-US" dirty="0"/>
+              <a:t>Goal</a:t>
+            </a:r>
+          </a:p>
+        </p:txBody>
+      </p:sp>
+      <p:sp>
+        <p:nvSpPr>
+          <p:cNvPr id="3" name="Content Placeholder 2">
+            <a:extLst>
+              <a:ext uri="{FF2B5EF4-FFF2-40B4-BE49-F238E27FC236}">
+                <a16:creationId xmlns:a16="http://schemas.microsoft.com/office/drawing/2014/main" id="{96CDA5DF-D2FB-19B3-4632-D02864FCD412}"/>
+              </a:ext>
+            </a:extLst>
+          </p:cNvPr>
+          <p:cNvSpPr>
+            <a:spLocks noGrp="1"/>
+          </p:cNvSpPr>
+          <p:nvPr>
+            <p:ph idx="1"/>
+          </p:nvPr>
+        </p:nvSpPr>
+        <p:spPr/>
+        <p:txBody>
+          <a:bodyPr/>
+          <a:lstStyle/>
+          <a:p>
+            <a:pPr marL="0" indent="0">
+              <a:buNone/>
+            </a:pPr>
+            <a:r>
+              <a:rPr lang="en-US" dirty="0"/>
+              <a:t>The goal of this individual project part was to further increase classification performance (using the </a:t>
+            </a:r>
+            <a:r>
+              <a:rPr lang="en-US" i="1" dirty="0"/>
+              <a:t>f1 score</a:t>
+            </a:r>
+            <a:r>
+              <a:rPr lang="en-US" dirty="0"/>
+              <a:t> as metric) using neural networks. Features were examined and adapted to </a:t>
+            </a:r>
+          </a:p>
+          <a:p>
+            <a:pPr marL="0" indent="0">
+              <a:buNone/>
+            </a:pPr>
+            <a:endParaRPr lang="en-US" dirty="0"/>
+          </a:p>
+          <a:p>
+            <a:pPr marL="0" indent="0">
+              <a:buNone/>
+            </a:pPr>
+            <a:r>
+              <a:rPr lang="en-US" dirty="0"/>
+              <a:t>The dataset used was </a:t>
+            </a:r>
+            <a:r>
+              <a:rPr lang="en-US" i="1" dirty="0" err="1"/>
+              <a:t>Toys_and_Games</a:t>
+            </a:r>
+            <a:r>
+              <a:rPr lang="en-US" dirty="0"/>
+              <a:t>, training was done using </a:t>
+            </a:r>
+            <a:r>
+              <a:rPr lang="en-US" i="1" dirty="0"/>
+              <a:t>train</a:t>
+            </a:r>
+            <a:r>
+              <a:rPr lang="en-US" dirty="0"/>
+              <a:t> and final predictions were made on </a:t>
+            </a:r>
+            <a:r>
+              <a:rPr lang="en-US" i="1" dirty="0"/>
+              <a:t>test3</a:t>
+            </a:r>
+            <a:r>
+              <a:rPr lang="en-US" dirty="0"/>
+              <a:t>.</a:t>
+            </a:r>
+            <a:endParaRPr lang="en-US" i="1" dirty="0"/>
+          </a:p>
+        </p:txBody>
+      </p:sp>
+      <p:sp>
+        <p:nvSpPr>
+          <p:cNvPr id="4" name="Slide Number Placeholder 3">
+            <a:extLst>
+              <a:ext uri="{FF2B5EF4-FFF2-40B4-BE49-F238E27FC236}">
+                <a16:creationId xmlns:a16="http://schemas.microsoft.com/office/drawing/2014/main" id="{34045511-621C-9D4D-4878-B85A366B267D}"/>
+              </a:ext>
+            </a:extLst>
+          </p:cNvPr>
+          <p:cNvSpPr>
+            <a:spLocks noGrp="1"/>
+          </p:cNvSpPr>
+          <p:nvPr>
+            <p:ph type="sldNum" sz="quarter" idx="12"/>
+          </p:nvPr>
+        </p:nvSpPr>
+        <p:spPr/>
+        <p:txBody>
+          <a:bodyPr/>
+          <a:lstStyle/>
+          <a:p>
+            <a:fld id="{C64F7615-2022-6F4D-BD3B-2012A5267077}" type="slidenum">
+              <a:rPr lang="en-CH" smtClean="0"/>
+              <a:t>2</a:t>
+            </a:fld>
+            <a:endParaRPr lang="en-CH"/>
+          </a:p>
+        </p:txBody>
+      </p:sp>
+    </p:spTree>
+    <p:extLst>
+      <p:ext uri="{BB962C8B-B14F-4D97-AF65-F5344CB8AC3E}">
+        <p14:creationId xmlns:p14="http://schemas.microsoft.com/office/powerpoint/2010/main" val="1534149943"/>
+      </p:ext>
+    </p:extLst>
+  </p:cSld>
+  <p:clrMapOvr>
+    <a:masterClrMapping/>
+  </p:clrMapOvr>
+</p:sld>
+</file>
+
+<file path=ppt/slides/slide3.xml><?xml version="1.0" encoding="utf-8"?>
+<p:sld xmlns:a="http://schemas.openxmlformats.org/drawingml/2006/main" xmlns:r="http://schemas.openxmlformats.org/officeDocument/2006/relationships" xmlns:p="http://schemas.openxmlformats.org/presentationml/2006/main">
+  <p:cSld>
+    <p:spTree>
+      <p:nvGrpSpPr>
+        <p:cNvPr id="1" name=""/>
+        <p:cNvGrpSpPr/>
+        <p:nvPr/>
+      </p:nvGrpSpPr>
+      <p:grpSpPr>
+        <a:xfrm>
+          <a:off x="0" y="0"/>
+          <a:ext cx="0" cy="0"/>
+          <a:chOff x="0" y="0"/>
+          <a:chExt cx="0" cy="0"/>
+        </a:xfrm>
+      </p:grpSpPr>
+      <p:sp>
+        <p:nvSpPr>
+          <p:cNvPr id="2" name="Title 1">
+            <a:extLst>
+              <a:ext uri="{FF2B5EF4-FFF2-40B4-BE49-F238E27FC236}">
+                <a16:creationId xmlns:a16="http://schemas.microsoft.com/office/drawing/2014/main" id="{9C90B900-701A-2B0C-A8A2-A803AA67D408}"/>
+              </a:ext>
+            </a:extLst>
+          </p:cNvPr>
+          <p:cNvSpPr>
+            <a:spLocks noGrp="1"/>
+          </p:cNvSpPr>
+          <p:nvPr>
+            <p:ph type="title"/>
+          </p:nvPr>
+        </p:nvSpPr>
+        <p:spPr/>
+        <p:txBody>
+          <a:bodyPr/>
+          <a:lstStyle/>
+          <a:p>
+            <a:r>
+              <a:rPr lang="en-US" dirty="0"/>
+              <a:t>Feature Selection</a:t>
+            </a:r>
+          </a:p>
+        </p:txBody>
+      </p:sp>
+      <mc:AlternateContent xmlns:mc="http://schemas.openxmlformats.org/markup-compatibility/2006">
+        <mc:Choice xmlns:a14="http://schemas.microsoft.com/office/drawing/2010/main" Requires="a14">
+          <p:sp>
+            <p:nvSpPr>
+              <p:cNvPr id="3" name="Content Placeholder 2">
+                <a:extLst>
+                  <a:ext uri="{FF2B5EF4-FFF2-40B4-BE49-F238E27FC236}">
+                    <a16:creationId xmlns:a16="http://schemas.microsoft.com/office/drawing/2014/main" id="{5A65787E-884D-E6FD-A21A-4A60EC122E5C}"/>
+                  </a:ext>
+                </a:extLst>
+              </p:cNvPr>
+              <p:cNvSpPr>
+                <a:spLocks noGrp="1"/>
+              </p:cNvSpPr>
+              <p:nvPr>
+                <p:ph sz="half" idx="1"/>
+              </p:nvPr>
+            </p:nvSpPr>
+            <p:spPr/>
+            <p:txBody>
+              <a:bodyPr/>
+              <a:lstStyle/>
+              <a:p>
+                <a:r>
+                  <a:rPr lang="en-US" dirty="0"/>
+                  <a:t>Feature / awesomeness correlation examined</a:t>
+                </a:r>
+              </a:p>
+              <a:p>
+                <a:pPr lvl="1">
+                  <a:buFont typeface="Wingdings" pitchFamily="2" charset="2"/>
+                  <a:buChar char="à"/>
+                </a:pPr>
+                <a:r>
+                  <a:rPr lang="en-US" dirty="0">
+                    <a:sym typeface="Wingdings" pitchFamily="2" charset="2"/>
+                  </a:rPr>
+                  <a:t>ideally: low correlation (~0) between features, high correlation between feature and awesomeness</a:t>
+                </a:r>
+              </a:p>
+              <a:p>
+                <a:r>
+                  <a:rPr lang="en-US" dirty="0">
+                    <a:sym typeface="Wingdings" pitchFamily="2" charset="2"/>
+                  </a:rPr>
+                  <a:t>Improvements:</a:t>
+                </a:r>
+              </a:p>
+              <a:p>
+                <a:pPr lvl="1"/>
+                <a:r>
+                  <a:rPr lang="en-US">
+                    <a:sym typeface="Wingdings" pitchFamily="2" charset="2"/>
+                  </a:rPr>
+                  <a:t>Changed average </a:t>
+                </a:r>
+                <a:r>
+                  <a:rPr lang="en-US" dirty="0">
+                    <a:sym typeface="Wingdings" pitchFamily="2" charset="2"/>
+                  </a:rPr>
+                  <a:t>number of stars to </a:t>
+                </a:r>
+                <a14:m>
+                  <m:oMath xmlns:m="http://schemas.openxmlformats.org/officeDocument/2006/math">
+                    <m:r>
+                      <a:rPr lang="en-US" i="1" dirty="0" smtClean="0">
+                        <a:latin typeface="Cambria Math" panose="02040503050406030204" pitchFamily="18" charset="0"/>
+                        <a:sym typeface="Wingdings" pitchFamily="2" charset="2"/>
+                      </a:rPr>
+                      <m:t>3</m:t>
+                    </m:r>
+                  </m:oMath>
+                </a14:m>
+                <a:r>
+                  <a:rPr lang="en-US" dirty="0">
+                    <a:sym typeface="Wingdings" pitchFamily="2" charset="2"/>
+                  </a:rPr>
+                  <a:t> instead of </a:t>
+                </a:r>
+                <a14:m>
+                  <m:oMath xmlns:m="http://schemas.openxmlformats.org/officeDocument/2006/math">
+                    <m:r>
+                      <a:rPr lang="en-US" i="1" dirty="0" smtClean="0">
+                        <a:latin typeface="Cambria Math" panose="02040503050406030204" pitchFamily="18" charset="0"/>
+                        <a:sym typeface="Wingdings" pitchFamily="2" charset="2"/>
+                      </a:rPr>
+                      <m:t>1</m:t>
+                    </m:r>
+                  </m:oMath>
+                </a14:m>
+                <a:r>
+                  <a:rPr lang="en-US" dirty="0">
+                    <a:sym typeface="Wingdings" pitchFamily="2" charset="2"/>
+                  </a:rPr>
+                  <a:t> if no star review is available in summary data</a:t>
+                </a:r>
+              </a:p>
+              <a:p>
+                <a:pPr marL="457200" lvl="1" indent="0">
+                  <a:buNone/>
+                </a:pPr>
+                <a:r>
+                  <a:rPr lang="en-US" dirty="0">
+                    <a:sym typeface="Wingdings" pitchFamily="2" charset="2"/>
+                  </a:rPr>
+                  <a:t> Increased correlation with awesomeness from </a:t>
+                </a:r>
+                <a14:m>
+                  <m:oMath xmlns:m="http://schemas.openxmlformats.org/officeDocument/2006/math">
+                    <m:r>
+                      <a:rPr lang="en-US" i="1" dirty="0" smtClean="0">
+                        <a:latin typeface="Cambria Math" panose="02040503050406030204" pitchFamily="18" charset="0"/>
+                        <a:sym typeface="Wingdings" pitchFamily="2" charset="2"/>
+                      </a:rPr>
+                      <m:t>0.18</m:t>
+                    </m:r>
+                  </m:oMath>
+                </a14:m>
+                <a:r>
+                  <a:rPr lang="en-US" dirty="0">
+                    <a:sym typeface="Wingdings" pitchFamily="2" charset="2"/>
+                  </a:rPr>
+                  <a:t> to </a:t>
+                </a:r>
+                <a14:m>
+                  <m:oMath xmlns:m="http://schemas.openxmlformats.org/officeDocument/2006/math">
+                    <m:r>
+                      <a:rPr lang="en-US" i="1" dirty="0" smtClean="0">
+                        <a:latin typeface="Cambria Math" panose="02040503050406030204" pitchFamily="18" charset="0"/>
+                        <a:sym typeface="Wingdings" pitchFamily="2" charset="2"/>
+                      </a:rPr>
+                      <m:t>0.2</m:t>
+                    </m:r>
+                    <m:r>
+                      <a:rPr lang="en-US" i="1" dirty="0">
+                        <a:latin typeface="Cambria Math" panose="02040503050406030204" pitchFamily="18" charset="0"/>
+                        <a:sym typeface="Wingdings" pitchFamily="2" charset="2"/>
+                      </a:rPr>
+                      <m:t>6</m:t>
+                    </m:r>
+                  </m:oMath>
+                </a14:m>
+                <a:endParaRPr lang="en-US" dirty="0">
+                  <a:sym typeface="Wingdings" pitchFamily="2" charset="2"/>
+                </a:endParaRPr>
+              </a:p>
+            </p:txBody>
+          </p:sp>
+        </mc:Choice>
+        <mc:Fallback>
+          <p:sp>
+            <p:nvSpPr>
+              <p:cNvPr id="3" name="Content Placeholder 2">
+                <a:extLst>
+                  <a:ext uri="{FF2B5EF4-FFF2-40B4-BE49-F238E27FC236}">
+                    <a16:creationId xmlns:a16="http://schemas.microsoft.com/office/drawing/2014/main" id="{5A65787E-884D-E6FD-A21A-4A60EC122E5C}"/>
+                  </a:ext>
+                </a:extLst>
+              </p:cNvPr>
+              <p:cNvSpPr>
+                <a:spLocks noGrp="1" noRot="1" noChangeAspect="1" noMove="1" noResize="1" noEditPoints="1" noAdjustHandles="1" noChangeArrowheads="1" noChangeShapeType="1" noTextEdit="1"/>
+              </p:cNvSpPr>
+              <p:nvPr>
+                <p:ph sz="half" idx="1"/>
+              </p:nvPr>
+            </p:nvSpPr>
+            <p:spPr>
+              <a:blipFill>
+                <a:blip r:embed="rId2"/>
+                <a:stretch>
+                  <a:fillRect l="-978" t="-1163"/>
+                </a:stretch>
+              </a:blipFill>
+            </p:spPr>
+            <p:txBody>
+              <a:bodyPr/>
+              <a:lstStyle/>
+              <a:p>
+                <a:r>
+                  <a:rPr lang="en-US">
+                    <a:noFill/>
+                  </a:rPr>
+                  <a:t> </a:t>
+                </a:r>
+              </a:p>
+            </p:txBody>
+          </p:sp>
+        </mc:Fallback>
+      </mc:AlternateContent>
+      <p:sp>
+        <p:nvSpPr>
+          <p:cNvPr id="5" name="Slide Number Placeholder 4">
+            <a:extLst>
+              <a:ext uri="{FF2B5EF4-FFF2-40B4-BE49-F238E27FC236}">
+                <a16:creationId xmlns:a16="http://schemas.microsoft.com/office/drawing/2014/main" id="{7979D019-404D-3280-CF69-E57BE09AF39D}"/>
+              </a:ext>
+            </a:extLst>
+          </p:cNvPr>
+          <p:cNvSpPr>
+            <a:spLocks noGrp="1"/>
+          </p:cNvSpPr>
+          <p:nvPr>
+            <p:ph type="sldNum" sz="quarter" idx="12"/>
+          </p:nvPr>
+        </p:nvSpPr>
+        <p:spPr/>
+        <p:txBody>
+          <a:bodyPr/>
+          <a:lstStyle/>
+          <a:p>
+            <a:fld id="{C64F7615-2022-6F4D-BD3B-2012A5267077}" type="slidenum">
+              <a:rPr lang="en-CH" smtClean="0"/>
+              <a:t>3</a:t>
+            </a:fld>
+            <a:endParaRPr lang="en-CH"/>
+          </a:p>
+        </p:txBody>
+      </p:sp>
+      <p:pic>
+        <p:nvPicPr>
+          <p:cNvPr id="13" name="Content Placeholder 12" descr="A screenshot of a graph&#10;&#10;Description automatically generated with low confidence">
+            <a:extLst>
+              <a:ext uri="{FF2B5EF4-FFF2-40B4-BE49-F238E27FC236}">
+                <a16:creationId xmlns:a16="http://schemas.microsoft.com/office/drawing/2014/main" id="{607908B9-A0F5-11DE-7206-3E5A08C03A96}"/>
+              </a:ext>
+            </a:extLst>
+          </p:cNvPr>
+          <p:cNvPicPr>
+            <a:picLocks noGrp="1" noChangeAspect="1"/>
+          </p:cNvPicPr>
+          <p:nvPr>
+            <p:ph sz="half" idx="2"/>
+          </p:nvPr>
+        </p:nvPicPr>
+        <p:blipFill rotWithShape="1">
+          <a:blip r:embed="rId3"/>
+          <a:srcRect l="18835" t="4039" r="7692" b="19512"/>
+          <a:stretch/>
+        </p:blipFill>
+        <p:spPr>
+          <a:xfrm>
+            <a:off x="5909555" y="70339"/>
+            <a:ext cx="6282446" cy="3525715"/>
+          </a:xfrm>
+        </p:spPr>
+      </p:pic>
+    </p:spTree>
+    <p:extLst>
+      <p:ext uri="{BB962C8B-B14F-4D97-AF65-F5344CB8AC3E}">
+        <p14:creationId xmlns:p14="http://schemas.microsoft.com/office/powerpoint/2010/main" val="3986431820"/>
+      </p:ext>
+    </p:extLst>
+  </p:cSld>
+  <p:clrMapOvr>
+    <a:masterClrMapping/>
+  </p:clrMapOvr>
+</p:sld>
+</file>
+
+<file path=ppt/slides/slide4.xml><?xml version="1.0" encoding="utf-8"?>
 <p:sld xmlns:a="http://schemas.openxmlformats.org/drawingml/2006/main" xmlns:r="http://schemas.openxmlformats.org/officeDocument/2006/relationships" xmlns:p="http://schemas.openxmlformats.org/presentationml/2006/main">
   <p:cSld>
     <p:bg>
@@ -9360,7 +14023,7 @@
           <a:p>
             <a:fld id="{C64F7615-2022-6F4D-BD3B-2012A5267077}" type="slidenum">
               <a:rPr lang="en-CH" smtClean="0"/>
-              <a:t>2</a:t>
+              <a:t>4</a:t>
             </a:fld>
             <a:endParaRPr lang="en-CH"/>
           </a:p>
@@ -9379,7 +14042,7 @@
 </p:sld>
 </file>
 
-<file path=ppt/slides/slide3.xml><?xml version="1.0" encoding="utf-8"?>
+<file path=ppt/slides/slide5.xml><?xml version="1.0" encoding="utf-8"?>
 <p:sld xmlns:a="http://schemas.openxmlformats.org/drawingml/2006/main" xmlns:r="http://schemas.openxmlformats.org/officeDocument/2006/relationships" xmlns:p="http://schemas.openxmlformats.org/presentationml/2006/main">
   <p:cSld>
     <p:bg>
@@ -10436,7 +15099,7 @@
           <a:p>
             <a:fld id="{C64F7615-2022-6F4D-BD3B-2012A5267077}" type="slidenum">
               <a:rPr lang="en-CH" smtClean="0"/>
-              <a:t>3</a:t>
+              <a:t>5</a:t>
             </a:fld>
             <a:endParaRPr lang="en-CH"/>
           </a:p>
@@ -10496,7 +15159,7 @@
 </p:sld>
 </file>
 
-<file path=ppt/slides/slide4.xml><?xml version="1.0" encoding="utf-8"?>
+<file path=ppt/slides/slide6.xml><?xml version="1.0" encoding="utf-8"?>
 <p:sld xmlns:a="http://schemas.openxmlformats.org/drawingml/2006/main" xmlns:r="http://schemas.openxmlformats.org/officeDocument/2006/relationships" xmlns:p="http://schemas.openxmlformats.org/presentationml/2006/main">
   <p:cSld>
     <p:bg>
@@ -10838,7 +15501,7 @@
           <a:p>
             <a:fld id="{C64F7615-2022-6F4D-BD3B-2012A5267077}" type="slidenum">
               <a:rPr lang="en-CH" smtClean="0"/>
-              <a:t>4</a:t>
+              <a:t>6</a:t>
             </a:fld>
             <a:endParaRPr lang="en-CH"/>
           </a:p>
@@ -10887,7 +15550,7 @@
 </p:sld>
 </file>
 
-<file path=ppt/slides/slide5.xml><?xml version="1.0" encoding="utf-8"?>
+<file path=ppt/slides/slide7.xml><?xml version="1.0" encoding="utf-8"?>
 <p:sld xmlns:a="http://schemas.openxmlformats.org/drawingml/2006/main" xmlns:r="http://schemas.openxmlformats.org/officeDocument/2006/relationships" xmlns:p="http://schemas.openxmlformats.org/presentationml/2006/main">
   <p:cSld>
     <p:bg>
@@ -11154,7 +15817,7 @@
           <a:p>
             <a:fld id="{C64F7615-2022-6F4D-BD3B-2012A5267077}" type="slidenum">
               <a:rPr lang="en-CH" smtClean="0"/>
-              <a:t>5</a:t>
+              <a:t>7</a:t>
             </a:fld>
             <a:endParaRPr lang="en-CH"/>
           </a:p>
@@ -11173,7 +15836,7 @@
 </p:sld>
 </file>
 
-<file path=ppt/slides/slide6.xml><?xml version="1.0" encoding="utf-8"?>
+<file path=ppt/slides/slide8.xml><?xml version="1.0" encoding="utf-8"?>
 <p:sld xmlns:a="http://schemas.openxmlformats.org/drawingml/2006/main" xmlns:r="http://schemas.openxmlformats.org/officeDocument/2006/relationships" xmlns:p="http://schemas.openxmlformats.org/presentationml/2006/main">
   <p:cSld>
     <p:spTree>
@@ -11406,7 +16069,7 @@
           <a:p>
             <a:fld id="{C64F7615-2022-6F4D-BD3B-2012A5267077}" type="slidenum">
               <a:rPr lang="en-CH" smtClean="0"/>
-              <a:t>6</a:t>
+              <a:t>8</a:t>
             </a:fld>
             <a:endParaRPr lang="en-CH"/>
           </a:p>
@@ -11425,7 +16088,7 @@
 </p:sld>
 </file>
 
-<file path=ppt/slides/slide7.xml><?xml version="1.0" encoding="utf-8"?>
+<file path=ppt/slides/slide9.xml><?xml version="1.0" encoding="utf-8"?>
 <p:sld xmlns:a="http://schemas.openxmlformats.org/drawingml/2006/main" xmlns:r="http://schemas.openxmlformats.org/officeDocument/2006/relationships" xmlns:p="http://schemas.openxmlformats.org/presentationml/2006/main">
   <p:cSld>
     <p:spTree>
@@ -11648,7 +16311,7 @@
           <a:p>
             <a:fld id="{C64F7615-2022-6F4D-BD3B-2012A5267077}" type="slidenum">
               <a:rPr lang="en-CH" smtClean="0"/>
-              <a:t>7</a:t>
+              <a:t>9</a:t>
             </a:fld>
             <a:endParaRPr lang="en-CH"/>
           </a:p>
@@ -13090,4087 +17753,6 @@
     <p:extLst>
       <p:ext uri="{BB962C8B-B14F-4D97-AF65-F5344CB8AC3E}">
         <p14:creationId xmlns:p14="http://schemas.microsoft.com/office/powerpoint/2010/main" val="1185509949"/>
-      </p:ext>
-    </p:extLst>
-  </p:cSld>
-  <p:clrMapOvr>
-    <a:masterClrMapping/>
-  </p:clrMapOvr>
-</p:sld>
-</file>
-
-<file path=ppt/slides/slide8.xml><?xml version="1.0" encoding="utf-8"?>
-<p:sld xmlns:a="http://schemas.openxmlformats.org/drawingml/2006/main" xmlns:r="http://schemas.openxmlformats.org/officeDocument/2006/relationships" xmlns:p="http://schemas.openxmlformats.org/presentationml/2006/main">
-  <p:cSld>
-    <p:spTree>
-      <p:nvGrpSpPr>
-        <p:cNvPr id="1" name=""/>
-        <p:cNvGrpSpPr/>
-        <p:nvPr/>
-      </p:nvGrpSpPr>
-      <p:grpSpPr>
-        <a:xfrm>
-          <a:off x="0" y="0"/>
-          <a:ext cx="0" cy="0"/>
-          <a:chOff x="0" y="0"/>
-          <a:chExt cx="0" cy="0"/>
-        </a:xfrm>
-      </p:grpSpPr>
-      <p:sp>
-        <p:nvSpPr>
-          <p:cNvPr id="2" name="Title 1">
-            <a:extLst>
-              <a:ext uri="{FF2B5EF4-FFF2-40B4-BE49-F238E27FC236}">
-                <a16:creationId xmlns:a16="http://schemas.microsoft.com/office/drawing/2014/main" id="{B9DEFAE4-C4A7-8327-8D87-B214E7866B43}"/>
-              </a:ext>
-            </a:extLst>
-          </p:cNvPr>
-          <p:cNvSpPr>
-            <a:spLocks noGrp="1"/>
-          </p:cNvSpPr>
-          <p:nvPr>
-            <p:ph type="title"/>
-          </p:nvPr>
-        </p:nvSpPr>
-        <p:spPr>
-          <a:xfrm>
-            <a:off x="742284" y="178621"/>
-            <a:ext cx="10515600" cy="1325563"/>
-          </a:xfrm>
-        </p:spPr>
-        <p:txBody>
-          <a:bodyPr/>
-          <a:lstStyle/>
-          <a:p>
-            <a:r>
-              <a:rPr lang="en-US" dirty="0">
-                <a:cs typeface="Calibri Light"/>
-              </a:rPr>
-              <a:t>Results </a:t>
-            </a:r>
-            <a:r>
-              <a:rPr lang="en-US" sz="2000" dirty="0">
-                <a:cs typeface="Calibri Light"/>
-              </a:rPr>
-              <a:t>(single classifiers)</a:t>
-            </a:r>
-            <a:endParaRPr lang="en-US" dirty="0"/>
-          </a:p>
-        </p:txBody>
-      </p:sp>
-      <p:sp>
-        <p:nvSpPr>
-          <p:cNvPr id="5" name="Slide Number Placeholder 4">
-            <a:extLst>
-              <a:ext uri="{FF2B5EF4-FFF2-40B4-BE49-F238E27FC236}">
-                <a16:creationId xmlns:a16="http://schemas.microsoft.com/office/drawing/2014/main" id="{37940D1F-E4FD-9B3B-9574-8EB0DC302369}"/>
-              </a:ext>
-            </a:extLst>
-          </p:cNvPr>
-          <p:cNvSpPr>
-            <a:spLocks noGrp="1"/>
-          </p:cNvSpPr>
-          <p:nvPr>
-            <p:ph type="sldNum" sz="quarter" idx="12"/>
-          </p:nvPr>
-        </p:nvSpPr>
-        <p:spPr/>
-        <p:txBody>
-          <a:bodyPr/>
-          <a:lstStyle/>
-          <a:p>
-            <a:fld id="{C64F7615-2022-6F4D-BD3B-2012A5267077}" type="slidenum">
-              <a:rPr lang="en-CH" smtClean="0"/>
-              <a:t>8</a:t>
-            </a:fld>
-            <a:endParaRPr lang="en-CH"/>
-          </a:p>
-        </p:txBody>
-      </p:sp>
-      <mc:AlternateContent xmlns:mc="http://schemas.openxmlformats.org/markup-compatibility/2006" xmlns:a14="http://schemas.microsoft.com/office/drawing/2010/main">
-        <mc:Choice Requires="a14">
-          <p:graphicFrame>
-            <p:nvGraphicFramePr>
-              <p:cNvPr id="3" name="Table 6">
-                <a:extLst>
-                  <a:ext uri="{FF2B5EF4-FFF2-40B4-BE49-F238E27FC236}">
-                    <a16:creationId xmlns:a16="http://schemas.microsoft.com/office/drawing/2014/main" id="{1EBD2D59-BD48-71B3-8FE7-6AD37E45DAC5}"/>
-                  </a:ext>
-                </a:extLst>
-              </p:cNvPr>
-              <p:cNvGraphicFramePr>
-                <a:graphicFrameLocks noGrp="1"/>
-              </p:cNvGraphicFramePr>
-              <p:nvPr>
-                <p:extLst>
-                  <p:ext uri="{D42A27DB-BD31-4B8C-83A1-F6EECF244321}">
-                    <p14:modId xmlns:p14="http://schemas.microsoft.com/office/powerpoint/2010/main" val="376577478"/>
-                  </p:ext>
-                </p:extLst>
-              </p:nvPr>
-            </p:nvGraphicFramePr>
-            <p:xfrm>
-              <a:off x="742284" y="2680587"/>
-              <a:ext cx="4919030" cy="2499360"/>
-            </p:xfrm>
-            <a:graphic>
-              <a:graphicData uri="http://schemas.openxmlformats.org/drawingml/2006/table">
-                <a:tbl>
-                  <a:tblPr firstRow="1" bandRow="1">
-                    <a:tableStyleId>{5940675A-B579-460E-94D1-54222C63F5DA}</a:tableStyleId>
-                  </a:tblPr>
-                  <a:tblGrid>
-                    <a:gridCol w="1055225">
-                      <a:extLst>
-                        <a:ext uri="{9D8B030D-6E8A-4147-A177-3AD203B41FA5}">
-                          <a16:colId xmlns:a16="http://schemas.microsoft.com/office/drawing/2014/main" val="85563763"/>
-                        </a:ext>
-                      </a:extLst>
-                    </a:gridCol>
-                    <a:gridCol w="1287935">
-                      <a:extLst>
-                        <a:ext uri="{9D8B030D-6E8A-4147-A177-3AD203B41FA5}">
-                          <a16:colId xmlns:a16="http://schemas.microsoft.com/office/drawing/2014/main" val="3628537185"/>
-                        </a:ext>
-                      </a:extLst>
-                    </a:gridCol>
-                    <a:gridCol w="1287935">
-                      <a:extLst>
-                        <a:ext uri="{9D8B030D-6E8A-4147-A177-3AD203B41FA5}">
-                          <a16:colId xmlns:a16="http://schemas.microsoft.com/office/drawing/2014/main" val="1465106393"/>
-                        </a:ext>
-                      </a:extLst>
-                    </a:gridCol>
-                    <a:gridCol w="1287935">
-                      <a:extLst>
-                        <a:ext uri="{9D8B030D-6E8A-4147-A177-3AD203B41FA5}">
-                          <a16:colId xmlns:a16="http://schemas.microsoft.com/office/drawing/2014/main" val="468673117"/>
-                        </a:ext>
-                      </a:extLst>
-                    </a:gridCol>
-                  </a:tblGrid>
-                  <a:tr h="212580">
-                    <a:tc>
-                      <a:txBody>
-                        <a:bodyPr/>
-                        <a:lstStyle/>
-                        <a:p>
-                          <a:endParaRPr lang="en-CH" sz="1400"/>
-                        </a:p>
-                      </a:txBody>
-                      <a:tcPr/>
-                    </a:tc>
-                    <a:tc>
-                      <a:txBody>
-                        <a:bodyPr/>
-                        <a:lstStyle/>
-                        <a:p>
-                          <a:pPr lvl="0" algn="ctr">
-                            <a:buNone/>
-                          </a:pPr>
-                          <a:r>
-                            <a:rPr lang="en-US" sz="1400" dirty="0"/>
-                            <a:t>Recall</a:t>
-                          </a:r>
-                        </a:p>
-                      </a:txBody>
-                      <a:tcPr>
-                        <a:noFill/>
-                      </a:tcPr>
-                    </a:tc>
-                    <a:tc>
-                      <a:txBody>
-                        <a:bodyPr/>
-                        <a:lstStyle/>
-                        <a:p>
-                          <a:pPr lvl="0" algn="ctr">
-                            <a:buNone/>
-                          </a:pPr>
-                          <a:r>
-                            <a:rPr lang="en-US" sz="1400"/>
-                            <a:t>Precision</a:t>
-                          </a:r>
-                        </a:p>
-                      </a:txBody>
-                      <a:tcPr>
-                        <a:noFill/>
-                      </a:tcPr>
-                    </a:tc>
-                    <a:tc>
-                      <a:txBody>
-                        <a:bodyPr/>
-                        <a:lstStyle/>
-                        <a:p>
-                          <a:pPr lvl="0" algn="ctr">
-                            <a:buNone/>
-                          </a:pPr>
-                          <a:r>
-                            <a:rPr lang="en-US" sz="1400"/>
-                            <a:t>F1</a:t>
-                          </a:r>
-                        </a:p>
-                      </a:txBody>
-                      <a:tcPr>
-                        <a:noFill/>
-                      </a:tcPr>
-                    </a:tc>
-                    <a:extLst>
-                      <a:ext uri="{0D108BD9-81ED-4DB2-BD59-A6C34878D82A}">
-                        <a16:rowId xmlns:a16="http://schemas.microsoft.com/office/drawing/2014/main" val="3691073050"/>
-                      </a:ext>
-                    </a:extLst>
-                  </a:tr>
-                  <a:tr h="212580">
-                    <a:tc>
-                      <a:txBody>
-                        <a:bodyPr/>
-                        <a:lstStyle/>
-                        <a:p>
-                          <a:r>
-                            <a:rPr lang="en-GB" sz="1400" i="1" dirty="0"/>
-                            <a:t>m</a:t>
-                          </a:r>
-                          <a:r>
-                            <a:rPr lang="en-CH" sz="1400" i="1" dirty="0"/>
-                            <a:t>odel_dt</a:t>
-                          </a:r>
-                        </a:p>
-                      </a:txBody>
-                      <a:tcPr>
-                        <a:solidFill>
-                          <a:schemeClr val="bg1">
-                            <a:lumMod val="85000"/>
-                          </a:schemeClr>
-                        </a:solidFill>
-                      </a:tcPr>
-                    </a:tc>
-                    <a:tc>
-                      <a:txBody>
-                        <a:bodyPr/>
-                        <a:lstStyle/>
-                        <a:p>
-                          <a:pPr lvl="0">
-                            <a:buNone/>
-                          </a:pPr>
-                          <a14:m>
-                            <m:oMathPara xmlns:m="http://schemas.openxmlformats.org/officeDocument/2006/math">
-                              <m:oMathParaPr>
-                                <m:jc m:val="centerGroup"/>
-                              </m:oMathParaPr>
-                              <m:oMath xmlns:m="http://schemas.openxmlformats.org/officeDocument/2006/math">
-                                <m:r>
-                                  <a:rPr lang="en-US" sz="1800" b="0" i="1" u="none" strike="noStrike" baseline="0" noProof="0" dirty="0" smtClean="0">
-                                    <a:solidFill>
-                                      <a:srgbClr val="000000"/>
-                                    </a:solidFill>
-                                    <a:latin typeface="Cambria Math" panose="02040503050406030204" pitchFamily="18" charset="0"/>
-                                  </a:rPr>
-                                  <m:t>0.66</m:t>
-                                </m:r>
-                                <m:r>
-                                  <a:rPr lang="de-CH" sz="1800" b="0" i="1" u="none" strike="noStrike" baseline="0" noProof="0" dirty="0" smtClean="0">
-                                    <a:solidFill>
-                                      <a:srgbClr val="000000"/>
-                                    </a:solidFill>
-                                    <a:latin typeface="Cambria Math" panose="02040503050406030204" pitchFamily="18" charset="0"/>
-                                  </a:rPr>
-                                  <m:t>13</m:t>
-                                </m:r>
-                              </m:oMath>
-                            </m:oMathPara>
-                          </a14:m>
-                          <a:endParaRPr lang="en-US" dirty="0"/>
-                        </a:p>
-                      </a:txBody>
-                      <a:tcPr>
-                        <a:solidFill>
-                          <a:schemeClr val="bg1">
-                            <a:lumMod val="85000"/>
-                          </a:schemeClr>
-                        </a:solidFill>
-                      </a:tcPr>
-                    </a:tc>
-                    <a:tc>
-                      <a:txBody>
-                        <a:bodyPr/>
-                        <a:lstStyle/>
-                        <a:p>
-                          <a:pPr lvl="0">
-                            <a:buNone/>
-                          </a:pPr>
-                          <a14:m>
-                            <m:oMathPara xmlns:m="http://schemas.openxmlformats.org/officeDocument/2006/math">
-                              <m:oMathParaPr>
-                                <m:jc m:val="centerGroup"/>
-                              </m:oMathParaPr>
-                              <m:oMath xmlns:m="http://schemas.openxmlformats.org/officeDocument/2006/math">
-                                <m:r>
-                                  <a:rPr lang="en-US" sz="1800" b="0" i="1" u="none" strike="noStrike" baseline="0" noProof="0" smtClean="0">
-                                    <a:solidFill>
-                                      <a:srgbClr val="000000"/>
-                                    </a:solidFill>
-                                    <a:latin typeface="Cambria Math" panose="02040503050406030204" pitchFamily="18" charset="0"/>
-                                  </a:rPr>
-                                  <m:t>0.66</m:t>
-                                </m:r>
-                                <m:r>
-                                  <a:rPr lang="de-CH" sz="1800" b="0" i="1" u="none" strike="noStrike" baseline="0" noProof="0" smtClean="0">
-                                    <a:solidFill>
-                                      <a:srgbClr val="000000"/>
-                                    </a:solidFill>
-                                    <a:latin typeface="Cambria Math" panose="02040503050406030204" pitchFamily="18" charset="0"/>
-                                  </a:rPr>
-                                  <m:t>1</m:t>
-                                </m:r>
-                              </m:oMath>
-                            </m:oMathPara>
-                          </a14:m>
-                          <a:endParaRPr lang="en-US" dirty="0"/>
-                        </a:p>
-                      </a:txBody>
-                      <a:tcPr>
-                        <a:solidFill>
-                          <a:schemeClr val="bg1">
-                            <a:lumMod val="85000"/>
-                          </a:schemeClr>
-                        </a:solidFill>
-                      </a:tcPr>
-                    </a:tc>
-                    <a:tc>
-                      <a:txBody>
-                        <a:bodyPr/>
-                        <a:lstStyle/>
-                        <a:p>
-                          <a:pPr lvl="0">
-                            <a:buNone/>
-                          </a:pPr>
-                          <a14:m>
-                            <m:oMathPara xmlns:m="http://schemas.openxmlformats.org/officeDocument/2006/math">
-                              <m:oMathParaPr>
-                                <m:jc m:val="centerGroup"/>
-                              </m:oMathParaPr>
-                              <m:oMath xmlns:m="http://schemas.openxmlformats.org/officeDocument/2006/math">
-                                <m:r>
-                                  <a:rPr lang="en-US" sz="1800" b="0" i="1" u="none" strike="noStrike" baseline="0" noProof="0" smtClean="0">
-                                    <a:solidFill>
-                                      <a:srgbClr val="000000"/>
-                                    </a:solidFill>
-                                    <a:latin typeface="Cambria Math" panose="02040503050406030204" pitchFamily="18" charset="0"/>
-                                  </a:rPr>
-                                  <m:t>0.66</m:t>
-                                </m:r>
-                                <m:r>
-                                  <a:rPr lang="de-CH" sz="1800" b="0" i="1" u="none" strike="noStrike" baseline="0" noProof="0" smtClean="0">
-                                    <a:solidFill>
-                                      <a:srgbClr val="000000"/>
-                                    </a:solidFill>
-                                    <a:latin typeface="Cambria Math" panose="02040503050406030204" pitchFamily="18" charset="0"/>
-                                  </a:rPr>
-                                  <m:t>12</m:t>
-                                </m:r>
-                              </m:oMath>
-                            </m:oMathPara>
-                          </a14:m>
-                          <a:endParaRPr lang="en-US" dirty="0"/>
-                        </a:p>
-                      </a:txBody>
-                      <a:tcPr>
-                        <a:solidFill>
-                          <a:schemeClr val="bg1">
-                            <a:lumMod val="85000"/>
-                          </a:schemeClr>
-                        </a:solidFill>
-                      </a:tcPr>
-                    </a:tc>
-                    <a:extLst>
-                      <a:ext uri="{0D108BD9-81ED-4DB2-BD59-A6C34878D82A}">
-                        <a16:rowId xmlns:a16="http://schemas.microsoft.com/office/drawing/2014/main" val="659232350"/>
-                      </a:ext>
-                    </a:extLst>
-                  </a:tr>
-                  <a:tr h="212580">
-                    <a:tc>
-                      <a:txBody>
-                        <a:bodyPr/>
-                        <a:lstStyle/>
-                        <a:p>
-                          <a:r>
-                            <a:rPr lang="en-CH" sz="1400" i="1" dirty="0"/>
-                            <a:t>model_nb</a:t>
-                          </a:r>
-                          <a:endParaRPr lang="en-US" sz="1400" i="1" dirty="0"/>
-                        </a:p>
-                      </a:txBody>
-                      <a:tcPr>
-                        <a:solidFill>
-                          <a:schemeClr val="bg1">
-                            <a:lumMod val="85000"/>
-                          </a:schemeClr>
-                        </a:solidFill>
-                      </a:tcPr>
-                    </a:tc>
-                    <a:tc>
-                      <a:txBody>
-                        <a:bodyPr/>
-                        <a:lstStyle/>
-                        <a:p>
-                          <a:pPr lvl="0">
-                            <a:buNone/>
-                          </a:pPr>
-                          <a14:m>
-                            <m:oMathPara xmlns:m="http://schemas.openxmlformats.org/officeDocument/2006/math">
-                              <m:oMathParaPr>
-                                <m:jc m:val="centerGroup"/>
-                              </m:oMathParaPr>
-                              <m:oMath xmlns:m="http://schemas.openxmlformats.org/officeDocument/2006/math">
-                                <m:r>
-                                  <a:rPr lang="en-US" sz="1800" b="0" i="1" u="none" strike="noStrike" baseline="0" noProof="0" dirty="0" smtClean="0">
-                                    <a:solidFill>
-                                      <a:srgbClr val="000000"/>
-                                    </a:solidFill>
-                                    <a:latin typeface="Cambria Math" panose="02040503050406030204" pitchFamily="18" charset="0"/>
-                                  </a:rPr>
-                                  <m:t>0.7575</m:t>
-                                </m:r>
-                              </m:oMath>
-                            </m:oMathPara>
-                          </a14:m>
-                          <a:endParaRPr lang="en-US" dirty="0"/>
-                        </a:p>
-                      </a:txBody>
-                      <a:tcPr>
-                        <a:solidFill>
-                          <a:schemeClr val="bg1">
-                            <a:lumMod val="85000"/>
-                          </a:schemeClr>
-                        </a:solidFill>
-                      </a:tcPr>
-                    </a:tc>
-                    <a:tc>
-                      <a:txBody>
-                        <a:bodyPr/>
-                        <a:lstStyle/>
-                        <a:p>
-                          <a:pPr lvl="0">
-                            <a:buNone/>
-                          </a:pPr>
-                          <a14:m>
-                            <m:oMathPara xmlns:m="http://schemas.openxmlformats.org/officeDocument/2006/math">
-                              <m:oMathParaPr>
-                                <m:jc m:val="centerGroup"/>
-                              </m:oMathParaPr>
-                              <m:oMath xmlns:m="http://schemas.openxmlformats.org/officeDocument/2006/math">
-                                <m:r>
-                                  <a:rPr lang="en-US" sz="1800" b="0" i="1" u="none" strike="noStrike" baseline="0" noProof="0" smtClean="0">
-                                    <a:solidFill>
-                                      <a:srgbClr val="000000"/>
-                                    </a:solidFill>
-                                    <a:latin typeface="Cambria Math" panose="02040503050406030204" pitchFamily="18" charset="0"/>
-                                  </a:rPr>
-                                  <m:t>0.6795</m:t>
-                                </m:r>
-                              </m:oMath>
-                            </m:oMathPara>
-                          </a14:m>
-                          <a:endParaRPr lang="en-US" dirty="0"/>
-                        </a:p>
-                      </a:txBody>
-                      <a:tcPr>
-                        <a:solidFill>
-                          <a:schemeClr val="bg1">
-                            <a:lumMod val="85000"/>
-                          </a:schemeClr>
-                        </a:solidFill>
-                      </a:tcPr>
-                    </a:tc>
-                    <a:tc>
-                      <a:txBody>
-                        <a:bodyPr/>
-                        <a:lstStyle/>
-                        <a:p>
-                          <a:pPr lvl="0">
-                            <a:buNone/>
-                          </a:pPr>
-                          <a14:m>
-                            <m:oMathPara xmlns:m="http://schemas.openxmlformats.org/officeDocument/2006/math">
-                              <m:oMathParaPr>
-                                <m:jc m:val="centerGroup"/>
-                              </m:oMathParaPr>
-                              <m:oMath xmlns:m="http://schemas.openxmlformats.org/officeDocument/2006/math">
-                                <m:r>
-                                  <a:rPr lang="en-US" sz="1800" b="0" i="1" u="none" strike="noStrike" baseline="0" noProof="0" smtClean="0">
-                                    <a:solidFill>
-                                      <a:srgbClr val="000000"/>
-                                    </a:solidFill>
-                                    <a:latin typeface="Cambria Math" panose="02040503050406030204" pitchFamily="18" charset="0"/>
-                                  </a:rPr>
-                                  <m:t>0.7162</m:t>
-                                </m:r>
-                              </m:oMath>
-                            </m:oMathPara>
-                          </a14:m>
-                          <a:endParaRPr lang="en-US" dirty="0"/>
-                        </a:p>
-                      </a:txBody>
-                      <a:tcPr>
-                        <a:solidFill>
-                          <a:schemeClr val="bg1">
-                            <a:lumMod val="85000"/>
-                          </a:schemeClr>
-                        </a:solidFill>
-                      </a:tcPr>
-                    </a:tc>
-                    <a:extLst>
-                      <a:ext uri="{0D108BD9-81ED-4DB2-BD59-A6C34878D82A}">
-                        <a16:rowId xmlns:a16="http://schemas.microsoft.com/office/drawing/2014/main" val="4215547789"/>
-                      </a:ext>
-                    </a:extLst>
-                  </a:tr>
-                  <a:tr h="212580">
-                    <a:tc>
-                      <a:txBody>
-                        <a:bodyPr/>
-                        <a:lstStyle/>
-                        <a:p>
-                          <a:pPr lvl="0">
-                            <a:buNone/>
-                          </a:pPr>
-                          <a:r>
-                            <a:rPr lang="en-US" sz="1400" i="1"/>
-                            <a:t>model_lr</a:t>
-                          </a:r>
-                          <a:endParaRPr lang="en-US" sz="1400" i="1" err="1"/>
-                        </a:p>
-                      </a:txBody>
-                      <a:tcPr>
-                        <a:solidFill>
-                          <a:schemeClr val="bg1">
-                            <a:lumMod val="85000"/>
-                          </a:schemeClr>
-                        </a:solidFill>
-                      </a:tcPr>
-                    </a:tc>
-                    <a:tc>
-                      <a:txBody>
-                        <a:bodyPr/>
-                        <a:lstStyle/>
-                        <a:p>
-                          <a:pPr lvl="0">
-                            <a:buNone/>
-                          </a:pPr>
-                          <a14:m>
-                            <m:oMathPara xmlns:m="http://schemas.openxmlformats.org/officeDocument/2006/math">
-                              <m:oMathParaPr>
-                                <m:jc m:val="centerGroup"/>
-                              </m:oMathParaPr>
-                              <m:oMath xmlns:m="http://schemas.openxmlformats.org/officeDocument/2006/math">
-                                <m:r>
-                                  <a:rPr lang="en-US" sz="1800" b="0" i="1" u="none" strike="noStrike" baseline="0" noProof="0" dirty="0" smtClean="0">
-                                    <a:solidFill>
-                                      <a:srgbClr val="000000"/>
-                                    </a:solidFill>
-                                    <a:latin typeface="Cambria Math" panose="02040503050406030204" pitchFamily="18" charset="0"/>
-                                  </a:rPr>
-                                  <m:t>0.7966</m:t>
-                                </m:r>
-                              </m:oMath>
-                            </m:oMathPara>
-                          </a14:m>
-                          <a:endParaRPr lang="en-US" dirty="0"/>
-                        </a:p>
-                      </a:txBody>
-                      <a:tcPr>
-                        <a:solidFill>
-                          <a:schemeClr val="bg1">
-                            <a:lumMod val="85000"/>
-                          </a:schemeClr>
-                        </a:solidFill>
-                      </a:tcPr>
-                    </a:tc>
-                    <a:tc>
-                      <a:txBody>
-                        <a:bodyPr/>
-                        <a:lstStyle/>
-                        <a:p>
-                          <a:pPr lvl="0">
-                            <a:buNone/>
-                          </a:pPr>
-                          <a14:m>
-                            <m:oMathPara xmlns:m="http://schemas.openxmlformats.org/officeDocument/2006/math">
-                              <m:oMathParaPr>
-                                <m:jc m:val="centerGroup"/>
-                              </m:oMathParaPr>
-                              <m:oMath xmlns:m="http://schemas.openxmlformats.org/officeDocument/2006/math">
-                                <m:r>
-                                  <a:rPr lang="en-US" sz="1800" b="0" i="1" u="none" strike="noStrike" baseline="0" noProof="0" dirty="0" smtClean="0">
-                                    <a:solidFill>
-                                      <a:srgbClr val="000000"/>
-                                    </a:solidFill>
-                                    <a:latin typeface="Cambria Math" panose="02040503050406030204" pitchFamily="18" charset="0"/>
-                                  </a:rPr>
-                                  <m:t>0.6866</m:t>
-                                </m:r>
-                              </m:oMath>
-                            </m:oMathPara>
-                          </a14:m>
-                          <a:endParaRPr lang="en-US" dirty="0"/>
-                        </a:p>
-                      </a:txBody>
-                      <a:tcPr>
-                        <a:solidFill>
-                          <a:schemeClr val="bg1">
-                            <a:lumMod val="85000"/>
-                          </a:schemeClr>
-                        </a:solidFill>
-                      </a:tcPr>
-                    </a:tc>
-                    <a:tc>
-                      <a:txBody>
-                        <a:bodyPr/>
-                        <a:lstStyle/>
-                        <a:p>
-                          <a:pPr lvl="0">
-                            <a:buNone/>
-                          </a:pPr>
-                          <a14:m>
-                            <m:oMathPara xmlns:m="http://schemas.openxmlformats.org/officeDocument/2006/math">
-                              <m:oMathParaPr>
-                                <m:jc m:val="centerGroup"/>
-                              </m:oMathParaPr>
-                              <m:oMath xmlns:m="http://schemas.openxmlformats.org/officeDocument/2006/math">
-                                <m:r>
-                                  <a:rPr lang="en-US" sz="1800" b="0" i="1" u="none" strike="noStrike" baseline="0" noProof="0" smtClean="0">
-                                    <a:solidFill>
-                                      <a:srgbClr val="000000"/>
-                                    </a:solidFill>
-                                    <a:latin typeface="Cambria Math" panose="02040503050406030204" pitchFamily="18" charset="0"/>
-                                  </a:rPr>
-                                  <m:t>0.7375</m:t>
-                                </m:r>
-                              </m:oMath>
-                            </m:oMathPara>
-                          </a14:m>
-                          <a:endParaRPr lang="en-US" dirty="0"/>
-                        </a:p>
-                      </a:txBody>
-                      <a:tcPr>
-                        <a:solidFill>
-                          <a:schemeClr val="bg1">
-                            <a:lumMod val="85000"/>
-                          </a:schemeClr>
-                        </a:solidFill>
-                      </a:tcPr>
-                    </a:tc>
-                    <a:extLst>
-                      <a:ext uri="{0D108BD9-81ED-4DB2-BD59-A6C34878D82A}">
-                        <a16:rowId xmlns:a16="http://schemas.microsoft.com/office/drawing/2014/main" val="2756195554"/>
-                      </a:ext>
-                    </a:extLst>
-                  </a:tr>
-                  <a:tr h="212580">
-                    <a:tc>
-                      <a:txBody>
-                        <a:bodyPr/>
-                        <a:lstStyle/>
-                        <a:p>
-                          <a:pPr lvl="0">
-                            <a:buNone/>
-                          </a:pPr>
-                          <a:r>
-                            <a:rPr lang="en-US" sz="1400"/>
-                            <a:t>model_rf</a:t>
-                          </a:r>
-                          <a:endParaRPr lang="en-US" sz="1400" err="1"/>
-                        </a:p>
-                      </a:txBody>
-                      <a:tcPr>
-                        <a:solidFill>
-                          <a:schemeClr val="bg1">
-                            <a:lumMod val="85000"/>
-                          </a:schemeClr>
-                        </a:solidFill>
-                      </a:tcPr>
-                    </a:tc>
-                    <a:tc>
-                      <a:txBody>
-                        <a:bodyPr/>
-                        <a:lstStyle/>
-                        <a:p>
-                          <a:pPr lvl="0">
-                            <a:buNone/>
-                          </a:pPr>
-                          <a14:m>
-                            <m:oMathPara xmlns:m="http://schemas.openxmlformats.org/officeDocument/2006/math">
-                              <m:oMathParaPr>
-                                <m:jc m:val="centerGroup"/>
-                              </m:oMathParaPr>
-                              <m:oMath xmlns:m="http://schemas.openxmlformats.org/officeDocument/2006/math">
-                                <m:r>
-                                  <a:rPr lang="en-US" sz="1800" b="0" i="1" u="none" strike="noStrike" baseline="0" noProof="0" smtClean="0">
-                                    <a:solidFill>
-                                      <a:srgbClr val="000000"/>
-                                    </a:solidFill>
-                                    <a:latin typeface="Cambria Math" panose="02040503050406030204" pitchFamily="18" charset="0"/>
-                                  </a:rPr>
-                                  <m:t>0.8081</m:t>
-                                </m:r>
-                              </m:oMath>
-                            </m:oMathPara>
-                          </a14:m>
-                          <a:endParaRPr lang="en-US" dirty="0"/>
-                        </a:p>
-                      </a:txBody>
-                      <a:tcPr>
-                        <a:solidFill>
-                          <a:schemeClr val="bg1">
-                            <a:lumMod val="85000"/>
-                          </a:schemeClr>
-                        </a:solidFill>
-                      </a:tcPr>
-                    </a:tc>
-                    <a:tc>
-                      <a:txBody>
-                        <a:bodyPr/>
-                        <a:lstStyle/>
-                        <a:p>
-                          <a:pPr lvl="0">
-                            <a:buNone/>
-                          </a:pPr>
-                          <a14:m>
-                            <m:oMathPara xmlns:m="http://schemas.openxmlformats.org/officeDocument/2006/math">
-                              <m:oMathParaPr>
-                                <m:jc m:val="centerGroup"/>
-                              </m:oMathParaPr>
-                              <m:oMath xmlns:m="http://schemas.openxmlformats.org/officeDocument/2006/math">
-                                <m:r>
-                                  <a:rPr lang="en-US" sz="1800" b="0" i="1" u="none" strike="noStrike" baseline="0" noProof="0" dirty="0" smtClean="0">
-                                    <a:solidFill>
-                                      <a:srgbClr val="000000"/>
-                                    </a:solidFill>
-                                    <a:latin typeface="Cambria Math" panose="02040503050406030204" pitchFamily="18" charset="0"/>
-                                  </a:rPr>
-                                  <m:t>0.7093</m:t>
-                                </m:r>
-                              </m:oMath>
-                            </m:oMathPara>
-                          </a14:m>
-                          <a:endParaRPr lang="en-US" dirty="0"/>
-                        </a:p>
-                      </a:txBody>
-                      <a:tcPr>
-                        <a:solidFill>
-                          <a:schemeClr val="bg1">
-                            <a:lumMod val="85000"/>
-                          </a:schemeClr>
-                        </a:solidFill>
-                      </a:tcPr>
-                    </a:tc>
-                    <a:tc>
-                      <a:txBody>
-                        <a:bodyPr/>
-                        <a:lstStyle/>
-                        <a:p>
-                          <a:pPr lvl="0">
-                            <a:buNone/>
-                          </a:pPr>
-                          <a14:m>
-                            <m:oMathPara xmlns:m="http://schemas.openxmlformats.org/officeDocument/2006/math">
-                              <m:oMathParaPr>
-                                <m:jc m:val="centerGroup"/>
-                              </m:oMathParaPr>
-                              <m:oMath xmlns:m="http://schemas.openxmlformats.org/officeDocument/2006/math">
-                                <m:r>
-                                  <a:rPr lang="en-US" sz="1800" b="0" i="1" u="none" strike="noStrike" baseline="0" noProof="0" smtClean="0">
-                                    <a:solidFill>
-                                      <a:srgbClr val="000000"/>
-                                    </a:solidFill>
-                                    <a:latin typeface="Cambria Math" panose="02040503050406030204" pitchFamily="18" charset="0"/>
-                                  </a:rPr>
-                                  <m:t>0.7555</m:t>
-                                </m:r>
-                              </m:oMath>
-                            </m:oMathPara>
-                          </a14:m>
-                          <a:endParaRPr lang="en-US" dirty="0"/>
-                        </a:p>
-                      </a:txBody>
-                      <a:tcPr>
-                        <a:solidFill>
-                          <a:schemeClr val="bg1">
-                            <a:lumMod val="85000"/>
-                          </a:schemeClr>
-                        </a:solidFill>
-                      </a:tcPr>
-                    </a:tc>
-                    <a:extLst>
-                      <a:ext uri="{0D108BD9-81ED-4DB2-BD59-A6C34878D82A}">
-                        <a16:rowId xmlns:a16="http://schemas.microsoft.com/office/drawing/2014/main" val="3601199785"/>
-                      </a:ext>
-                    </a:extLst>
-                  </a:tr>
-                  <a:tr h="212580">
-                    <a:tc>
-                      <a:txBody>
-                        <a:bodyPr/>
-                        <a:lstStyle/>
-                        <a:p>
-                          <a:pPr lvl="0">
-                            <a:buNone/>
-                          </a:pPr>
-                          <a:r>
-                            <a:rPr lang="en-US" sz="1400"/>
-                            <a:t>model_svm</a:t>
-                          </a:r>
-                          <a:endParaRPr lang="en-US" sz="1400" err="1"/>
-                        </a:p>
-                      </a:txBody>
-                      <a:tcPr/>
-                    </a:tc>
-                    <a:tc>
-                      <a:txBody>
-                        <a:bodyPr/>
-                        <a:lstStyle/>
-                        <a:p>
-                          <a:pPr lvl="0">
-                            <a:buNone/>
-                          </a:pPr>
-                          <a14:m>
-                            <m:oMathPara xmlns:m="http://schemas.openxmlformats.org/officeDocument/2006/math">
-                              <m:oMathParaPr>
-                                <m:jc m:val="centerGroup"/>
-                              </m:oMathParaPr>
-                              <m:oMath xmlns:m="http://schemas.openxmlformats.org/officeDocument/2006/math">
-                                <m:r>
-                                  <a:rPr lang="de-CH" b="0" i="1" smtClean="0">
-                                    <a:latin typeface="Cambria Math" panose="02040503050406030204" pitchFamily="18" charset="0"/>
-                                  </a:rPr>
-                                  <m:t>0.8081</m:t>
-                                </m:r>
-                              </m:oMath>
-                            </m:oMathPara>
-                          </a14:m>
-                          <a:endParaRPr lang="en-US" dirty="0"/>
-                        </a:p>
-                      </a:txBody>
-                      <a:tcPr>
-                        <a:noFill/>
-                      </a:tcPr>
-                    </a:tc>
-                    <a:tc>
-                      <a:txBody>
-                        <a:bodyPr/>
-                        <a:lstStyle/>
-                        <a:p>
-                          <a:pPr lvl="0">
-                            <a:buNone/>
-                          </a:pPr>
-                          <a14:m>
-                            <m:oMathPara xmlns:m="http://schemas.openxmlformats.org/officeDocument/2006/math">
-                              <m:oMathParaPr>
-                                <m:jc m:val="centerGroup"/>
-                              </m:oMathParaPr>
-                              <m:oMath xmlns:m="http://schemas.openxmlformats.org/officeDocument/2006/math">
-                                <m:r>
-                                  <a:rPr lang="de-CH" b="0" i="1" smtClean="0">
-                                    <a:latin typeface="Cambria Math" panose="02040503050406030204" pitchFamily="18" charset="0"/>
-                                  </a:rPr>
-                                  <m:t>0.6978</m:t>
-                                </m:r>
-                              </m:oMath>
-                            </m:oMathPara>
-                          </a14:m>
-                          <a:endParaRPr lang="en-US" dirty="0"/>
-                        </a:p>
-                      </a:txBody>
-                      <a:tcPr>
-                        <a:noFill/>
-                      </a:tcPr>
-                    </a:tc>
-                    <a:tc>
-                      <a:txBody>
-                        <a:bodyPr/>
-                        <a:lstStyle/>
-                        <a:p>
-                          <a:pPr lvl="0">
-                            <a:buNone/>
-                          </a:pPr>
-                          <a14:m>
-                            <m:oMathPara xmlns:m="http://schemas.openxmlformats.org/officeDocument/2006/math">
-                              <m:oMathParaPr>
-                                <m:jc m:val="centerGroup"/>
-                              </m:oMathParaPr>
-                              <m:oMath xmlns:m="http://schemas.openxmlformats.org/officeDocument/2006/math">
-                                <m:r>
-                                  <a:rPr lang="de-CH" b="0" i="1" smtClean="0">
-                                    <a:latin typeface="Cambria Math" panose="02040503050406030204" pitchFamily="18" charset="0"/>
-                                  </a:rPr>
-                                  <m:t>0.7616</m:t>
-                                </m:r>
-                              </m:oMath>
-                            </m:oMathPara>
-                          </a14:m>
-                          <a:endParaRPr lang="en-US" dirty="0"/>
-                        </a:p>
-                      </a:txBody>
-                      <a:tcPr>
-                        <a:solidFill>
-                          <a:schemeClr val="accent6">
-                            <a:lumMod val="40000"/>
-                            <a:lumOff val="60000"/>
-                          </a:schemeClr>
-                        </a:solidFill>
-                      </a:tcPr>
-                    </a:tc>
-                    <a:extLst>
-                      <a:ext uri="{0D108BD9-81ED-4DB2-BD59-A6C34878D82A}">
-                        <a16:rowId xmlns:a16="http://schemas.microsoft.com/office/drawing/2014/main" val="88219275"/>
-                      </a:ext>
-                    </a:extLst>
-                  </a:tr>
-                  <a:tr h="212580">
-                    <a:tc>
-                      <a:txBody>
-                        <a:bodyPr/>
-                        <a:lstStyle/>
-                        <a:p>
-                          <a:pPr lvl="0">
-                            <a:buNone/>
-                          </a:pPr>
-                          <a:r>
-                            <a:rPr lang="en-US" sz="1400"/>
-                            <a:t>model_knn</a:t>
-                          </a:r>
-                          <a:endParaRPr lang="en-US" sz="1400" err="1"/>
-                        </a:p>
-                      </a:txBody>
-                      <a:tcPr/>
-                    </a:tc>
-                    <a:tc>
-                      <a:txBody>
-                        <a:bodyPr/>
-                        <a:lstStyle/>
-                        <a:p>
-                          <a:pPr lvl="0">
-                            <a:buNone/>
-                          </a:pPr>
-                          <a14:m>
-                            <m:oMathPara xmlns:m="http://schemas.openxmlformats.org/officeDocument/2006/math">
-                              <m:oMathParaPr>
-                                <m:jc m:val="centerGroup"/>
-                              </m:oMathParaPr>
-                              <m:oMath xmlns:m="http://schemas.openxmlformats.org/officeDocument/2006/math">
-                                <m:r>
-                                  <a:rPr lang="en-US" sz="1800" b="0" i="1" u="none" strike="noStrike" baseline="0" noProof="0" smtClean="0">
-                                    <a:solidFill>
-                                      <a:srgbClr val="000000"/>
-                                    </a:solidFill>
-                                    <a:latin typeface="Cambria Math" panose="02040503050406030204" pitchFamily="18" charset="0"/>
-                                  </a:rPr>
-                                  <m:t>0.7857</m:t>
-                                </m:r>
-                              </m:oMath>
-                            </m:oMathPara>
-                          </a14:m>
-                          <a:endParaRPr lang="en-US"/>
-                        </a:p>
-                      </a:txBody>
-                      <a:tcPr>
-                        <a:noFill/>
-                      </a:tcPr>
-                    </a:tc>
-                    <a:tc>
-                      <a:txBody>
-                        <a:bodyPr/>
-                        <a:lstStyle/>
-                        <a:p>
-                          <a:pPr lvl="0">
-                            <a:buNone/>
-                          </a:pPr>
-                          <a14:m>
-                            <m:oMathPara xmlns:m="http://schemas.openxmlformats.org/officeDocument/2006/math">
-                              <m:oMathParaPr>
-                                <m:jc m:val="centerGroup"/>
-                              </m:oMathParaPr>
-                              <m:oMath xmlns:m="http://schemas.openxmlformats.org/officeDocument/2006/math">
-                                <m:r>
-                                  <a:rPr lang="en-US" sz="1800" b="0" i="1" u="none" strike="noStrike" baseline="0" noProof="0" smtClean="0">
-                                    <a:solidFill>
-                                      <a:srgbClr val="000000"/>
-                                    </a:solidFill>
-                                    <a:latin typeface="Cambria Math" panose="02040503050406030204" pitchFamily="18" charset="0"/>
-                                  </a:rPr>
-                                  <m:t>0.7033</m:t>
-                                </m:r>
-                              </m:oMath>
-                            </m:oMathPara>
-                          </a14:m>
-                          <a:endParaRPr lang="en-US"/>
-                        </a:p>
-                      </a:txBody>
-                      <a:tcPr>
-                        <a:noFill/>
-                      </a:tcPr>
-                    </a:tc>
-                    <a:tc>
-                      <a:txBody>
-                        <a:bodyPr/>
-                        <a:lstStyle/>
-                        <a:p>
-                          <a:pPr lvl="0">
-                            <a:buNone/>
-                          </a:pPr>
-                          <a14:m>
-                            <m:oMathPara xmlns:m="http://schemas.openxmlformats.org/officeDocument/2006/math">
-                              <m:oMathParaPr>
-                                <m:jc m:val="centerGroup"/>
-                              </m:oMathParaPr>
-                              <m:oMath xmlns:m="http://schemas.openxmlformats.org/officeDocument/2006/math">
-                                <m:r>
-                                  <a:rPr lang="en-US" sz="1800" b="0" i="1" u="none" strike="noStrike" baseline="0" noProof="0" dirty="0" smtClean="0">
-                                    <a:solidFill>
-                                      <a:srgbClr val="000000"/>
-                                    </a:solidFill>
-                                    <a:latin typeface="Cambria Math" panose="02040503050406030204" pitchFamily="18" charset="0"/>
-                                  </a:rPr>
-                                  <m:t>0.7422</m:t>
-                                </m:r>
-                              </m:oMath>
-                            </m:oMathPara>
-                          </a14:m>
-                          <a:endParaRPr lang="en-US" dirty="0"/>
-                        </a:p>
-                      </a:txBody>
-                      <a:tcPr>
-                        <a:noFill/>
-                      </a:tcPr>
-                    </a:tc>
-                    <a:extLst>
-                      <a:ext uri="{0D108BD9-81ED-4DB2-BD59-A6C34878D82A}">
-                        <a16:rowId xmlns:a16="http://schemas.microsoft.com/office/drawing/2014/main" val="1737140274"/>
-                      </a:ext>
-                    </a:extLst>
-                  </a:tr>
-                </a:tbl>
-              </a:graphicData>
-            </a:graphic>
-          </p:graphicFrame>
-        </mc:Choice>
-        <mc:Fallback xmlns="">
-          <p:graphicFrame>
-            <p:nvGraphicFramePr>
-              <p:cNvPr id="3" name="Table 6">
-                <a:extLst>
-                  <a:ext uri="{FF2B5EF4-FFF2-40B4-BE49-F238E27FC236}">
-                    <a16:creationId xmlns:a16="http://schemas.microsoft.com/office/drawing/2014/main" id="{1EBD2D59-BD48-71B3-8FE7-6AD37E45DAC5}"/>
-                  </a:ext>
-                </a:extLst>
-              </p:cNvPr>
-              <p:cNvGraphicFramePr>
-                <a:graphicFrameLocks noGrp="1"/>
-              </p:cNvGraphicFramePr>
-              <p:nvPr>
-                <p:extLst>
-                  <p:ext uri="{D42A27DB-BD31-4B8C-83A1-F6EECF244321}">
-                    <p14:modId xmlns:p14="http://schemas.microsoft.com/office/powerpoint/2010/main" val="376577478"/>
-                  </p:ext>
-                </p:extLst>
-              </p:nvPr>
-            </p:nvGraphicFramePr>
-            <p:xfrm>
-              <a:off x="742284" y="2680587"/>
-              <a:ext cx="4919030" cy="2499360"/>
-            </p:xfrm>
-            <a:graphic>
-              <a:graphicData uri="http://schemas.openxmlformats.org/drawingml/2006/table">
-                <a:tbl>
-                  <a:tblPr firstRow="1" bandRow="1">
-                    <a:tableStyleId>{5940675A-B579-460E-94D1-54222C63F5DA}</a:tableStyleId>
-                  </a:tblPr>
-                  <a:tblGrid>
-                    <a:gridCol w="1055225">
-                      <a:extLst>
-                        <a:ext uri="{9D8B030D-6E8A-4147-A177-3AD203B41FA5}">
-                          <a16:colId xmlns:a16="http://schemas.microsoft.com/office/drawing/2014/main" val="85563763"/>
-                        </a:ext>
-                      </a:extLst>
-                    </a:gridCol>
-                    <a:gridCol w="1287935">
-                      <a:extLst>
-                        <a:ext uri="{9D8B030D-6E8A-4147-A177-3AD203B41FA5}">
-                          <a16:colId xmlns:a16="http://schemas.microsoft.com/office/drawing/2014/main" val="3628537185"/>
-                        </a:ext>
-                      </a:extLst>
-                    </a:gridCol>
-                    <a:gridCol w="1287935">
-                      <a:extLst>
-                        <a:ext uri="{9D8B030D-6E8A-4147-A177-3AD203B41FA5}">
-                          <a16:colId xmlns:a16="http://schemas.microsoft.com/office/drawing/2014/main" val="1465106393"/>
-                        </a:ext>
-                      </a:extLst>
-                    </a:gridCol>
-                    <a:gridCol w="1287935">
-                      <a:extLst>
-                        <a:ext uri="{9D8B030D-6E8A-4147-A177-3AD203B41FA5}">
-                          <a16:colId xmlns:a16="http://schemas.microsoft.com/office/drawing/2014/main" val="468673117"/>
-                        </a:ext>
-                      </a:extLst>
-                    </a:gridCol>
-                  </a:tblGrid>
-                  <a:tr h="304800">
-                    <a:tc>
-                      <a:txBody>
-                        <a:bodyPr/>
-                        <a:lstStyle/>
-                        <a:p>
-                          <a:endParaRPr lang="en-CH" sz="1400"/>
-                        </a:p>
-                      </a:txBody>
-                      <a:tcPr/>
-                    </a:tc>
-                    <a:tc>
-                      <a:txBody>
-                        <a:bodyPr/>
-                        <a:lstStyle/>
-                        <a:p>
-                          <a:pPr lvl="0" algn="ctr">
-                            <a:buNone/>
-                          </a:pPr>
-                          <a:r>
-                            <a:rPr lang="en-US" sz="1400" dirty="0"/>
-                            <a:t>Recall</a:t>
-                          </a:r>
-                        </a:p>
-                      </a:txBody>
-                      <a:tcPr>
-                        <a:noFill/>
-                      </a:tcPr>
-                    </a:tc>
-                    <a:tc>
-                      <a:txBody>
-                        <a:bodyPr/>
-                        <a:lstStyle/>
-                        <a:p>
-                          <a:pPr lvl="0" algn="ctr">
-                            <a:buNone/>
-                          </a:pPr>
-                          <a:r>
-                            <a:rPr lang="en-US" sz="1400"/>
-                            <a:t>Precision</a:t>
-                          </a:r>
-                        </a:p>
-                      </a:txBody>
-                      <a:tcPr>
-                        <a:noFill/>
-                      </a:tcPr>
-                    </a:tc>
-                    <a:tc>
-                      <a:txBody>
-                        <a:bodyPr/>
-                        <a:lstStyle/>
-                        <a:p>
-                          <a:pPr lvl="0" algn="ctr">
-                            <a:buNone/>
-                          </a:pPr>
-                          <a:r>
-                            <a:rPr lang="en-US" sz="1400"/>
-                            <a:t>F1</a:t>
-                          </a:r>
-                        </a:p>
-                      </a:txBody>
-                      <a:tcPr>
-                        <a:noFill/>
-                      </a:tcPr>
-                    </a:tc>
-                    <a:extLst>
-                      <a:ext uri="{0D108BD9-81ED-4DB2-BD59-A6C34878D82A}">
-                        <a16:rowId xmlns:a16="http://schemas.microsoft.com/office/drawing/2014/main" val="3691073050"/>
-                      </a:ext>
-                    </a:extLst>
-                  </a:tr>
-                  <a:tr h="365760">
-                    <a:tc>
-                      <a:txBody>
-                        <a:bodyPr/>
-                        <a:lstStyle/>
-                        <a:p>
-                          <a:r>
-                            <a:rPr lang="en-GB" sz="1400" i="1" dirty="0"/>
-                            <a:t>m</a:t>
-                          </a:r>
-                          <a:r>
-                            <a:rPr lang="en-CH" sz="1400" i="1" dirty="0"/>
-                            <a:t>odel_dt</a:t>
-                          </a:r>
-                        </a:p>
-                      </a:txBody>
-                      <a:tcPr>
-                        <a:solidFill>
-                          <a:schemeClr val="bg1">
-                            <a:lumMod val="85000"/>
-                          </a:schemeClr>
-                        </a:solidFill>
-                      </a:tcPr>
-                    </a:tc>
-                    <a:tc>
-                      <a:txBody>
-                        <a:bodyPr/>
-                        <a:lstStyle/>
-                        <a:p>
-                          <a:endParaRPr lang="en-CH"/>
-                        </a:p>
-                      </a:txBody>
-                      <a:tcPr>
-                        <a:blipFill>
-                          <a:blip r:embed="rId2"/>
-                          <a:stretch>
-                            <a:fillRect l="-82353" t="-86207" r="-200000" b="-500000"/>
-                          </a:stretch>
-                        </a:blipFill>
-                      </a:tcPr>
-                    </a:tc>
-                    <a:tc>
-                      <a:txBody>
-                        <a:bodyPr/>
-                        <a:lstStyle/>
-                        <a:p>
-                          <a:endParaRPr lang="en-CH"/>
-                        </a:p>
-                      </a:txBody>
-                      <a:tcPr>
-                        <a:blipFill>
-                          <a:blip r:embed="rId2"/>
-                          <a:stretch>
-                            <a:fillRect l="-184158" t="-86207" r="-101980" b="-500000"/>
-                          </a:stretch>
-                        </a:blipFill>
-                      </a:tcPr>
-                    </a:tc>
-                    <a:tc>
-                      <a:txBody>
-                        <a:bodyPr/>
-                        <a:lstStyle/>
-                        <a:p>
-                          <a:endParaRPr lang="en-CH"/>
-                        </a:p>
-                      </a:txBody>
-                      <a:tcPr>
-                        <a:blipFill>
-                          <a:blip r:embed="rId2"/>
-                          <a:stretch>
-                            <a:fillRect l="-281373" t="-86207" r="-980" b="-500000"/>
-                          </a:stretch>
-                        </a:blipFill>
-                      </a:tcPr>
-                    </a:tc>
-                    <a:extLst>
-                      <a:ext uri="{0D108BD9-81ED-4DB2-BD59-A6C34878D82A}">
-                        <a16:rowId xmlns:a16="http://schemas.microsoft.com/office/drawing/2014/main" val="659232350"/>
-                      </a:ext>
-                    </a:extLst>
-                  </a:tr>
-                  <a:tr h="365760">
-                    <a:tc>
-                      <a:txBody>
-                        <a:bodyPr/>
-                        <a:lstStyle/>
-                        <a:p>
-                          <a:r>
-                            <a:rPr lang="en-CH" sz="1400" i="1" dirty="0"/>
-                            <a:t>model_nb</a:t>
-                          </a:r>
-                          <a:endParaRPr lang="en-US" sz="1400" i="1" dirty="0"/>
-                        </a:p>
-                      </a:txBody>
-                      <a:tcPr>
-                        <a:solidFill>
-                          <a:schemeClr val="bg1">
-                            <a:lumMod val="85000"/>
-                          </a:schemeClr>
-                        </a:solidFill>
-                      </a:tcPr>
-                    </a:tc>
-                    <a:tc>
-                      <a:txBody>
-                        <a:bodyPr/>
-                        <a:lstStyle/>
-                        <a:p>
-                          <a:endParaRPr lang="en-CH"/>
-                        </a:p>
-                      </a:txBody>
-                      <a:tcPr>
-                        <a:blipFill>
-                          <a:blip r:embed="rId2"/>
-                          <a:stretch>
-                            <a:fillRect l="-82353" t="-186207" r="-200000" b="-400000"/>
-                          </a:stretch>
-                        </a:blipFill>
-                      </a:tcPr>
-                    </a:tc>
-                    <a:tc>
-                      <a:txBody>
-                        <a:bodyPr/>
-                        <a:lstStyle/>
-                        <a:p>
-                          <a:endParaRPr lang="en-CH"/>
-                        </a:p>
-                      </a:txBody>
-                      <a:tcPr>
-                        <a:blipFill>
-                          <a:blip r:embed="rId2"/>
-                          <a:stretch>
-                            <a:fillRect l="-184158" t="-186207" r="-101980" b="-400000"/>
-                          </a:stretch>
-                        </a:blipFill>
-                      </a:tcPr>
-                    </a:tc>
-                    <a:tc>
-                      <a:txBody>
-                        <a:bodyPr/>
-                        <a:lstStyle/>
-                        <a:p>
-                          <a:endParaRPr lang="en-CH"/>
-                        </a:p>
-                      </a:txBody>
-                      <a:tcPr>
-                        <a:blipFill>
-                          <a:blip r:embed="rId2"/>
-                          <a:stretch>
-                            <a:fillRect l="-281373" t="-186207" r="-980" b="-400000"/>
-                          </a:stretch>
-                        </a:blipFill>
-                      </a:tcPr>
-                    </a:tc>
-                    <a:extLst>
-                      <a:ext uri="{0D108BD9-81ED-4DB2-BD59-A6C34878D82A}">
-                        <a16:rowId xmlns:a16="http://schemas.microsoft.com/office/drawing/2014/main" val="4215547789"/>
-                      </a:ext>
-                    </a:extLst>
-                  </a:tr>
-                  <a:tr h="365760">
-                    <a:tc>
-                      <a:txBody>
-                        <a:bodyPr/>
-                        <a:lstStyle/>
-                        <a:p>
-                          <a:pPr lvl="0">
-                            <a:buNone/>
-                          </a:pPr>
-                          <a:r>
-                            <a:rPr lang="en-US" sz="1400" i="1"/>
-                            <a:t>model_lr</a:t>
-                          </a:r>
-                          <a:endParaRPr lang="en-US" sz="1400" i="1" err="1"/>
-                        </a:p>
-                      </a:txBody>
-                      <a:tcPr>
-                        <a:solidFill>
-                          <a:schemeClr val="bg1">
-                            <a:lumMod val="85000"/>
-                          </a:schemeClr>
-                        </a:solidFill>
-                      </a:tcPr>
-                    </a:tc>
-                    <a:tc>
-                      <a:txBody>
-                        <a:bodyPr/>
-                        <a:lstStyle/>
-                        <a:p>
-                          <a:endParaRPr lang="en-CH"/>
-                        </a:p>
-                      </a:txBody>
-                      <a:tcPr>
-                        <a:blipFill>
-                          <a:blip r:embed="rId2"/>
-                          <a:stretch>
-                            <a:fillRect l="-82353" t="-286207" r="-200000" b="-300000"/>
-                          </a:stretch>
-                        </a:blipFill>
-                      </a:tcPr>
-                    </a:tc>
-                    <a:tc>
-                      <a:txBody>
-                        <a:bodyPr/>
-                        <a:lstStyle/>
-                        <a:p>
-                          <a:endParaRPr lang="en-CH"/>
-                        </a:p>
-                      </a:txBody>
-                      <a:tcPr>
-                        <a:blipFill>
-                          <a:blip r:embed="rId2"/>
-                          <a:stretch>
-                            <a:fillRect l="-184158" t="-286207" r="-101980" b="-300000"/>
-                          </a:stretch>
-                        </a:blipFill>
-                      </a:tcPr>
-                    </a:tc>
-                    <a:tc>
-                      <a:txBody>
-                        <a:bodyPr/>
-                        <a:lstStyle/>
-                        <a:p>
-                          <a:endParaRPr lang="en-CH"/>
-                        </a:p>
-                      </a:txBody>
-                      <a:tcPr>
-                        <a:blipFill>
-                          <a:blip r:embed="rId2"/>
-                          <a:stretch>
-                            <a:fillRect l="-281373" t="-286207" r="-980" b="-300000"/>
-                          </a:stretch>
-                        </a:blipFill>
-                      </a:tcPr>
-                    </a:tc>
-                    <a:extLst>
-                      <a:ext uri="{0D108BD9-81ED-4DB2-BD59-A6C34878D82A}">
-                        <a16:rowId xmlns:a16="http://schemas.microsoft.com/office/drawing/2014/main" val="2756195554"/>
-                      </a:ext>
-                    </a:extLst>
-                  </a:tr>
-                  <a:tr h="365760">
-                    <a:tc>
-                      <a:txBody>
-                        <a:bodyPr/>
-                        <a:lstStyle/>
-                        <a:p>
-                          <a:pPr lvl="0">
-                            <a:buNone/>
-                          </a:pPr>
-                          <a:r>
-                            <a:rPr lang="en-US" sz="1400"/>
-                            <a:t>model_rf</a:t>
-                          </a:r>
-                          <a:endParaRPr lang="en-US" sz="1400" err="1"/>
-                        </a:p>
-                      </a:txBody>
-                      <a:tcPr>
-                        <a:solidFill>
-                          <a:schemeClr val="bg1">
-                            <a:lumMod val="85000"/>
-                          </a:schemeClr>
-                        </a:solidFill>
-                      </a:tcPr>
-                    </a:tc>
-                    <a:tc>
-                      <a:txBody>
-                        <a:bodyPr/>
-                        <a:lstStyle/>
-                        <a:p>
-                          <a:endParaRPr lang="en-CH"/>
-                        </a:p>
-                      </a:txBody>
-                      <a:tcPr>
-                        <a:blipFill>
-                          <a:blip r:embed="rId2"/>
-                          <a:stretch>
-                            <a:fillRect l="-82353" t="-400000" r="-200000" b="-210714"/>
-                          </a:stretch>
-                        </a:blipFill>
-                      </a:tcPr>
-                    </a:tc>
-                    <a:tc>
-                      <a:txBody>
-                        <a:bodyPr/>
-                        <a:lstStyle/>
-                        <a:p>
-                          <a:endParaRPr lang="en-CH"/>
-                        </a:p>
-                      </a:txBody>
-                      <a:tcPr>
-                        <a:blipFill>
-                          <a:blip r:embed="rId2"/>
-                          <a:stretch>
-                            <a:fillRect l="-184158" t="-400000" r="-101980" b="-210714"/>
-                          </a:stretch>
-                        </a:blipFill>
-                      </a:tcPr>
-                    </a:tc>
-                    <a:tc>
-                      <a:txBody>
-                        <a:bodyPr/>
-                        <a:lstStyle/>
-                        <a:p>
-                          <a:endParaRPr lang="en-CH"/>
-                        </a:p>
-                      </a:txBody>
-                      <a:tcPr>
-                        <a:blipFill>
-                          <a:blip r:embed="rId2"/>
-                          <a:stretch>
-                            <a:fillRect l="-281373" t="-400000" r="-980" b="-210714"/>
-                          </a:stretch>
-                        </a:blipFill>
-                      </a:tcPr>
-                    </a:tc>
-                    <a:extLst>
-                      <a:ext uri="{0D108BD9-81ED-4DB2-BD59-A6C34878D82A}">
-                        <a16:rowId xmlns:a16="http://schemas.microsoft.com/office/drawing/2014/main" val="3601199785"/>
-                      </a:ext>
-                    </a:extLst>
-                  </a:tr>
-                  <a:tr h="365760">
-                    <a:tc>
-                      <a:txBody>
-                        <a:bodyPr/>
-                        <a:lstStyle/>
-                        <a:p>
-                          <a:pPr lvl="0">
-                            <a:buNone/>
-                          </a:pPr>
-                          <a:r>
-                            <a:rPr lang="en-US" sz="1400"/>
-                            <a:t>model_svm</a:t>
-                          </a:r>
-                          <a:endParaRPr lang="en-US" sz="1400" err="1"/>
-                        </a:p>
-                      </a:txBody>
-                      <a:tcPr/>
-                    </a:tc>
-                    <a:tc>
-                      <a:txBody>
-                        <a:bodyPr/>
-                        <a:lstStyle/>
-                        <a:p>
-                          <a:endParaRPr lang="en-CH"/>
-                        </a:p>
-                      </a:txBody>
-                      <a:tcPr>
-                        <a:blipFill>
-                          <a:blip r:embed="rId2"/>
-                          <a:stretch>
-                            <a:fillRect l="-82353" t="-482759" r="-200000" b="-103448"/>
-                          </a:stretch>
-                        </a:blipFill>
-                      </a:tcPr>
-                    </a:tc>
-                    <a:tc>
-                      <a:txBody>
-                        <a:bodyPr/>
-                        <a:lstStyle/>
-                        <a:p>
-                          <a:endParaRPr lang="en-CH"/>
-                        </a:p>
-                      </a:txBody>
-                      <a:tcPr>
-                        <a:blipFill>
-                          <a:blip r:embed="rId2"/>
-                          <a:stretch>
-                            <a:fillRect l="-184158" t="-482759" r="-101980" b="-103448"/>
-                          </a:stretch>
-                        </a:blipFill>
-                      </a:tcPr>
-                    </a:tc>
-                    <a:tc>
-                      <a:txBody>
-                        <a:bodyPr/>
-                        <a:lstStyle/>
-                        <a:p>
-                          <a:endParaRPr lang="en-CH"/>
-                        </a:p>
-                      </a:txBody>
-                      <a:tcPr>
-                        <a:blipFill>
-                          <a:blip r:embed="rId2"/>
-                          <a:stretch>
-                            <a:fillRect l="-281373" t="-482759" r="-980" b="-103448"/>
-                          </a:stretch>
-                        </a:blipFill>
-                      </a:tcPr>
-                    </a:tc>
-                    <a:extLst>
-                      <a:ext uri="{0D108BD9-81ED-4DB2-BD59-A6C34878D82A}">
-                        <a16:rowId xmlns:a16="http://schemas.microsoft.com/office/drawing/2014/main" val="88219275"/>
-                      </a:ext>
-                    </a:extLst>
-                  </a:tr>
-                  <a:tr h="365760">
-                    <a:tc>
-                      <a:txBody>
-                        <a:bodyPr/>
-                        <a:lstStyle/>
-                        <a:p>
-                          <a:pPr lvl="0">
-                            <a:buNone/>
-                          </a:pPr>
-                          <a:r>
-                            <a:rPr lang="en-US" sz="1400"/>
-                            <a:t>model_knn</a:t>
-                          </a:r>
-                          <a:endParaRPr lang="en-US" sz="1400" err="1"/>
-                        </a:p>
-                      </a:txBody>
-                      <a:tcPr/>
-                    </a:tc>
-                    <a:tc>
-                      <a:txBody>
-                        <a:bodyPr/>
-                        <a:lstStyle/>
-                        <a:p>
-                          <a:endParaRPr lang="en-CH"/>
-                        </a:p>
-                      </a:txBody>
-                      <a:tcPr>
-                        <a:blipFill>
-                          <a:blip r:embed="rId2"/>
-                          <a:stretch>
-                            <a:fillRect l="-82353" t="-582759" r="-200000" b="-3448"/>
-                          </a:stretch>
-                        </a:blipFill>
-                      </a:tcPr>
-                    </a:tc>
-                    <a:tc>
-                      <a:txBody>
-                        <a:bodyPr/>
-                        <a:lstStyle/>
-                        <a:p>
-                          <a:endParaRPr lang="en-CH"/>
-                        </a:p>
-                      </a:txBody>
-                      <a:tcPr>
-                        <a:blipFill>
-                          <a:blip r:embed="rId2"/>
-                          <a:stretch>
-                            <a:fillRect l="-184158" t="-582759" r="-101980" b="-3448"/>
-                          </a:stretch>
-                        </a:blipFill>
-                      </a:tcPr>
-                    </a:tc>
-                    <a:tc>
-                      <a:txBody>
-                        <a:bodyPr/>
-                        <a:lstStyle/>
-                        <a:p>
-                          <a:endParaRPr lang="en-CH"/>
-                        </a:p>
-                      </a:txBody>
-                      <a:tcPr>
-                        <a:blipFill>
-                          <a:blip r:embed="rId2"/>
-                          <a:stretch>
-                            <a:fillRect l="-281373" t="-582759" r="-980" b="-3448"/>
-                          </a:stretch>
-                        </a:blipFill>
-                      </a:tcPr>
-                    </a:tc>
-                    <a:extLst>
-                      <a:ext uri="{0D108BD9-81ED-4DB2-BD59-A6C34878D82A}">
-                        <a16:rowId xmlns:a16="http://schemas.microsoft.com/office/drawing/2014/main" val="1737140274"/>
-                      </a:ext>
-                    </a:extLst>
-                  </a:tr>
-                </a:tbl>
-              </a:graphicData>
-            </a:graphic>
-          </p:graphicFrame>
-        </mc:Fallback>
-      </mc:AlternateContent>
-      <p:pic>
-        <p:nvPicPr>
-          <p:cNvPr id="7" name="Picture 6">
-            <a:extLst>
-              <a:ext uri="{FF2B5EF4-FFF2-40B4-BE49-F238E27FC236}">
-                <a16:creationId xmlns:a16="http://schemas.microsoft.com/office/drawing/2014/main" id="{F080CD2C-6BB7-6C7D-DBAE-96625C7B7409}"/>
-              </a:ext>
-            </a:extLst>
-          </p:cNvPr>
-          <p:cNvPicPr>
-            <a:picLocks noChangeAspect="1"/>
-          </p:cNvPicPr>
-          <p:nvPr/>
-        </p:nvPicPr>
-        <p:blipFill>
-          <a:blip r:embed="rId3"/>
-          <a:stretch>
-            <a:fillRect/>
-          </a:stretch>
-        </p:blipFill>
-        <p:spPr>
-          <a:xfrm>
-            <a:off x="5941228" y="1814512"/>
-            <a:ext cx="5646756" cy="4235067"/>
-          </a:xfrm>
-          <a:prstGeom prst="rect">
-            <a:avLst/>
-          </a:prstGeom>
-        </p:spPr>
-      </p:pic>
-    </p:spTree>
-    <p:extLst>
-      <p:ext uri="{BB962C8B-B14F-4D97-AF65-F5344CB8AC3E}">
-        <p14:creationId xmlns:p14="http://schemas.microsoft.com/office/powerpoint/2010/main" val="275887155"/>
-      </p:ext>
-    </p:extLst>
-  </p:cSld>
-  <p:clrMapOvr>
-    <a:masterClrMapping/>
-  </p:clrMapOvr>
-</p:sld>
-</file>
-
-<file path=ppt/slides/slide9.xml><?xml version="1.0" encoding="utf-8"?>
-<p:sld xmlns:a="http://schemas.openxmlformats.org/drawingml/2006/main" xmlns:r="http://schemas.openxmlformats.org/officeDocument/2006/relationships" xmlns:p="http://schemas.openxmlformats.org/presentationml/2006/main">
-  <p:cSld>
-    <p:spTree>
-      <p:nvGrpSpPr>
-        <p:cNvPr id="1" name=""/>
-        <p:cNvGrpSpPr/>
-        <p:nvPr/>
-      </p:nvGrpSpPr>
-      <p:grpSpPr>
-        <a:xfrm>
-          <a:off x="0" y="0"/>
-          <a:ext cx="0" cy="0"/>
-          <a:chOff x="0" y="0"/>
-          <a:chExt cx="0" cy="0"/>
-        </a:xfrm>
-      </p:grpSpPr>
-      <p:sp>
-        <p:nvSpPr>
-          <p:cNvPr id="2" name="Title 1">
-            <a:extLst>
-              <a:ext uri="{FF2B5EF4-FFF2-40B4-BE49-F238E27FC236}">
-                <a16:creationId xmlns:a16="http://schemas.microsoft.com/office/drawing/2014/main" id="{5BCC4A03-7CC7-2064-34F8-4A1544CBDF8B}"/>
-              </a:ext>
-            </a:extLst>
-          </p:cNvPr>
-          <p:cNvSpPr>
-            <a:spLocks noGrp="1"/>
-          </p:cNvSpPr>
-          <p:nvPr>
-            <p:ph type="title"/>
-          </p:nvPr>
-        </p:nvSpPr>
-        <p:spPr/>
-        <p:txBody>
-          <a:bodyPr/>
-          <a:lstStyle/>
-          <a:p>
-            <a:r>
-              <a:rPr lang="en-US" dirty="0">
-                <a:cs typeface="Calibri Light"/>
-              </a:rPr>
-              <a:t>Fusion &amp; Boosting</a:t>
-            </a:r>
-            <a:endParaRPr lang="en-US" dirty="0"/>
-          </a:p>
-        </p:txBody>
-      </p:sp>
-      <p:sp>
-        <p:nvSpPr>
-          <p:cNvPr id="4" name="Text Placeholder 3">
-            <a:extLst>
-              <a:ext uri="{FF2B5EF4-FFF2-40B4-BE49-F238E27FC236}">
-                <a16:creationId xmlns:a16="http://schemas.microsoft.com/office/drawing/2014/main" id="{38733905-FF2B-5DC5-CA00-490BFEC85729}"/>
-              </a:ext>
-            </a:extLst>
-          </p:cNvPr>
-          <p:cNvSpPr>
-            <a:spLocks noGrp="1"/>
-          </p:cNvSpPr>
-          <p:nvPr>
-            <p:ph type="body" idx="1"/>
-          </p:nvPr>
-        </p:nvSpPr>
-        <p:spPr>
-          <a:xfrm>
-            <a:off x="829056" y="826260"/>
-            <a:ext cx="5157787" cy="823912"/>
-          </a:xfrm>
-        </p:spPr>
-        <p:txBody>
-          <a:bodyPr/>
-          <a:lstStyle/>
-          <a:p>
-            <a:r>
-              <a:rPr lang="en-CH" dirty="0"/>
-              <a:t>Late Fusion </a:t>
-            </a:r>
-            <a:r>
-              <a:rPr lang="en-CH" sz="1600" b="0" i="1" dirty="0"/>
-              <a:t>(model_vc)</a:t>
-            </a:r>
-            <a:endParaRPr lang="en-CH" b="0" i="1" dirty="0"/>
-          </a:p>
-        </p:txBody>
-      </p:sp>
-      <p:sp>
-        <p:nvSpPr>
-          <p:cNvPr id="3" name="Content Placeholder 2">
-            <a:extLst>
-              <a:ext uri="{FF2B5EF4-FFF2-40B4-BE49-F238E27FC236}">
-                <a16:creationId xmlns:a16="http://schemas.microsoft.com/office/drawing/2014/main" id="{D85B36A1-4D70-7459-9C6F-E04DEBEB7AFE}"/>
-              </a:ext>
-            </a:extLst>
-          </p:cNvPr>
-          <p:cNvSpPr>
-            <a:spLocks noGrp="1"/>
-          </p:cNvSpPr>
-          <p:nvPr>
-            <p:ph sz="half" idx="2"/>
-          </p:nvPr>
-        </p:nvSpPr>
-        <p:spPr>
-          <a:xfrm>
-            <a:off x="829056" y="1650173"/>
-            <a:ext cx="5157787" cy="3684588"/>
-          </a:xfrm>
-        </p:spPr>
-        <p:txBody>
-          <a:bodyPr vert="horz" lIns="91440" tIns="45720" rIns="91440" bIns="45720" rtlCol="0" anchor="t">
-            <a:normAutofit/>
-          </a:bodyPr>
-          <a:lstStyle/>
-          <a:p>
-            <a:r>
-              <a:rPr lang="en-US" dirty="0">
-                <a:cs typeface="Calibri" panose="020F0502020204030204"/>
-              </a:rPr>
-              <a:t>models used: </a:t>
-            </a:r>
-            <a:r>
-              <a:rPr lang="en-US" i="1" dirty="0" err="1">
-                <a:cs typeface="Calibri" panose="020F0502020204030204"/>
-              </a:rPr>
-              <a:t>model_lr</a:t>
-            </a:r>
-            <a:r>
-              <a:rPr lang="en-US" dirty="0">
-                <a:cs typeface="Calibri" panose="020F0502020204030204"/>
-              </a:rPr>
-              <a:t>, </a:t>
-            </a:r>
-            <a:r>
-              <a:rPr lang="en-US" i="1" dirty="0" err="1">
-                <a:cs typeface="Calibri" panose="020F0502020204030204"/>
-              </a:rPr>
-              <a:t>model_rf</a:t>
-            </a:r>
-            <a:r>
-              <a:rPr lang="en-US" i="1" dirty="0">
-                <a:cs typeface="Calibri" panose="020F0502020204030204"/>
-              </a:rPr>
-              <a:t>, </a:t>
-            </a:r>
-            <a:r>
-              <a:rPr lang="en-US" i="1" dirty="0" err="1">
-                <a:cs typeface="Calibri" panose="020F0502020204030204"/>
-              </a:rPr>
-              <a:t>model_knn</a:t>
-            </a:r>
-            <a:endParaRPr lang="en-US" dirty="0">
-              <a:cs typeface="Calibri" panose="020F0502020204030204"/>
-            </a:endParaRPr>
-          </a:p>
-          <a:p>
-            <a:r>
-              <a:rPr lang="en-US" dirty="0" err="1">
-                <a:cs typeface="Calibri" panose="020F0502020204030204"/>
-              </a:rPr>
-              <a:t>svm</a:t>
-            </a:r>
-            <a:r>
-              <a:rPr lang="en-US" dirty="0">
-                <a:cs typeface="Calibri" panose="020F0502020204030204"/>
-              </a:rPr>
-              <a:t> could not be used, as probabilities are not computed and forcing the model to do so increased computational time too much</a:t>
-            </a:r>
-          </a:p>
-          <a:p>
-            <a:endParaRPr lang="en-US" dirty="0">
-              <a:cs typeface="Calibri" panose="020F0502020204030204"/>
-            </a:endParaRPr>
-          </a:p>
-          <a:p>
-            <a:r>
-              <a:rPr lang="en-US" dirty="0">
-                <a:cs typeface="Calibri" panose="020F0502020204030204"/>
-              </a:rPr>
-              <a:t>Grid search over model combination:</a:t>
-            </a:r>
-          </a:p>
-          <a:p>
-            <a:pPr lvl="1"/>
-            <a:r>
-              <a:rPr lang="en-US" dirty="0">
-                <a:cs typeface="Calibri" panose="020F0502020204030204"/>
-              </a:rPr>
-              <a:t>Coarse (steps of 5% weight) first</a:t>
-            </a:r>
-          </a:p>
-          <a:p>
-            <a:pPr lvl="1"/>
-            <a:r>
-              <a:rPr lang="en-US" dirty="0">
-                <a:cs typeface="Calibri" panose="020F0502020204030204"/>
-              </a:rPr>
-              <a:t>Fine (steps of 1% weight) in vicinity of coarse result</a:t>
-            </a:r>
-          </a:p>
-          <a:p>
-            <a:pPr lvl="1"/>
-            <a:r>
-              <a:rPr lang="en-US" dirty="0">
-                <a:cs typeface="Calibri" panose="020F0502020204030204"/>
-              </a:rPr>
-              <a:t>Optimal weights found: </a:t>
-            </a:r>
-            <a:endParaRPr lang="en-US" dirty="0">
-              <a:highlight>
-                <a:srgbClr val="FF0000"/>
-              </a:highlight>
-              <a:cs typeface="Calibri" panose="020F0502020204030204"/>
-            </a:endParaRPr>
-          </a:p>
-        </p:txBody>
-      </p:sp>
-      <p:sp>
-        <p:nvSpPr>
-          <p:cNvPr id="6" name="Text Placeholder 5">
-            <a:extLst>
-              <a:ext uri="{FF2B5EF4-FFF2-40B4-BE49-F238E27FC236}">
-                <a16:creationId xmlns:a16="http://schemas.microsoft.com/office/drawing/2014/main" id="{D95EF046-3CF9-04F6-DFCD-64A3EA19B78D}"/>
-              </a:ext>
-            </a:extLst>
-          </p:cNvPr>
-          <p:cNvSpPr>
-            <a:spLocks noGrp="1"/>
-          </p:cNvSpPr>
-          <p:nvPr>
-            <p:ph type="body" sz="quarter" idx="3"/>
-          </p:nvPr>
-        </p:nvSpPr>
-        <p:spPr>
-          <a:xfrm>
-            <a:off x="6091284" y="826260"/>
-            <a:ext cx="5183188" cy="823912"/>
-          </a:xfrm>
-        </p:spPr>
-        <p:txBody>
-          <a:bodyPr/>
-          <a:lstStyle/>
-          <a:p>
-            <a:r>
-              <a:rPr lang="en-CH" dirty="0"/>
-              <a:t>AdaBoost </a:t>
-            </a:r>
-            <a:r>
-              <a:rPr lang="en-CH" sz="1600" b="0" i="1" dirty="0"/>
-              <a:t>(model_ab)</a:t>
-            </a:r>
-            <a:endParaRPr lang="en-CH" b="0" i="1" dirty="0"/>
-          </a:p>
-        </p:txBody>
-      </p:sp>
-      <p:sp>
-        <p:nvSpPr>
-          <p:cNvPr id="7" name="Content Placeholder 6">
-            <a:extLst>
-              <a:ext uri="{FF2B5EF4-FFF2-40B4-BE49-F238E27FC236}">
-                <a16:creationId xmlns:a16="http://schemas.microsoft.com/office/drawing/2014/main" id="{369DDDD8-8653-DBF1-97C9-25EF3CB99747}"/>
-              </a:ext>
-            </a:extLst>
-          </p:cNvPr>
-          <p:cNvSpPr>
-            <a:spLocks noGrp="1"/>
-          </p:cNvSpPr>
-          <p:nvPr>
-            <p:ph sz="quarter" idx="4"/>
-          </p:nvPr>
-        </p:nvSpPr>
-        <p:spPr>
-          <a:xfrm>
-            <a:off x="6161468" y="1650173"/>
-            <a:ext cx="5183188" cy="3684588"/>
-          </a:xfrm>
-        </p:spPr>
-        <p:txBody>
-          <a:bodyPr vert="horz" lIns="91440" tIns="45720" rIns="91440" bIns="45720" rtlCol="0" anchor="t">
-            <a:normAutofit/>
-          </a:bodyPr>
-          <a:lstStyle/>
-          <a:p>
-            <a:r>
-              <a:rPr lang="en-US" dirty="0">
-                <a:cs typeface="Calibri"/>
-              </a:rPr>
-              <a:t>AdaBoost yielded better results than gradient boost </a:t>
-            </a:r>
-            <a:r>
-              <a:rPr lang="en-US" dirty="0">
-                <a:cs typeface="Calibri"/>
-                <a:sym typeface="Wingdings" pitchFamily="2" charset="2"/>
-              </a:rPr>
-              <a:t></a:t>
-            </a:r>
-            <a:r>
-              <a:rPr lang="en-US" dirty="0">
-                <a:cs typeface="Calibri"/>
-              </a:rPr>
-              <a:t>AdaBoost was used</a:t>
-            </a:r>
-          </a:p>
-          <a:p>
-            <a:r>
-              <a:rPr lang="en-US" dirty="0">
-                <a:cs typeface="Calibri"/>
-              </a:rPr>
-              <a:t>Scaling of feature vectors did not have any impact on performance</a:t>
-            </a:r>
-          </a:p>
-          <a:p>
-            <a:r>
-              <a:rPr lang="en-US" dirty="0">
-                <a:cs typeface="Calibri"/>
-              </a:rPr>
-              <a:t>Logistic Regression and KNN did not work with AdaBoost </a:t>
-            </a:r>
-            <a:r>
-              <a:rPr lang="en-US" dirty="0">
-                <a:cs typeface="Calibri"/>
-                <a:sym typeface="Wingdings" pitchFamily="2" charset="2"/>
-              </a:rPr>
-              <a:t></a:t>
-            </a:r>
-            <a:r>
-              <a:rPr lang="en-US" dirty="0">
-                <a:cs typeface="Calibri"/>
-              </a:rPr>
-              <a:t> Random Forest used</a:t>
-            </a:r>
-          </a:p>
-          <a:p>
-            <a:r>
-              <a:rPr lang="en-US" dirty="0">
-                <a:cs typeface="Calibri"/>
-              </a:rPr>
-              <a:t>Grid searches over ranges getting finer:</a:t>
-            </a:r>
-          </a:p>
-          <a:p>
-            <a:endParaRPr lang="en-US" dirty="0">
-              <a:cs typeface="Calibri"/>
-            </a:endParaRPr>
-          </a:p>
-          <a:p>
-            <a:pPr marL="0" indent="0">
-              <a:buNone/>
-            </a:pPr>
-            <a:endParaRPr lang="en-US" dirty="0">
-              <a:cs typeface="Calibri"/>
-            </a:endParaRPr>
-          </a:p>
-          <a:p>
-            <a:endParaRPr lang="en-US" dirty="0">
-              <a:cs typeface="Calibri"/>
-            </a:endParaRPr>
-          </a:p>
-          <a:p>
-            <a:endParaRPr lang="en-US" dirty="0"/>
-          </a:p>
-          <a:p>
-            <a:endParaRPr lang="en-US" dirty="0">
-              <a:cs typeface="Calibri"/>
-            </a:endParaRPr>
-          </a:p>
-          <a:p>
-            <a:endParaRPr lang="en-US" dirty="0">
-              <a:cs typeface="Calibri"/>
-            </a:endParaRPr>
-          </a:p>
-          <a:p>
-            <a:endParaRPr lang="en-CH" dirty="0">
-              <a:cs typeface="Calibri"/>
-            </a:endParaRPr>
-          </a:p>
-        </p:txBody>
-      </p:sp>
-      <p:sp>
-        <p:nvSpPr>
-          <p:cNvPr id="5" name="Slide Number Placeholder 4">
-            <a:extLst>
-              <a:ext uri="{FF2B5EF4-FFF2-40B4-BE49-F238E27FC236}">
-                <a16:creationId xmlns:a16="http://schemas.microsoft.com/office/drawing/2014/main" id="{002355F4-7141-B5B8-3069-DF5724F3106A}"/>
-              </a:ext>
-            </a:extLst>
-          </p:cNvPr>
-          <p:cNvSpPr>
-            <a:spLocks noGrp="1"/>
-          </p:cNvSpPr>
-          <p:nvPr>
-            <p:ph type="sldNum" sz="quarter" idx="12"/>
-          </p:nvPr>
-        </p:nvSpPr>
-        <p:spPr/>
-        <p:txBody>
-          <a:bodyPr/>
-          <a:lstStyle/>
-          <a:p>
-            <a:fld id="{C64F7615-2022-6F4D-BD3B-2012A5267077}" type="slidenum">
-              <a:rPr lang="en-CH" smtClean="0"/>
-              <a:t>9</a:t>
-            </a:fld>
-            <a:endParaRPr lang="en-CH"/>
-          </a:p>
-        </p:txBody>
-      </p:sp>
-      <mc:AlternateContent xmlns:mc="http://schemas.openxmlformats.org/markup-compatibility/2006" xmlns:a14="http://schemas.microsoft.com/office/drawing/2010/main">
-        <mc:Choice Requires="a14">
-          <p:graphicFrame>
-            <p:nvGraphicFramePr>
-              <p:cNvPr id="8" name="Table 7">
-                <a:extLst>
-                  <a:ext uri="{FF2B5EF4-FFF2-40B4-BE49-F238E27FC236}">
-                    <a16:creationId xmlns:a16="http://schemas.microsoft.com/office/drawing/2014/main" id="{BD00B787-AE9D-A003-9046-FF92B2BDA7A3}"/>
-                  </a:ext>
-                </a:extLst>
-              </p:cNvPr>
-              <p:cNvGraphicFramePr>
-                <a:graphicFrameLocks noGrp="1"/>
-              </p:cNvGraphicFramePr>
-              <p:nvPr>
-                <p:extLst>
-                  <p:ext uri="{D42A27DB-BD31-4B8C-83A1-F6EECF244321}">
-                    <p14:modId xmlns:p14="http://schemas.microsoft.com/office/powerpoint/2010/main" val="1066045043"/>
-                  </p:ext>
-                </p:extLst>
-              </p:nvPr>
-            </p:nvGraphicFramePr>
-            <p:xfrm>
-              <a:off x="6415501" y="4857619"/>
-              <a:ext cx="4929156" cy="822960"/>
-            </p:xfrm>
-            <a:graphic>
-              <a:graphicData uri="http://schemas.openxmlformats.org/drawingml/2006/table">
-                <a:tbl>
-                  <a:tblPr firstRow="1" bandRow="1">
-                    <a:tableStyleId>{5940675A-B579-460E-94D1-54222C63F5DA}</a:tableStyleId>
-                  </a:tblPr>
-                  <a:tblGrid>
-                    <a:gridCol w="1968492">
-                      <a:extLst>
-                        <a:ext uri="{9D8B030D-6E8A-4147-A177-3AD203B41FA5}">
-                          <a16:colId xmlns:a16="http://schemas.microsoft.com/office/drawing/2014/main" val="85563763"/>
-                        </a:ext>
-                      </a:extLst>
-                    </a:gridCol>
-                    <a:gridCol w="2111401">
-                      <a:extLst>
-                        <a:ext uri="{9D8B030D-6E8A-4147-A177-3AD203B41FA5}">
-                          <a16:colId xmlns:a16="http://schemas.microsoft.com/office/drawing/2014/main" val="3628537185"/>
-                        </a:ext>
-                      </a:extLst>
-                    </a:gridCol>
-                    <a:gridCol w="849263">
-                      <a:extLst>
-                        <a:ext uri="{9D8B030D-6E8A-4147-A177-3AD203B41FA5}">
-                          <a16:colId xmlns:a16="http://schemas.microsoft.com/office/drawing/2014/main" val="1561760650"/>
-                        </a:ext>
-                      </a:extLst>
-                    </a:gridCol>
-                  </a:tblGrid>
-                  <a:tr h="246647">
-                    <a:tc>
-                      <a:txBody>
-                        <a:bodyPr/>
-                        <a:lstStyle/>
-                        <a:p>
-                          <a:pPr lvl="0">
-                            <a:buNone/>
-                          </a:pPr>
-                          <a:r>
-                            <a:rPr lang="en-GB" sz="1200" b="0" i="0" u="none" strike="noStrike" noProof="0">
-                              <a:solidFill>
-                                <a:srgbClr val="000000"/>
-                              </a:solidFill>
-                              <a:latin typeface="Calibri"/>
-                            </a:rPr>
-                            <a:t>estimator__max_depth</a:t>
-                          </a:r>
-                          <a:endParaRPr lang="en-US" sz="1600" err="1"/>
-                        </a:p>
-                      </a:txBody>
-                      <a:tcPr/>
-                    </a:tc>
-                    <a:tc>
-                      <a:txBody>
-                        <a:bodyPr/>
-                        <a:lstStyle/>
-                        <a:p>
-                          <a:pPr algn="l"/>
-                          <a14:m>
-                            <m:oMathPara xmlns:m="http://schemas.openxmlformats.org/officeDocument/2006/math">
-                              <m:oMathParaPr>
-                                <m:jc m:val="left"/>
-                              </m:oMathParaPr>
-                              <m:oMath xmlns:m="http://schemas.openxmlformats.org/officeDocument/2006/math">
-                                <m:r>
-                                  <a:rPr lang="de-CH" sz="1200" b="0" i="1" dirty="0" smtClean="0">
-                                    <a:latin typeface="Cambria Math" panose="02040503050406030204" pitchFamily="18" charset="0"/>
-                                  </a:rPr>
-                                  <m:t>[4, </m:t>
-                                </m:r>
-                                <m:r>
-                                  <a:rPr lang="en-GB" sz="1200" i="1" dirty="0" smtClean="0">
-                                    <a:solidFill>
-                                      <a:schemeClr val="accent4">
-                                        <a:lumMod val="60000"/>
-                                        <a:lumOff val="40000"/>
-                                      </a:schemeClr>
-                                    </a:solidFill>
-                                    <a:latin typeface="Cambria Math" panose="02040503050406030204" pitchFamily="18" charset="0"/>
-                                  </a:rPr>
-                                  <m:t>5</m:t>
-                                </m:r>
-                                <m:r>
-                                  <a:rPr lang="en-GB" sz="1200" i="1" dirty="0" smtClean="0">
-                                    <a:latin typeface="Cambria Math" panose="02040503050406030204" pitchFamily="18" charset="0"/>
-                                  </a:rPr>
-                                  <m:t>, 6, 7, 8</m:t>
-                                </m:r>
-                                <m:r>
-                                  <a:rPr lang="de-CH" sz="1200" b="0" i="1" dirty="0" smtClean="0">
-                                    <a:latin typeface="Cambria Math" panose="02040503050406030204" pitchFamily="18" charset="0"/>
-                                  </a:rPr>
-                                  <m:t>]</m:t>
-                                </m:r>
-                              </m:oMath>
-                            </m:oMathPara>
-                          </a14:m>
-                          <a:endParaRPr lang="en-GB" sz="1200" dirty="0"/>
-                        </a:p>
-                      </a:txBody>
-                      <a:tcPr>
-                        <a:noFill/>
-                      </a:tcPr>
-                    </a:tc>
-                    <a:tc>
-                      <a:txBody>
-                        <a:bodyPr/>
-                        <a:lstStyle/>
-                        <a:p>
-                          <a:pPr algn="ctr"/>
-                          <a14:m>
-                            <m:oMathPara xmlns:m="http://schemas.openxmlformats.org/officeDocument/2006/math">
-                              <m:oMathParaPr>
-                                <m:jc m:val="centerGroup"/>
-                              </m:oMathParaPr>
-                              <m:oMath xmlns:m="http://schemas.openxmlformats.org/officeDocument/2006/math">
-                                <m:r>
-                                  <a:rPr lang="en-US" sz="1200" i="1" dirty="0" smtClean="0">
-                                    <a:latin typeface="Cambria Math" panose="02040503050406030204" pitchFamily="18" charset="0"/>
-                                  </a:rPr>
-                                  <m:t>5</m:t>
-                                </m:r>
-                              </m:oMath>
-                            </m:oMathPara>
-                          </a14:m>
-                          <a:endParaRPr lang="en-US" sz="1200" dirty="0"/>
-                        </a:p>
-                      </a:txBody>
-                      <a:tcPr>
-                        <a:solidFill>
-                          <a:schemeClr val="accent6">
-                            <a:lumMod val="40000"/>
-                            <a:lumOff val="60000"/>
-                          </a:schemeClr>
-                        </a:solidFill>
-                      </a:tcPr>
-                    </a:tc>
-                    <a:extLst>
-                      <a:ext uri="{0D108BD9-81ED-4DB2-BD59-A6C34878D82A}">
-                        <a16:rowId xmlns:a16="http://schemas.microsoft.com/office/drawing/2014/main" val="3691073050"/>
-                      </a:ext>
-                    </a:extLst>
-                  </a:tr>
-                  <a:tr h="246647">
-                    <a:tc>
-                      <a:txBody>
-                        <a:bodyPr/>
-                        <a:lstStyle/>
-                        <a:p>
-                          <a:pPr lvl="0">
-                            <a:buNone/>
-                          </a:pPr>
-                          <a:r>
-                            <a:rPr lang="en-CH" sz="1200"/>
-                            <a:t>n_estimators</a:t>
-                          </a:r>
-                          <a:endParaRPr lang="en-CH" sz="1200" err="1"/>
-                        </a:p>
-                      </a:txBody>
-                      <a:tcPr/>
-                    </a:tc>
-                    <a:tc>
-                      <a:txBody>
-                        <a:bodyPr/>
-                        <a:lstStyle/>
-                        <a:p>
-                          <a:pPr algn="l"/>
-                          <a14:m>
-                            <m:oMathPara xmlns:m="http://schemas.openxmlformats.org/officeDocument/2006/math">
-                              <m:oMathParaPr>
-                                <m:jc m:val="left"/>
-                              </m:oMathParaPr>
-                              <m:oMath xmlns:m="http://schemas.openxmlformats.org/officeDocument/2006/math">
-                                <m:r>
-                                  <a:rPr lang="de-CH" sz="1200" b="0" i="1" dirty="0" smtClean="0">
-                                    <a:latin typeface="Cambria Math" panose="02040503050406030204" pitchFamily="18" charset="0"/>
-                                  </a:rPr>
-                                  <m:t>[12, </m:t>
-                                </m:r>
-                                <m:r>
-                                  <a:rPr lang="en-GB" sz="1200" i="1" dirty="0" smtClean="0">
-                                    <a:solidFill>
-                                      <a:schemeClr val="accent4">
-                                        <a:lumMod val="60000"/>
-                                        <a:lumOff val="40000"/>
-                                      </a:schemeClr>
-                                    </a:solidFill>
-                                    <a:latin typeface="Cambria Math" panose="02040503050406030204" pitchFamily="18" charset="0"/>
-                                  </a:rPr>
-                                  <m:t>13</m:t>
-                                </m:r>
-                                <m:r>
-                                  <a:rPr lang="en-GB" sz="1200" i="1" dirty="0" smtClean="0">
-                                    <a:latin typeface="Cambria Math" panose="02040503050406030204" pitchFamily="18" charset="0"/>
-                                  </a:rPr>
-                                  <m:t>, 14, 15</m:t>
-                                </m:r>
-                                <m:r>
-                                  <a:rPr lang="de-CH" sz="1200" b="0" i="1" dirty="0" smtClean="0">
-                                    <a:latin typeface="Cambria Math" panose="02040503050406030204" pitchFamily="18" charset="0"/>
-                                  </a:rPr>
-                                  <m:t>]</m:t>
-                                </m:r>
-                              </m:oMath>
-                            </m:oMathPara>
-                          </a14:m>
-                          <a:endParaRPr lang="en-GB" sz="1200" dirty="0"/>
-                        </a:p>
-                      </a:txBody>
-                      <a:tcPr>
-                        <a:noFill/>
-                      </a:tcPr>
-                    </a:tc>
-                    <a:tc>
-                      <a:txBody>
-                        <a:bodyPr/>
-                        <a:lstStyle/>
-                        <a:p>
-                          <a:pPr algn="ctr"/>
-                          <a14:m>
-                            <m:oMathPara xmlns:m="http://schemas.openxmlformats.org/officeDocument/2006/math">
-                              <m:oMathParaPr>
-                                <m:jc m:val="centerGroup"/>
-                              </m:oMathParaPr>
-                              <m:oMath xmlns:m="http://schemas.openxmlformats.org/officeDocument/2006/math">
-                                <m:r>
-                                  <a:rPr lang="en-CH" sz="1200" i="1" dirty="0" smtClean="0">
-                                    <a:latin typeface="Cambria Math" panose="02040503050406030204" pitchFamily="18" charset="0"/>
-                                  </a:rPr>
-                                  <m:t>13</m:t>
-                                </m:r>
-                              </m:oMath>
-                            </m:oMathPara>
-                          </a14:m>
-                          <a:endParaRPr lang="en-CH" sz="1200" dirty="0"/>
-                        </a:p>
-                      </a:txBody>
-                      <a:tcPr>
-                        <a:solidFill>
-                          <a:schemeClr val="accent6">
-                            <a:lumMod val="40000"/>
-                            <a:lumOff val="60000"/>
-                          </a:schemeClr>
-                        </a:solidFill>
-                      </a:tcPr>
-                    </a:tc>
-                    <a:extLst>
-                      <a:ext uri="{0D108BD9-81ED-4DB2-BD59-A6C34878D82A}">
-                        <a16:rowId xmlns:a16="http://schemas.microsoft.com/office/drawing/2014/main" val="3924907009"/>
-                      </a:ext>
-                    </a:extLst>
-                  </a:tr>
-                  <a:tr h="246647">
-                    <a:tc>
-                      <a:txBody>
-                        <a:bodyPr/>
-                        <a:lstStyle/>
-                        <a:p>
-                          <a:r>
-                            <a:rPr lang="en-US" sz="1200"/>
-                            <a:t>learning_rate</a:t>
-                          </a:r>
-                          <a:endParaRPr lang="en-US" sz="1200" err="1"/>
-                        </a:p>
-                      </a:txBody>
-                      <a:tcPr/>
-                    </a:tc>
-                    <a:tc>
-                      <a:txBody>
-                        <a:bodyPr/>
-                        <a:lstStyle/>
-                        <a:p>
-                          <a:pPr algn="l"/>
-                          <a14:m>
-                            <m:oMathPara xmlns:m="http://schemas.openxmlformats.org/officeDocument/2006/math">
-                              <m:oMathParaPr>
-                                <m:jc m:val="left"/>
-                              </m:oMathParaPr>
-                              <m:oMath xmlns:m="http://schemas.openxmlformats.org/officeDocument/2006/math">
-                                <m:r>
-                                  <a:rPr lang="de-CH" sz="1200" b="0" i="1" dirty="0" smtClean="0">
-                                    <a:latin typeface="Cambria Math" panose="02040503050406030204" pitchFamily="18" charset="0"/>
-                                  </a:rPr>
-                                  <m:t>[1.9, </m:t>
-                                </m:r>
-                                <m:r>
-                                  <a:rPr lang="de-CH" sz="1200" b="0" i="1" dirty="0" smtClean="0">
-                                    <a:solidFill>
-                                      <a:schemeClr val="accent4">
-                                        <a:lumMod val="60000"/>
-                                        <a:lumOff val="40000"/>
-                                      </a:schemeClr>
-                                    </a:solidFill>
-                                    <a:latin typeface="Cambria Math" panose="02040503050406030204" pitchFamily="18" charset="0"/>
-                                  </a:rPr>
-                                  <m:t>2</m:t>
-                                </m:r>
-                                <m:r>
-                                  <a:rPr lang="de-CH" sz="1200" b="0" i="1" dirty="0" smtClean="0">
-                                    <a:latin typeface="Cambria Math" panose="02040503050406030204" pitchFamily="18" charset="0"/>
-                                  </a:rPr>
-                                  <m:t>, 2.1, 2.2]</m:t>
-                                </m:r>
-                              </m:oMath>
-                            </m:oMathPara>
-                          </a14:m>
-                          <a:endParaRPr lang="en-CH" sz="1200" dirty="0"/>
-                        </a:p>
-                      </a:txBody>
-                      <a:tcPr>
-                        <a:noFill/>
-                      </a:tcPr>
-                    </a:tc>
-                    <a:tc>
-                      <a:txBody>
-                        <a:bodyPr/>
-                        <a:lstStyle/>
-                        <a:p>
-                          <a:pPr algn="ctr"/>
-                          <a14:m>
-                            <m:oMathPara xmlns:m="http://schemas.openxmlformats.org/officeDocument/2006/math">
-                              <m:oMathParaPr>
-                                <m:jc m:val="centerGroup"/>
-                              </m:oMathParaPr>
-                              <m:oMath xmlns:m="http://schemas.openxmlformats.org/officeDocument/2006/math">
-                                <m:r>
-                                  <a:rPr lang="en-US" sz="1200" i="1" dirty="0" smtClean="0">
-                                    <a:latin typeface="Cambria Math" panose="02040503050406030204" pitchFamily="18" charset="0"/>
-                                  </a:rPr>
-                                  <m:t>2.</m:t>
-                                </m:r>
-                                <m:r>
-                                  <a:rPr lang="de-CH" sz="1200" b="0" i="1" dirty="0" smtClean="0">
-                                    <a:latin typeface="Cambria Math" panose="02040503050406030204" pitchFamily="18" charset="0"/>
-                                  </a:rPr>
-                                  <m:t>1</m:t>
-                                </m:r>
-                              </m:oMath>
-                            </m:oMathPara>
-                          </a14:m>
-                          <a:endParaRPr lang="en-US" sz="1200" dirty="0"/>
-                        </a:p>
-                      </a:txBody>
-                      <a:tcPr>
-                        <a:solidFill>
-                          <a:schemeClr val="accent4">
-                            <a:lumMod val="60000"/>
-                            <a:lumOff val="40000"/>
-                          </a:schemeClr>
-                        </a:solidFill>
-                      </a:tcPr>
-                    </a:tc>
-                    <a:extLst>
-                      <a:ext uri="{0D108BD9-81ED-4DB2-BD59-A6C34878D82A}">
-                        <a16:rowId xmlns:a16="http://schemas.microsoft.com/office/drawing/2014/main" val="2253989474"/>
-                      </a:ext>
-                    </a:extLst>
-                  </a:tr>
-                </a:tbl>
-              </a:graphicData>
-            </a:graphic>
-          </p:graphicFrame>
-        </mc:Choice>
-        <mc:Fallback xmlns="">
-          <p:graphicFrame>
-            <p:nvGraphicFramePr>
-              <p:cNvPr id="8" name="Table 7">
-                <a:extLst>
-                  <a:ext uri="{FF2B5EF4-FFF2-40B4-BE49-F238E27FC236}">
-                    <a16:creationId xmlns:a16="http://schemas.microsoft.com/office/drawing/2014/main" id="{BD00B787-AE9D-A003-9046-FF92B2BDA7A3}"/>
-                  </a:ext>
-                </a:extLst>
-              </p:cNvPr>
-              <p:cNvGraphicFramePr>
-                <a:graphicFrameLocks noGrp="1"/>
-              </p:cNvGraphicFramePr>
-              <p:nvPr>
-                <p:extLst>
-                  <p:ext uri="{D42A27DB-BD31-4B8C-83A1-F6EECF244321}">
-                    <p14:modId xmlns:p14="http://schemas.microsoft.com/office/powerpoint/2010/main" val="1066045043"/>
-                  </p:ext>
-                </p:extLst>
-              </p:nvPr>
-            </p:nvGraphicFramePr>
-            <p:xfrm>
-              <a:off x="6415501" y="4857619"/>
-              <a:ext cx="4929156" cy="822960"/>
-            </p:xfrm>
-            <a:graphic>
-              <a:graphicData uri="http://schemas.openxmlformats.org/drawingml/2006/table">
-                <a:tbl>
-                  <a:tblPr firstRow="1" bandRow="1">
-                    <a:tableStyleId>{5940675A-B579-460E-94D1-54222C63F5DA}</a:tableStyleId>
-                  </a:tblPr>
-                  <a:tblGrid>
-                    <a:gridCol w="1968492">
-                      <a:extLst>
-                        <a:ext uri="{9D8B030D-6E8A-4147-A177-3AD203B41FA5}">
-                          <a16:colId xmlns:a16="http://schemas.microsoft.com/office/drawing/2014/main" val="85563763"/>
-                        </a:ext>
-                      </a:extLst>
-                    </a:gridCol>
-                    <a:gridCol w="2111401">
-                      <a:extLst>
-                        <a:ext uri="{9D8B030D-6E8A-4147-A177-3AD203B41FA5}">
-                          <a16:colId xmlns:a16="http://schemas.microsoft.com/office/drawing/2014/main" val="3628537185"/>
-                        </a:ext>
-                      </a:extLst>
-                    </a:gridCol>
-                    <a:gridCol w="849263">
-                      <a:extLst>
-                        <a:ext uri="{9D8B030D-6E8A-4147-A177-3AD203B41FA5}">
-                          <a16:colId xmlns:a16="http://schemas.microsoft.com/office/drawing/2014/main" val="1561760650"/>
-                        </a:ext>
-                      </a:extLst>
-                    </a:gridCol>
-                  </a:tblGrid>
-                  <a:tr h="274320">
-                    <a:tc>
-                      <a:txBody>
-                        <a:bodyPr/>
-                        <a:lstStyle/>
-                        <a:p>
-                          <a:pPr lvl="0">
-                            <a:buNone/>
-                          </a:pPr>
-                          <a:r>
-                            <a:rPr lang="en-GB" sz="1200" b="0" i="0" u="none" strike="noStrike" noProof="0">
-                              <a:solidFill>
-                                <a:srgbClr val="000000"/>
-                              </a:solidFill>
-                              <a:latin typeface="Calibri"/>
-                            </a:rPr>
-                            <a:t>estimator__max_depth</a:t>
-                          </a:r>
-                          <a:endParaRPr lang="en-US" sz="1600" err="1"/>
-                        </a:p>
-                      </a:txBody>
-                      <a:tcPr/>
-                    </a:tc>
-                    <a:tc>
-                      <a:txBody>
-                        <a:bodyPr/>
-                        <a:lstStyle/>
-                        <a:p>
-                          <a:endParaRPr lang="en-CH"/>
-                        </a:p>
-                      </a:txBody>
-                      <a:tcPr>
-                        <a:blipFill>
-                          <a:blip r:embed="rId2"/>
-                          <a:stretch>
-                            <a:fillRect l="-93413" t="-4545" r="-40719" b="-213636"/>
-                          </a:stretch>
-                        </a:blipFill>
-                      </a:tcPr>
-                    </a:tc>
-                    <a:tc>
-                      <a:txBody>
-                        <a:bodyPr/>
-                        <a:lstStyle/>
-                        <a:p>
-                          <a:endParaRPr lang="en-CH"/>
-                        </a:p>
-                      </a:txBody>
-                      <a:tcPr>
-                        <a:blipFill>
-                          <a:blip r:embed="rId2"/>
-                          <a:stretch>
-                            <a:fillRect l="-482090" t="-4545" r="-1493" b="-213636"/>
-                          </a:stretch>
-                        </a:blipFill>
-                      </a:tcPr>
-                    </a:tc>
-                    <a:extLst>
-                      <a:ext uri="{0D108BD9-81ED-4DB2-BD59-A6C34878D82A}">
-                        <a16:rowId xmlns:a16="http://schemas.microsoft.com/office/drawing/2014/main" val="3691073050"/>
-                      </a:ext>
-                    </a:extLst>
-                  </a:tr>
-                  <a:tr h="274320">
-                    <a:tc>
-                      <a:txBody>
-                        <a:bodyPr/>
-                        <a:lstStyle/>
-                        <a:p>
-                          <a:pPr lvl="0">
-                            <a:buNone/>
-                          </a:pPr>
-                          <a:r>
-                            <a:rPr lang="en-CH" sz="1200"/>
-                            <a:t>n_estimators</a:t>
-                          </a:r>
-                          <a:endParaRPr lang="en-CH" sz="1200" err="1"/>
-                        </a:p>
-                      </a:txBody>
-                      <a:tcPr/>
-                    </a:tc>
-                    <a:tc>
-                      <a:txBody>
-                        <a:bodyPr/>
-                        <a:lstStyle/>
-                        <a:p>
-                          <a:endParaRPr lang="en-CH"/>
-                        </a:p>
-                      </a:txBody>
-                      <a:tcPr>
-                        <a:blipFill>
-                          <a:blip r:embed="rId2"/>
-                          <a:stretch>
-                            <a:fillRect l="-93413" t="-104545" r="-40719" b="-113636"/>
-                          </a:stretch>
-                        </a:blipFill>
-                      </a:tcPr>
-                    </a:tc>
-                    <a:tc>
-                      <a:txBody>
-                        <a:bodyPr/>
-                        <a:lstStyle/>
-                        <a:p>
-                          <a:endParaRPr lang="en-CH"/>
-                        </a:p>
-                      </a:txBody>
-                      <a:tcPr>
-                        <a:blipFill>
-                          <a:blip r:embed="rId2"/>
-                          <a:stretch>
-                            <a:fillRect l="-482090" t="-104545" r="-1493" b="-113636"/>
-                          </a:stretch>
-                        </a:blipFill>
-                      </a:tcPr>
-                    </a:tc>
-                    <a:extLst>
-                      <a:ext uri="{0D108BD9-81ED-4DB2-BD59-A6C34878D82A}">
-                        <a16:rowId xmlns:a16="http://schemas.microsoft.com/office/drawing/2014/main" val="3924907009"/>
-                      </a:ext>
-                    </a:extLst>
-                  </a:tr>
-                  <a:tr h="274320">
-                    <a:tc>
-                      <a:txBody>
-                        <a:bodyPr/>
-                        <a:lstStyle/>
-                        <a:p>
-                          <a:r>
-                            <a:rPr lang="en-US" sz="1200"/>
-                            <a:t>learning_rate</a:t>
-                          </a:r>
-                          <a:endParaRPr lang="en-US" sz="1200" err="1"/>
-                        </a:p>
-                      </a:txBody>
-                      <a:tcPr/>
-                    </a:tc>
-                    <a:tc>
-                      <a:txBody>
-                        <a:bodyPr/>
-                        <a:lstStyle/>
-                        <a:p>
-                          <a:endParaRPr lang="en-CH"/>
-                        </a:p>
-                      </a:txBody>
-                      <a:tcPr>
-                        <a:blipFill>
-                          <a:blip r:embed="rId2"/>
-                          <a:stretch>
-                            <a:fillRect l="-93413" t="-204545" r="-40719" b="-13636"/>
-                          </a:stretch>
-                        </a:blipFill>
-                      </a:tcPr>
-                    </a:tc>
-                    <a:tc>
-                      <a:txBody>
-                        <a:bodyPr/>
-                        <a:lstStyle/>
-                        <a:p>
-                          <a:endParaRPr lang="en-CH"/>
-                        </a:p>
-                      </a:txBody>
-                      <a:tcPr>
-                        <a:blipFill>
-                          <a:blip r:embed="rId2"/>
-                          <a:stretch>
-                            <a:fillRect l="-482090" t="-204545" r="-1493" b="-13636"/>
-                          </a:stretch>
-                        </a:blipFill>
-                      </a:tcPr>
-                    </a:tc>
-                    <a:extLst>
-                      <a:ext uri="{0D108BD9-81ED-4DB2-BD59-A6C34878D82A}">
-                        <a16:rowId xmlns:a16="http://schemas.microsoft.com/office/drawing/2014/main" val="2253989474"/>
-                      </a:ext>
-                    </a:extLst>
-                  </a:tr>
-                </a:tbl>
-              </a:graphicData>
-            </a:graphic>
-          </p:graphicFrame>
-        </mc:Fallback>
-      </mc:AlternateContent>
-      <p:graphicFrame>
-        <p:nvGraphicFramePr>
-          <p:cNvPr id="10" name="Table 9">
-            <a:extLst>
-              <a:ext uri="{FF2B5EF4-FFF2-40B4-BE49-F238E27FC236}">
-                <a16:creationId xmlns:a16="http://schemas.microsoft.com/office/drawing/2014/main" id="{E8229F7C-6A2C-0643-3510-92471638B29A}"/>
-              </a:ext>
-            </a:extLst>
-          </p:cNvPr>
-          <p:cNvGraphicFramePr>
-            <a:graphicFrameLocks noGrp="1"/>
-          </p:cNvGraphicFramePr>
-          <p:nvPr>
-            <p:extLst>
-              <p:ext uri="{D42A27DB-BD31-4B8C-83A1-F6EECF244321}">
-                <p14:modId xmlns:p14="http://schemas.microsoft.com/office/powerpoint/2010/main" val="1510628080"/>
-              </p:ext>
-            </p:extLst>
-          </p:nvPr>
-        </p:nvGraphicFramePr>
-        <p:xfrm>
-          <a:off x="2037160" y="4426694"/>
-          <a:ext cx="2741578" cy="609600"/>
-        </p:xfrm>
-        <a:graphic>
-          <a:graphicData uri="http://schemas.openxmlformats.org/drawingml/2006/table">
-            <a:tbl>
-              <a:tblPr firstRow="1" bandRow="1">
-                <a:tableStyleId>{5940675A-B579-460E-94D1-54222C63F5DA}</a:tableStyleId>
-              </a:tblPr>
-              <a:tblGrid>
-                <a:gridCol w="689882">
-                  <a:extLst>
-                    <a:ext uri="{9D8B030D-6E8A-4147-A177-3AD203B41FA5}">
-                      <a16:colId xmlns:a16="http://schemas.microsoft.com/office/drawing/2014/main" val="85563763"/>
-                    </a:ext>
-                  </a:extLst>
-                </a:gridCol>
-                <a:gridCol w="1025848">
-                  <a:extLst>
-                    <a:ext uri="{9D8B030D-6E8A-4147-A177-3AD203B41FA5}">
-                      <a16:colId xmlns:a16="http://schemas.microsoft.com/office/drawing/2014/main" val="3628537185"/>
-                    </a:ext>
-                  </a:extLst>
-                </a:gridCol>
-                <a:gridCol w="1025848">
-                  <a:extLst>
-                    <a:ext uri="{9D8B030D-6E8A-4147-A177-3AD203B41FA5}">
-                      <a16:colId xmlns:a16="http://schemas.microsoft.com/office/drawing/2014/main" val="1251336066"/>
-                    </a:ext>
-                  </a:extLst>
-                </a:gridCol>
-              </a:tblGrid>
-              <a:tr h="212580">
-                <a:tc>
-                  <a:txBody>
-                    <a:bodyPr/>
-                    <a:lstStyle/>
-                    <a:p>
-                      <a:pPr lvl="0" algn="ctr">
-                        <a:buNone/>
-                      </a:pPr>
-                      <a:r>
-                        <a:rPr lang="en-US" sz="1400" dirty="0"/>
-                        <a:t>LR</a:t>
-                      </a:r>
-                    </a:p>
-                  </a:txBody>
-                  <a:tcPr/>
-                </a:tc>
-                <a:tc>
-                  <a:txBody>
-                    <a:bodyPr/>
-                    <a:lstStyle/>
-                    <a:p>
-                      <a:pPr algn="ctr"/>
-                      <a:r>
-                        <a:rPr lang="en-GB" sz="1400" dirty="0"/>
-                        <a:t>RF</a:t>
-                      </a:r>
-                    </a:p>
-                  </a:txBody>
-                  <a:tcPr>
-                    <a:noFill/>
-                  </a:tcPr>
-                </a:tc>
-                <a:tc>
-                  <a:txBody>
-                    <a:bodyPr/>
-                    <a:lstStyle/>
-                    <a:p>
-                      <a:pPr algn="ctr"/>
-                      <a:r>
-                        <a:rPr lang="en-GB" sz="1400" dirty="0"/>
-                        <a:t>KNN</a:t>
-                      </a:r>
-                    </a:p>
-                  </a:txBody>
-                  <a:tcPr>
-                    <a:noFill/>
-                  </a:tcPr>
-                </a:tc>
-                <a:extLst>
-                  <a:ext uri="{0D108BD9-81ED-4DB2-BD59-A6C34878D82A}">
-                    <a16:rowId xmlns:a16="http://schemas.microsoft.com/office/drawing/2014/main" val="3691073050"/>
-                  </a:ext>
-                </a:extLst>
-              </a:tr>
-              <a:tr h="212580">
-                <a:tc>
-                  <a:txBody>
-                    <a:bodyPr/>
-                    <a:lstStyle/>
-                    <a:p>
-                      <a:pPr lvl="0" algn="ctr">
-                        <a:buNone/>
-                      </a:pPr>
-                      <a:r>
-                        <a:rPr lang="en-CH" sz="1400" dirty="0"/>
-                        <a:t>0.12</a:t>
-                      </a:r>
-                    </a:p>
-                  </a:txBody>
-                  <a:tcPr>
-                    <a:solidFill>
-                      <a:schemeClr val="accent6">
-                        <a:lumMod val="40000"/>
-                        <a:lumOff val="60000"/>
-                      </a:schemeClr>
-                    </a:solidFill>
-                  </a:tcPr>
-                </a:tc>
-                <a:tc>
-                  <a:txBody>
-                    <a:bodyPr/>
-                    <a:lstStyle/>
-                    <a:p>
-                      <a:pPr algn="ctr"/>
-                      <a:r>
-                        <a:rPr lang="en-GB" sz="1400" dirty="0"/>
-                        <a:t>0.72</a:t>
-                      </a:r>
-                    </a:p>
-                  </a:txBody>
-                  <a:tcPr>
-                    <a:solidFill>
-                      <a:schemeClr val="accent6">
-                        <a:lumMod val="40000"/>
-                        <a:lumOff val="60000"/>
-                      </a:schemeClr>
-                    </a:solidFill>
-                  </a:tcPr>
-                </a:tc>
-                <a:tc>
-                  <a:txBody>
-                    <a:bodyPr/>
-                    <a:lstStyle/>
-                    <a:p>
-                      <a:pPr algn="ctr"/>
-                      <a:r>
-                        <a:rPr lang="en-GB" sz="1400" dirty="0"/>
-                        <a:t>0.16</a:t>
-                      </a:r>
-                    </a:p>
-                  </a:txBody>
-                  <a:tcPr>
-                    <a:solidFill>
-                      <a:schemeClr val="accent6">
-                        <a:lumMod val="40000"/>
-                        <a:lumOff val="60000"/>
-                      </a:schemeClr>
-                    </a:solidFill>
-                  </a:tcPr>
-                </a:tc>
-                <a:extLst>
-                  <a:ext uri="{0D108BD9-81ED-4DB2-BD59-A6C34878D82A}">
-                    <a16:rowId xmlns:a16="http://schemas.microsoft.com/office/drawing/2014/main" val="3924907009"/>
-                  </a:ext>
-                </a:extLst>
-              </a:tr>
-            </a:tbl>
-          </a:graphicData>
-        </a:graphic>
-      </p:graphicFrame>
-      <mc:AlternateContent xmlns:mc="http://schemas.openxmlformats.org/markup-compatibility/2006" xmlns:a14="http://schemas.microsoft.com/office/drawing/2010/main">
-        <mc:Choice Requires="a14">
-          <p:graphicFrame>
-            <p:nvGraphicFramePr>
-              <p:cNvPr id="9" name="Table 8">
-                <a:extLst>
-                  <a:ext uri="{FF2B5EF4-FFF2-40B4-BE49-F238E27FC236}">
-                    <a16:creationId xmlns:a16="http://schemas.microsoft.com/office/drawing/2014/main" id="{EC3EA0B8-4DCF-6FC8-CA75-ED3C3645A5BF}"/>
-                  </a:ext>
-                </a:extLst>
-              </p:cNvPr>
-              <p:cNvGraphicFramePr>
-                <a:graphicFrameLocks noGrp="1"/>
-              </p:cNvGraphicFramePr>
-              <p:nvPr>
-                <p:extLst>
-                  <p:ext uri="{D42A27DB-BD31-4B8C-83A1-F6EECF244321}">
-                    <p14:modId xmlns:p14="http://schemas.microsoft.com/office/powerpoint/2010/main" val="255570161"/>
-                  </p:ext>
-                </p:extLst>
-              </p:nvPr>
-            </p:nvGraphicFramePr>
-            <p:xfrm>
-              <a:off x="6428422" y="3855967"/>
-              <a:ext cx="4934522" cy="915441"/>
-            </p:xfrm>
-            <a:graphic>
-              <a:graphicData uri="http://schemas.openxmlformats.org/drawingml/2006/table">
-                <a:tbl>
-                  <a:tblPr firstRow="1" bandRow="1">
-                    <a:tableStyleId>{5940675A-B579-460E-94D1-54222C63F5DA}</a:tableStyleId>
-                  </a:tblPr>
-                  <a:tblGrid>
-                    <a:gridCol w="1967433">
-                      <a:extLst>
-                        <a:ext uri="{9D8B030D-6E8A-4147-A177-3AD203B41FA5}">
-                          <a16:colId xmlns:a16="http://schemas.microsoft.com/office/drawing/2014/main" val="85563763"/>
-                        </a:ext>
-                      </a:extLst>
-                    </a:gridCol>
-                    <a:gridCol w="2090057">
-                      <a:extLst>
-                        <a:ext uri="{9D8B030D-6E8A-4147-A177-3AD203B41FA5}">
-                          <a16:colId xmlns:a16="http://schemas.microsoft.com/office/drawing/2014/main" val="3628537185"/>
-                        </a:ext>
-                      </a:extLst>
-                    </a:gridCol>
-                    <a:gridCol w="877032">
-                      <a:extLst>
-                        <a:ext uri="{9D8B030D-6E8A-4147-A177-3AD203B41FA5}">
-                          <a16:colId xmlns:a16="http://schemas.microsoft.com/office/drawing/2014/main" val="1561760650"/>
-                        </a:ext>
-                      </a:extLst>
-                    </a:gridCol>
-                  </a:tblGrid>
-                  <a:tr h="366801">
-                    <a:tc>
-                      <a:txBody>
-                        <a:bodyPr/>
-                        <a:lstStyle/>
-                        <a:p>
-                          <a:pPr lvl="0">
-                            <a:buNone/>
-                          </a:pPr>
-                          <a:r>
-                            <a:rPr lang="en-GB" sz="1200" b="0" i="0" u="none" strike="noStrike" noProof="0">
-                              <a:solidFill>
-                                <a:srgbClr val="000000"/>
-                              </a:solidFill>
-                              <a:latin typeface="Calibri"/>
-                            </a:rPr>
-                            <a:t>estimator__max_depth</a:t>
-                          </a:r>
-                          <a:endParaRPr lang="en-US" sz="1600" err="1"/>
-                        </a:p>
-                      </a:txBody>
-                      <a:tcPr/>
-                    </a:tc>
-                    <a:tc>
-                      <a:txBody>
-                        <a:bodyPr/>
-                        <a:lstStyle/>
-                        <a:p>
-                          <a:pPr lvl="0" algn="l">
-                            <a:buNone/>
-                          </a:pPr>
-                          <a14:m>
-                            <m:oMathPara xmlns:m="http://schemas.openxmlformats.org/officeDocument/2006/math">
-                              <m:oMathParaPr>
-                                <m:jc m:val="left"/>
-                              </m:oMathParaPr>
-                              <m:oMath xmlns:m="http://schemas.openxmlformats.org/officeDocument/2006/math">
-                                <m:r>
-                                  <a:rPr lang="en-GB" sz="1200" i="1" dirty="0" smtClean="0">
-                                    <a:latin typeface="Cambria Math" panose="02040503050406030204" pitchFamily="18" charset="0"/>
-                                  </a:rPr>
-                                  <m:t>[5, 7, 8, 10]</m:t>
-                                </m:r>
-                              </m:oMath>
-                            </m:oMathPara>
-                          </a14:m>
-                          <a:endParaRPr lang="en-GB" sz="1200" dirty="0"/>
-                        </a:p>
-                      </a:txBody>
-                      <a:tcPr>
-                        <a:noFill/>
-                      </a:tcPr>
-                    </a:tc>
-                    <a:tc>
-                      <a:txBody>
-                        <a:bodyPr/>
-                        <a:lstStyle/>
-                        <a:p>
-                          <a:pPr lvl="0" algn="ctr">
-                            <a:buNone/>
-                          </a:pPr>
-                          <a:r>
-                            <a:rPr lang="en-US" sz="1200" dirty="0"/>
-                            <a:t>5</a:t>
-                          </a:r>
-                        </a:p>
-                      </a:txBody>
-                      <a:tcPr>
-                        <a:solidFill>
-                          <a:schemeClr val="accent4">
-                            <a:lumMod val="60000"/>
-                            <a:lumOff val="40000"/>
-                          </a:schemeClr>
-                        </a:solidFill>
-                      </a:tcPr>
-                    </a:tc>
-                    <a:extLst>
-                      <a:ext uri="{0D108BD9-81ED-4DB2-BD59-A6C34878D82A}">
-                        <a16:rowId xmlns:a16="http://schemas.microsoft.com/office/drawing/2014/main" val="3691073050"/>
-                      </a:ext>
-                    </a:extLst>
-                  </a:tr>
-                  <a:tr h="217576">
-                    <a:tc>
-                      <a:txBody>
-                        <a:bodyPr/>
-                        <a:lstStyle/>
-                        <a:p>
-                          <a:pPr lvl="0">
-                            <a:buNone/>
-                          </a:pPr>
-                          <a:r>
-                            <a:rPr lang="en-CH" sz="1200"/>
-                            <a:t>n_estimators</a:t>
-                          </a:r>
-                          <a:endParaRPr lang="en-CH" sz="1200" err="1"/>
-                        </a:p>
-                      </a:txBody>
-                      <a:tcPr/>
-                    </a:tc>
-                    <a:tc>
-                      <a:txBody>
-                        <a:bodyPr/>
-                        <a:lstStyle/>
-                        <a:p>
-                          <a:pPr lvl="0" algn="l">
-                            <a:buNone/>
-                          </a:pPr>
-                          <a14:m>
-                            <m:oMathPara xmlns:m="http://schemas.openxmlformats.org/officeDocument/2006/math">
-                              <m:oMathParaPr>
-                                <m:jc m:val="left"/>
-                              </m:oMathParaPr>
-                              <m:oMath xmlns:m="http://schemas.openxmlformats.org/officeDocument/2006/math">
-                                <m:r>
-                                  <a:rPr lang="en-GB" sz="1200" i="1" dirty="0" smtClean="0">
-                                    <a:latin typeface="Cambria Math" panose="02040503050406030204" pitchFamily="18" charset="0"/>
-                                  </a:rPr>
-                                  <m:t>[5, 10, 13, 15, 17, 20]</m:t>
-                                </m:r>
-                              </m:oMath>
-                            </m:oMathPara>
-                          </a14:m>
-                          <a:endParaRPr lang="en-GB" sz="1200" dirty="0"/>
-                        </a:p>
-                      </a:txBody>
-                      <a:tcPr>
-                        <a:noFill/>
-                      </a:tcPr>
-                    </a:tc>
-                    <a:tc>
-                      <a:txBody>
-                        <a:bodyPr/>
-                        <a:lstStyle/>
-                        <a:p>
-                          <a:pPr lvl="0" algn="ctr">
-                            <a:buNone/>
-                          </a:pPr>
-                          <a:r>
-                            <a:rPr lang="en-US" sz="1200" dirty="0"/>
-                            <a:t>13</a:t>
-                          </a:r>
-                        </a:p>
-                      </a:txBody>
-                      <a:tcPr>
-                        <a:solidFill>
-                          <a:schemeClr val="accent4">
-                            <a:lumMod val="60000"/>
-                            <a:lumOff val="40000"/>
-                          </a:schemeClr>
-                        </a:solidFill>
-                      </a:tcPr>
-                    </a:tc>
-                    <a:extLst>
-                      <a:ext uri="{0D108BD9-81ED-4DB2-BD59-A6C34878D82A}">
-                        <a16:rowId xmlns:a16="http://schemas.microsoft.com/office/drawing/2014/main" val="3924907009"/>
-                      </a:ext>
-                    </a:extLst>
-                  </a:tr>
-                  <a:tr h="217576">
-                    <a:tc>
-                      <a:txBody>
-                        <a:bodyPr/>
-                        <a:lstStyle/>
-                        <a:p>
-                          <a:r>
-                            <a:rPr lang="en-US" sz="1200" dirty="0" err="1"/>
-                            <a:t>learning_rate</a:t>
-                          </a:r>
-                          <a:endParaRPr lang="en-US" sz="1200" dirty="0"/>
-                        </a:p>
-                      </a:txBody>
-                      <a:tcPr/>
-                    </a:tc>
-                    <a:tc>
-                      <a:txBody>
-                        <a:bodyPr/>
-                        <a:lstStyle/>
-                        <a:p>
-                          <a:pPr lvl="0" algn="l">
-                            <a:buNone/>
-                          </a:pPr>
-                          <a14:m>
-                            <m:oMathPara xmlns:m="http://schemas.openxmlformats.org/officeDocument/2006/math">
-                              <m:oMathParaPr>
-                                <m:jc m:val="left"/>
-                              </m:oMathParaPr>
-                              <m:oMath xmlns:m="http://schemas.openxmlformats.org/officeDocument/2006/math">
-                                <m:r>
-                                  <a:rPr lang="en-US" sz="1200" i="1" dirty="0" smtClean="0">
-                                    <a:latin typeface="Cambria Math" panose="02040503050406030204" pitchFamily="18" charset="0"/>
-                                  </a:rPr>
-                                  <m:t>[0.</m:t>
-                                </m:r>
-                                <m:r>
-                                  <a:rPr lang="de-CH" sz="1200" b="0" i="1" dirty="0" smtClean="0">
-                                    <a:latin typeface="Cambria Math" panose="02040503050406030204" pitchFamily="18" charset="0"/>
-                                  </a:rPr>
-                                  <m:t>6</m:t>
-                                </m:r>
-                                <m:r>
-                                  <a:rPr lang="en-US" sz="1200" i="1" dirty="0" smtClean="0">
-                                    <a:latin typeface="Cambria Math" panose="02040503050406030204" pitchFamily="18" charset="0"/>
-                                  </a:rPr>
-                                  <m:t>, </m:t>
-                                </m:r>
-                                <m:r>
-                                  <a:rPr lang="de-CH" sz="1200" b="0" i="1" dirty="0" smtClean="0">
-                                    <a:latin typeface="Cambria Math" panose="02040503050406030204" pitchFamily="18" charset="0"/>
-                                  </a:rPr>
-                                  <m:t>0.8, </m:t>
-                                </m:r>
-                                <m:r>
-                                  <a:rPr lang="en-US" sz="1200" i="1" dirty="0" smtClean="0">
-                                    <a:latin typeface="Cambria Math" panose="02040503050406030204" pitchFamily="18" charset="0"/>
-                                  </a:rPr>
-                                  <m:t>1, 1.</m:t>
-                                </m:r>
-                                <m:r>
-                                  <a:rPr lang="de-CH" sz="1200" b="0" i="1" dirty="0" smtClean="0">
-                                    <a:latin typeface="Cambria Math" panose="02040503050406030204" pitchFamily="18" charset="0"/>
-                                  </a:rPr>
-                                  <m:t>6</m:t>
-                                </m:r>
-                                <m:r>
-                                  <a:rPr lang="en-US" sz="1200" i="1" dirty="0" smtClean="0">
-                                    <a:latin typeface="Cambria Math" panose="02040503050406030204" pitchFamily="18" charset="0"/>
-                                  </a:rPr>
-                                  <m:t>, 2, 2.5]</m:t>
-                                </m:r>
-                              </m:oMath>
-                            </m:oMathPara>
-                          </a14:m>
-                          <a:endParaRPr lang="en-US" sz="1200" dirty="0"/>
-                        </a:p>
-                      </a:txBody>
-                      <a:tcPr>
-                        <a:noFill/>
-                      </a:tcPr>
-                    </a:tc>
-                    <a:tc>
-                      <a:txBody>
-                        <a:bodyPr/>
-                        <a:lstStyle/>
-                        <a:p>
-                          <a:pPr lvl="0" algn="ctr">
-                            <a:buNone/>
-                          </a:pPr>
-                          <a:r>
-                            <a:rPr lang="en-US" sz="1200" dirty="0"/>
-                            <a:t>2</a:t>
-                          </a:r>
-                        </a:p>
-                      </a:txBody>
-                      <a:tcPr>
-                        <a:solidFill>
-                          <a:schemeClr val="accent4">
-                            <a:lumMod val="60000"/>
-                            <a:lumOff val="40000"/>
-                          </a:schemeClr>
-                        </a:solidFill>
-                      </a:tcPr>
-                    </a:tc>
-                    <a:extLst>
-                      <a:ext uri="{0D108BD9-81ED-4DB2-BD59-A6C34878D82A}">
-                        <a16:rowId xmlns:a16="http://schemas.microsoft.com/office/drawing/2014/main" val="2253989474"/>
-                      </a:ext>
-                    </a:extLst>
-                  </a:tr>
-                </a:tbl>
-              </a:graphicData>
-            </a:graphic>
-          </p:graphicFrame>
-        </mc:Choice>
-        <mc:Fallback xmlns="">
-          <p:graphicFrame>
-            <p:nvGraphicFramePr>
-              <p:cNvPr id="9" name="Table 8">
-                <a:extLst>
-                  <a:ext uri="{FF2B5EF4-FFF2-40B4-BE49-F238E27FC236}">
-                    <a16:creationId xmlns:a16="http://schemas.microsoft.com/office/drawing/2014/main" id="{EC3EA0B8-4DCF-6FC8-CA75-ED3C3645A5BF}"/>
-                  </a:ext>
-                </a:extLst>
-              </p:cNvPr>
-              <p:cNvGraphicFramePr>
-                <a:graphicFrameLocks noGrp="1"/>
-              </p:cNvGraphicFramePr>
-              <p:nvPr>
-                <p:extLst>
-                  <p:ext uri="{D42A27DB-BD31-4B8C-83A1-F6EECF244321}">
-                    <p14:modId xmlns:p14="http://schemas.microsoft.com/office/powerpoint/2010/main" val="255570161"/>
-                  </p:ext>
-                </p:extLst>
-              </p:nvPr>
-            </p:nvGraphicFramePr>
-            <p:xfrm>
-              <a:off x="6428422" y="3855967"/>
-              <a:ext cx="4934522" cy="915441"/>
-            </p:xfrm>
-            <a:graphic>
-              <a:graphicData uri="http://schemas.openxmlformats.org/drawingml/2006/table">
-                <a:tbl>
-                  <a:tblPr firstRow="1" bandRow="1">
-                    <a:tableStyleId>{5940675A-B579-460E-94D1-54222C63F5DA}</a:tableStyleId>
-                  </a:tblPr>
-                  <a:tblGrid>
-                    <a:gridCol w="1967433">
-                      <a:extLst>
-                        <a:ext uri="{9D8B030D-6E8A-4147-A177-3AD203B41FA5}">
-                          <a16:colId xmlns:a16="http://schemas.microsoft.com/office/drawing/2014/main" val="85563763"/>
-                        </a:ext>
-                      </a:extLst>
-                    </a:gridCol>
-                    <a:gridCol w="2090057">
-                      <a:extLst>
-                        <a:ext uri="{9D8B030D-6E8A-4147-A177-3AD203B41FA5}">
-                          <a16:colId xmlns:a16="http://schemas.microsoft.com/office/drawing/2014/main" val="3628537185"/>
-                        </a:ext>
-                      </a:extLst>
-                    </a:gridCol>
-                    <a:gridCol w="877032">
-                      <a:extLst>
-                        <a:ext uri="{9D8B030D-6E8A-4147-A177-3AD203B41FA5}">
-                          <a16:colId xmlns:a16="http://schemas.microsoft.com/office/drawing/2014/main" val="1561760650"/>
-                        </a:ext>
-                      </a:extLst>
-                    </a:gridCol>
-                  </a:tblGrid>
-                  <a:tr h="366801">
-                    <a:tc>
-                      <a:txBody>
-                        <a:bodyPr/>
-                        <a:lstStyle/>
-                        <a:p>
-                          <a:pPr lvl="0">
-                            <a:buNone/>
-                          </a:pPr>
-                          <a:r>
-                            <a:rPr lang="en-GB" sz="1200" b="0" i="0" u="none" strike="noStrike" noProof="0">
-                              <a:solidFill>
-                                <a:srgbClr val="000000"/>
-                              </a:solidFill>
-                              <a:latin typeface="Calibri"/>
-                            </a:rPr>
-                            <a:t>estimator__max_depth</a:t>
-                          </a:r>
-                          <a:endParaRPr lang="en-US" sz="1600" err="1"/>
-                        </a:p>
-                      </a:txBody>
-                      <a:tcPr/>
-                    </a:tc>
-                    <a:tc>
-                      <a:txBody>
-                        <a:bodyPr/>
-                        <a:lstStyle/>
-                        <a:p>
-                          <a:endParaRPr lang="en-CH"/>
-                        </a:p>
-                      </a:txBody>
-                      <a:tcPr>
-                        <a:blipFill>
-                          <a:blip r:embed="rId3"/>
-                          <a:stretch>
-                            <a:fillRect l="-94545" t="-3448" r="-43030" b="-162069"/>
-                          </a:stretch>
-                        </a:blipFill>
-                      </a:tcPr>
-                    </a:tc>
-                    <a:tc>
-                      <a:txBody>
-                        <a:bodyPr/>
-                        <a:lstStyle/>
-                        <a:p>
-                          <a:pPr lvl="0" algn="ctr">
-                            <a:buNone/>
-                          </a:pPr>
-                          <a:r>
-                            <a:rPr lang="en-US" sz="1200" dirty="0"/>
-                            <a:t>5</a:t>
-                          </a:r>
-                        </a:p>
-                      </a:txBody>
-                      <a:tcPr>
-                        <a:solidFill>
-                          <a:schemeClr val="accent4">
-                            <a:lumMod val="60000"/>
-                            <a:lumOff val="40000"/>
-                          </a:schemeClr>
-                        </a:solidFill>
-                      </a:tcPr>
-                    </a:tc>
-                    <a:extLst>
-                      <a:ext uri="{0D108BD9-81ED-4DB2-BD59-A6C34878D82A}">
-                        <a16:rowId xmlns:a16="http://schemas.microsoft.com/office/drawing/2014/main" val="3691073050"/>
-                      </a:ext>
-                    </a:extLst>
-                  </a:tr>
-                  <a:tr h="274320">
-                    <a:tc>
-                      <a:txBody>
-                        <a:bodyPr/>
-                        <a:lstStyle/>
-                        <a:p>
-                          <a:pPr lvl="0">
-                            <a:buNone/>
-                          </a:pPr>
-                          <a:r>
-                            <a:rPr lang="en-CH" sz="1200"/>
-                            <a:t>n_estimators</a:t>
-                          </a:r>
-                          <a:endParaRPr lang="en-CH" sz="1200" err="1"/>
-                        </a:p>
-                      </a:txBody>
-                      <a:tcPr/>
-                    </a:tc>
-                    <a:tc>
-                      <a:txBody>
-                        <a:bodyPr/>
-                        <a:lstStyle/>
-                        <a:p>
-                          <a:endParaRPr lang="en-CH"/>
-                        </a:p>
-                      </a:txBody>
-                      <a:tcPr>
-                        <a:blipFill>
-                          <a:blip r:embed="rId3"/>
-                          <a:stretch>
-                            <a:fillRect l="-94545" t="-136364" r="-43030" b="-113636"/>
-                          </a:stretch>
-                        </a:blipFill>
-                      </a:tcPr>
-                    </a:tc>
-                    <a:tc>
-                      <a:txBody>
-                        <a:bodyPr/>
-                        <a:lstStyle/>
-                        <a:p>
-                          <a:pPr lvl="0" algn="ctr">
-                            <a:buNone/>
-                          </a:pPr>
-                          <a:r>
-                            <a:rPr lang="en-US" sz="1200" dirty="0"/>
-                            <a:t>13</a:t>
-                          </a:r>
-                        </a:p>
-                      </a:txBody>
-                      <a:tcPr>
-                        <a:solidFill>
-                          <a:schemeClr val="accent4">
-                            <a:lumMod val="60000"/>
-                            <a:lumOff val="40000"/>
-                          </a:schemeClr>
-                        </a:solidFill>
-                      </a:tcPr>
-                    </a:tc>
-                    <a:extLst>
-                      <a:ext uri="{0D108BD9-81ED-4DB2-BD59-A6C34878D82A}">
-                        <a16:rowId xmlns:a16="http://schemas.microsoft.com/office/drawing/2014/main" val="3924907009"/>
-                      </a:ext>
-                    </a:extLst>
-                  </a:tr>
-                  <a:tr h="274320">
-                    <a:tc>
-                      <a:txBody>
-                        <a:bodyPr/>
-                        <a:lstStyle/>
-                        <a:p>
-                          <a:r>
-                            <a:rPr lang="en-US" sz="1200" dirty="0" err="1"/>
-                            <a:t>learning_rate</a:t>
-                          </a:r>
-                          <a:endParaRPr lang="en-US" sz="1200" dirty="0"/>
-                        </a:p>
-                      </a:txBody>
-                      <a:tcPr/>
-                    </a:tc>
-                    <a:tc>
-                      <a:txBody>
-                        <a:bodyPr/>
-                        <a:lstStyle/>
-                        <a:p>
-                          <a:endParaRPr lang="en-CH"/>
-                        </a:p>
-                      </a:txBody>
-                      <a:tcPr>
-                        <a:blipFill>
-                          <a:blip r:embed="rId3"/>
-                          <a:stretch>
-                            <a:fillRect l="-94545" t="-236364" r="-43030" b="-13636"/>
-                          </a:stretch>
-                        </a:blipFill>
-                      </a:tcPr>
-                    </a:tc>
-                    <a:tc>
-                      <a:txBody>
-                        <a:bodyPr/>
-                        <a:lstStyle/>
-                        <a:p>
-                          <a:pPr lvl="0" algn="ctr">
-                            <a:buNone/>
-                          </a:pPr>
-                          <a:r>
-                            <a:rPr lang="en-US" sz="1200" dirty="0"/>
-                            <a:t>2</a:t>
-                          </a:r>
-                        </a:p>
-                      </a:txBody>
-                      <a:tcPr>
-                        <a:solidFill>
-                          <a:schemeClr val="accent4">
-                            <a:lumMod val="60000"/>
-                            <a:lumOff val="40000"/>
-                          </a:schemeClr>
-                        </a:solidFill>
-                      </a:tcPr>
-                    </a:tc>
-                    <a:extLst>
-                      <a:ext uri="{0D108BD9-81ED-4DB2-BD59-A6C34878D82A}">
-                        <a16:rowId xmlns:a16="http://schemas.microsoft.com/office/drawing/2014/main" val="2253989474"/>
-                      </a:ext>
-                    </a:extLst>
-                  </a:tr>
-                </a:tbl>
-              </a:graphicData>
-            </a:graphic>
-          </p:graphicFrame>
-        </mc:Fallback>
-      </mc:AlternateContent>
-      <mc:AlternateContent xmlns:mc="http://schemas.openxmlformats.org/markup-compatibility/2006" xmlns:a14="http://schemas.microsoft.com/office/drawing/2010/main">
-        <mc:Choice Requires="a14">
-          <p:graphicFrame>
-            <p:nvGraphicFramePr>
-              <p:cNvPr id="11" name="Table 10">
-                <a:extLst>
-                  <a:ext uri="{FF2B5EF4-FFF2-40B4-BE49-F238E27FC236}">
-                    <a16:creationId xmlns:a16="http://schemas.microsoft.com/office/drawing/2014/main" id="{6737BB4C-FBDC-6D05-9857-387309937CDD}"/>
-                  </a:ext>
-                </a:extLst>
-              </p:cNvPr>
-              <p:cNvGraphicFramePr>
-                <a:graphicFrameLocks noGrp="1"/>
-              </p:cNvGraphicFramePr>
-              <p:nvPr>
-                <p:extLst>
-                  <p:ext uri="{D42A27DB-BD31-4B8C-83A1-F6EECF244321}">
-                    <p14:modId xmlns:p14="http://schemas.microsoft.com/office/powerpoint/2010/main" val="2513872723"/>
-                  </p:ext>
-                </p:extLst>
-              </p:nvPr>
-            </p:nvGraphicFramePr>
-            <p:xfrm>
-              <a:off x="6415500" y="5779951"/>
-              <a:ext cx="4929156" cy="274320"/>
-            </p:xfrm>
-            <a:graphic>
-              <a:graphicData uri="http://schemas.openxmlformats.org/drawingml/2006/table">
-                <a:tbl>
-                  <a:tblPr firstRow="1" bandRow="1">
-                    <a:tableStyleId>{5940675A-B579-460E-94D1-54222C63F5DA}</a:tableStyleId>
-                  </a:tblPr>
-                  <a:tblGrid>
-                    <a:gridCol w="1968492">
-                      <a:extLst>
-                        <a:ext uri="{9D8B030D-6E8A-4147-A177-3AD203B41FA5}">
-                          <a16:colId xmlns:a16="http://schemas.microsoft.com/office/drawing/2014/main" val="85563763"/>
-                        </a:ext>
-                      </a:extLst>
-                    </a:gridCol>
-                    <a:gridCol w="2092546">
-                      <a:extLst>
-                        <a:ext uri="{9D8B030D-6E8A-4147-A177-3AD203B41FA5}">
-                          <a16:colId xmlns:a16="http://schemas.microsoft.com/office/drawing/2014/main" val="3628537185"/>
-                        </a:ext>
-                      </a:extLst>
-                    </a:gridCol>
-                    <a:gridCol w="868118">
-                      <a:extLst>
-                        <a:ext uri="{9D8B030D-6E8A-4147-A177-3AD203B41FA5}">
-                          <a16:colId xmlns:a16="http://schemas.microsoft.com/office/drawing/2014/main" val="1561760650"/>
-                        </a:ext>
-                      </a:extLst>
-                    </a:gridCol>
-                  </a:tblGrid>
-                  <a:tr h="246647">
-                    <a:tc>
-                      <a:txBody>
-                        <a:bodyPr/>
-                        <a:lstStyle/>
-                        <a:p>
-                          <a:r>
-                            <a:rPr lang="en-US" sz="1200" dirty="0" err="1"/>
-                            <a:t>learning_rate</a:t>
-                          </a:r>
-                          <a:endParaRPr lang="en-US" sz="1200" dirty="0"/>
-                        </a:p>
-                      </a:txBody>
-                      <a:tcPr/>
-                    </a:tc>
-                    <a:tc>
-                      <a:txBody>
-                        <a:bodyPr/>
-                        <a:lstStyle/>
-                        <a:p>
-                          <a:pPr algn="l"/>
-                          <a14:m>
-                            <m:oMathPara xmlns:m="http://schemas.openxmlformats.org/officeDocument/2006/math">
-                              <m:oMathParaPr>
-                                <m:jc m:val="left"/>
-                              </m:oMathParaPr>
-                              <m:oMath xmlns:m="http://schemas.openxmlformats.org/officeDocument/2006/math">
-                                <m:r>
-                                  <a:rPr lang="de-CH" sz="1200" b="0" i="1" dirty="0" smtClean="0">
-                                    <a:latin typeface="Cambria Math" panose="02040503050406030204" pitchFamily="18" charset="0"/>
-                                  </a:rPr>
-                                  <m:t>[2.05, 2.075, </m:t>
-                                </m:r>
-                                <m:r>
-                                  <a:rPr lang="de-CH" sz="1200" b="0" i="1" dirty="0" smtClean="0">
-                                    <a:solidFill>
-                                      <a:schemeClr val="accent4">
-                                        <a:lumMod val="60000"/>
-                                        <a:lumOff val="40000"/>
-                                      </a:schemeClr>
-                                    </a:solidFill>
-                                    <a:latin typeface="Cambria Math" panose="02040503050406030204" pitchFamily="18" charset="0"/>
-                                  </a:rPr>
-                                  <m:t>2.1,</m:t>
-                                </m:r>
-                                <m:r>
-                                  <a:rPr lang="de-CH" sz="1200" b="0" i="1" dirty="0" smtClean="0">
-                                    <a:latin typeface="Cambria Math" panose="02040503050406030204" pitchFamily="18" charset="0"/>
-                                  </a:rPr>
-                                  <m:t> 2.125, 2.15]</m:t>
-                                </m:r>
-                              </m:oMath>
-                            </m:oMathPara>
-                          </a14:m>
-                          <a:endParaRPr lang="en-CH" sz="1200" dirty="0"/>
-                        </a:p>
-                      </a:txBody>
-                      <a:tcPr>
-                        <a:noFill/>
-                      </a:tcPr>
-                    </a:tc>
-                    <a:tc>
-                      <a:txBody>
-                        <a:bodyPr/>
-                        <a:lstStyle/>
-                        <a:p>
-                          <a:pPr algn="ctr"/>
-                          <a14:m>
-                            <m:oMathPara xmlns:m="http://schemas.openxmlformats.org/officeDocument/2006/math">
-                              <m:oMathParaPr>
-                                <m:jc m:val="centerGroup"/>
-                              </m:oMathParaPr>
-                              <m:oMath xmlns:m="http://schemas.openxmlformats.org/officeDocument/2006/math">
-                                <m:r>
-                                  <a:rPr lang="en-US" sz="1200" i="1" dirty="0" smtClean="0">
-                                    <a:latin typeface="Cambria Math" panose="02040503050406030204" pitchFamily="18" charset="0"/>
-                                  </a:rPr>
-                                  <m:t>2.</m:t>
-                                </m:r>
-                                <m:r>
-                                  <a:rPr lang="de-CH" sz="1200" b="0" i="1" dirty="0" smtClean="0">
-                                    <a:latin typeface="Cambria Math" panose="02040503050406030204" pitchFamily="18" charset="0"/>
-                                  </a:rPr>
-                                  <m:t>075</m:t>
-                                </m:r>
-                              </m:oMath>
-                            </m:oMathPara>
-                          </a14:m>
-                          <a:endParaRPr lang="en-US" sz="1200" dirty="0"/>
-                        </a:p>
-                      </a:txBody>
-                      <a:tcPr>
-                        <a:solidFill>
-                          <a:schemeClr val="accent4">
-                            <a:lumMod val="60000"/>
-                            <a:lumOff val="40000"/>
-                          </a:schemeClr>
-                        </a:solidFill>
-                      </a:tcPr>
-                    </a:tc>
-                    <a:extLst>
-                      <a:ext uri="{0D108BD9-81ED-4DB2-BD59-A6C34878D82A}">
-                        <a16:rowId xmlns:a16="http://schemas.microsoft.com/office/drawing/2014/main" val="2253989474"/>
-                      </a:ext>
-                    </a:extLst>
-                  </a:tr>
-                </a:tbl>
-              </a:graphicData>
-            </a:graphic>
-          </p:graphicFrame>
-        </mc:Choice>
-        <mc:Fallback xmlns="">
-          <p:graphicFrame>
-            <p:nvGraphicFramePr>
-              <p:cNvPr id="11" name="Table 10">
-                <a:extLst>
-                  <a:ext uri="{FF2B5EF4-FFF2-40B4-BE49-F238E27FC236}">
-                    <a16:creationId xmlns:a16="http://schemas.microsoft.com/office/drawing/2014/main" id="{6737BB4C-FBDC-6D05-9857-387309937CDD}"/>
-                  </a:ext>
-                </a:extLst>
-              </p:cNvPr>
-              <p:cNvGraphicFramePr>
-                <a:graphicFrameLocks noGrp="1"/>
-              </p:cNvGraphicFramePr>
-              <p:nvPr>
-                <p:extLst>
-                  <p:ext uri="{D42A27DB-BD31-4B8C-83A1-F6EECF244321}">
-                    <p14:modId xmlns:p14="http://schemas.microsoft.com/office/powerpoint/2010/main" val="2513872723"/>
-                  </p:ext>
-                </p:extLst>
-              </p:nvPr>
-            </p:nvGraphicFramePr>
-            <p:xfrm>
-              <a:off x="6415500" y="5779951"/>
-              <a:ext cx="4929156" cy="274320"/>
-            </p:xfrm>
-            <a:graphic>
-              <a:graphicData uri="http://schemas.openxmlformats.org/drawingml/2006/table">
-                <a:tbl>
-                  <a:tblPr firstRow="1" bandRow="1">
-                    <a:tableStyleId>{5940675A-B579-460E-94D1-54222C63F5DA}</a:tableStyleId>
-                  </a:tblPr>
-                  <a:tblGrid>
-                    <a:gridCol w="1968492">
-                      <a:extLst>
-                        <a:ext uri="{9D8B030D-6E8A-4147-A177-3AD203B41FA5}">
-                          <a16:colId xmlns:a16="http://schemas.microsoft.com/office/drawing/2014/main" val="85563763"/>
-                        </a:ext>
-                      </a:extLst>
-                    </a:gridCol>
-                    <a:gridCol w="2092546">
-                      <a:extLst>
-                        <a:ext uri="{9D8B030D-6E8A-4147-A177-3AD203B41FA5}">
-                          <a16:colId xmlns:a16="http://schemas.microsoft.com/office/drawing/2014/main" val="3628537185"/>
-                        </a:ext>
-                      </a:extLst>
-                    </a:gridCol>
-                    <a:gridCol w="868118">
-                      <a:extLst>
-                        <a:ext uri="{9D8B030D-6E8A-4147-A177-3AD203B41FA5}">
-                          <a16:colId xmlns:a16="http://schemas.microsoft.com/office/drawing/2014/main" val="1561760650"/>
-                        </a:ext>
-                      </a:extLst>
-                    </a:gridCol>
-                  </a:tblGrid>
-                  <a:tr h="274320">
-                    <a:tc>
-                      <a:txBody>
-                        <a:bodyPr/>
-                        <a:lstStyle/>
-                        <a:p>
-                          <a:r>
-                            <a:rPr lang="en-US" sz="1200" dirty="0" err="1"/>
-                            <a:t>learning_rate</a:t>
-                          </a:r>
-                          <a:endParaRPr lang="en-US" sz="1200" dirty="0"/>
-                        </a:p>
-                      </a:txBody>
-                      <a:tcPr/>
-                    </a:tc>
-                    <a:tc>
-                      <a:txBody>
-                        <a:bodyPr/>
-                        <a:lstStyle/>
-                        <a:p>
-                          <a:endParaRPr lang="en-CH"/>
-                        </a:p>
-                      </a:txBody>
-                      <a:tcPr>
-                        <a:blipFill>
-                          <a:blip r:embed="rId4"/>
-                          <a:stretch>
-                            <a:fillRect l="-94545" t="-4545" r="-42424" b="-18182"/>
-                          </a:stretch>
-                        </a:blipFill>
-                      </a:tcPr>
-                    </a:tc>
-                    <a:tc>
-                      <a:txBody>
-                        <a:bodyPr/>
-                        <a:lstStyle/>
-                        <a:p>
-                          <a:endParaRPr lang="en-CH"/>
-                        </a:p>
-                      </a:txBody>
-                      <a:tcPr>
-                        <a:blipFill>
-                          <a:blip r:embed="rId4"/>
-                          <a:stretch>
-                            <a:fillRect l="-465217" t="-4545" r="-1449" b="-18182"/>
-                          </a:stretch>
-                        </a:blipFill>
-                      </a:tcPr>
-                    </a:tc>
-                    <a:extLst>
-                      <a:ext uri="{0D108BD9-81ED-4DB2-BD59-A6C34878D82A}">
-                        <a16:rowId xmlns:a16="http://schemas.microsoft.com/office/drawing/2014/main" val="2253989474"/>
-                      </a:ext>
-                    </a:extLst>
-                  </a:tr>
-                </a:tbl>
-              </a:graphicData>
-            </a:graphic>
-          </p:graphicFrame>
-        </mc:Fallback>
-      </mc:AlternateContent>
-      <mc:AlternateContent xmlns:mc="http://schemas.openxmlformats.org/markup-compatibility/2006" xmlns:a14="http://schemas.microsoft.com/office/drawing/2010/main">
-        <mc:Choice Requires="a14">
-          <p:graphicFrame>
-            <p:nvGraphicFramePr>
-              <p:cNvPr id="12" name="Table 11">
-                <a:extLst>
-                  <a:ext uri="{FF2B5EF4-FFF2-40B4-BE49-F238E27FC236}">
-                    <a16:creationId xmlns:a16="http://schemas.microsoft.com/office/drawing/2014/main" id="{DC1233E5-A1F0-6A1C-D40A-511270A9B5D1}"/>
-                  </a:ext>
-                </a:extLst>
-              </p:cNvPr>
-              <p:cNvGraphicFramePr>
-                <a:graphicFrameLocks noGrp="1"/>
-              </p:cNvGraphicFramePr>
-              <p:nvPr>
-                <p:extLst>
-                  <p:ext uri="{D42A27DB-BD31-4B8C-83A1-F6EECF244321}">
-                    <p14:modId xmlns:p14="http://schemas.microsoft.com/office/powerpoint/2010/main" val="2652243932"/>
-                  </p:ext>
-                </p:extLst>
-              </p:nvPr>
-            </p:nvGraphicFramePr>
-            <p:xfrm>
-              <a:off x="6410245" y="6163577"/>
-              <a:ext cx="4929156" cy="274320"/>
-            </p:xfrm>
-            <a:graphic>
-              <a:graphicData uri="http://schemas.openxmlformats.org/drawingml/2006/table">
-                <a:tbl>
-                  <a:tblPr firstRow="1" bandRow="1">
-                    <a:tableStyleId>{5940675A-B579-460E-94D1-54222C63F5DA}</a:tableStyleId>
-                  </a:tblPr>
-                  <a:tblGrid>
-                    <a:gridCol w="1968492">
-                      <a:extLst>
-                        <a:ext uri="{9D8B030D-6E8A-4147-A177-3AD203B41FA5}">
-                          <a16:colId xmlns:a16="http://schemas.microsoft.com/office/drawing/2014/main" val="85563763"/>
-                        </a:ext>
-                      </a:extLst>
-                    </a:gridCol>
-                    <a:gridCol w="2092546">
-                      <a:extLst>
-                        <a:ext uri="{9D8B030D-6E8A-4147-A177-3AD203B41FA5}">
-                          <a16:colId xmlns:a16="http://schemas.microsoft.com/office/drawing/2014/main" val="3628537185"/>
-                        </a:ext>
-                      </a:extLst>
-                    </a:gridCol>
-                    <a:gridCol w="868118">
-                      <a:extLst>
-                        <a:ext uri="{9D8B030D-6E8A-4147-A177-3AD203B41FA5}">
-                          <a16:colId xmlns:a16="http://schemas.microsoft.com/office/drawing/2014/main" val="1561760650"/>
-                        </a:ext>
-                      </a:extLst>
-                    </a:gridCol>
-                  </a:tblGrid>
-                  <a:tr h="246647">
-                    <a:tc>
-                      <a:txBody>
-                        <a:bodyPr/>
-                        <a:lstStyle/>
-                        <a:p>
-                          <a:r>
-                            <a:rPr lang="en-US" sz="1200" dirty="0" err="1"/>
-                            <a:t>learning_rate</a:t>
-                          </a:r>
-                          <a:endParaRPr lang="en-US" sz="1200" dirty="0"/>
-                        </a:p>
-                      </a:txBody>
-                      <a:tcPr/>
-                    </a:tc>
-                    <a:tc>
-                      <a:txBody>
-                        <a:bodyPr/>
-                        <a:lstStyle/>
-                        <a:p>
-                          <a:pPr algn="l"/>
-                          <a14:m>
-                            <m:oMathPara xmlns:m="http://schemas.openxmlformats.org/officeDocument/2006/math">
-                              <m:oMathParaPr>
-                                <m:jc m:val="left"/>
-                              </m:oMathParaPr>
-                              <m:oMath xmlns:m="http://schemas.openxmlformats.org/officeDocument/2006/math">
-                                <m:r>
-                                  <a:rPr lang="de-CH" sz="1200" b="0" i="1" dirty="0" smtClean="0">
-                                    <a:latin typeface="Cambria Math" panose="02040503050406030204" pitchFamily="18" charset="0"/>
-                                  </a:rPr>
-                                  <m:t>[2.0725, </m:t>
-                                </m:r>
-                                <m:r>
-                                  <a:rPr lang="de-CH" sz="1200" b="0" i="1" dirty="0" smtClean="0">
-                                    <a:solidFill>
-                                      <a:schemeClr val="accent4">
-                                        <a:lumMod val="60000"/>
-                                        <a:lumOff val="40000"/>
-                                      </a:schemeClr>
-                                    </a:solidFill>
-                                    <a:latin typeface="Cambria Math" panose="02040503050406030204" pitchFamily="18" charset="0"/>
-                                  </a:rPr>
-                                  <m:t>2.075</m:t>
-                                </m:r>
-                                <m:r>
-                                  <a:rPr lang="de-CH" sz="1200" b="0" i="1" dirty="0" smtClean="0">
-                                    <a:latin typeface="Cambria Math" panose="02040503050406030204" pitchFamily="18" charset="0"/>
-                                  </a:rPr>
-                                  <m:t>, 2.0775]</m:t>
-                                </m:r>
-                              </m:oMath>
-                            </m:oMathPara>
-                          </a14:m>
-                          <a:endParaRPr lang="en-CH" sz="1200" dirty="0"/>
-                        </a:p>
-                      </a:txBody>
-                      <a:tcPr>
-                        <a:noFill/>
-                      </a:tcPr>
-                    </a:tc>
-                    <a:tc>
-                      <a:txBody>
-                        <a:bodyPr/>
-                        <a:lstStyle/>
-                        <a:p>
-                          <a:pPr algn="ctr"/>
-                          <a14:m>
-                            <m:oMathPara xmlns:m="http://schemas.openxmlformats.org/officeDocument/2006/math">
-                              <m:oMathParaPr>
-                                <m:jc m:val="centerGroup"/>
-                              </m:oMathParaPr>
-                              <m:oMath xmlns:m="http://schemas.openxmlformats.org/officeDocument/2006/math">
-                                <m:r>
-                                  <a:rPr lang="en-US" sz="1200" i="1" dirty="0" smtClean="0">
-                                    <a:latin typeface="Cambria Math" panose="02040503050406030204" pitchFamily="18" charset="0"/>
-                                  </a:rPr>
-                                  <m:t>2.</m:t>
-                                </m:r>
-                                <m:r>
-                                  <a:rPr lang="de-CH" sz="1200" b="0" i="1" dirty="0" smtClean="0">
-                                    <a:latin typeface="Cambria Math" panose="02040503050406030204" pitchFamily="18" charset="0"/>
-                                  </a:rPr>
-                                  <m:t>075</m:t>
-                                </m:r>
-                              </m:oMath>
-                            </m:oMathPara>
-                          </a14:m>
-                          <a:endParaRPr lang="en-US" sz="1200" dirty="0"/>
-                        </a:p>
-                      </a:txBody>
-                      <a:tcPr>
-                        <a:solidFill>
-                          <a:schemeClr val="accent6">
-                            <a:lumMod val="40000"/>
-                            <a:lumOff val="60000"/>
-                          </a:schemeClr>
-                        </a:solidFill>
-                      </a:tcPr>
-                    </a:tc>
-                    <a:extLst>
-                      <a:ext uri="{0D108BD9-81ED-4DB2-BD59-A6C34878D82A}">
-                        <a16:rowId xmlns:a16="http://schemas.microsoft.com/office/drawing/2014/main" val="2253989474"/>
-                      </a:ext>
-                    </a:extLst>
-                  </a:tr>
-                </a:tbl>
-              </a:graphicData>
-            </a:graphic>
-          </p:graphicFrame>
-        </mc:Choice>
-        <mc:Fallback xmlns="">
-          <p:graphicFrame>
-            <p:nvGraphicFramePr>
-              <p:cNvPr id="12" name="Table 11">
-                <a:extLst>
-                  <a:ext uri="{FF2B5EF4-FFF2-40B4-BE49-F238E27FC236}">
-                    <a16:creationId xmlns:a16="http://schemas.microsoft.com/office/drawing/2014/main" id="{DC1233E5-A1F0-6A1C-D40A-511270A9B5D1}"/>
-                  </a:ext>
-                </a:extLst>
-              </p:cNvPr>
-              <p:cNvGraphicFramePr>
-                <a:graphicFrameLocks noGrp="1"/>
-              </p:cNvGraphicFramePr>
-              <p:nvPr>
-                <p:extLst>
-                  <p:ext uri="{D42A27DB-BD31-4B8C-83A1-F6EECF244321}">
-                    <p14:modId xmlns:p14="http://schemas.microsoft.com/office/powerpoint/2010/main" val="2652243932"/>
-                  </p:ext>
-                </p:extLst>
-              </p:nvPr>
-            </p:nvGraphicFramePr>
-            <p:xfrm>
-              <a:off x="6410245" y="6163577"/>
-              <a:ext cx="4929156" cy="274320"/>
-            </p:xfrm>
-            <a:graphic>
-              <a:graphicData uri="http://schemas.openxmlformats.org/drawingml/2006/table">
-                <a:tbl>
-                  <a:tblPr firstRow="1" bandRow="1">
-                    <a:tableStyleId>{5940675A-B579-460E-94D1-54222C63F5DA}</a:tableStyleId>
-                  </a:tblPr>
-                  <a:tblGrid>
-                    <a:gridCol w="1968492">
-                      <a:extLst>
-                        <a:ext uri="{9D8B030D-6E8A-4147-A177-3AD203B41FA5}">
-                          <a16:colId xmlns:a16="http://schemas.microsoft.com/office/drawing/2014/main" val="85563763"/>
-                        </a:ext>
-                      </a:extLst>
-                    </a:gridCol>
-                    <a:gridCol w="2092546">
-                      <a:extLst>
-                        <a:ext uri="{9D8B030D-6E8A-4147-A177-3AD203B41FA5}">
-                          <a16:colId xmlns:a16="http://schemas.microsoft.com/office/drawing/2014/main" val="3628537185"/>
-                        </a:ext>
-                      </a:extLst>
-                    </a:gridCol>
-                    <a:gridCol w="868118">
-                      <a:extLst>
-                        <a:ext uri="{9D8B030D-6E8A-4147-A177-3AD203B41FA5}">
-                          <a16:colId xmlns:a16="http://schemas.microsoft.com/office/drawing/2014/main" val="1561760650"/>
-                        </a:ext>
-                      </a:extLst>
-                    </a:gridCol>
-                  </a:tblGrid>
-                  <a:tr h="274320">
-                    <a:tc>
-                      <a:txBody>
-                        <a:bodyPr/>
-                        <a:lstStyle/>
-                        <a:p>
-                          <a:r>
-                            <a:rPr lang="en-US" sz="1200" dirty="0" err="1"/>
-                            <a:t>learning_rate</a:t>
-                          </a:r>
-                          <a:endParaRPr lang="en-US" sz="1200" dirty="0"/>
-                        </a:p>
-                      </a:txBody>
-                      <a:tcPr/>
-                    </a:tc>
-                    <a:tc>
-                      <a:txBody>
-                        <a:bodyPr/>
-                        <a:lstStyle/>
-                        <a:p>
-                          <a:endParaRPr lang="en-CH"/>
-                        </a:p>
-                      </a:txBody>
-                      <a:tcPr>
-                        <a:blipFill>
-                          <a:blip r:embed="rId5"/>
-                          <a:stretch>
-                            <a:fillRect l="-93939" t="-4545" r="-43030" b="-18182"/>
-                          </a:stretch>
-                        </a:blipFill>
-                      </a:tcPr>
-                    </a:tc>
-                    <a:tc>
-                      <a:txBody>
-                        <a:bodyPr/>
-                        <a:lstStyle/>
-                        <a:p>
-                          <a:endParaRPr lang="en-CH"/>
-                        </a:p>
-                      </a:txBody>
-                      <a:tcPr>
-                        <a:blipFill>
-                          <a:blip r:embed="rId5"/>
-                          <a:stretch>
-                            <a:fillRect l="-463768" t="-4545" r="-2899" b="-18182"/>
-                          </a:stretch>
-                        </a:blipFill>
-                      </a:tcPr>
-                    </a:tc>
-                    <a:extLst>
-                      <a:ext uri="{0D108BD9-81ED-4DB2-BD59-A6C34878D82A}">
-                        <a16:rowId xmlns:a16="http://schemas.microsoft.com/office/drawing/2014/main" val="2253989474"/>
-                      </a:ext>
-                    </a:extLst>
-                  </a:tr>
-                </a:tbl>
-              </a:graphicData>
-            </a:graphic>
-          </p:graphicFrame>
-        </mc:Fallback>
-      </mc:AlternateContent>
-    </p:spTree>
-    <p:extLst>
-      <p:ext uri="{BB962C8B-B14F-4D97-AF65-F5344CB8AC3E}">
-        <p14:creationId xmlns:p14="http://schemas.microsoft.com/office/powerpoint/2010/main" val="748295858"/>
       </p:ext>
     </p:extLst>
   </p:cSld>

--- a/slides/presentation_JC.pptx
+++ b/slides/presentation_JC.pptx
@@ -132,7 +132,7 @@
 <file path=ppt/revisionInfo.xml><?xml version="1.0" encoding="utf-8"?>
 <p1510:revInfo xmlns:a="http://schemas.openxmlformats.org/drawingml/2006/main" xmlns:r="http://schemas.openxmlformats.org/officeDocument/2006/relationships" xmlns:p1510="http://schemas.microsoft.com/office/powerpoint/2015/10/main">
   <p1510:revLst>
-    <p1510:client id="{C3B87CA1-5551-214B-9C8F-1ECF618CD810}" v="1261" dt="2023-05-29T04:32:48.330"/>
+    <p1510:client id="{C3B87CA1-5551-214B-9C8F-1ECF618CD810}" v="1420" dt="2023-05-29T14:19:19.555"/>
   </p1510:revLst>
 </p1510:revInfo>
 </file>
@@ -348,10 +348,25 @@
   <pc:docChgLst>
     <pc:chgData name="Chomarat  Joris" userId="d6732a7a-77f8-4a92-b24d-a2f823eb0849" providerId="ADAL" clId="{C3B87CA1-5551-214B-9C8F-1ECF618CD810}"/>
     <pc:docChg chg="undo custSel addSld delSld modSld sldOrd">
-      <pc:chgData name="Chomarat  Joris" userId="d6732a7a-77f8-4a92-b24d-a2f823eb0849" providerId="ADAL" clId="{C3B87CA1-5551-214B-9C8F-1ECF618CD810}" dt="2023-05-29T04:56:38.025" v="17597" actId="20577"/>
+      <pc:chgData name="Chomarat  Joris" userId="d6732a7a-77f8-4a92-b24d-a2f823eb0849" providerId="ADAL" clId="{C3B87CA1-5551-214B-9C8F-1ECF618CD810}" dt="2023-05-29T14:20:05.427" v="19094" actId="20577"/>
       <pc:docMkLst>
         <pc:docMk/>
       </pc:docMkLst>
+      <pc:sldChg chg="modSp mod">
+        <pc:chgData name="Chomarat  Joris" userId="d6732a7a-77f8-4a92-b24d-a2f823eb0849" providerId="ADAL" clId="{C3B87CA1-5551-214B-9C8F-1ECF618CD810}" dt="2023-05-29T05:21:13.593" v="18645" actId="20577"/>
+        <pc:sldMkLst>
+          <pc:docMk/>
+          <pc:sldMk cId="2878740433" sldId="256"/>
+        </pc:sldMkLst>
+        <pc:spChg chg="mod">
+          <ac:chgData name="Chomarat  Joris" userId="d6732a7a-77f8-4a92-b24d-a2f823eb0849" providerId="ADAL" clId="{C3B87CA1-5551-214B-9C8F-1ECF618CD810}" dt="2023-05-29T05:21:13.593" v="18645" actId="20577"/>
+          <ac:spMkLst>
+            <pc:docMk/>
+            <pc:sldMk cId="2878740433" sldId="256"/>
+            <ac:spMk id="4" creationId="{B1A0F9B6-0D78-87FE-291C-40C969F8CCAB}"/>
+          </ac:spMkLst>
+        </pc:spChg>
+      </pc:sldChg>
       <pc:sldChg chg="del">
         <pc:chgData name="Chomarat  Joris" userId="d6732a7a-77f8-4a92-b24d-a2f823eb0849" providerId="ADAL" clId="{C3B87CA1-5551-214B-9C8F-1ECF618CD810}" dt="2023-05-26T17:12:11.153" v="1372" actId="2696"/>
         <pc:sldMkLst>
@@ -849,7 +864,7 @@
         </pc:picChg>
       </pc:sldChg>
       <pc:sldChg chg="addSp delSp modSp add mod setBg chgLayout">
-        <pc:chgData name="Chomarat  Joris" userId="d6732a7a-77f8-4a92-b24d-a2f823eb0849" providerId="ADAL" clId="{C3B87CA1-5551-214B-9C8F-1ECF618CD810}" dt="2023-05-29T04:27:52.777" v="16510" actId="20577"/>
+        <pc:chgData name="Chomarat  Joris" userId="d6732a7a-77f8-4a92-b24d-a2f823eb0849" providerId="ADAL" clId="{C3B87CA1-5551-214B-9C8F-1ECF618CD810}" dt="2023-05-29T05:22:13.732" v="18662" actId="20577"/>
         <pc:sldMkLst>
           <pc:docMk/>
           <pc:sldMk cId="1326048097" sldId="288"/>
@@ -863,7 +878,7 @@
           </ac:spMkLst>
         </pc:spChg>
         <pc:spChg chg="add mod ord">
-          <ac:chgData name="Chomarat  Joris" userId="d6732a7a-77f8-4a92-b24d-a2f823eb0849" providerId="ADAL" clId="{C3B87CA1-5551-214B-9C8F-1ECF618CD810}" dt="2023-05-29T04:27:52.777" v="16510" actId="20577"/>
+          <ac:chgData name="Chomarat  Joris" userId="d6732a7a-77f8-4a92-b24d-a2f823eb0849" providerId="ADAL" clId="{C3B87CA1-5551-214B-9C8F-1ECF618CD810}" dt="2023-05-29T05:22:13.732" v="18662" actId="20577"/>
           <ac:spMkLst>
             <pc:docMk/>
             <pc:sldMk cId="1326048097" sldId="288"/>
@@ -960,7 +975,7 @@
         </pc:picChg>
       </pc:sldChg>
       <pc:sldChg chg="addSp delSp modSp add mod chgLayout">
-        <pc:chgData name="Chomarat  Joris" userId="d6732a7a-77f8-4a92-b24d-a2f823eb0849" providerId="ADAL" clId="{C3B87CA1-5551-214B-9C8F-1ECF618CD810}" dt="2023-05-29T04:34:22.774" v="17245" actId="13926"/>
+        <pc:chgData name="Chomarat  Joris" userId="d6732a7a-77f8-4a92-b24d-a2f823eb0849" providerId="ADAL" clId="{C3B87CA1-5551-214B-9C8F-1ECF618CD810}" dt="2023-05-29T14:20:05.427" v="19094" actId="20577"/>
         <pc:sldMkLst>
           <pc:docMk/>
           <pc:sldMk cId="3865635668" sldId="289"/>
@@ -982,7 +997,7 @@
           </ac:spMkLst>
         </pc:spChg>
         <pc:spChg chg="add mod ord">
-          <ac:chgData name="Chomarat  Joris" userId="d6732a7a-77f8-4a92-b24d-a2f823eb0849" providerId="ADAL" clId="{C3B87CA1-5551-214B-9C8F-1ECF618CD810}" dt="2023-05-29T04:34:22.774" v="17245" actId="13926"/>
+          <ac:chgData name="Chomarat  Joris" userId="d6732a7a-77f8-4a92-b24d-a2f823eb0849" providerId="ADAL" clId="{C3B87CA1-5551-214B-9C8F-1ECF618CD810}" dt="2023-05-29T14:20:05.427" v="19094" actId="20577"/>
           <ac:spMkLst>
             <pc:docMk/>
             <pc:sldMk cId="3865635668" sldId="289"/>
@@ -997,12 +1012,44 @@
             <ac:graphicFrameMk id="3" creationId="{1EBD2D59-BD48-71B3-8FE7-6AD37E45DAC5}"/>
           </ac:graphicFrameMkLst>
         </pc:graphicFrameChg>
-        <pc:graphicFrameChg chg="add mod modGraphic">
-          <ac:chgData name="Chomarat  Joris" userId="d6732a7a-77f8-4a92-b24d-a2f823eb0849" providerId="ADAL" clId="{C3B87CA1-5551-214B-9C8F-1ECF618CD810}" dt="2023-05-29T04:25:15.385" v="16379" actId="1035"/>
+        <pc:graphicFrameChg chg="add del mod modGraphic">
+          <ac:chgData name="Chomarat  Joris" userId="d6732a7a-77f8-4a92-b24d-a2f823eb0849" providerId="ADAL" clId="{C3B87CA1-5551-214B-9C8F-1ECF618CD810}" dt="2023-05-29T05:12:02.337" v="17611" actId="478"/>
           <ac:graphicFrameMkLst>
             <pc:docMk/>
             <pc:sldMk cId="3865635668" sldId="289"/>
             <ac:graphicFrameMk id="3" creationId="{A0C5913A-DF18-2BDE-42E2-0FDE3BC0AF6A}"/>
+          </ac:graphicFrameMkLst>
+        </pc:graphicFrameChg>
+        <pc:graphicFrameChg chg="add mod modGraphic">
+          <ac:chgData name="Chomarat  Joris" userId="d6732a7a-77f8-4a92-b24d-a2f823eb0849" providerId="ADAL" clId="{C3B87CA1-5551-214B-9C8F-1ECF618CD810}" dt="2023-05-29T05:12:06.350" v="17612" actId="1076"/>
+          <ac:graphicFrameMkLst>
+            <pc:docMk/>
+            <pc:sldMk cId="3865635668" sldId="289"/>
+            <ac:graphicFrameMk id="4" creationId="{B2210401-8E55-4B3D-C6FB-43231272792D}"/>
+          </ac:graphicFrameMkLst>
+        </pc:graphicFrameChg>
+        <pc:graphicFrameChg chg="add mod modGraphic">
+          <ac:chgData name="Chomarat  Joris" userId="d6732a7a-77f8-4a92-b24d-a2f823eb0849" providerId="ADAL" clId="{C3B87CA1-5551-214B-9C8F-1ECF618CD810}" dt="2023-05-29T05:14:26.134" v="17864" actId="1076"/>
+          <ac:graphicFrameMkLst>
+            <pc:docMk/>
+            <pc:sldMk cId="3865635668" sldId="289"/>
+            <ac:graphicFrameMk id="6" creationId="{9125241E-488C-FBCD-6CAE-B2745251A6A0}"/>
+          </ac:graphicFrameMkLst>
+        </pc:graphicFrameChg>
+        <pc:graphicFrameChg chg="add mod modGraphic">
+          <ac:chgData name="Chomarat  Joris" userId="d6732a7a-77f8-4a92-b24d-a2f823eb0849" providerId="ADAL" clId="{C3B87CA1-5551-214B-9C8F-1ECF618CD810}" dt="2023-05-29T14:19:29.685" v="18983" actId="1036"/>
+          <ac:graphicFrameMkLst>
+            <pc:docMk/>
+            <pc:sldMk cId="3865635668" sldId="289"/>
+            <ac:graphicFrameMk id="8" creationId="{EE3DF23D-DD20-9889-897E-0DD8E9BD1798}"/>
+          </ac:graphicFrameMkLst>
+        </pc:graphicFrameChg>
+        <pc:graphicFrameChg chg="add mod modGraphic">
+          <ac:chgData name="Chomarat  Joris" userId="d6732a7a-77f8-4a92-b24d-a2f823eb0849" providerId="ADAL" clId="{C3B87CA1-5551-214B-9C8F-1ECF618CD810}" dt="2023-05-29T14:19:29.685" v="18983" actId="1036"/>
+          <ac:graphicFrameMkLst>
+            <pc:docMk/>
+            <pc:sldMk cId="3865635668" sldId="289"/>
+            <ac:graphicFrameMk id="9" creationId="{B23A28F7-B211-AD6C-4538-AD6F65C4011A}"/>
           </ac:graphicFrameMkLst>
         </pc:graphicFrameChg>
         <pc:picChg chg="add del mod">
@@ -1023,7 +1070,7 @@
         </pc:picChg>
       </pc:sldChg>
       <pc:sldChg chg="modSp new mod">
-        <pc:chgData name="Chomarat  Joris" userId="d6732a7a-77f8-4a92-b24d-a2f823eb0849" providerId="ADAL" clId="{C3B87CA1-5551-214B-9C8F-1ECF618CD810}" dt="2023-05-29T04:56:38.025" v="17597" actId="20577"/>
+        <pc:chgData name="Chomarat  Joris" userId="d6732a7a-77f8-4a92-b24d-a2f823eb0849" providerId="ADAL" clId="{C3B87CA1-5551-214B-9C8F-1ECF618CD810}" dt="2023-05-29T05:21:07.257" v="18643" actId="20577"/>
         <pc:sldMkLst>
           <pc:docMk/>
           <pc:sldMk cId="2403346118" sldId="290"/>
@@ -1037,7 +1084,7 @@
           </ac:spMkLst>
         </pc:spChg>
         <pc:spChg chg="mod">
-          <ac:chgData name="Chomarat  Joris" userId="d6732a7a-77f8-4a92-b24d-a2f823eb0849" providerId="ADAL" clId="{C3B87CA1-5551-214B-9C8F-1ECF618CD810}" dt="2023-05-29T04:56:38.025" v="17597" actId="20577"/>
+          <ac:chgData name="Chomarat  Joris" userId="d6732a7a-77f8-4a92-b24d-a2f823eb0849" providerId="ADAL" clId="{C3B87CA1-5551-214B-9C8F-1ECF618CD810}" dt="2023-05-29T05:21:07.257" v="18643" actId="20577"/>
           <ac:spMkLst>
             <pc:docMk/>
             <pc:sldMk cId="2403346118" sldId="290"/>
@@ -3515,7 +3562,7 @@
           <a:p>
             <a:fld id="{B484AB6C-365D-3F47-8884-FF5BC1D3703E}" type="datetimeFigureOut">
               <a:rPr lang="en-CH" smtClean="0"/>
-              <a:t>27.05.23</a:t>
+              <a:t>29.05.23</a:t>
             </a:fld>
             <a:endParaRPr lang="en-CH"/>
           </a:p>
@@ -3932,7 +3979,7 @@
           <a:p>
             <a:fld id="{ECA1023D-D226-2B4B-B752-4B4EFA7E61A1}" type="datetime1">
               <a:rPr lang="de-CH" smtClean="0"/>
-              <a:t>27.05.23</a:t>
+              <a:t>29.05.23</a:t>
             </a:fld>
             <a:endParaRPr lang="en-CH"/>
           </a:p>
@@ -4132,7 +4179,7 @@
           <a:p>
             <a:fld id="{B71F4D68-AE2C-A747-9AD4-EC12AAE779C0}" type="datetime1">
               <a:rPr lang="de-CH" smtClean="0"/>
-              <a:t>27.05.23</a:t>
+              <a:t>29.05.23</a:t>
             </a:fld>
             <a:endParaRPr lang="en-CH"/>
           </a:p>
@@ -4342,7 +4389,7 @@
           <a:p>
             <a:fld id="{30BC1881-DA6F-E24D-A230-299D72E77E7A}" type="datetime1">
               <a:rPr lang="de-CH" smtClean="0"/>
-              <a:t>27.05.23</a:t>
+              <a:t>29.05.23</a:t>
             </a:fld>
             <a:endParaRPr lang="en-CH"/>
           </a:p>
@@ -4542,7 +4589,7 @@
           <a:p>
             <a:fld id="{EFBD72C2-BEFA-C946-8A24-CD88DC92D1CD}" type="datetime1">
               <a:rPr lang="de-CH" smtClean="0"/>
-              <a:t>27.05.23</a:t>
+              <a:t>29.05.23</a:t>
             </a:fld>
             <a:endParaRPr lang="en-CH"/>
           </a:p>
@@ -4818,7 +4865,7 @@
           <a:p>
             <a:fld id="{B3DDA61D-715C-BD48-BD5C-8E1AAA9EBCFD}" type="datetime1">
               <a:rPr lang="de-CH" smtClean="0"/>
-              <a:t>27.05.23</a:t>
+              <a:t>29.05.23</a:t>
             </a:fld>
             <a:endParaRPr lang="en-CH"/>
           </a:p>
@@ -5086,7 +5133,7 @@
           <a:p>
             <a:fld id="{4F6814D6-E8F5-4D4F-8819-FC46DBA65542}" type="datetime1">
               <a:rPr lang="de-CH" smtClean="0"/>
-              <a:t>27.05.23</a:t>
+              <a:t>29.05.23</a:t>
             </a:fld>
             <a:endParaRPr lang="en-CH"/>
           </a:p>
@@ -5501,7 +5548,7 @@
           <a:p>
             <a:fld id="{9B9E2381-2612-FC48-9697-FE0406C74748}" type="datetime1">
               <a:rPr lang="de-CH" smtClean="0"/>
-              <a:t>27.05.23</a:t>
+              <a:t>29.05.23</a:t>
             </a:fld>
             <a:endParaRPr lang="en-CH"/>
           </a:p>
@@ -5643,7 +5690,7 @@
           <a:p>
             <a:fld id="{FF5ADF62-4D88-C043-8A45-8294C9BA602C}" type="datetime1">
               <a:rPr lang="de-CH" smtClean="0"/>
-              <a:t>27.05.23</a:t>
+              <a:t>29.05.23</a:t>
             </a:fld>
             <a:endParaRPr lang="en-CH"/>
           </a:p>
@@ -5756,7 +5803,7 @@
           <a:p>
             <a:fld id="{AB56A37F-2267-5541-BB6E-7DA3FBD380C4}" type="datetime1">
               <a:rPr lang="de-CH" smtClean="0"/>
-              <a:t>27.05.23</a:t>
+              <a:t>29.05.23</a:t>
             </a:fld>
             <a:endParaRPr lang="en-CH"/>
           </a:p>
@@ -6069,7 +6116,7 @@
           <a:p>
             <a:fld id="{C5CA3E29-396B-3C43-8288-FA1504B62521}" type="datetime1">
               <a:rPr lang="de-CH" smtClean="0"/>
-              <a:t>27.05.23</a:t>
+              <a:t>29.05.23</a:t>
             </a:fld>
             <a:endParaRPr lang="en-CH"/>
           </a:p>
@@ -6358,7 +6405,7 @@
           <a:p>
             <a:fld id="{7789CE94-C882-9746-9F27-F702576888CA}" type="datetime1">
               <a:rPr lang="de-CH" smtClean="0"/>
-              <a:t>27.05.23</a:t>
+              <a:t>29.05.23</a:t>
             </a:fld>
             <a:endParaRPr lang="en-CH"/>
           </a:p>
@@ -6594,7 +6641,7 @@
           <a:p>
             <a:fld id="{3BA454E6-A734-B242-B624-75A814036F57}" type="datetime1">
               <a:rPr lang="de-CH" smtClean="0"/>
-              <a:t>27.05.23</a:t>
+              <a:t>29.05.23</a:t>
             </a:fld>
             <a:endParaRPr lang="en-CH"/>
           </a:p>
@@ -7099,25 +7146,8 @@
                 <a:latin typeface="+mj-lt"/>
                 <a:cs typeface="Arial"/>
               </a:rPr>
-              <a:t>Due Date: </a:t>
+              <a:t>Due Date: May 29</a:t>
             </a:r>
-            <a:r>
-              <a:rPr lang="en-US">
-                <a:solidFill>
-                  <a:srgbClr val="595959"/>
-                </a:solidFill>
-                <a:latin typeface="+mj-lt"/>
-                <a:cs typeface="Arial"/>
-              </a:rPr>
-              <a:t>May 26</a:t>
-            </a:r>
-            <a:endParaRPr lang="en-US" dirty="0">
-              <a:solidFill>
-                <a:srgbClr val="595959"/>
-              </a:solidFill>
-              <a:latin typeface="+mj-lt"/>
-              <a:cs typeface="Arial"/>
-            </a:endParaRPr>
           </a:p>
           <a:p>
             <a:pPr algn="r"/>
@@ -7410,7 +7440,7 @@
               <a:rPr lang="en-US" dirty="0">
                 <a:sym typeface="Wingdings" pitchFamily="2" charset="2"/>
               </a:rPr>
-              <a:t>). Thus, the choice of features may not have been the best. PCA on the other side was definitely beneficial, as performance decreased if the features were not transformed using PCA.</a:t>
+              <a:t>). Thus, the choice of features may not have been the best. PCA on the other side was definitely beneficial, as performance decreased if the features were not transformed using PCA (not shown here).</a:t>
             </a:r>
             <a:endParaRPr lang="en-US" dirty="0"/>
           </a:p>
@@ -7445,8 +7475,8 @@
           </a:p>
         </p:txBody>
       </p:sp>
-      <mc:AlternateContent xmlns:mc="http://schemas.openxmlformats.org/markup-compatibility/2006">
-        <mc:Choice xmlns:a14="http://schemas.microsoft.com/office/drawing/2010/main" Requires="a14">
+      <mc:AlternateContent xmlns:mc="http://schemas.openxmlformats.org/markup-compatibility/2006" xmlns:a14="http://schemas.microsoft.com/office/drawing/2010/main">
+        <mc:Choice Requires="a14">
           <p:graphicFrame>
             <p:nvGraphicFramePr>
               <p:cNvPr id="3" name="Table 6">
@@ -7952,7 +7982,7 @@
             </a:graphic>
           </p:graphicFrame>
         </mc:Choice>
-        <mc:Fallback>
+        <mc:Fallback xmlns="">
           <p:graphicFrame>
             <p:nvGraphicFramePr>
               <p:cNvPr id="3" name="Table 6">
@@ -8397,7 +8427,7 @@
             <p:spPr/>
             <p:txBody>
               <a:bodyPr>
-                <a:normAutofit lnSpcReduction="10000"/>
+                <a:normAutofit/>
               </a:bodyPr>
               <a:lstStyle/>
               <a:p>
@@ -8405,15 +8435,6 @@
                   <a:rPr lang="en-US" dirty="0"/>
                   <a:t>when comparing the current models to the boosted model of the last group deliverable (recap last slide), one can see that it still performs much better from a f1 metric perspective</a:t>
                 </a:r>
-              </a:p>
-              <a:p>
-                <a:endParaRPr lang="en-US" dirty="0"/>
-              </a:p>
-              <a:p>
-                <a:endParaRPr lang="en-US" dirty="0"/>
-              </a:p>
-              <a:p>
-                <a:endParaRPr lang="en-US" dirty="0"/>
               </a:p>
               <a:p>
                 <a:endParaRPr lang="en-US" dirty="0"/>
@@ -8450,7 +8471,7 @@
                   <a:rPr lang="en-US" dirty="0">
                     <a:sym typeface="Wingdings" pitchFamily="2" charset="2"/>
                   </a:rPr>
-                  <a:t>Expect low f1 performance when comparing to ground truths</a:t>
+                  <a:t>Expected low f1 performance when comparing to ground truths</a:t>
                 </a:r>
               </a:p>
               <a:p>
@@ -8466,57 +8487,30 @@
                 </a:r>
                 <a:r>
                   <a:rPr lang="en-US" dirty="0"/>
-                  <a:t> is </a:t>
+                  <a:t> is</a:t>
+                </a:r>
+                <a:r>
+                  <a:rPr lang="en-US" dirty="0">
+                    <a:sym typeface="Wingdings" pitchFamily="2" charset="2"/>
+                  </a:rPr>
+                  <a:t> best performance yet  new / adapted features have indeed made a difference, since performance is better than </a:t>
                 </a:r>
                 <a14:m>
                   <m:oMath xmlns:m="http://schemas.openxmlformats.org/officeDocument/2006/math">
                     <m:r>
                       <a:rPr lang="en-US" i="1" dirty="0" smtClean="0">
                         <a:latin typeface="Cambria Math" panose="02040503050406030204" pitchFamily="18" charset="0"/>
+                        <a:sym typeface="Wingdings" pitchFamily="2" charset="2"/>
                       </a:rPr>
-                      <m:t>0.734</m:t>
+                      <m:t>0.722</m:t>
                     </m:r>
                   </m:oMath>
                 </a14:m>
                 <a:r>
-                  <a:rPr lang="en-US" dirty="0"/>
-                  <a:t> on </a:t>
-                </a:r>
-                <a:r>
-                  <a:rPr lang="en-US" i="1" dirty="0"/>
-                  <a:t>test1</a:t>
-                </a:r>
-                <a:r>
-                  <a:rPr lang="en-US" dirty="0"/>
-                  <a:t> and </a:t>
-                </a:r>
-                <a14:m>
-                  <m:oMath xmlns:m="http://schemas.openxmlformats.org/officeDocument/2006/math">
-                    <m:r>
-                      <a:rPr lang="en-US" i="1" dirty="0" smtClean="0">
-                        <a:latin typeface="Cambria Math" panose="02040503050406030204" pitchFamily="18" charset="0"/>
-                      </a:rPr>
-                      <m:t>0.726</m:t>
-                    </m:r>
-                  </m:oMath>
-                </a14:m>
-                <a:r>
-                  <a:rPr lang="en-US" dirty="0"/>
-                  <a:t> on </a:t>
-                </a:r>
-                <a:r>
-                  <a:rPr lang="en-US" i="1" dirty="0"/>
-                  <a:t>test2</a:t>
-                </a:r>
-                <a:r>
-                  <a:rPr lang="en-US" dirty="0"/>
-                  <a:t> </a:t>
-                </a:r>
-                <a:r>
                   <a:rPr lang="en-US" dirty="0">
                     <a:sym typeface="Wingdings" pitchFamily="2" charset="2"/>
                   </a:rPr>
-                  <a:t> best performance yet!</a:t>
+                  <a:t> (achieved after first team deliverable)</a:t>
                 </a:r>
               </a:p>
               <a:p>
@@ -8525,18 +8519,36 @@
                   <a:buChar char="à"/>
                 </a:pPr>
                 <a:r>
+                  <a:rPr lang="en-US" dirty="0">
+                    <a:sym typeface="Wingdings" pitchFamily="2" charset="2"/>
+                  </a:rPr>
+                  <a:t>making some further hyper parameter optimization (using </a:t>
+                </a:r>
+                <a:r>
+                  <a:rPr lang="en-US" dirty="0" err="1">
+                    <a:sym typeface="Wingdings" pitchFamily="2" charset="2"/>
+                  </a:rPr>
+                  <a:t>sklearn’s</a:t>
+                </a:r>
+                <a:r>
+                  <a:rPr lang="en-US" dirty="0">
+                    <a:sym typeface="Wingdings" pitchFamily="2" charset="2"/>
+                  </a:rPr>
+                  <a:t> grid search this time), </a:t>
+                </a:r>
+                <a:r>
                   <a:rPr lang="en-US" i="1" dirty="0" err="1">
                     <a:highlight>
-                      <a:srgbClr val="00FFFF"/>
+                      <a:srgbClr val="00FF00"/>
                     </a:highlight>
                     <a:sym typeface="Wingdings" pitchFamily="2" charset="2"/>
                   </a:rPr>
-                  <a:t>model_ab_old</a:t>
+                  <a:t>model_ab_old_opt</a:t>
                 </a:r>
                 <a:r>
                   <a:rPr lang="en-US" i="1" dirty="0">
                     <a:highlight>
-                      <a:srgbClr val="00FFFF"/>
+                      <a:srgbClr val="00FF00"/>
                     </a:highlight>
                     <a:sym typeface="Wingdings" pitchFamily="2" charset="2"/>
                   </a:rPr>
@@ -8545,19 +8557,97 @@
                 <a:r>
                   <a:rPr lang="en-US" dirty="0">
                     <a:highlight>
-                      <a:srgbClr val="00FFFF"/>
+                      <a:srgbClr val="00FF00"/>
                     </a:highlight>
                     <a:sym typeface="Wingdings" pitchFamily="2" charset="2"/>
                   </a:rPr>
-                  <a:t>is the model that is finally chosen (again) for predictions</a:t>
+                  <a:t>is the final model chosen</a:t>
                 </a:r>
                 <a:r>
                   <a:rPr lang="en-US" dirty="0">
                     <a:sym typeface="Wingdings" pitchFamily="2" charset="2"/>
                   </a:rPr>
-                  <a:t>. Performance has increased against final group deliverable  new / adapted features have indeed made a difference!</a:t>
+                  <a:t> (= </a:t>
                 </a:r>
-                <a:endParaRPr lang="en-US" i="1" dirty="0"/>
+                <a:r>
+                  <a:rPr lang="en-US" i="1" dirty="0" err="1">
+                    <a:sym typeface="Wingdings" pitchFamily="2" charset="2"/>
+                  </a:rPr>
+                  <a:t>model_ab_old</a:t>
+                </a:r>
+                <a:r>
+                  <a:rPr lang="en-US" dirty="0">
+                    <a:sym typeface="Wingdings" pitchFamily="2" charset="2"/>
+                  </a:rPr>
+                  <a:t> from last deliverable, optimized. Grid Search returned exact same optimal hyperparameters except for very small change to learning rate: </a:t>
+                </a:r>
+                <a14:m>
+                  <m:oMath xmlns:m="http://schemas.openxmlformats.org/officeDocument/2006/math">
+                    <m:r>
+                      <a:rPr lang="en-US" i="1" dirty="0" smtClean="0">
+                        <a:latin typeface="Cambria Math" panose="02040503050406030204" pitchFamily="18" charset="0"/>
+                        <a:sym typeface="Wingdings" pitchFamily="2" charset="2"/>
+                      </a:rPr>
+                      <m:t>2.0725</m:t>
+                    </m:r>
+                  </m:oMath>
+                </a14:m>
+                <a:r>
+                  <a:rPr lang="en-US" dirty="0">
+                    <a:sym typeface="Wingdings" pitchFamily="2" charset="2"/>
+                  </a:rPr>
+                  <a:t> instead of </a:t>
+                </a:r>
+                <a14:m>
+                  <m:oMath xmlns:m="http://schemas.openxmlformats.org/officeDocument/2006/math">
+                    <m:r>
+                      <a:rPr lang="en-US" i="1" dirty="0" smtClean="0">
+                        <a:latin typeface="Cambria Math" panose="02040503050406030204" pitchFamily="18" charset="0"/>
+                        <a:sym typeface="Wingdings" pitchFamily="2" charset="2"/>
+                      </a:rPr>
+                      <m:t>2.075</m:t>
+                    </m:r>
+                  </m:oMath>
+                </a14:m>
+                <a:r>
+                  <a:rPr lang="en-US" dirty="0">
+                    <a:sym typeface="Wingdings" pitchFamily="2" charset="2"/>
+                  </a:rPr>
+                  <a:t>)</a:t>
+                </a:r>
+              </a:p>
+              <a:p>
+                <a:pPr lvl="1">
+                  <a:buFont typeface="Wingdings" pitchFamily="2" charset="2"/>
+                  <a:buChar char="à"/>
+                </a:pPr>
+                <a:r>
+                  <a:rPr lang="en-US" dirty="0">
+                    <a:sym typeface="Wingdings" pitchFamily="2" charset="2"/>
+                  </a:rPr>
+                  <a:t>Performance (very similar to </a:t>
+                </a:r>
+                <a:r>
+                  <a:rPr lang="en-US" i="1" dirty="0" err="1">
+                    <a:sym typeface="Wingdings" pitchFamily="2" charset="2"/>
+                  </a:rPr>
+                  <a:t>model_ab_old</a:t>
+                </a:r>
+                <a:r>
+                  <a:rPr lang="en-US" dirty="0">
+                    <a:sym typeface="Wingdings" pitchFamily="2" charset="2"/>
+                  </a:rPr>
+                  <a:t>. Interestingly, training performance is lower but testing </a:t>
+                </a:r>
+                <a:r>
+                  <a:rPr lang="en-US">
+                    <a:sym typeface="Wingdings" pitchFamily="2" charset="2"/>
+                  </a:rPr>
+                  <a:t>performance better):</a:t>
+                </a:r>
+                <a:endParaRPr lang="en-US" dirty="0">
+                  <a:sym typeface="Wingdings" pitchFamily="2" charset="2"/>
+                </a:endParaRPr>
               </a:p>
             </p:txBody>
           </p:sp>
@@ -8583,7 +8673,7 @@
               <a:blipFill>
                 <a:blip r:embed="rId2"/>
                 <a:stretch>
-                  <a:fillRect l="-483" t="-1744"/>
+                  <a:fillRect l="-483" t="-1163"/>
                 </a:stretch>
               </a:blipFill>
             </p:spPr>
@@ -8631,14 +8721,14 @@
           </a:p>
         </p:txBody>
       </p:sp>
-      <mc:AlternateContent xmlns:mc="http://schemas.openxmlformats.org/markup-compatibility/2006">
-        <mc:Choice xmlns:a14="http://schemas.microsoft.com/office/drawing/2010/main" Requires="a14">
+      <mc:AlternateContent xmlns:mc="http://schemas.openxmlformats.org/markup-compatibility/2006" xmlns:a14="http://schemas.microsoft.com/office/drawing/2010/main">
+        <mc:Choice Requires="a14">
           <p:graphicFrame>
             <p:nvGraphicFramePr>
-              <p:cNvPr id="3" name="Table 6">
+              <p:cNvPr id="4" name="Table 6">
                 <a:extLst>
                   <a:ext uri="{FF2B5EF4-FFF2-40B4-BE49-F238E27FC236}">
-                    <a16:creationId xmlns:a16="http://schemas.microsoft.com/office/drawing/2014/main" id="{A0C5913A-DF18-2BDE-42E2-0FDE3BC0AF6A}"/>
+                    <a16:creationId xmlns:a16="http://schemas.microsoft.com/office/drawing/2014/main" id="{B2210401-8E55-4B3D-C6FB-43231272792D}"/>
                   </a:ext>
                 </a:extLst>
               </p:cNvPr>
@@ -8648,14 +8738,14 @@
               <p:nvPr>
                 <p:extLst>
                   <p:ext uri="{D42A27DB-BD31-4B8C-83A1-F6EECF244321}">
-                    <p14:modId xmlns:p14="http://schemas.microsoft.com/office/powerpoint/2010/main" val="521973043"/>
+                    <p14:modId xmlns:p14="http://schemas.microsoft.com/office/powerpoint/2010/main" val="3043736594"/>
                   </p:ext>
                 </p:extLst>
               </p:nvPr>
             </p:nvGraphicFramePr>
             <p:xfrm>
-              <a:off x="1176970" y="2616864"/>
-              <a:ext cx="4919030" cy="1767840"/>
+              <a:off x="1176970" y="2392680"/>
+              <a:ext cx="4919030" cy="1036320"/>
             </p:xfrm>
             <a:graphic>
               <a:graphicData uri="http://schemas.openxmlformats.org/drawingml/2006/table">
@@ -8699,7 +8789,7 @@
                         <a:bodyPr/>
                         <a:lstStyle/>
                         <a:p>
-                          <a:endParaRPr lang="en-CH" sz="1400"/>
+                          <a:endParaRPr lang="en-CH" sz="1400" dirty="0"/>
                         </a:p>
                       </a:txBody>
                       <a:tcPr/>
@@ -8774,276 +8864,9 @@
                             <a:buNone/>
                           </a:pPr>
                           <a:r>
-                            <a:rPr lang="en-US" sz="1400" i="1" dirty="0" err="1"/>
-                            <a:t>model_nn</a:t>
-                          </a:r>
-                          <a:endParaRPr lang="en-US" sz="1400" i="1" dirty="0"/>
-                        </a:p>
-                      </a:txBody>
-                      <a:tcPr/>
-                    </a:tc>
-                    <a:tc>
-                      <a:txBody>
-                        <a:bodyPr/>
-                        <a:lstStyle/>
-                        <a:p>
-                          <a:pPr lvl="0">
-                            <a:buNone/>
-                          </a:pPr>
-                          <a14:m>
-                            <m:oMathPara xmlns:m="http://schemas.openxmlformats.org/officeDocument/2006/math">
-                              <m:oMathParaPr>
-                                <m:jc m:val="centerGroup"/>
-                              </m:oMathParaPr>
-                              <m:oMath xmlns:m="http://schemas.openxmlformats.org/officeDocument/2006/math">
-                                <m:r>
-                                  <a:rPr lang="de-CH" b="0" i="1" smtClean="0">
-                                    <a:latin typeface="Cambria Math" panose="02040503050406030204" pitchFamily="18" charset="0"/>
-                                  </a:rPr>
-                                  <m:t>0.8036</m:t>
-                                </m:r>
-                              </m:oMath>
-                            </m:oMathPara>
-                          </a14:m>
-                          <a:endParaRPr lang="en-US" dirty="0"/>
-                        </a:p>
-                      </a:txBody>
-                      <a:tcPr>
-                        <a:noFill/>
-                      </a:tcPr>
-                    </a:tc>
-                    <a:tc>
-                      <a:txBody>
-                        <a:bodyPr/>
-                        <a:lstStyle/>
-                        <a:p>
-                          <a:pPr lvl="0">
-                            <a:buNone/>
-                          </a:pPr>
-                          <a14:m>
-                            <m:oMathPara xmlns:m="http://schemas.openxmlformats.org/officeDocument/2006/math">
-                              <m:oMathParaPr>
-                                <m:jc m:val="centerGroup"/>
-                              </m:oMathParaPr>
-                              <m:oMath xmlns:m="http://schemas.openxmlformats.org/officeDocument/2006/math">
-                                <m:r>
-                                  <a:rPr lang="de-CH" b="0" i="1" smtClean="0">
-                                    <a:latin typeface="Cambria Math" panose="02040503050406030204" pitchFamily="18" charset="0"/>
-                                  </a:rPr>
-                                  <m:t>0.7239</m:t>
-                                </m:r>
-                              </m:oMath>
-                            </m:oMathPara>
-                          </a14:m>
-                          <a:endParaRPr lang="en-US" dirty="0"/>
-                        </a:p>
-                      </a:txBody>
-                      <a:tcPr>
-                        <a:noFill/>
-                      </a:tcPr>
-                    </a:tc>
-                    <a:tc>
-                      <a:txBody>
-                        <a:bodyPr/>
-                        <a:lstStyle/>
-                        <a:p>
-                          <a:pPr lvl="0">
-                            <a:buNone/>
-                          </a:pPr>
-                          <a14:m>
-                            <m:oMathPara xmlns:m="http://schemas.openxmlformats.org/officeDocument/2006/math">
-                              <m:oMathParaPr>
-                                <m:jc m:val="centerGroup"/>
-                              </m:oMathParaPr>
-                              <m:oMath xmlns:m="http://schemas.openxmlformats.org/officeDocument/2006/math">
-                                <m:r>
-                                  <a:rPr lang="de-CH" b="0" i="1" smtClean="0">
-                                    <a:latin typeface="Cambria Math" panose="02040503050406030204" pitchFamily="18" charset="0"/>
-                                  </a:rPr>
-                                  <m:t>0.7613</m:t>
-                                </m:r>
-                              </m:oMath>
-                            </m:oMathPara>
-                          </a14:m>
-                          <a:endParaRPr lang="en-US" dirty="0"/>
-                        </a:p>
-                      </a:txBody>
-                      <a:tcPr>
-                        <a:noFill/>
-                      </a:tcPr>
-                    </a:tc>
-                    <a:extLst>
-                      <a:ext uri="{0D108BD9-81ED-4DB2-BD59-A6C34878D82A}">
-                        <a16:rowId xmlns:a16="http://schemas.microsoft.com/office/drawing/2014/main" val="88219275"/>
-                      </a:ext>
-                    </a:extLst>
-                  </a:tr>
-                  <a:tr h="212580">
-                    <a:tc>
-                      <a:txBody>
-                        <a:bodyPr/>
-                        <a:lstStyle/>
-                        <a:p>
-                          <a:pPr lvl="0">
-                            <a:buNone/>
-                          </a:pPr>
-                          <a:r>
-                            <a:rPr lang="en-US" sz="1400" i="1" dirty="0" err="1"/>
-                            <a:t>model_rf</a:t>
-                          </a:r>
-                          <a:endParaRPr lang="en-US" sz="1400" i="1" dirty="0"/>
-                        </a:p>
-                      </a:txBody>
-                      <a:tcPr/>
-                    </a:tc>
-                    <a:tc>
-                      <a:txBody>
-                        <a:bodyPr/>
-                        <a:lstStyle/>
-                        <a:p>
-                          <a:pPr lvl="0">
-                            <a:buNone/>
-                          </a:pPr>
-                          <a14:m>
-                            <m:oMathPara xmlns:m="http://schemas.openxmlformats.org/officeDocument/2006/math">
-                              <m:oMathParaPr>
-                                <m:jc m:val="centerGroup"/>
-                              </m:oMathParaPr>
-                              <m:oMath xmlns:m="http://schemas.openxmlformats.org/officeDocument/2006/math">
-                                <m:r>
-                                  <a:rPr lang="en-US" sz="1800" b="0" i="1" u="none" strike="noStrike" baseline="0" noProof="0" smtClean="0">
-                                    <a:solidFill>
-                                      <a:srgbClr val="000000"/>
-                                    </a:solidFill>
-                                    <a:latin typeface="Cambria Math" panose="02040503050406030204" pitchFamily="18" charset="0"/>
-                                  </a:rPr>
-                                  <m:t>0.</m:t>
-                                </m:r>
-                                <m:r>
-                                  <a:rPr lang="de-CH" sz="1800" b="0" i="1" u="none" strike="noStrike" baseline="0" noProof="0" smtClean="0">
-                                    <a:solidFill>
-                                      <a:srgbClr val="000000"/>
-                                    </a:solidFill>
-                                    <a:latin typeface="Cambria Math" panose="02040503050406030204" pitchFamily="18" charset="0"/>
-                                  </a:rPr>
-                                  <m:t>7972</m:t>
-                                </m:r>
-                              </m:oMath>
-                            </m:oMathPara>
-                          </a14:m>
-                          <a:endParaRPr lang="en-US" dirty="0"/>
-                        </a:p>
-                      </a:txBody>
-                      <a:tcPr>
-                        <a:noFill/>
-                      </a:tcPr>
-                    </a:tc>
-                    <a:tc>
-                      <a:txBody>
-                        <a:bodyPr/>
-                        <a:lstStyle/>
-                        <a:p>
-                          <a:pPr lvl="0">
-                            <a:buNone/>
-                          </a:pPr>
-                          <a14:m>
-                            <m:oMathPara xmlns:m="http://schemas.openxmlformats.org/officeDocument/2006/math">
-                              <m:oMathParaPr>
-                                <m:jc m:val="centerGroup"/>
-                              </m:oMathParaPr>
-                              <m:oMath xmlns:m="http://schemas.openxmlformats.org/officeDocument/2006/math">
-                                <m:r>
-                                  <a:rPr lang="en-US" sz="1800" b="0" i="1" u="none" strike="noStrike" baseline="0" noProof="0" smtClean="0">
-                                    <a:solidFill>
-                                      <a:srgbClr val="000000"/>
-                                    </a:solidFill>
-                                    <a:latin typeface="Cambria Math" panose="02040503050406030204" pitchFamily="18" charset="0"/>
-                                  </a:rPr>
-                                  <m:t>0.</m:t>
-                                </m:r>
-                                <m:r>
-                                  <a:rPr lang="de-CH" sz="1800" b="0" i="1" u="none" strike="noStrike" baseline="0" noProof="0" smtClean="0">
-                                    <a:solidFill>
-                                      <a:srgbClr val="000000"/>
-                                    </a:solidFill>
-                                    <a:latin typeface="Cambria Math" panose="02040503050406030204" pitchFamily="18" charset="0"/>
-                                  </a:rPr>
-                                  <m:t>7175</m:t>
-                                </m:r>
-                              </m:oMath>
-                            </m:oMathPara>
-                          </a14:m>
-                          <a:endParaRPr lang="en-US" dirty="0"/>
-                        </a:p>
-                      </a:txBody>
-                      <a:tcPr>
-                        <a:noFill/>
-                      </a:tcPr>
-                    </a:tc>
-                    <a:tc>
-                      <a:txBody>
-                        <a:bodyPr/>
-                        <a:lstStyle/>
-                        <a:p>
-                          <a:pPr lvl="0">
-                            <a:buNone/>
-                          </a:pPr>
-                          <a14:m>
-                            <m:oMathPara xmlns:m="http://schemas.openxmlformats.org/officeDocument/2006/math">
-                              <m:oMathParaPr>
-                                <m:jc m:val="centerGroup"/>
-                              </m:oMathParaPr>
-                              <m:oMath xmlns:m="http://schemas.openxmlformats.org/officeDocument/2006/math">
-                                <m:r>
-                                  <a:rPr lang="en-US" sz="1800" b="0" i="1" u="none" strike="noStrike" baseline="0" noProof="0" dirty="0" smtClean="0">
-                                    <a:solidFill>
-                                      <a:srgbClr val="000000"/>
-                                    </a:solidFill>
-                                    <a:latin typeface="Cambria Math" panose="02040503050406030204" pitchFamily="18" charset="0"/>
-                                  </a:rPr>
-                                  <m:t>0.7</m:t>
-                                </m:r>
-                                <m:r>
-                                  <a:rPr lang="de-CH" sz="1800" b="0" i="1" u="none" strike="noStrike" baseline="0" noProof="0" dirty="0" smtClean="0">
-                                    <a:solidFill>
-                                      <a:srgbClr val="000000"/>
-                                    </a:solidFill>
-                                    <a:latin typeface="Cambria Math" panose="02040503050406030204" pitchFamily="18" charset="0"/>
-                                  </a:rPr>
-                                  <m:t>552</m:t>
-                                </m:r>
-                              </m:oMath>
-                            </m:oMathPara>
-                          </a14:m>
-                          <a:endParaRPr lang="en-US" dirty="0"/>
-                        </a:p>
-                      </a:txBody>
-                      <a:tcPr>
-                        <a:solidFill>
-                          <a:schemeClr val="bg1"/>
-                        </a:solidFill>
-                      </a:tcPr>
-                    </a:tc>
-                    <a:extLst>
-                      <a:ext uri="{0D108BD9-81ED-4DB2-BD59-A6C34878D82A}">
-                        <a16:rowId xmlns:a16="http://schemas.microsoft.com/office/drawing/2014/main" val="1737140274"/>
-                      </a:ext>
-                    </a:extLst>
-                  </a:tr>
-                  <a:tr h="212580">
-                    <a:tc>
-                      <a:txBody>
-                        <a:bodyPr/>
-                        <a:lstStyle/>
-                        <a:p>
-                          <a:pPr lvl="0">
-                            <a:buNone/>
-                          </a:pPr>
-                          <a:r>
-                            <a:rPr lang="en-US" sz="1400" i="1" dirty="0" err="1"/>
-                            <a:t>model_ab</a:t>
-                          </a:r>
-                          <a:endParaRPr lang="en-US" sz="1400" i="1" dirty="0"/>
+                            <a:rPr lang="en-US" sz="1400" i="1" dirty="0"/>
+                            <a:t>model_nn2</a:t>
+                          </a:r>
                         </a:p>
                       </a:txBody>
                       <a:tcPr/>
@@ -9066,7 +8889,7 @@
                                   <a:rPr lang="en-US" i="1" dirty="0" smtClean="0">
                                     <a:latin typeface="Cambria Math" panose="02040503050406030204" pitchFamily="18" charset="0"/>
                                   </a:rPr>
-                                  <m:t>0.7972</m:t>
+                                  <m:t>0.8177</m:t>
                                 </m:r>
                               </m:oMath>
                             </m:oMathPara>
@@ -9096,7 +8919,7 @@
                                   <a:rPr lang="en-US" i="1" dirty="0" smtClean="0">
                                     <a:latin typeface="Cambria Math" panose="02040503050406030204" pitchFamily="18" charset="0"/>
                                   </a:rPr>
-                                  <m:t>0.7222</m:t>
+                                  <m:t>0.7164</m:t>
                                 </m:r>
                               </m:oMath>
                             </m:oMathPara>
@@ -9126,7 +8949,7 @@
                                   <a:rPr lang="en-US" i="1" dirty="0" smtClean="0">
                                     <a:latin typeface="Cambria Math" panose="02040503050406030204" pitchFamily="18" charset="0"/>
                                   </a:rPr>
-                                  <m:t>0.7578</m:t>
+                                  <m:t>0.7631</m:t>
                                 </m:r>
                               </m:oMath>
                             </m:oMathPara>
@@ -9135,14 +8958,12 @@
                         </a:p>
                       </a:txBody>
                       <a:tcPr>
-                        <a:solidFill>
-                          <a:schemeClr val="bg1"/>
-                        </a:solidFill>
+                        <a:noFill/>
                       </a:tcPr>
                     </a:tc>
                     <a:extLst>
                       <a:ext uri="{0D108BD9-81ED-4DB2-BD59-A6C34878D82A}">
-                        <a16:rowId xmlns:a16="http://schemas.microsoft.com/office/drawing/2014/main" val="1466709120"/>
+                        <a16:rowId xmlns:a16="http://schemas.microsoft.com/office/drawing/2014/main" val="1102300851"/>
                       </a:ext>
                     </a:extLst>
                   </a:tr>
@@ -9162,13 +8983,7 @@
                           <a:endParaRPr lang="en-US" sz="1400" i="1" dirty="0"/>
                         </a:p>
                       </a:txBody>
-                      <a:tcPr>
-                        <a:solidFill>
-                          <a:schemeClr val="bg1">
-                            <a:lumMod val="85000"/>
-                          </a:schemeClr>
-                        </a:solidFill>
-                      </a:tcPr>
+                      <a:tcPr/>
                     </a:tc>
                     <a:tc>
                       <a:txBody>
@@ -9197,11 +9012,7 @@
                         </a:p>
                       </a:txBody>
                       <a:tcPr>
-                        <a:solidFill>
-                          <a:schemeClr val="bg1">
-                            <a:lumMod val="85000"/>
-                          </a:schemeClr>
-                        </a:solidFill>
+                        <a:noFill/>
                       </a:tcPr>
                     </a:tc>
                     <a:tc>
@@ -9231,11 +9042,7 @@
                         </a:p>
                       </a:txBody>
                       <a:tcPr>
-                        <a:solidFill>
-                          <a:schemeClr val="bg1">
-                            <a:lumMod val="85000"/>
-                          </a:schemeClr>
-                        </a:solidFill>
+                        <a:noFill/>
                       </a:tcPr>
                     </a:tc>
                     <a:tc>
@@ -9265,16 +9072,12 @@
                         </a:p>
                       </a:txBody>
                       <a:tcPr>
-                        <a:solidFill>
-                          <a:schemeClr val="bg1">
-                            <a:lumMod val="85000"/>
-                          </a:schemeClr>
-                        </a:solidFill>
+                        <a:noFill/>
                       </a:tcPr>
                     </a:tc>
                     <a:extLst>
                       <a:ext uri="{0D108BD9-81ED-4DB2-BD59-A6C34878D82A}">
-                        <a16:rowId xmlns:a16="http://schemas.microsoft.com/office/drawing/2014/main" val="3785215777"/>
+                        <a16:rowId xmlns:a16="http://schemas.microsoft.com/office/drawing/2014/main" val="3550469245"/>
                       </a:ext>
                     </a:extLst>
                   </a:tr>
@@ -9283,13 +9086,13 @@
             </a:graphic>
           </p:graphicFrame>
         </mc:Choice>
-        <mc:Fallback>
+        <mc:Fallback xmlns="">
           <p:graphicFrame>
             <p:nvGraphicFramePr>
-              <p:cNvPr id="3" name="Table 6">
+              <p:cNvPr id="4" name="Table 6">
                 <a:extLst>
                   <a:ext uri="{FF2B5EF4-FFF2-40B4-BE49-F238E27FC236}">
-                    <a16:creationId xmlns:a16="http://schemas.microsoft.com/office/drawing/2014/main" id="{A0C5913A-DF18-2BDE-42E2-0FDE3BC0AF6A}"/>
+                    <a16:creationId xmlns:a16="http://schemas.microsoft.com/office/drawing/2014/main" id="{B2210401-8E55-4B3D-C6FB-43231272792D}"/>
                   </a:ext>
                 </a:extLst>
               </p:cNvPr>
@@ -9299,14 +9102,14 @@
               <p:nvPr>
                 <p:extLst>
                   <p:ext uri="{D42A27DB-BD31-4B8C-83A1-F6EECF244321}">
-                    <p14:modId xmlns:p14="http://schemas.microsoft.com/office/powerpoint/2010/main" val="521973043"/>
+                    <p14:modId xmlns:p14="http://schemas.microsoft.com/office/powerpoint/2010/main" val="3043736594"/>
                   </p:ext>
                 </p:extLst>
               </p:nvPr>
             </p:nvGraphicFramePr>
             <p:xfrm>
-              <a:off x="1176970" y="2616864"/>
-              <a:ext cx="4919030" cy="1767840"/>
+              <a:off x="1176970" y="2392680"/>
+              <a:ext cx="4919030" cy="1036320"/>
             </p:xfrm>
             <a:graphic>
               <a:graphicData uri="http://schemas.openxmlformats.org/drawingml/2006/table">
@@ -9350,7 +9153,7 @@
                         <a:bodyPr/>
                         <a:lstStyle/>
                         <a:p>
-                          <a:endParaRPr lang="en-CH" sz="1400"/>
+                          <a:endParaRPr lang="en-CH" sz="1400" dirty="0"/>
                         </a:p>
                       </a:txBody>
                       <a:tcPr/>
@@ -9425,10 +9228,9 @@
                             <a:buNone/>
                           </a:pPr>
                           <a:r>
-                            <a:rPr lang="en-US" sz="1400" i="1" dirty="0" err="1"/>
-                            <a:t>model_nn</a:t>
-                          </a:r>
-                          <a:endParaRPr lang="en-US" sz="1400" i="1" dirty="0"/>
+                            <a:rPr lang="en-US" sz="1400" i="1" dirty="0"/>
+                            <a:t>model_nn2</a:t>
+                          </a:r>
                         </a:p>
                       </a:txBody>
                       <a:tcPr/>
@@ -9445,7 +9247,7 @@
                         <a:blipFill>
                           <a:blip r:embed="rId3"/>
                           <a:stretch>
-                            <a:fillRect l="-107865" t="-89655" r="-230337" b="-303448"/>
+                            <a:fillRect l="-107865" t="-86207" r="-230337" b="-106897"/>
                           </a:stretch>
                         </a:blipFill>
                       </a:tcPr>
@@ -9462,7 +9264,7 @@
                         <a:blipFill>
                           <a:blip r:embed="rId3"/>
                           <a:stretch>
-                            <a:fillRect l="-183168" t="-89655" r="-102970" b="-303448"/>
+                            <a:fillRect l="-183168" t="-86207" r="-102970" b="-106897"/>
                           </a:stretch>
                         </a:blipFill>
                       </a:tcPr>
@@ -9479,14 +9281,14 @@
                         <a:blipFill>
                           <a:blip r:embed="rId3"/>
                           <a:stretch>
-                            <a:fillRect l="-280392" t="-89655" r="-1961" b="-303448"/>
+                            <a:fillRect l="-280392" t="-86207" r="-1961" b="-106897"/>
                           </a:stretch>
                         </a:blipFill>
                       </a:tcPr>
                     </a:tc>
                     <a:extLst>
                       <a:ext uri="{0D108BD9-81ED-4DB2-BD59-A6C34878D82A}">
-                        <a16:rowId xmlns:a16="http://schemas.microsoft.com/office/drawing/2014/main" val="88219275"/>
+                        <a16:rowId xmlns:a16="http://schemas.microsoft.com/office/drawing/2014/main" val="1102300851"/>
                       </a:ext>
                     </a:extLst>
                   </a:tr>
@@ -9501,7 +9303,7 @@
                           </a:pPr>
                           <a:r>
                             <a:rPr lang="en-US" sz="1400" i="1" dirty="0" err="1"/>
-                            <a:t>model_rf</a:t>
+                            <a:t>model_ab_old</a:t>
                           </a:r>
                           <a:endParaRPr lang="en-US" sz="1400" i="1" dirty="0"/>
                         </a:p>
@@ -9520,7 +9322,7 @@
                         <a:blipFill>
                           <a:blip r:embed="rId3"/>
                           <a:stretch>
-                            <a:fillRect l="-107865" t="-189655" r="-230337" b="-203448"/>
+                            <a:fillRect l="-107865" t="-186207" r="-230337" b="-6897"/>
                           </a:stretch>
                         </a:blipFill>
                       </a:tcPr>
@@ -9537,7 +9339,7 @@
                         <a:blipFill>
                           <a:blip r:embed="rId3"/>
                           <a:stretch>
-                            <a:fillRect l="-183168" t="-189655" r="-102970" b="-203448"/>
+                            <a:fillRect l="-183168" t="-186207" r="-102970" b="-6897"/>
                           </a:stretch>
                         </a:blipFill>
                       </a:tcPr>
@@ -9554,18 +9356,146 @@
                         <a:blipFill>
                           <a:blip r:embed="rId3"/>
                           <a:stretch>
-                            <a:fillRect l="-280392" t="-189655" r="-1961" b="-203448"/>
+                            <a:fillRect l="-280392" t="-186207" r="-1961" b="-6897"/>
                           </a:stretch>
                         </a:blipFill>
                       </a:tcPr>
                     </a:tc>
                     <a:extLst>
                       <a:ext uri="{0D108BD9-81ED-4DB2-BD59-A6C34878D82A}">
-                        <a16:rowId xmlns:a16="http://schemas.microsoft.com/office/drawing/2014/main" val="1737140274"/>
+                        <a16:rowId xmlns:a16="http://schemas.microsoft.com/office/drawing/2014/main" val="3550469245"/>
                       </a:ext>
                     </a:extLst>
                   </a:tr>
-                  <a:tr h="365760">
+                </a:tbl>
+              </a:graphicData>
+            </a:graphic>
+          </p:graphicFrame>
+        </mc:Fallback>
+      </mc:AlternateContent>
+      <mc:AlternateContent xmlns:mc="http://schemas.openxmlformats.org/markup-compatibility/2006" xmlns:a14="http://schemas.microsoft.com/office/drawing/2010/main">
+        <mc:Choice Requires="a14">
+          <p:graphicFrame>
+            <p:nvGraphicFramePr>
+              <p:cNvPr id="6" name="Table 6">
+                <a:extLst>
+                  <a:ext uri="{FF2B5EF4-FFF2-40B4-BE49-F238E27FC236}">
+                    <a16:creationId xmlns:a16="http://schemas.microsoft.com/office/drawing/2014/main" id="{9125241E-488C-FBCD-6CAE-B2745251A6A0}"/>
+                  </a:ext>
+                </a:extLst>
+              </p:cNvPr>
+              <p:cNvGraphicFramePr>
+                <a:graphicFrameLocks noGrp="1"/>
+              </p:cNvGraphicFramePr>
+              <p:nvPr>
+                <p:extLst>
+                  <p:ext uri="{D42A27DB-BD31-4B8C-83A1-F6EECF244321}">
+                    <p14:modId xmlns:p14="http://schemas.microsoft.com/office/powerpoint/2010/main" val="1980356584"/>
+                  </p:ext>
+                </p:extLst>
+              </p:nvPr>
+            </p:nvGraphicFramePr>
+            <p:xfrm>
+              <a:off x="6795052" y="2392680"/>
+              <a:ext cx="3631095" cy="1036320"/>
+            </p:xfrm>
+            <a:graphic>
+              <a:graphicData uri="http://schemas.openxmlformats.org/drawingml/2006/table">
+                <a:tbl>
+                  <a:tblPr firstRow="1" bandRow="1">
+                    <a:tableStyleId>{5940675A-B579-460E-94D1-54222C63F5DA}</a:tableStyleId>
+                  </a:tblPr>
+                  <a:tblGrid>
+                    <a:gridCol w="1219721">
+                      <a:extLst>
+                        <a:ext uri="{9D8B030D-6E8A-4147-A177-3AD203B41FA5}">
+                          <a16:colId xmlns:a16="http://schemas.microsoft.com/office/drawing/2014/main" val="85563763"/>
+                        </a:ext>
+                      </a:extLst>
+                    </a:gridCol>
+                    <a:gridCol w="1123439">
+                      <a:extLst>
+                        <a:ext uri="{9D8B030D-6E8A-4147-A177-3AD203B41FA5}">
+                          <a16:colId xmlns:a16="http://schemas.microsoft.com/office/drawing/2014/main" val="3628537185"/>
+                        </a:ext>
+                      </a:extLst>
+                    </a:gridCol>
+                    <a:gridCol w="1287935">
+                      <a:extLst>
+                        <a:ext uri="{9D8B030D-6E8A-4147-A177-3AD203B41FA5}">
+                          <a16:colId xmlns:a16="http://schemas.microsoft.com/office/drawing/2014/main" val="1465106393"/>
+                        </a:ext>
+                      </a:extLst>
+                    </a:gridCol>
+                  </a:tblGrid>
+                  <a:tr h="212580">
+                    <a:tc>
+                      <a:txBody>
+                        <a:bodyPr/>
+                        <a:lstStyle/>
+                        <a:p>
+                          <a:endParaRPr lang="en-CH" sz="1400"/>
+                        </a:p>
+                      </a:txBody>
+                      <a:tcPr/>
+                    </a:tc>
+                    <a:tc>
+                      <a:txBody>
+                        <a:bodyPr/>
+                        <a:lstStyle/>
+                        <a:p>
+                          <a:pPr lvl="0" algn="ctr">
+                            <a:buNone/>
+                          </a:pPr>
+                          <a:r>
+                            <a:rPr lang="en-US" sz="1400" dirty="0"/>
+                            <a:t>F1 – </a:t>
+                          </a:r>
+                          <a:r>
+                            <a:rPr lang="en-US" sz="1400" i="1" dirty="0"/>
+                            <a:t>test1 </a:t>
+                          </a:r>
+                          <a:endParaRPr lang="en-US" sz="1400" dirty="0"/>
+                        </a:p>
+                      </a:txBody>
+                      <a:tcPr>
+                        <a:noFill/>
+                      </a:tcPr>
+                    </a:tc>
+                    <a:tc>
+                      <a:txBody>
+                        <a:bodyPr/>
+                        <a:lstStyle/>
+                        <a:p>
+                          <a:pPr lvl="0" algn="ctr">
+                            <a:buNone/>
+                          </a:pPr>
+                          <a:r>
+                            <a:rPr lang="en-US" sz="1400" dirty="0"/>
+                            <a:t>F1 – </a:t>
+                          </a:r>
+                          <a:r>
+                            <a:rPr lang="en-US" sz="1400" i="1" dirty="0"/>
+                            <a:t>test2</a:t>
+                          </a:r>
+                          <a:r>
+                            <a:rPr lang="en-US" sz="1400" i="0" dirty="0"/>
+                            <a:t> </a:t>
+                          </a:r>
+                          <a:endParaRPr lang="en-US" sz="1400" dirty="0"/>
+                        </a:p>
+                      </a:txBody>
+                      <a:tcPr>
+                        <a:noFill/>
+                      </a:tcPr>
+                    </a:tc>
+                    <a:extLst>
+                      <a:ext uri="{0D108BD9-81ED-4DB2-BD59-A6C34878D82A}">
+                        <a16:rowId xmlns:a16="http://schemas.microsoft.com/office/drawing/2014/main" val="3691073050"/>
+                      </a:ext>
+                    </a:extLst>
+                  </a:tr>
+                  <a:tr h="212580">
                     <a:tc>
                       <a:txBody>
                         <a:bodyPr/>
@@ -9575,8 +9505,91 @@
                             <a:buNone/>
                           </a:pPr>
                           <a:r>
+                            <a:rPr lang="en-US" sz="1400" i="1" dirty="0"/>
+                            <a:t>model_nn2</a:t>
+                          </a:r>
+                        </a:p>
+                      </a:txBody>
+                      <a:tcPr/>
+                    </a:tc>
+                    <a:tc>
+                      <a:txBody>
+                        <a:bodyPr/>
+                        <a:lstStyle/>
+                        <a:p>
+                          <a:pPr lvl="0">
+                            <a:buNone/>
+                          </a:pPr>
+                          <a14:m>
+                            <m:oMathPara xmlns:m="http://schemas.openxmlformats.org/officeDocument/2006/math">
+                              <m:oMathParaPr>
+                                <m:jc m:val="centerGroup"/>
+                              </m:oMathParaPr>
+                              <m:oMath xmlns:m="http://schemas.openxmlformats.org/officeDocument/2006/math">
+                                <m:r>
+                                  <a:rPr lang="en-US" i="1" dirty="0" smtClean="0">
+                                    <a:latin typeface="Cambria Math" panose="02040503050406030204" pitchFamily="18" charset="0"/>
+                                  </a:rPr>
+                                  <m:t>0.7199</m:t>
+                                </m:r>
+                              </m:oMath>
+                            </m:oMathPara>
+                          </a14:m>
+                          <a:endParaRPr lang="en-US" dirty="0"/>
+                        </a:p>
+                      </a:txBody>
+                      <a:tcPr>
+                        <a:noFill/>
+                      </a:tcPr>
+                    </a:tc>
+                    <a:tc>
+                      <a:txBody>
+                        <a:bodyPr/>
+                        <a:lstStyle/>
+                        <a:p>
+                          <a:pPr lvl="0">
+                            <a:buNone/>
+                          </a:pPr>
+                          <a14:m>
+                            <m:oMathPara xmlns:m="http://schemas.openxmlformats.org/officeDocument/2006/math">
+                              <m:oMathParaPr>
+                                <m:jc m:val="centerGroup"/>
+                              </m:oMathParaPr>
+                              <m:oMath xmlns:m="http://schemas.openxmlformats.org/officeDocument/2006/math">
+                                <m:r>
+                                  <a:rPr lang="en-US" i="1" dirty="0" smtClean="0">
+                                    <a:latin typeface="Cambria Math" panose="02040503050406030204" pitchFamily="18" charset="0"/>
+                                  </a:rPr>
+                                  <m:t>0.7112</m:t>
+                                </m:r>
+                              </m:oMath>
+                            </m:oMathPara>
+                          </a14:m>
+                          <a:endParaRPr lang="en-US" dirty="0"/>
+                        </a:p>
+                      </a:txBody>
+                      <a:tcPr>
+                        <a:noFill/>
+                      </a:tcPr>
+                    </a:tc>
+                    <a:extLst>
+                      <a:ext uri="{0D108BD9-81ED-4DB2-BD59-A6C34878D82A}">
+                        <a16:rowId xmlns:a16="http://schemas.microsoft.com/office/drawing/2014/main" val="3314499718"/>
+                      </a:ext>
+                    </a:extLst>
+                  </a:tr>
+                  <a:tr h="212580">
+                    <a:tc>
+                      <a:txBody>
+                        <a:bodyPr/>
+                        <a:lstStyle/>
+                        <a:p>
+                          <a:pPr lvl="0">
+                            <a:buNone/>
+                          </a:pPr>
+                          <a:r>
                             <a:rPr lang="en-US" sz="1400" i="1" dirty="0" err="1"/>
-                            <a:t>model_ab</a:t>
+                            <a:t>model_ab_old</a:t>
                           </a:r>
                           <a:endParaRPr lang="en-US" sz="1400" i="1" dirty="0"/>
                         </a:p>
@@ -9588,50 +9601,71 @@
                         <a:bodyPr/>
                         <a:lstStyle/>
                         <a:p>
-                          <a:endParaRPr lang="en-CH"/>
-                        </a:p>
-                      </a:txBody>
-                      <a:tcPr>
-                        <a:blipFill>
-                          <a:blip r:embed="rId3"/>
-                          <a:stretch>
-                            <a:fillRect l="-107865" t="-289655" r="-230337" b="-103448"/>
-                          </a:stretch>
-                        </a:blipFill>
-                      </a:tcPr>
-                    </a:tc>
-                    <a:tc>
-                      <a:txBody>
-                        <a:bodyPr/>
-                        <a:lstStyle/>
-                        <a:p>
-                          <a:endParaRPr lang="en-CH"/>
-                        </a:p>
-                      </a:txBody>
-                      <a:tcPr>
-                        <a:blipFill>
-                          <a:blip r:embed="rId3"/>
-                          <a:stretch>
-                            <a:fillRect l="-183168" t="-289655" r="-102970" b="-103448"/>
-                          </a:stretch>
-                        </a:blipFill>
-                      </a:tcPr>
-                    </a:tc>
-                    <a:tc>
-                      <a:txBody>
-                        <a:bodyPr/>
-                        <a:lstStyle/>
-                        <a:p>
-                          <a:endParaRPr lang="en-CH"/>
-                        </a:p>
-                      </a:txBody>
-                      <a:tcPr>
-                        <a:blipFill>
-                          <a:blip r:embed="rId3"/>
-                          <a:stretch>
-                            <a:fillRect l="-280392" t="-289655" r="-1961" b="-103448"/>
-                          </a:stretch>
-                        </a:blipFill>
+                          <a:pPr lvl="0">
+                            <a:buNone/>
+                          </a:pPr>
+                          <a14:m>
+                            <m:oMathPara xmlns:m="http://schemas.openxmlformats.org/officeDocument/2006/math">
+                              <m:oMathParaPr>
+                                <m:jc m:val="centerGroup"/>
+                              </m:oMathParaPr>
+                              <m:oMath xmlns:m="http://schemas.openxmlformats.org/officeDocument/2006/math">
+                                <m:r>
+                                  <a:rPr lang="en-US" i="1" dirty="0" smtClean="0">
+                                    <a:latin typeface="Cambria Math" panose="02040503050406030204" pitchFamily="18" charset="0"/>
+                                  </a:rPr>
+                                  <m:t>0.</m:t>
+                                </m:r>
+                                <m:r>
+                                  <a:rPr lang="de-CH" b="0" i="1" dirty="0" smtClean="0">
+                                    <a:latin typeface="Cambria Math" panose="02040503050406030204" pitchFamily="18" charset="0"/>
+                                  </a:rPr>
+                                  <m:t>734</m:t>
+                                </m:r>
+                              </m:oMath>
+                            </m:oMathPara>
+                          </a14:m>
+                          <a:endParaRPr lang="en-US" dirty="0"/>
+                        </a:p>
+                      </a:txBody>
+                      <a:tcPr>
+                        <a:noFill/>
+                      </a:tcPr>
+                    </a:tc>
+                    <a:tc>
+                      <a:txBody>
+                        <a:bodyPr/>
+                        <a:lstStyle/>
+                        <a:p>
+                          <a:pPr lvl="0">
+                            <a:buNone/>
+                          </a:pPr>
+                          <a14:m>
+                            <m:oMathPara xmlns:m="http://schemas.openxmlformats.org/officeDocument/2006/math">
+                              <m:oMathParaPr>
+                                <m:jc m:val="centerGroup"/>
+                              </m:oMathParaPr>
+                              <m:oMath xmlns:m="http://schemas.openxmlformats.org/officeDocument/2006/math">
+                                <m:r>
+                                  <a:rPr lang="en-US" i="1" dirty="0" smtClean="0">
+                                    <a:latin typeface="Cambria Math" panose="02040503050406030204" pitchFamily="18" charset="0"/>
+                                  </a:rPr>
+                                  <m:t>0.</m:t>
+                                </m:r>
+                                <m:r>
+                                  <a:rPr lang="de-CH" b="0" i="1" dirty="0" smtClean="0">
+                                    <a:latin typeface="Cambria Math" panose="02040503050406030204" pitchFamily="18" charset="0"/>
+                                  </a:rPr>
+                                  <m:t>726</m:t>
+                                </m:r>
+                              </m:oMath>
+                            </m:oMathPara>
+                          </a14:m>
+                          <a:endParaRPr lang="en-US" dirty="0"/>
+                        </a:p>
+                      </a:txBody>
+                      <a:tcPr>
+                        <a:noFill/>
                       </a:tcPr>
                     </a:tc>
                     <a:extLst>
@@ -9640,6 +9674,132 @@
                       </a:ext>
                     </a:extLst>
                   </a:tr>
+                </a:tbl>
+              </a:graphicData>
+            </a:graphic>
+          </p:graphicFrame>
+        </mc:Choice>
+        <mc:Fallback xmlns="">
+          <p:graphicFrame>
+            <p:nvGraphicFramePr>
+              <p:cNvPr id="6" name="Table 6">
+                <a:extLst>
+                  <a:ext uri="{FF2B5EF4-FFF2-40B4-BE49-F238E27FC236}">
+                    <a16:creationId xmlns:a16="http://schemas.microsoft.com/office/drawing/2014/main" id="{9125241E-488C-FBCD-6CAE-B2745251A6A0}"/>
+                  </a:ext>
+                </a:extLst>
+              </p:cNvPr>
+              <p:cNvGraphicFramePr>
+                <a:graphicFrameLocks noGrp="1"/>
+              </p:cNvGraphicFramePr>
+              <p:nvPr>
+                <p:extLst>
+                  <p:ext uri="{D42A27DB-BD31-4B8C-83A1-F6EECF244321}">
+                    <p14:modId xmlns:p14="http://schemas.microsoft.com/office/powerpoint/2010/main" val="1980356584"/>
+                  </p:ext>
+                </p:extLst>
+              </p:nvPr>
+            </p:nvGraphicFramePr>
+            <p:xfrm>
+              <a:off x="6795052" y="2392680"/>
+              <a:ext cx="3631095" cy="1036320"/>
+            </p:xfrm>
+            <a:graphic>
+              <a:graphicData uri="http://schemas.openxmlformats.org/drawingml/2006/table">
+                <a:tbl>
+                  <a:tblPr firstRow="1" bandRow="1">
+                    <a:tableStyleId>{5940675A-B579-460E-94D1-54222C63F5DA}</a:tableStyleId>
+                  </a:tblPr>
+                  <a:tblGrid>
+                    <a:gridCol w="1219721">
+                      <a:extLst>
+                        <a:ext uri="{9D8B030D-6E8A-4147-A177-3AD203B41FA5}">
+                          <a16:colId xmlns:a16="http://schemas.microsoft.com/office/drawing/2014/main" val="85563763"/>
+                        </a:ext>
+                      </a:extLst>
+                    </a:gridCol>
+                    <a:gridCol w="1123439">
+                      <a:extLst>
+                        <a:ext uri="{9D8B030D-6E8A-4147-A177-3AD203B41FA5}">
+                          <a16:colId xmlns:a16="http://schemas.microsoft.com/office/drawing/2014/main" val="3628537185"/>
+                        </a:ext>
+                      </a:extLst>
+                    </a:gridCol>
+                    <a:gridCol w="1287935">
+                      <a:extLst>
+                        <a:ext uri="{9D8B030D-6E8A-4147-A177-3AD203B41FA5}">
+                          <a16:colId xmlns:a16="http://schemas.microsoft.com/office/drawing/2014/main" val="1465106393"/>
+                        </a:ext>
+                      </a:extLst>
+                    </a:gridCol>
+                  </a:tblGrid>
+                  <a:tr h="304800">
+                    <a:tc>
+                      <a:txBody>
+                        <a:bodyPr/>
+                        <a:lstStyle/>
+                        <a:p>
+                          <a:endParaRPr lang="en-CH" sz="1400"/>
+                        </a:p>
+                      </a:txBody>
+                      <a:tcPr/>
+                    </a:tc>
+                    <a:tc>
+                      <a:txBody>
+                        <a:bodyPr/>
+                        <a:lstStyle/>
+                        <a:p>
+                          <a:pPr lvl="0" algn="ctr">
+                            <a:buNone/>
+                          </a:pPr>
+                          <a:r>
+                            <a:rPr lang="en-US" sz="1400" dirty="0"/>
+                            <a:t>F1 – </a:t>
+                          </a:r>
+                          <a:r>
+                            <a:rPr lang="en-US" sz="1400" i="1" dirty="0"/>
+                            <a:t>test1 </a:t>
+                          </a:r>
+                          <a:endParaRPr lang="en-US" sz="1400" dirty="0"/>
+                        </a:p>
+                      </a:txBody>
+                      <a:tcPr>
+                        <a:noFill/>
+                      </a:tcPr>
+                    </a:tc>
+                    <a:tc>
+                      <a:txBody>
+                        <a:bodyPr/>
+                        <a:lstStyle/>
+                        <a:p>
+                          <a:pPr lvl="0" algn="ctr">
+                            <a:buNone/>
+                          </a:pPr>
+                          <a:r>
+                            <a:rPr lang="en-US" sz="1400" dirty="0"/>
+                            <a:t>F1 – </a:t>
+                          </a:r>
+                          <a:r>
+                            <a:rPr lang="en-US" sz="1400" i="1" dirty="0"/>
+                            <a:t>test2</a:t>
+                          </a:r>
+                          <a:r>
+                            <a:rPr lang="en-US" sz="1400" i="0" dirty="0"/>
+                            <a:t> </a:t>
+                          </a:r>
+                          <a:endParaRPr lang="en-US" sz="1400" dirty="0"/>
+                        </a:p>
+                      </a:txBody>
+                      <a:tcPr>
+                        <a:noFill/>
+                      </a:tcPr>
+                    </a:tc>
+                    <a:extLst>
+                      <a:ext uri="{0D108BD9-81ED-4DB2-BD59-A6C34878D82A}">
+                        <a16:rowId xmlns:a16="http://schemas.microsoft.com/office/drawing/2014/main" val="3691073050"/>
+                      </a:ext>
+                    </a:extLst>
+                  </a:tr>
                   <a:tr h="365760">
                     <a:tc>
                       <a:txBody>
@@ -9650,16 +9810,305 @@
                             <a:buNone/>
                           </a:pPr>
                           <a:r>
+                            <a:rPr lang="en-US" sz="1400" i="1" dirty="0"/>
+                            <a:t>model_nn2</a:t>
+                          </a:r>
+                        </a:p>
+                      </a:txBody>
+                      <a:tcPr/>
+                    </a:tc>
+                    <a:tc>
+                      <a:txBody>
+                        <a:bodyPr/>
+                        <a:lstStyle/>
+                        <a:p>
+                          <a:endParaRPr lang="en-CH"/>
+                        </a:p>
+                      </a:txBody>
+                      <a:tcPr>
+                        <a:blipFill>
+                          <a:blip r:embed="rId4"/>
+                          <a:stretch>
+                            <a:fillRect l="-108989" t="-86207" r="-115730" b="-106897"/>
+                          </a:stretch>
+                        </a:blipFill>
+                      </a:tcPr>
+                    </a:tc>
+                    <a:tc>
+                      <a:txBody>
+                        <a:bodyPr/>
+                        <a:lstStyle/>
+                        <a:p>
+                          <a:endParaRPr lang="en-CH"/>
+                        </a:p>
+                      </a:txBody>
+                      <a:tcPr>
+                        <a:blipFill>
+                          <a:blip r:embed="rId4"/>
+                          <a:stretch>
+                            <a:fillRect l="-184158" t="-86207" r="-1980" b="-106897"/>
+                          </a:stretch>
+                        </a:blipFill>
+                      </a:tcPr>
+                    </a:tc>
+                    <a:extLst>
+                      <a:ext uri="{0D108BD9-81ED-4DB2-BD59-A6C34878D82A}">
+                        <a16:rowId xmlns:a16="http://schemas.microsoft.com/office/drawing/2014/main" val="3314499718"/>
+                      </a:ext>
+                    </a:extLst>
+                  </a:tr>
+                  <a:tr h="365760">
+                    <a:tc>
+                      <a:txBody>
+                        <a:bodyPr/>
+                        <a:lstStyle/>
+                        <a:p>
+                          <a:pPr lvl="0">
+                            <a:buNone/>
+                          </a:pPr>
+                          <a:r>
                             <a:rPr lang="en-US" sz="1400" i="1" dirty="0" err="1"/>
                             <a:t>model_ab_old</a:t>
                           </a:r>
                           <a:endParaRPr lang="en-US" sz="1400" i="1" dirty="0"/>
                         </a:p>
                       </a:txBody>
+                      <a:tcPr/>
+                    </a:tc>
+                    <a:tc>
+                      <a:txBody>
+                        <a:bodyPr/>
+                        <a:lstStyle/>
+                        <a:p>
+                          <a:endParaRPr lang="en-CH"/>
+                        </a:p>
+                      </a:txBody>
+                      <a:tcPr>
+                        <a:blipFill>
+                          <a:blip r:embed="rId4"/>
+                          <a:stretch>
+                            <a:fillRect l="-108989" t="-186207" r="-115730" b="-6897"/>
+                          </a:stretch>
+                        </a:blipFill>
+                      </a:tcPr>
+                    </a:tc>
+                    <a:tc>
+                      <a:txBody>
+                        <a:bodyPr/>
+                        <a:lstStyle/>
+                        <a:p>
+                          <a:endParaRPr lang="en-CH"/>
+                        </a:p>
+                      </a:txBody>
+                      <a:tcPr>
+                        <a:blipFill>
+                          <a:blip r:embed="rId4"/>
+                          <a:stretch>
+                            <a:fillRect l="-184158" t="-186207" r="-1980" b="-6897"/>
+                          </a:stretch>
+                        </a:blipFill>
+                      </a:tcPr>
+                    </a:tc>
+                    <a:extLst>
+                      <a:ext uri="{0D108BD9-81ED-4DB2-BD59-A6C34878D82A}">
+                        <a16:rowId xmlns:a16="http://schemas.microsoft.com/office/drawing/2014/main" val="1466709120"/>
+                      </a:ext>
+                    </a:extLst>
+                  </a:tr>
+                </a:tbl>
+              </a:graphicData>
+            </a:graphic>
+          </p:graphicFrame>
+        </mc:Fallback>
+      </mc:AlternateContent>
+      <mc:AlternateContent xmlns:mc="http://schemas.openxmlformats.org/markup-compatibility/2006">
+        <mc:Choice xmlns:a14="http://schemas.microsoft.com/office/drawing/2010/main" Requires="a14">
+          <p:graphicFrame>
+            <p:nvGraphicFramePr>
+              <p:cNvPr id="8" name="Table 6">
+                <a:extLst>
+                  <a:ext uri="{FF2B5EF4-FFF2-40B4-BE49-F238E27FC236}">
+                    <a16:creationId xmlns:a16="http://schemas.microsoft.com/office/drawing/2014/main" id="{EE3DF23D-DD20-9889-897E-0DD8E9BD1798}"/>
+                  </a:ext>
+                </a:extLst>
+              </p:cNvPr>
+              <p:cNvGraphicFramePr>
+                <a:graphicFrameLocks noGrp="1"/>
+              </p:cNvGraphicFramePr>
+              <p:nvPr>
+                <p:extLst>
+                  <p:ext uri="{D42A27DB-BD31-4B8C-83A1-F6EECF244321}">
+                    <p14:modId xmlns:p14="http://schemas.microsoft.com/office/powerpoint/2010/main" val="2301996997"/>
+                  </p:ext>
+                </p:extLst>
+              </p:nvPr>
+            </p:nvGraphicFramePr>
+            <p:xfrm>
+              <a:off x="1628308" y="5886156"/>
+              <a:ext cx="4919030" cy="670560"/>
+            </p:xfrm>
+            <a:graphic>
+              <a:graphicData uri="http://schemas.openxmlformats.org/drawingml/2006/table">
+                <a:tbl>
+                  <a:tblPr firstRow="1" bandRow="1">
+                    <a:tableStyleId>{5940675A-B579-460E-94D1-54222C63F5DA}</a:tableStyleId>
+                  </a:tblPr>
+                  <a:tblGrid>
+                    <a:gridCol w="1712769">
+                      <a:extLst>
+                        <a:ext uri="{9D8B030D-6E8A-4147-A177-3AD203B41FA5}">
+                          <a16:colId xmlns:a16="http://schemas.microsoft.com/office/drawing/2014/main" val="85563763"/>
+                        </a:ext>
+                      </a:extLst>
+                    </a:gridCol>
+                    <a:gridCol w="852854">
+                      <a:extLst>
+                        <a:ext uri="{9D8B030D-6E8A-4147-A177-3AD203B41FA5}">
+                          <a16:colId xmlns:a16="http://schemas.microsoft.com/office/drawing/2014/main" val="3628537185"/>
+                        </a:ext>
+                      </a:extLst>
+                    </a:gridCol>
+                    <a:gridCol w="1160584">
+                      <a:extLst>
+                        <a:ext uri="{9D8B030D-6E8A-4147-A177-3AD203B41FA5}">
+                          <a16:colId xmlns:a16="http://schemas.microsoft.com/office/drawing/2014/main" val="1465106393"/>
+                        </a:ext>
+                      </a:extLst>
+                    </a:gridCol>
+                    <a:gridCol w="1192823">
+                      <a:extLst>
+                        <a:ext uri="{9D8B030D-6E8A-4147-A177-3AD203B41FA5}">
+                          <a16:colId xmlns:a16="http://schemas.microsoft.com/office/drawing/2014/main" val="468673117"/>
+                        </a:ext>
+                      </a:extLst>
+                    </a:gridCol>
+                  </a:tblGrid>
+                  <a:tr h="212580">
+                    <a:tc>
+                      <a:txBody>
+                        <a:bodyPr/>
+                        <a:lstStyle/>
+                        <a:p>
+                          <a:endParaRPr lang="en-CH" sz="1400" dirty="0"/>
+                        </a:p>
+                      </a:txBody>
+                      <a:tcPr/>
+                    </a:tc>
+                    <a:tc>
+                      <a:txBody>
+                        <a:bodyPr/>
+                        <a:lstStyle/>
+                        <a:p>
+                          <a:pPr lvl="0" algn="ctr">
+                            <a:buNone/>
+                          </a:pPr>
+                          <a:r>
+                            <a:rPr lang="en-US" sz="1400" dirty="0"/>
+                            <a:t>Recall</a:t>
+                          </a:r>
+                        </a:p>
+                      </a:txBody>
+                      <a:tcPr>
+                        <a:noFill/>
+                      </a:tcPr>
+                    </a:tc>
+                    <a:tc>
+                      <a:txBody>
+                        <a:bodyPr/>
+                        <a:lstStyle/>
+                        <a:p>
+                          <a:pPr lvl="0" algn="ctr">
+                            <a:buNone/>
+                          </a:pPr>
+                          <a:r>
+                            <a:rPr lang="en-US" sz="1400"/>
+                            <a:t>Precision</a:t>
+                          </a:r>
+                        </a:p>
+                      </a:txBody>
+                      <a:tcPr>
+                        <a:noFill/>
+                      </a:tcPr>
+                    </a:tc>
+                    <a:tc>
+                      <a:txBody>
+                        <a:bodyPr/>
+                        <a:lstStyle/>
+                        <a:p>
+                          <a:pPr lvl="0" algn="ctr">
+                            <a:buNone/>
+                          </a:pPr>
+                          <a:r>
+                            <a:rPr lang="en-US" sz="1400"/>
+                            <a:t>F1</a:t>
+                          </a:r>
+                        </a:p>
+                      </a:txBody>
+                      <a:tcPr>
+                        <a:noFill/>
+                      </a:tcPr>
+                    </a:tc>
+                    <a:extLst>
+                      <a:ext uri="{0D108BD9-81ED-4DB2-BD59-A6C34878D82A}">
+                        <a16:rowId xmlns:a16="http://schemas.microsoft.com/office/drawing/2014/main" val="3691073050"/>
+                      </a:ext>
+                    </a:extLst>
+                  </a:tr>
+                  <a:tr h="212580">
+                    <a:tc>
+                      <a:txBody>
+                        <a:bodyPr/>
+                        <a:lstStyle/>
+                        <a:p>
+                          <a:pPr lvl="0">
+                            <a:buNone/>
+                          </a:pPr>
+                          <a:r>
+                            <a:rPr lang="en-US" sz="1400" i="1" dirty="0" err="1"/>
+                            <a:t>model_ab_old_opt</a:t>
+                          </a:r>
+                          <a:endParaRPr lang="en-US" sz="1400" i="1" dirty="0"/>
+                        </a:p>
+                      </a:txBody>
+                      <a:tcPr/>
+                    </a:tc>
+                    <a:tc>
+                      <a:txBody>
+                        <a:bodyPr/>
+                        <a:lstStyle/>
+                        <a:p>
+                          <a:pPr lvl="0">
+                            <a:buNone/>
+                          </a:pPr>
+                          <a14:m>
+                            <m:oMathPara xmlns:m="http://schemas.openxmlformats.org/officeDocument/2006/math">
+                              <m:oMathParaPr>
+                                <m:jc m:val="centerGroup"/>
+                              </m:oMathParaPr>
+                              <m:oMath xmlns:m="http://schemas.openxmlformats.org/officeDocument/2006/math">
+                                <m:r>
+                                  <a:rPr lang="en-US" i="1" dirty="0" smtClean="0">
+                                    <a:latin typeface="Cambria Math" panose="02040503050406030204" pitchFamily="18" charset="0"/>
+                                  </a:rPr>
+                                  <m:t>0.</m:t>
+                                </m:r>
+                                <m:r>
+                                  <a:rPr lang="de-CH" b="0" i="1" dirty="0" smtClean="0">
+                                    <a:latin typeface="Cambria Math" panose="02040503050406030204" pitchFamily="18" charset="0"/>
+                                  </a:rPr>
+                                  <m:t>8853</m:t>
+                                </m:r>
+                              </m:oMath>
+                            </m:oMathPara>
+                          </a14:m>
+                          <a:endParaRPr lang="en-US" dirty="0"/>
+                        </a:p>
+                      </a:txBody>
                       <a:tcPr>
                         <a:solidFill>
-                          <a:schemeClr val="bg1">
-                            <a:lumMod val="85000"/>
+                          <a:schemeClr val="accent6">
+                            <a:lumMod val="40000"/>
+                            <a:lumOff val="60000"/>
                           </a:schemeClr>
                         </a:solidFill>
                       </a:tcPr>
@@ -9669,14 +10118,257 @@
                         <a:bodyPr/>
                         <a:lstStyle/>
                         <a:p>
+                          <a:pPr lvl="0">
+                            <a:buNone/>
+                          </a:pPr>
+                          <a14:m>
+                            <m:oMathPara xmlns:m="http://schemas.openxmlformats.org/officeDocument/2006/math">
+                              <m:oMathParaPr>
+                                <m:jc m:val="centerGroup"/>
+                              </m:oMathParaPr>
+                              <m:oMath xmlns:m="http://schemas.openxmlformats.org/officeDocument/2006/math">
+                                <m:r>
+                                  <a:rPr lang="en-US" i="1" dirty="0" smtClean="0">
+                                    <a:latin typeface="Cambria Math" panose="02040503050406030204" pitchFamily="18" charset="0"/>
+                                  </a:rPr>
+                                  <m:t>0.</m:t>
+                                </m:r>
+                                <m:r>
+                                  <a:rPr lang="de-CH" b="0" i="1" dirty="0" smtClean="0">
+                                    <a:latin typeface="Cambria Math" panose="02040503050406030204" pitchFamily="18" charset="0"/>
+                                  </a:rPr>
+                                  <m:t>681</m:t>
+                                </m:r>
+                              </m:oMath>
+                            </m:oMathPara>
+                          </a14:m>
+                          <a:endParaRPr lang="en-US" dirty="0"/>
+                        </a:p>
+                      </a:txBody>
+                      <a:tcPr>
+                        <a:solidFill>
+                          <a:schemeClr val="accent6">
+                            <a:lumMod val="40000"/>
+                            <a:lumOff val="60000"/>
+                          </a:schemeClr>
+                        </a:solidFill>
+                      </a:tcPr>
+                    </a:tc>
+                    <a:tc>
+                      <a:txBody>
+                        <a:bodyPr/>
+                        <a:lstStyle/>
+                        <a:p>
+                          <a:pPr lvl="0">
+                            <a:buNone/>
+                          </a:pPr>
+                          <a14:m>
+                            <m:oMathPara xmlns:m="http://schemas.openxmlformats.org/officeDocument/2006/math">
+                              <m:oMathParaPr>
+                                <m:jc m:val="centerGroup"/>
+                              </m:oMathParaPr>
+                              <m:oMath xmlns:m="http://schemas.openxmlformats.org/officeDocument/2006/math">
+                                <m:r>
+                                  <a:rPr lang="en-US" i="1" dirty="0" smtClean="0">
+                                    <a:latin typeface="Cambria Math" panose="02040503050406030204" pitchFamily="18" charset="0"/>
+                                  </a:rPr>
+                                  <m:t>0.</m:t>
+                                </m:r>
+                                <m:r>
+                                  <a:rPr lang="de-CH" b="0" i="1" dirty="0" smtClean="0">
+                                    <a:latin typeface="Cambria Math" panose="02040503050406030204" pitchFamily="18" charset="0"/>
+                                  </a:rPr>
+                                  <m:t>7698</m:t>
+                                </m:r>
+                              </m:oMath>
+                            </m:oMathPara>
+                          </a14:m>
+                          <a:endParaRPr lang="en-US" dirty="0"/>
+                        </a:p>
+                      </a:txBody>
+                      <a:tcPr>
+                        <a:solidFill>
+                          <a:schemeClr val="accent6">
+                            <a:lumMod val="40000"/>
+                            <a:lumOff val="60000"/>
+                          </a:schemeClr>
+                        </a:solidFill>
+                      </a:tcPr>
+                    </a:tc>
+                    <a:extLst>
+                      <a:ext uri="{0D108BD9-81ED-4DB2-BD59-A6C34878D82A}">
+                        <a16:rowId xmlns:a16="http://schemas.microsoft.com/office/drawing/2014/main" val="1102300851"/>
+                      </a:ext>
+                    </a:extLst>
+                  </a:tr>
+                </a:tbl>
+              </a:graphicData>
+            </a:graphic>
+          </p:graphicFrame>
+        </mc:Choice>
+        <mc:Fallback>
+          <p:graphicFrame>
+            <p:nvGraphicFramePr>
+              <p:cNvPr id="8" name="Table 6">
+                <a:extLst>
+                  <a:ext uri="{FF2B5EF4-FFF2-40B4-BE49-F238E27FC236}">
+                    <a16:creationId xmlns:a16="http://schemas.microsoft.com/office/drawing/2014/main" id="{EE3DF23D-DD20-9889-897E-0DD8E9BD1798}"/>
+                  </a:ext>
+                </a:extLst>
+              </p:cNvPr>
+              <p:cNvGraphicFramePr>
+                <a:graphicFrameLocks noGrp="1"/>
+              </p:cNvGraphicFramePr>
+              <p:nvPr>
+                <p:extLst>
+                  <p:ext uri="{D42A27DB-BD31-4B8C-83A1-F6EECF244321}">
+                    <p14:modId xmlns:p14="http://schemas.microsoft.com/office/powerpoint/2010/main" val="2301996997"/>
+                  </p:ext>
+                </p:extLst>
+              </p:nvPr>
+            </p:nvGraphicFramePr>
+            <p:xfrm>
+              <a:off x="1628308" y="5886156"/>
+              <a:ext cx="4919030" cy="670560"/>
+            </p:xfrm>
+            <a:graphic>
+              <a:graphicData uri="http://schemas.openxmlformats.org/drawingml/2006/table">
+                <a:tbl>
+                  <a:tblPr firstRow="1" bandRow="1">
+                    <a:tableStyleId>{5940675A-B579-460E-94D1-54222C63F5DA}</a:tableStyleId>
+                  </a:tblPr>
+                  <a:tblGrid>
+                    <a:gridCol w="1712769">
+                      <a:extLst>
+                        <a:ext uri="{9D8B030D-6E8A-4147-A177-3AD203B41FA5}">
+                          <a16:colId xmlns:a16="http://schemas.microsoft.com/office/drawing/2014/main" val="85563763"/>
+                        </a:ext>
+                      </a:extLst>
+                    </a:gridCol>
+                    <a:gridCol w="852854">
+                      <a:extLst>
+                        <a:ext uri="{9D8B030D-6E8A-4147-A177-3AD203B41FA5}">
+                          <a16:colId xmlns:a16="http://schemas.microsoft.com/office/drawing/2014/main" val="3628537185"/>
+                        </a:ext>
+                      </a:extLst>
+                    </a:gridCol>
+                    <a:gridCol w="1160584">
+                      <a:extLst>
+                        <a:ext uri="{9D8B030D-6E8A-4147-A177-3AD203B41FA5}">
+                          <a16:colId xmlns:a16="http://schemas.microsoft.com/office/drawing/2014/main" val="1465106393"/>
+                        </a:ext>
+                      </a:extLst>
+                    </a:gridCol>
+                    <a:gridCol w="1192823">
+                      <a:extLst>
+                        <a:ext uri="{9D8B030D-6E8A-4147-A177-3AD203B41FA5}">
+                          <a16:colId xmlns:a16="http://schemas.microsoft.com/office/drawing/2014/main" val="468673117"/>
+                        </a:ext>
+                      </a:extLst>
+                    </a:gridCol>
+                  </a:tblGrid>
+                  <a:tr h="304800">
+                    <a:tc>
+                      <a:txBody>
+                        <a:bodyPr/>
+                        <a:lstStyle/>
+                        <a:p>
+                          <a:endParaRPr lang="en-CH" sz="1400" dirty="0"/>
+                        </a:p>
+                      </a:txBody>
+                      <a:tcPr/>
+                    </a:tc>
+                    <a:tc>
+                      <a:txBody>
+                        <a:bodyPr/>
+                        <a:lstStyle/>
+                        <a:p>
+                          <a:pPr lvl="0" algn="ctr">
+                            <a:buNone/>
+                          </a:pPr>
+                          <a:r>
+                            <a:rPr lang="en-US" sz="1400" dirty="0"/>
+                            <a:t>Recall</a:t>
+                          </a:r>
+                        </a:p>
+                      </a:txBody>
+                      <a:tcPr>
+                        <a:noFill/>
+                      </a:tcPr>
+                    </a:tc>
+                    <a:tc>
+                      <a:txBody>
+                        <a:bodyPr/>
+                        <a:lstStyle/>
+                        <a:p>
+                          <a:pPr lvl="0" algn="ctr">
+                            <a:buNone/>
+                          </a:pPr>
+                          <a:r>
+                            <a:rPr lang="en-US" sz="1400"/>
+                            <a:t>Precision</a:t>
+                          </a:r>
+                        </a:p>
+                      </a:txBody>
+                      <a:tcPr>
+                        <a:noFill/>
+                      </a:tcPr>
+                    </a:tc>
+                    <a:tc>
+                      <a:txBody>
+                        <a:bodyPr/>
+                        <a:lstStyle/>
+                        <a:p>
+                          <a:pPr lvl="0" algn="ctr">
+                            <a:buNone/>
+                          </a:pPr>
+                          <a:r>
+                            <a:rPr lang="en-US" sz="1400"/>
+                            <a:t>F1</a:t>
+                          </a:r>
+                        </a:p>
+                      </a:txBody>
+                      <a:tcPr>
+                        <a:noFill/>
+                      </a:tcPr>
+                    </a:tc>
+                    <a:extLst>
+                      <a:ext uri="{0D108BD9-81ED-4DB2-BD59-A6C34878D82A}">
+                        <a16:rowId xmlns:a16="http://schemas.microsoft.com/office/drawing/2014/main" val="3691073050"/>
+                      </a:ext>
+                    </a:extLst>
+                  </a:tr>
+                  <a:tr h="365760">
+                    <a:tc>
+                      <a:txBody>
+                        <a:bodyPr/>
+                        <a:lstStyle/>
+                        <a:p>
+                          <a:pPr lvl="0">
+                            <a:buNone/>
+                          </a:pPr>
+                          <a:r>
+                            <a:rPr lang="en-US" sz="1400" i="1" dirty="0" err="1"/>
+                            <a:t>model_ab_old_opt</a:t>
+                          </a:r>
+                          <a:endParaRPr lang="en-US" sz="1400" i="1" dirty="0"/>
+                        </a:p>
+                      </a:txBody>
+                      <a:tcPr/>
+                    </a:tc>
+                    <a:tc>
+                      <a:txBody>
+                        <a:bodyPr/>
+                        <a:lstStyle/>
+                        <a:p>
                           <a:endParaRPr lang="en-CH"/>
                         </a:p>
                       </a:txBody>
                       <a:tcPr>
                         <a:blipFill>
-                          <a:blip r:embed="rId3"/>
+                          <a:blip r:embed="rId5"/>
                           <a:stretch>
-                            <a:fillRect l="-107865" t="-389655" r="-230337" b="-3448"/>
+                            <a:fillRect l="-202985" t="-89655" r="-279104" b="-3448"/>
                           </a:stretch>
                         </a:blipFill>
                       </a:tcPr>
@@ -9691,9 +10383,9 @@
                       </a:txBody>
                       <a:tcPr>
                         <a:blipFill>
-                          <a:blip r:embed="rId3"/>
+                          <a:blip r:embed="rId5"/>
                           <a:stretch>
-                            <a:fillRect l="-183168" t="-389655" r="-102970" b="-3448"/>
+                            <a:fillRect l="-220652" t="-89655" r="-103261" b="-3448"/>
                           </a:stretch>
                         </a:blipFill>
                       </a:tcPr>
@@ -9708,16 +10400,434 @@
                       </a:txBody>
                       <a:tcPr>
                         <a:blipFill>
-                          <a:blip r:embed="rId3"/>
+                          <a:blip r:embed="rId5"/>
                           <a:stretch>
-                            <a:fillRect l="-280392" t="-389655" r="-1961" b="-3448"/>
+                            <a:fillRect l="-313830" t="-89655" r="-1064" b="-3448"/>
                           </a:stretch>
                         </a:blipFill>
                       </a:tcPr>
                     </a:tc>
                     <a:extLst>
                       <a:ext uri="{0D108BD9-81ED-4DB2-BD59-A6C34878D82A}">
-                        <a16:rowId xmlns:a16="http://schemas.microsoft.com/office/drawing/2014/main" val="3785215777"/>
+                        <a16:rowId xmlns:a16="http://schemas.microsoft.com/office/drawing/2014/main" val="1102300851"/>
+                      </a:ext>
+                    </a:extLst>
+                  </a:tr>
+                </a:tbl>
+              </a:graphicData>
+            </a:graphic>
+          </p:graphicFrame>
+        </mc:Fallback>
+      </mc:AlternateContent>
+      <mc:AlternateContent xmlns:mc="http://schemas.openxmlformats.org/markup-compatibility/2006">
+        <mc:Choice xmlns:a14="http://schemas.microsoft.com/office/drawing/2010/main" Requires="a14">
+          <p:graphicFrame>
+            <p:nvGraphicFramePr>
+              <p:cNvPr id="9" name="Table 6">
+                <a:extLst>
+                  <a:ext uri="{FF2B5EF4-FFF2-40B4-BE49-F238E27FC236}">
+                    <a16:creationId xmlns:a16="http://schemas.microsoft.com/office/drawing/2014/main" id="{B23A28F7-B211-AD6C-4538-AD6F65C4011A}"/>
+                  </a:ext>
+                </a:extLst>
+              </p:cNvPr>
+              <p:cNvGraphicFramePr>
+                <a:graphicFrameLocks noGrp="1"/>
+              </p:cNvGraphicFramePr>
+              <p:nvPr>
+                <p:extLst>
+                  <p:ext uri="{D42A27DB-BD31-4B8C-83A1-F6EECF244321}">
+                    <p14:modId xmlns:p14="http://schemas.microsoft.com/office/powerpoint/2010/main" val="267136518"/>
+                  </p:ext>
+                </p:extLst>
+              </p:nvPr>
+            </p:nvGraphicFramePr>
+            <p:xfrm>
+              <a:off x="7246390" y="5886156"/>
+              <a:ext cx="3631095" cy="670560"/>
+            </p:xfrm>
+            <a:graphic>
+              <a:graphicData uri="http://schemas.openxmlformats.org/drawingml/2006/table">
+                <a:tbl>
+                  <a:tblPr firstRow="1" bandRow="1">
+                    <a:tableStyleId>{5940675A-B579-460E-94D1-54222C63F5DA}</a:tableStyleId>
+                  </a:tblPr>
+                  <a:tblGrid>
+                    <a:gridCol w="1589879">
+                      <a:extLst>
+                        <a:ext uri="{9D8B030D-6E8A-4147-A177-3AD203B41FA5}">
+                          <a16:colId xmlns:a16="http://schemas.microsoft.com/office/drawing/2014/main" val="85563763"/>
+                        </a:ext>
+                      </a:extLst>
+                    </a:gridCol>
+                    <a:gridCol w="1055077">
+                      <a:extLst>
+                        <a:ext uri="{9D8B030D-6E8A-4147-A177-3AD203B41FA5}">
+                          <a16:colId xmlns:a16="http://schemas.microsoft.com/office/drawing/2014/main" val="3628537185"/>
+                        </a:ext>
+                      </a:extLst>
+                    </a:gridCol>
+                    <a:gridCol w="986139">
+                      <a:extLst>
+                        <a:ext uri="{9D8B030D-6E8A-4147-A177-3AD203B41FA5}">
+                          <a16:colId xmlns:a16="http://schemas.microsoft.com/office/drawing/2014/main" val="1465106393"/>
+                        </a:ext>
+                      </a:extLst>
+                    </a:gridCol>
+                  </a:tblGrid>
+                  <a:tr h="212580">
+                    <a:tc>
+                      <a:txBody>
+                        <a:bodyPr/>
+                        <a:lstStyle/>
+                        <a:p>
+                          <a:endParaRPr lang="en-CH" sz="1400"/>
+                        </a:p>
+                      </a:txBody>
+                      <a:tcPr/>
+                    </a:tc>
+                    <a:tc>
+                      <a:txBody>
+                        <a:bodyPr/>
+                        <a:lstStyle/>
+                        <a:p>
+                          <a:pPr lvl="0" algn="ctr">
+                            <a:buNone/>
+                          </a:pPr>
+                          <a:r>
+                            <a:rPr lang="en-US" sz="1400" dirty="0"/>
+                            <a:t>F1 – </a:t>
+                          </a:r>
+                          <a:r>
+                            <a:rPr lang="en-US" sz="1400" i="1" dirty="0"/>
+                            <a:t>test1 </a:t>
+                          </a:r>
+                          <a:endParaRPr lang="en-US" sz="1400" dirty="0"/>
+                        </a:p>
+                      </a:txBody>
+                      <a:tcPr>
+                        <a:noFill/>
+                      </a:tcPr>
+                    </a:tc>
+                    <a:tc>
+                      <a:txBody>
+                        <a:bodyPr/>
+                        <a:lstStyle/>
+                        <a:p>
+                          <a:pPr lvl="0" algn="ctr">
+                            <a:buNone/>
+                          </a:pPr>
+                          <a:r>
+                            <a:rPr lang="en-US" sz="1400" dirty="0"/>
+                            <a:t>F1 – </a:t>
+                          </a:r>
+                          <a:r>
+                            <a:rPr lang="en-US" sz="1400" i="1" dirty="0"/>
+                            <a:t>test2</a:t>
+                          </a:r>
+                          <a:r>
+                            <a:rPr lang="en-US" sz="1400" i="0" dirty="0"/>
+                            <a:t> </a:t>
+                          </a:r>
+                          <a:endParaRPr lang="en-US" sz="1400" dirty="0"/>
+                        </a:p>
+                      </a:txBody>
+                      <a:tcPr>
+                        <a:noFill/>
+                      </a:tcPr>
+                    </a:tc>
+                    <a:extLst>
+                      <a:ext uri="{0D108BD9-81ED-4DB2-BD59-A6C34878D82A}">
+                        <a16:rowId xmlns:a16="http://schemas.microsoft.com/office/drawing/2014/main" val="3691073050"/>
+                      </a:ext>
+                    </a:extLst>
+                  </a:tr>
+                  <a:tr h="212580">
+                    <a:tc>
+                      <a:txBody>
+                        <a:bodyPr/>
+                        <a:lstStyle/>
+                        <a:p>
+                          <a:pPr lvl="0">
+                            <a:buNone/>
+                          </a:pPr>
+                          <a:r>
+                            <a:rPr lang="en-US" sz="1400" i="1" dirty="0" err="1"/>
+                            <a:t>model_ab_old_opt</a:t>
+                          </a:r>
+                          <a:endParaRPr lang="en-US" sz="1400" i="1" dirty="0"/>
+                        </a:p>
+                      </a:txBody>
+                      <a:tcPr/>
+                    </a:tc>
+                    <a:tc>
+                      <a:txBody>
+                        <a:bodyPr/>
+                        <a:lstStyle/>
+                        <a:p>
+                          <a:pPr lvl="0">
+                            <a:buNone/>
+                          </a:pPr>
+                          <a14:m>
+                            <m:oMathPara xmlns:m="http://schemas.openxmlformats.org/officeDocument/2006/math">
+                              <m:oMathParaPr>
+                                <m:jc m:val="centerGroup"/>
+                              </m:oMathParaPr>
+                              <m:oMath xmlns:m="http://schemas.openxmlformats.org/officeDocument/2006/math">
+                                <m:r>
+                                  <a:rPr lang="en-US" i="1" dirty="0" smtClean="0">
+                                    <a:latin typeface="Cambria Math" panose="02040503050406030204" pitchFamily="18" charset="0"/>
+                                  </a:rPr>
+                                  <m:t>0.</m:t>
+                                </m:r>
+                                <m:r>
+                                  <a:rPr lang="de-CH" b="0" i="1" dirty="0" smtClean="0">
+                                    <a:latin typeface="Cambria Math" panose="02040503050406030204" pitchFamily="18" charset="0"/>
+                                  </a:rPr>
+                                  <m:t>7352</m:t>
+                                </m:r>
+                              </m:oMath>
+                            </m:oMathPara>
+                          </a14:m>
+                          <a:endParaRPr lang="en-US" dirty="0"/>
+                        </a:p>
+                      </a:txBody>
+                      <a:tcPr>
+                        <a:solidFill>
+                          <a:schemeClr val="accent6">
+                            <a:lumMod val="40000"/>
+                            <a:lumOff val="60000"/>
+                          </a:schemeClr>
+                        </a:solidFill>
+                      </a:tcPr>
+                    </a:tc>
+                    <a:tc>
+                      <a:txBody>
+                        <a:bodyPr/>
+                        <a:lstStyle/>
+                        <a:p>
+                          <a:pPr lvl="0">
+                            <a:buNone/>
+                          </a:pPr>
+                          <a14:m>
+                            <m:oMathPara xmlns:m="http://schemas.openxmlformats.org/officeDocument/2006/math">
+                              <m:oMathParaPr>
+                                <m:jc m:val="centerGroup"/>
+                              </m:oMathParaPr>
+                              <m:oMath xmlns:m="http://schemas.openxmlformats.org/officeDocument/2006/math">
+                                <m:r>
+                                  <a:rPr lang="en-US" i="1" dirty="0" smtClean="0">
+                                    <a:latin typeface="Cambria Math" panose="02040503050406030204" pitchFamily="18" charset="0"/>
+                                  </a:rPr>
+                                  <m:t>0.</m:t>
+                                </m:r>
+                                <m:r>
+                                  <a:rPr lang="de-CH" b="0" i="1" dirty="0" smtClean="0">
+                                    <a:latin typeface="Cambria Math" panose="02040503050406030204" pitchFamily="18" charset="0"/>
+                                  </a:rPr>
+                                  <m:t>7269</m:t>
+                                </m:r>
+                              </m:oMath>
+                            </m:oMathPara>
+                          </a14:m>
+                          <a:endParaRPr lang="en-US" dirty="0"/>
+                        </a:p>
+                      </a:txBody>
+                      <a:tcPr>
+                        <a:solidFill>
+                          <a:schemeClr val="accent6">
+                            <a:lumMod val="40000"/>
+                            <a:lumOff val="60000"/>
+                          </a:schemeClr>
+                        </a:solidFill>
+                      </a:tcPr>
+                    </a:tc>
+                    <a:extLst>
+                      <a:ext uri="{0D108BD9-81ED-4DB2-BD59-A6C34878D82A}">
+                        <a16:rowId xmlns:a16="http://schemas.microsoft.com/office/drawing/2014/main" val="3314499718"/>
+                      </a:ext>
+                    </a:extLst>
+                  </a:tr>
+                </a:tbl>
+              </a:graphicData>
+            </a:graphic>
+          </p:graphicFrame>
+        </mc:Choice>
+        <mc:Fallback>
+          <p:graphicFrame>
+            <p:nvGraphicFramePr>
+              <p:cNvPr id="9" name="Table 6">
+                <a:extLst>
+                  <a:ext uri="{FF2B5EF4-FFF2-40B4-BE49-F238E27FC236}">
+                    <a16:creationId xmlns:a16="http://schemas.microsoft.com/office/drawing/2014/main" id="{B23A28F7-B211-AD6C-4538-AD6F65C4011A}"/>
+                  </a:ext>
+                </a:extLst>
+              </p:cNvPr>
+              <p:cNvGraphicFramePr>
+                <a:graphicFrameLocks noGrp="1"/>
+              </p:cNvGraphicFramePr>
+              <p:nvPr>
+                <p:extLst>
+                  <p:ext uri="{D42A27DB-BD31-4B8C-83A1-F6EECF244321}">
+                    <p14:modId xmlns:p14="http://schemas.microsoft.com/office/powerpoint/2010/main" val="267136518"/>
+                  </p:ext>
+                </p:extLst>
+              </p:nvPr>
+            </p:nvGraphicFramePr>
+            <p:xfrm>
+              <a:off x="7246390" y="5886156"/>
+              <a:ext cx="3631095" cy="670560"/>
+            </p:xfrm>
+            <a:graphic>
+              <a:graphicData uri="http://schemas.openxmlformats.org/drawingml/2006/table">
+                <a:tbl>
+                  <a:tblPr firstRow="1" bandRow="1">
+                    <a:tableStyleId>{5940675A-B579-460E-94D1-54222C63F5DA}</a:tableStyleId>
+                  </a:tblPr>
+                  <a:tblGrid>
+                    <a:gridCol w="1589879">
+                      <a:extLst>
+                        <a:ext uri="{9D8B030D-6E8A-4147-A177-3AD203B41FA5}">
+                          <a16:colId xmlns:a16="http://schemas.microsoft.com/office/drawing/2014/main" val="85563763"/>
+                        </a:ext>
+                      </a:extLst>
+                    </a:gridCol>
+                    <a:gridCol w="1055077">
+                      <a:extLst>
+                        <a:ext uri="{9D8B030D-6E8A-4147-A177-3AD203B41FA5}">
+                          <a16:colId xmlns:a16="http://schemas.microsoft.com/office/drawing/2014/main" val="3628537185"/>
+                        </a:ext>
+                      </a:extLst>
+                    </a:gridCol>
+                    <a:gridCol w="986139">
+                      <a:extLst>
+                        <a:ext uri="{9D8B030D-6E8A-4147-A177-3AD203B41FA5}">
+                          <a16:colId xmlns:a16="http://schemas.microsoft.com/office/drawing/2014/main" val="1465106393"/>
+                        </a:ext>
+                      </a:extLst>
+                    </a:gridCol>
+                  </a:tblGrid>
+                  <a:tr h="304800">
+                    <a:tc>
+                      <a:txBody>
+                        <a:bodyPr/>
+                        <a:lstStyle/>
+                        <a:p>
+                          <a:endParaRPr lang="en-CH" sz="1400"/>
+                        </a:p>
+                      </a:txBody>
+                      <a:tcPr/>
+                    </a:tc>
+                    <a:tc>
+                      <a:txBody>
+                        <a:bodyPr/>
+                        <a:lstStyle/>
+                        <a:p>
+                          <a:pPr lvl="0" algn="ctr">
+                            <a:buNone/>
+                          </a:pPr>
+                          <a:r>
+                            <a:rPr lang="en-US" sz="1400" dirty="0"/>
+                            <a:t>F1 – </a:t>
+                          </a:r>
+                          <a:r>
+                            <a:rPr lang="en-US" sz="1400" i="1" dirty="0"/>
+                            <a:t>test1 </a:t>
+                          </a:r>
+                          <a:endParaRPr lang="en-US" sz="1400" dirty="0"/>
+                        </a:p>
+                      </a:txBody>
+                      <a:tcPr>
+                        <a:noFill/>
+                      </a:tcPr>
+                    </a:tc>
+                    <a:tc>
+                      <a:txBody>
+                        <a:bodyPr/>
+                        <a:lstStyle/>
+                        <a:p>
+                          <a:pPr lvl="0" algn="ctr">
+                            <a:buNone/>
+                          </a:pPr>
+                          <a:r>
+                            <a:rPr lang="en-US" sz="1400" dirty="0"/>
+                            <a:t>F1 – </a:t>
+                          </a:r>
+                          <a:r>
+                            <a:rPr lang="en-US" sz="1400" i="1" dirty="0"/>
+                            <a:t>test2</a:t>
+                          </a:r>
+                          <a:r>
+                            <a:rPr lang="en-US" sz="1400" i="0" dirty="0"/>
+                            <a:t> </a:t>
+                          </a:r>
+                          <a:endParaRPr lang="en-US" sz="1400" dirty="0"/>
+                        </a:p>
+                      </a:txBody>
+                      <a:tcPr>
+                        <a:noFill/>
+                      </a:tcPr>
+                    </a:tc>
+                    <a:extLst>
+                      <a:ext uri="{0D108BD9-81ED-4DB2-BD59-A6C34878D82A}">
+                        <a16:rowId xmlns:a16="http://schemas.microsoft.com/office/drawing/2014/main" val="3691073050"/>
+                      </a:ext>
+                    </a:extLst>
+                  </a:tr>
+                  <a:tr h="365760">
+                    <a:tc>
+                      <a:txBody>
+                        <a:bodyPr/>
+                        <a:lstStyle/>
+                        <a:p>
+                          <a:pPr lvl="0">
+                            <a:buNone/>
+                          </a:pPr>
+                          <a:r>
+                            <a:rPr lang="en-US" sz="1400" i="1" dirty="0" err="1"/>
+                            <a:t>model_ab_old_opt</a:t>
+                          </a:r>
+                          <a:endParaRPr lang="en-US" sz="1400" i="1" dirty="0"/>
+                        </a:p>
+                      </a:txBody>
+                      <a:tcPr/>
+                    </a:tc>
+                    <a:tc>
+                      <a:txBody>
+                        <a:bodyPr/>
+                        <a:lstStyle/>
+                        <a:p>
+                          <a:endParaRPr lang="en-CH"/>
+                        </a:p>
+                      </a:txBody>
+                      <a:tcPr>
+                        <a:blipFill>
+                          <a:blip r:embed="rId6"/>
+                          <a:stretch>
+                            <a:fillRect l="-153012" t="-89655" r="-95181" b="-3448"/>
+                          </a:stretch>
+                        </a:blipFill>
+                      </a:tcPr>
+                    </a:tc>
+                    <a:tc>
+                      <a:txBody>
+                        <a:bodyPr/>
+                        <a:lstStyle/>
+                        <a:p>
+                          <a:endParaRPr lang="en-CH"/>
+                        </a:p>
+                      </a:txBody>
+                      <a:tcPr>
+                        <a:blipFill>
+                          <a:blip r:embed="rId6"/>
+                          <a:stretch>
+                            <a:fillRect l="-269231" t="-89655" r="-1282" b="-3448"/>
+                          </a:stretch>
+                        </a:blipFill>
+                      </a:tcPr>
+                    </a:tc>
+                    <a:extLst>
+                      <a:ext uri="{0D108BD9-81ED-4DB2-BD59-A6C34878D82A}">
+                        <a16:rowId xmlns:a16="http://schemas.microsoft.com/office/drawing/2014/main" val="3314499718"/>
                       </a:ext>
                     </a:extLst>
                   </a:tr>
@@ -9885,14 +10995,6 @@
             </a:r>
           </a:p>
           <a:p>
-            <a:pPr marL="457200" lvl="1" indent="0">
-              <a:buNone/>
-            </a:pPr>
-            <a:endParaRPr lang="en-US" dirty="0">
-              <a:sym typeface="Wingdings" pitchFamily="2" charset="2"/>
-            </a:endParaRPr>
-          </a:p>
-          <a:p>
             <a:r>
               <a:rPr lang="en-US" dirty="0">
                 <a:sym typeface="Wingdings" pitchFamily="2" charset="2"/>
@@ -9944,7 +11046,7 @@
               <a:rPr lang="en-US" dirty="0">
                 <a:sym typeface="Wingdings" pitchFamily="2" charset="2"/>
               </a:rPr>
-              <a:t>Feature selection has a big impact on performance</a:t>
+              <a:t>Algorithms &amp; models</a:t>
             </a:r>
           </a:p>
           <a:p>
@@ -9966,6 +11068,27 @@
                 <a:sym typeface="Wingdings" pitchFamily="2" charset="2"/>
               </a:rPr>
               <a:t> grid search  do better research before implementing algorithms available online</a:t>
+            </a:r>
+          </a:p>
+          <a:p>
+            <a:pPr lvl="1"/>
+            <a:r>
+              <a:rPr lang="en-US" dirty="0">
+                <a:sym typeface="Wingdings" pitchFamily="2" charset="2"/>
+              </a:rPr>
+              <a:t>don’t just assume a </a:t>
+            </a:r>
+            <a:r>
+              <a:rPr lang="en-US" dirty="0" err="1">
+                <a:sym typeface="Wingdings" pitchFamily="2" charset="2"/>
+              </a:rPr>
+              <a:t>cnn</a:t>
+            </a:r>
+            <a:r>
+              <a:rPr lang="en-US" dirty="0">
+                <a:sym typeface="Wingdings" pitchFamily="2" charset="2"/>
+              </a:rPr>
+              <a:t> is going to perform best just because it is a deep learning algorithm  don’t discard older/easier models too soon (as can be seen in this case: older model is actually the best!)</a:t>
             </a:r>
           </a:p>
           <a:p>
@@ -15712,8 +16835,8 @@
           </a:p>
         </p:txBody>
       </p:sp>
-      <mc:AlternateContent xmlns:mc="http://schemas.openxmlformats.org/markup-compatibility/2006">
-        <mc:Choice xmlns:a14="http://schemas.microsoft.com/office/drawing/2010/main" Requires="a14">
+      <mc:AlternateContent xmlns:mc="http://schemas.openxmlformats.org/markup-compatibility/2006" xmlns:a14="http://schemas.microsoft.com/office/drawing/2010/main">
+        <mc:Choice Requires="a14">
           <p:sp>
             <p:nvSpPr>
               <p:cNvPr id="3" name="Content Placeholder 2">
@@ -16020,14 +17143,7 @@
                         <a:latin typeface="Cambria Math" panose="02040503050406030204" pitchFamily="18" charset="0"/>
                         <a:sym typeface="Wingdings" pitchFamily="2" charset="2"/>
                       </a:rPr>
-                      <m:t>4.</m:t>
-                    </m:r>
-                    <m:r>
-                      <a:rPr lang="de-CH" b="0" i="1" smtClean="0">
-                        <a:latin typeface="Cambria Math" panose="02040503050406030204" pitchFamily="18" charset="0"/>
-                        <a:sym typeface="Wingdings" pitchFamily="2" charset="2"/>
-                      </a:rPr>
-                      <m:t>6</m:t>
+                      <m:t>4.6</m:t>
                     </m:r>
                   </m:oMath>
                 </a14:m>
@@ -16103,7 +17219,7 @@
             </p:txBody>
           </p:sp>
         </mc:Choice>
-        <mc:Fallback>
+        <mc:Fallback xmlns="">
           <p:sp>
             <p:nvSpPr>
               <p:cNvPr id="3" name="Content Placeholder 2">
@@ -17761,8 +18877,8 @@
           </a:p>
         </p:txBody>
       </p:sp>
-      <mc:AlternateContent xmlns:mc="http://schemas.openxmlformats.org/markup-compatibility/2006">
-        <mc:Choice xmlns:a14="http://schemas.microsoft.com/office/drawing/2010/main" Requires="a14">
+      <mc:AlternateContent xmlns:mc="http://schemas.openxmlformats.org/markup-compatibility/2006" xmlns:a14="http://schemas.microsoft.com/office/drawing/2010/main">
+        <mc:Choice Requires="a14">
           <p:graphicFrame>
             <p:nvGraphicFramePr>
               <p:cNvPr id="10" name="Table 9">
@@ -18032,31 +19148,7 @@
                                       <a:rPr lang="de-CH" sz="1200" b="0" i="1" smtClean="0">
                                         <a:latin typeface="Cambria Math" panose="02040503050406030204" pitchFamily="18" charset="0"/>
                                       </a:rPr>
-                                      <m:t>8</m:t>
-                                    </m:r>
-                                    <m:r>
-                                      <a:rPr lang="de-CH" sz="1200" b="0" i="1" smtClean="0">
-                                        <a:latin typeface="Cambria Math" panose="02040503050406030204" pitchFamily="18" charset="0"/>
-                                      </a:rPr>
-                                      <m:t>,</m:t>
-                                    </m:r>
-                                    <m:r>
-                                      <a:rPr lang="de-CH" sz="1200" b="0" i="1" smtClean="0">
-                                        <a:latin typeface="Cambria Math" panose="02040503050406030204" pitchFamily="18" charset="0"/>
-                                      </a:rPr>
-                                      <m:t>8</m:t>
-                                    </m:r>
-                                    <m:r>
-                                      <a:rPr lang="de-CH" sz="1200" b="0" i="1" smtClean="0">
-                                        <a:latin typeface="Cambria Math" panose="02040503050406030204" pitchFamily="18" charset="0"/>
-                                      </a:rPr>
-                                      <m:t>,</m:t>
-                                    </m:r>
-                                    <m:r>
-                                      <a:rPr lang="de-CH" sz="1200" b="0" i="1" smtClean="0">
-                                        <a:latin typeface="Cambria Math" panose="02040503050406030204" pitchFamily="18" charset="0"/>
-                                      </a:rPr>
-                                      <m:t>8</m:t>
+                                      <m:t>8,8,8</m:t>
                                     </m:r>
                                   </m:e>
                                 </m:d>
@@ -18079,31 +19171,7 @@
                                       <a:rPr lang="de-CH" sz="1200" b="0" i="1" smtClean="0">
                                         <a:latin typeface="Cambria Math" panose="02040503050406030204" pitchFamily="18" charset="0"/>
                                       </a:rPr>
-                                      <m:t>10</m:t>
-                                    </m:r>
-                                    <m:r>
-                                      <a:rPr lang="de-CH" sz="1200" b="0" i="1" smtClean="0">
-                                        <a:latin typeface="Cambria Math" panose="02040503050406030204" pitchFamily="18" charset="0"/>
-                                      </a:rPr>
-                                      <m:t>,</m:t>
-                                    </m:r>
-                                    <m:r>
-                                      <a:rPr lang="de-CH" sz="1200" b="0" i="1" smtClean="0">
-                                        <a:latin typeface="Cambria Math" panose="02040503050406030204" pitchFamily="18" charset="0"/>
-                                      </a:rPr>
-                                      <m:t>10</m:t>
-                                    </m:r>
-                                    <m:r>
-                                      <a:rPr lang="de-CH" sz="1200" b="0" i="1" smtClean="0">
-                                        <a:latin typeface="Cambria Math" panose="02040503050406030204" pitchFamily="18" charset="0"/>
-                                      </a:rPr>
-                                      <m:t>,</m:t>
-                                    </m:r>
-                                    <m:r>
-                                      <a:rPr lang="de-CH" sz="1200" b="0" i="1" smtClean="0">
-                                        <a:latin typeface="Cambria Math" panose="02040503050406030204" pitchFamily="18" charset="0"/>
-                                      </a:rPr>
-                                      <m:t>10</m:t>
+                                      <m:t>10,10,10</m:t>
                                     </m:r>
                                   </m:e>
                                 </m:d>
@@ -18126,37 +19194,7 @@
                                       <a:rPr lang="de-CH" sz="1200" b="0" i="1" smtClean="0">
                                         <a:latin typeface="Cambria Math" panose="02040503050406030204" pitchFamily="18" charset="0"/>
                                       </a:rPr>
-                                      <m:t>1</m:t>
-                                    </m:r>
-                                    <m:r>
-                                      <a:rPr lang="de-CH" sz="1200" b="0" i="1" smtClean="0">
-                                        <a:latin typeface="Cambria Math" panose="02040503050406030204" pitchFamily="18" charset="0"/>
-                                      </a:rPr>
-                                      <m:t>2</m:t>
-                                    </m:r>
-                                    <m:r>
-                                      <a:rPr lang="de-CH" sz="1200" b="0" i="1" smtClean="0">
-                                        <a:latin typeface="Cambria Math" panose="02040503050406030204" pitchFamily="18" charset="0"/>
-                                      </a:rPr>
-                                      <m:t>,1</m:t>
-                                    </m:r>
-                                    <m:r>
-                                      <a:rPr lang="de-CH" sz="1200" b="0" i="1" smtClean="0">
-                                        <a:latin typeface="Cambria Math" panose="02040503050406030204" pitchFamily="18" charset="0"/>
-                                      </a:rPr>
-                                      <m:t>2</m:t>
-                                    </m:r>
-                                    <m:r>
-                                      <a:rPr lang="de-CH" sz="1200" b="0" i="1" smtClean="0">
-                                        <a:latin typeface="Cambria Math" panose="02040503050406030204" pitchFamily="18" charset="0"/>
-                                      </a:rPr>
-                                      <m:t>,1</m:t>
-                                    </m:r>
-                                    <m:r>
-                                      <a:rPr lang="de-CH" sz="1200" b="0" i="1" smtClean="0">
-                                        <a:latin typeface="Cambria Math" panose="02040503050406030204" pitchFamily="18" charset="0"/>
-                                      </a:rPr>
-                                      <m:t>2</m:t>
+                                      <m:t>12,12,12</m:t>
                                     </m:r>
                                   </m:e>
                                 </m:d>
@@ -18164,13 +19202,7 @@
                                   <a:rPr lang="de-CH" sz="1200" b="0" i="1" smtClean="0">
                                     <a:latin typeface="Cambria Math" panose="02040503050406030204" pitchFamily="18" charset="0"/>
                                   </a:rPr>
-                                  <m:t>,(15,15,15)</m:t>
-                                </m:r>
-                                <m:r>
-                                  <a:rPr lang="de-CH" sz="1200" b="0" i="1" smtClean="0">
-                                    <a:latin typeface="Cambria Math" panose="02040503050406030204" pitchFamily="18" charset="0"/>
-                                  </a:rPr>
-                                  <m:t>]</m:t>
+                                  <m:t>,(15,15,15)]</m:t>
                                 </m:r>
                               </m:oMath>
                             </m:oMathPara>
@@ -18198,37 +19230,7 @@
                                   <a:rPr lang="de-CH" sz="1200" b="0" i="1" smtClean="0">
                                     <a:latin typeface="Cambria Math" panose="02040503050406030204" pitchFamily="18" charset="0"/>
                                   </a:rPr>
-                                  <m:t>(15</m:t>
-                                </m:r>
-                                <m:r>
-                                  <a:rPr lang="de-CH" sz="1200" b="0" i="1" smtClean="0">
-                                    <a:latin typeface="Cambria Math" panose="02040503050406030204" pitchFamily="18" charset="0"/>
-                                  </a:rPr>
-                                  <m:t>, 1</m:t>
-                                </m:r>
-                                <m:r>
-                                  <a:rPr lang="de-CH" sz="1200" b="0" i="1" smtClean="0">
-                                    <a:latin typeface="Cambria Math" panose="02040503050406030204" pitchFamily="18" charset="0"/>
-                                  </a:rPr>
-                                  <m:t>5</m:t>
-                                </m:r>
-                                <m:r>
-                                  <a:rPr lang="de-CH" sz="1200" b="0" i="1" smtClean="0">
-                                    <a:latin typeface="Cambria Math" panose="02040503050406030204" pitchFamily="18" charset="0"/>
-                                  </a:rPr>
-                                  <m:t>, 1</m:t>
-                                </m:r>
-                                <m:r>
-                                  <a:rPr lang="de-CH" sz="1200" b="0" i="1" smtClean="0">
-                                    <a:latin typeface="Cambria Math" panose="02040503050406030204" pitchFamily="18" charset="0"/>
-                                  </a:rPr>
-                                  <m:t>5</m:t>
-                                </m:r>
-                                <m:r>
-                                  <a:rPr lang="de-CH" sz="1200" b="0" i="1" smtClean="0">
-                                    <a:latin typeface="Cambria Math" panose="02040503050406030204" pitchFamily="18" charset="0"/>
-                                  </a:rPr>
-                                  <m:t>)</m:t>
+                                  <m:t>(15, 15, 15)</m:t>
                                 </m:r>
                               </m:oMath>
                             </m:oMathPara>
@@ -18990,19 +19992,7 @@
                                 <a:rPr lang="de-CH" sz="1200" b="0" i="1" smtClean="0">
                                   <a:latin typeface="Cambria Math" panose="02040503050406030204" pitchFamily="18" charset="0"/>
                                 </a:rPr>
-                                <m:t>0.</m:t>
-                              </m:r>
-                              <m:r>
-                                <a:rPr lang="de-CH" sz="1200" b="0" i="1" smtClean="0">
-                                  <a:latin typeface="Cambria Math" panose="02040503050406030204" pitchFamily="18" charset="0"/>
-                                </a:rPr>
-                                <m:t>0</m:t>
-                              </m:r>
-                              <m:r>
-                                <a:rPr lang="de-CH" sz="1200" b="0" i="1" smtClean="0">
-                                  <a:latin typeface="Cambria Math" panose="02040503050406030204" pitchFamily="18" charset="0"/>
-                                </a:rPr>
-                                <m:t>1</m:t>
+                                <m:t>0.01</m:t>
                               </m:r>
                             </m:oMath>
                           </a14:m>
@@ -19147,19 +20137,7 @@
                                 <a:rPr lang="de-CH" sz="1200" b="0" i="1" smtClean="0">
                                   <a:latin typeface="Cambria Math" panose="02040503050406030204" pitchFamily="18" charset="0"/>
                                 </a:rPr>
-                                <m:t>0.</m:t>
-                              </m:r>
-                              <m:r>
-                                <a:rPr lang="de-CH" sz="1200" b="0" i="1" smtClean="0">
-                                  <a:latin typeface="Cambria Math" panose="02040503050406030204" pitchFamily="18" charset="0"/>
-                                </a:rPr>
-                                <m:t>0</m:t>
-                              </m:r>
-                              <m:r>
-                                <a:rPr lang="de-CH" sz="1200" b="0" i="1" smtClean="0">
-                                  <a:latin typeface="Cambria Math" panose="02040503050406030204" pitchFamily="18" charset="0"/>
-                                </a:rPr>
-                                <m:t>1</m:t>
+                                <m:t>0.01</m:t>
                               </m:r>
                             </m:oMath>
                           </a14:m>
@@ -19231,7 +20209,7 @@
             </a:graphic>
           </p:graphicFrame>
         </mc:Choice>
-        <mc:Fallback>
+        <mc:Fallback xmlns="">
           <p:graphicFrame>
             <p:nvGraphicFramePr>
               <p:cNvPr id="10" name="Table 9">
@@ -19891,8 +20869,8 @@
           </p:graphicFrame>
         </mc:Fallback>
       </mc:AlternateContent>
-      <mc:AlternateContent xmlns:mc="http://schemas.openxmlformats.org/markup-compatibility/2006">
-        <mc:Choice xmlns:a14="http://schemas.microsoft.com/office/drawing/2010/main" Requires="a14">
+      <mc:AlternateContent xmlns:mc="http://schemas.openxmlformats.org/markup-compatibility/2006" xmlns:a14="http://schemas.microsoft.com/office/drawing/2010/main">
+        <mc:Choice Requires="a14">
           <p:graphicFrame>
             <p:nvGraphicFramePr>
               <p:cNvPr id="3" name="Table 2">
@@ -20217,13 +21195,7 @@
                                   <a:rPr lang="de-CH" sz="1200" b="0" i="1" smtClean="0">
                                     <a:latin typeface="Cambria Math" panose="02040503050406030204" pitchFamily="18" charset="0"/>
                                   </a:rPr>
-                                  <m:t>,(100,100,100)</m:t>
-                                </m:r>
-                                <m:r>
-                                  <a:rPr lang="de-CH" sz="1200" b="0" i="1" smtClean="0">
-                                    <a:latin typeface="Cambria Math" panose="02040503050406030204" pitchFamily="18" charset="0"/>
-                                  </a:rPr>
-                                  <m:t>]</m:t>
+                                  <m:t>,(100,100,100)]</m:t>
                                 </m:r>
                               </m:oMath>
                             </m:oMathPara>
@@ -20251,37 +21223,7 @@
                                   <a:rPr lang="de-CH" sz="1200" b="0" i="1" smtClean="0">
                                     <a:latin typeface="Cambria Math" panose="02040503050406030204" pitchFamily="18" charset="0"/>
                                   </a:rPr>
-                                  <m:t>(100</m:t>
-                                </m:r>
-                                <m:r>
-                                  <a:rPr lang="de-CH" sz="1200" b="0" i="1" smtClean="0">
-                                    <a:latin typeface="Cambria Math" panose="02040503050406030204" pitchFamily="18" charset="0"/>
-                                  </a:rPr>
-                                  <m:t>, 1</m:t>
-                                </m:r>
-                                <m:r>
-                                  <a:rPr lang="de-CH" sz="1200" b="0" i="1" smtClean="0">
-                                    <a:latin typeface="Cambria Math" panose="02040503050406030204" pitchFamily="18" charset="0"/>
-                                  </a:rPr>
-                                  <m:t>00</m:t>
-                                </m:r>
-                                <m:r>
-                                  <a:rPr lang="de-CH" sz="1200" b="0" i="1" smtClean="0">
-                                    <a:latin typeface="Cambria Math" panose="02040503050406030204" pitchFamily="18" charset="0"/>
-                                  </a:rPr>
-                                  <m:t>, 1</m:t>
-                                </m:r>
-                                <m:r>
-                                  <a:rPr lang="de-CH" sz="1200" b="0" i="1" smtClean="0">
-                                    <a:latin typeface="Cambria Math" panose="02040503050406030204" pitchFamily="18" charset="0"/>
-                                  </a:rPr>
-                                  <m:t>00</m:t>
-                                </m:r>
-                                <m:r>
-                                  <a:rPr lang="de-CH" sz="1200" b="0" i="1" smtClean="0">
-                                    <a:latin typeface="Cambria Math" panose="02040503050406030204" pitchFamily="18" charset="0"/>
-                                  </a:rPr>
-                                  <m:t>)</m:t>
+                                  <m:t>(100, 100, 100)</m:t>
                                 </m:r>
                               </m:oMath>
                             </m:oMathPara>
@@ -21045,19 +21987,7 @@
                                 <a:rPr lang="de-CH" sz="1200" b="0" i="1" smtClean="0">
                                   <a:latin typeface="Cambria Math" panose="02040503050406030204" pitchFamily="18" charset="0"/>
                                 </a:rPr>
-                                <m:t>0.</m:t>
-                              </m:r>
-                              <m:r>
-                                <a:rPr lang="de-CH" sz="1200" b="0" i="1" smtClean="0">
-                                  <a:latin typeface="Cambria Math" panose="02040503050406030204" pitchFamily="18" charset="0"/>
-                                </a:rPr>
-                                <m:t>0</m:t>
-                              </m:r>
-                              <m:r>
-                                <a:rPr lang="de-CH" sz="1200" b="0" i="1" smtClean="0">
-                                  <a:latin typeface="Cambria Math" panose="02040503050406030204" pitchFamily="18" charset="0"/>
-                                </a:rPr>
-                                <m:t>1</m:t>
+                                <m:t>0.01</m:t>
                               </m:r>
                             </m:oMath>
                           </a14:m>
@@ -21202,19 +22132,7 @@
                                 <a:rPr lang="de-CH" sz="1200" b="0" i="1" smtClean="0">
                                   <a:latin typeface="Cambria Math" panose="02040503050406030204" pitchFamily="18" charset="0"/>
                                 </a:rPr>
-                                <m:t>0.</m:t>
-                              </m:r>
-                              <m:r>
-                                <a:rPr lang="de-CH" sz="1200" b="0" i="1" smtClean="0">
-                                  <a:latin typeface="Cambria Math" panose="02040503050406030204" pitchFamily="18" charset="0"/>
-                                </a:rPr>
-                                <m:t>0</m:t>
-                              </m:r>
-                              <m:r>
-                                <a:rPr lang="de-CH" sz="1200" b="0" i="1" smtClean="0">
-                                  <a:latin typeface="Cambria Math" panose="02040503050406030204" pitchFamily="18" charset="0"/>
-                                </a:rPr>
-                                <m:t>1</m:t>
+                                <m:t>0.01</m:t>
                               </m:r>
                             </m:oMath>
                           </a14:m>
@@ -21286,7 +22204,7 @@
             </a:graphic>
           </p:graphicFrame>
         </mc:Choice>
-        <mc:Fallback>
+        <mc:Fallback xmlns="">
           <p:graphicFrame>
             <p:nvGraphicFramePr>
               <p:cNvPr id="3" name="Table 2">
@@ -22471,8 +23389,8 @@
           </a:p>
         </p:txBody>
       </p:sp>
-      <mc:AlternateContent xmlns:mc="http://schemas.openxmlformats.org/markup-compatibility/2006">
-        <mc:Choice xmlns:a14="http://schemas.microsoft.com/office/drawing/2010/main" Requires="a14">
+      <mc:AlternateContent xmlns:mc="http://schemas.openxmlformats.org/markup-compatibility/2006" xmlns:a14="http://schemas.microsoft.com/office/drawing/2010/main">
+        <mc:Choice Requires="a14">
           <p:graphicFrame>
             <p:nvGraphicFramePr>
               <p:cNvPr id="10" name="Table 9">
@@ -22591,13 +23509,7 @@
                                 <a:rPr lang="en-CH" sz="1200" i="1" dirty="0" smtClean="0">
                                   <a:latin typeface="Cambria Math" panose="02040503050406030204" pitchFamily="18" charset="0"/>
                                 </a:rPr>
-                                <m:t>2</m:t>
-                              </m:r>
-                              <m:r>
-                                <a:rPr lang="en-CH" sz="1200" i="1" dirty="0" smtClean="0">
-                                  <a:latin typeface="Cambria Math" panose="02040503050406030204" pitchFamily="18" charset="0"/>
-                                </a:rPr>
-                                <m:t>0</m:t>
+                                <m:t>20</m:t>
                               </m:r>
                             </m:oMath>
                           </a14:m>
@@ -22872,13 +23784,7 @@
                                 <a:rPr lang="en-CH" sz="1200" i="1" dirty="0" smtClean="0">
                                   <a:latin typeface="Cambria Math" panose="02040503050406030204" pitchFamily="18" charset="0"/>
                                 </a:rPr>
-                                <m:t>5</m:t>
-                              </m:r>
-                              <m:r>
-                                <a:rPr lang="en-CH" sz="1200" i="1" dirty="0" smtClean="0">
-                                  <a:latin typeface="Cambria Math" panose="02040503050406030204" pitchFamily="18" charset="0"/>
-                                </a:rPr>
-                                <m:t>0</m:t>
+                                <m:t>50</m:t>
                               </m:r>
                             </m:oMath>
                           </a14:m>
@@ -22996,13 +23902,7 @@
                                 <a:rPr lang="en-CH" sz="1200" i="1" dirty="0" smtClean="0">
                                   <a:latin typeface="Cambria Math" panose="02040503050406030204" pitchFamily="18" charset="0"/>
                                 </a:rPr>
-                                <m:t>2</m:t>
-                              </m:r>
-                              <m:r>
-                                <a:rPr lang="en-CH" sz="1200" i="1" dirty="0" smtClean="0">
-                                  <a:latin typeface="Cambria Math" panose="02040503050406030204" pitchFamily="18" charset="0"/>
-                                </a:rPr>
-                                <m:t>0</m:t>
+                                <m:t>20</m:t>
                               </m:r>
                             </m:oMath>
                           </a14:m>
@@ -23622,7 +24522,7 @@
             </a:graphic>
           </p:graphicFrame>
         </mc:Choice>
-        <mc:Fallback>
+        <mc:Fallback xmlns="">
           <p:graphicFrame>
             <p:nvGraphicFramePr>
               <p:cNvPr id="10" name="Table 9">
@@ -24836,8 +25736,8 @@
           </a:p>
         </p:txBody>
       </p:sp>
-      <mc:AlternateContent xmlns:mc="http://schemas.openxmlformats.org/markup-compatibility/2006">
-        <mc:Choice xmlns:a14="http://schemas.microsoft.com/office/drawing/2010/main" Requires="a14">
+      <mc:AlternateContent xmlns:mc="http://schemas.openxmlformats.org/markup-compatibility/2006" xmlns:a14="http://schemas.microsoft.com/office/drawing/2010/main">
+        <mc:Choice Requires="a14">
           <p:graphicFrame>
             <p:nvGraphicFramePr>
               <p:cNvPr id="9" name="Table 8">
@@ -25536,7 +26436,7 @@
             </a:graphic>
           </p:graphicFrame>
         </mc:Choice>
-        <mc:Fallback>
+        <mc:Fallback xmlns="">
           <p:graphicFrame>
             <p:nvGraphicFramePr>
               <p:cNvPr id="9" name="Table 8">
@@ -26355,8 +27255,8 @@
           </a:p>
         </p:txBody>
       </p:sp>
-      <mc:AlternateContent xmlns:mc="http://schemas.openxmlformats.org/markup-compatibility/2006">
-        <mc:Choice xmlns:a14="http://schemas.microsoft.com/office/drawing/2010/main" Requires="a14">
+      <mc:AlternateContent xmlns:mc="http://schemas.openxmlformats.org/markup-compatibility/2006" xmlns:a14="http://schemas.microsoft.com/office/drawing/2010/main">
+        <mc:Choice Requires="a14">
           <p:graphicFrame>
             <p:nvGraphicFramePr>
               <p:cNvPr id="3" name="Table 6">
@@ -26992,7 +27892,7 @@
             </a:graphic>
           </p:graphicFrame>
         </mc:Choice>
-        <mc:Fallback>
+        <mc:Fallback xmlns="">
           <p:graphicFrame>
             <p:nvGraphicFramePr>
               <p:cNvPr id="3" name="Table 6">
